--- a/Class Project/Class Project - Cohort 7.pptx
+++ b/Class Project/Class Project - Cohort 7.pptx
@@ -1,54 +1,41 @@
 
 <file path=ppt/presentation.xml><?xml version="1.0" encoding="utf-8"?>
-<p:presentation xmlns:a="http://schemas.openxmlformats.org/drawingml/2006/main" xmlns:r="http://schemas.openxmlformats.org/officeDocument/2006/relationships" xmlns:p="http://schemas.openxmlformats.org/presentationml/2006/main" strictFirstAndLastChars="0" embedTrueTypeFonts="1" saveSubsetFonts="1" autoCompressPictures="0">
+<p:presentation xmlns:a="http://schemas.openxmlformats.org/drawingml/2006/main" xmlns:r="http://schemas.openxmlformats.org/officeDocument/2006/relationships" xmlns:mc="http://schemas.openxmlformats.org/markup-compatibility/2006" xmlns:mv="urn:schemas-microsoft-com:mac:vml" xmlns:p="http://schemas.openxmlformats.org/presentationml/2006/main" xmlns:c="http://schemas.openxmlformats.org/drawingml/2006/chart" xmlns:dgm="http://schemas.openxmlformats.org/drawingml/2006/diagram" xmlns:o="urn:schemas-microsoft-com:office:office" xmlns:v="urn:schemas-microsoft-com:vml" xmlns:pvml="urn:schemas-microsoft-com:office:powerpoint" xmlns:com="http://schemas.openxmlformats.org/drawingml/2006/compatibility" xmlns:p14="http://schemas.microsoft.com/office/powerpoint/2010/main" xmlns:p15="http://schemas.microsoft.com/office/powerpoint/2012/main" autoCompressPictures="0" embedTrueTypeFonts="1" strictFirstAndLastChars="0" saveSubsetFonts="1">
   <p:sldMasterIdLst>
-    <p:sldMasterId id="2147483660" r:id="rId1"/>
+    <p:sldMasterId id="2147483660" r:id="rId4"/>
   </p:sldMasterIdLst>
   <p:notesMasterIdLst>
-    <p:notesMasterId r:id="rId8"/>
+    <p:notesMasterId r:id="rId5"/>
   </p:notesMasterIdLst>
   <p:sldIdLst>
-    <p:sldId id="256" r:id="rId2"/>
-    <p:sldId id="257" r:id="rId3"/>
-    <p:sldId id="258" r:id="rId4"/>
-    <p:sldId id="259" r:id="rId5"/>
-    <p:sldId id="260" r:id="rId6"/>
-    <p:sldId id="261" r:id="rId7"/>
+    <p:sldId id="256" r:id="rId6"/>
+    <p:sldId id="257" r:id="rId7"/>
+    <p:sldId id="258" r:id="rId8"/>
+    <p:sldId id="259" r:id="rId9"/>
+    <p:sldId id="260" r:id="rId10"/>
+    <p:sldId id="261" r:id="rId11"/>
+    <p:sldId id="262" r:id="rId12"/>
   </p:sldIdLst>
-  <p:sldSz cx="12192000" cy="6858000"/>
+  <p:sldSz cy="6858000" cx="12192000"/>
   <p:notesSz cx="6858000" cy="9144000"/>
   <p:embeddedFontLst>
     <p:embeddedFont>
-      <p:font typeface="Calibri" panose="020F0502020204030204" pitchFamily="34" charset="0"/>
-      <p:regular r:id="rId9"/>
-      <p:bold r:id="rId10"/>
-      <p:italic r:id="rId11"/>
-      <p:boldItalic r:id="rId12"/>
-    </p:embeddedFont>
-    <p:embeddedFont>
-      <p:font typeface="Calisto MT" panose="02040603050505030304" pitchFamily="18" charset="0"/>
+      <p:font typeface="Raleway"/>
       <p:regular r:id="rId13"/>
       <p:bold r:id="rId14"/>
       <p:italic r:id="rId15"/>
       <p:boldItalic r:id="rId16"/>
     </p:embeddedFont>
     <p:embeddedFont>
-      <p:font typeface="Lato" panose="020B0604020202020204" charset="0"/>
+      <p:font typeface="Lato"/>
       <p:regular r:id="rId17"/>
       <p:bold r:id="rId18"/>
       <p:italic r:id="rId19"/>
       <p:boldItalic r:id="rId20"/>
     </p:embeddedFont>
-    <p:embeddedFont>
-      <p:font typeface="Raleway" panose="020B0604020202020204" charset="0"/>
-      <p:regular r:id="rId21"/>
-      <p:bold r:id="rId22"/>
-      <p:italic r:id="rId23"/>
-      <p:boldItalic r:id="rId24"/>
-    </p:embeddedFont>
   </p:embeddedFontLst>
   <p:defaultTextStyle>
-    <a:defPPr marR="0" lvl="0" algn="l" rtl="0">
+    <a:defPPr lvl="0" marR="0" rtl="0" algn="l">
       <a:lnSpc>
         <a:spcPct val="100000"/>
       </a:lnSpc>
@@ -59,7 +46,7 @@
         <a:spcPts val="0"/>
       </a:spcAft>
     </a:defPPr>
-    <a:lvl1pPr marR="0" lvl="0" algn="l" rtl="0">
+    <a:lvl1pPr lvl="0" marR="0" rtl="0" algn="l">
       <a:lnSpc>
         <a:spcPct val="100000"/>
       </a:lnSpc>
@@ -73,7 +60,7 @@
         <a:srgbClr val="000000"/>
       </a:buClr>
       <a:buFont typeface="Arial"/>
-      <a:defRPr sz="1400" b="0" i="0" u="none" strike="noStrike" cap="none">
+      <a:defRPr b="0" i="0" sz="1400" u="none" cap="none" strike="noStrike">
         <a:solidFill>
           <a:srgbClr val="000000"/>
         </a:solidFill>
@@ -83,7 +70,7 @@
         <a:sym typeface="Arial"/>
       </a:defRPr>
     </a:lvl1pPr>
-    <a:lvl2pPr marR="0" lvl="1" algn="l" rtl="0">
+    <a:lvl2pPr lvl="1" marR="0" rtl="0" algn="l">
       <a:lnSpc>
         <a:spcPct val="100000"/>
       </a:lnSpc>
@@ -97,7 +84,7 @@
         <a:srgbClr val="000000"/>
       </a:buClr>
       <a:buFont typeface="Arial"/>
-      <a:defRPr sz="1400" b="0" i="0" u="none" strike="noStrike" cap="none">
+      <a:defRPr b="0" i="0" sz="1400" u="none" cap="none" strike="noStrike">
         <a:solidFill>
           <a:srgbClr val="000000"/>
         </a:solidFill>
@@ -107,7 +94,7 @@
         <a:sym typeface="Arial"/>
       </a:defRPr>
     </a:lvl2pPr>
-    <a:lvl3pPr marR="0" lvl="2" algn="l" rtl="0">
+    <a:lvl3pPr lvl="2" marR="0" rtl="0" algn="l">
       <a:lnSpc>
         <a:spcPct val="100000"/>
       </a:lnSpc>
@@ -121,7 +108,7 @@
         <a:srgbClr val="000000"/>
       </a:buClr>
       <a:buFont typeface="Arial"/>
-      <a:defRPr sz="1400" b="0" i="0" u="none" strike="noStrike" cap="none">
+      <a:defRPr b="0" i="0" sz="1400" u="none" cap="none" strike="noStrike">
         <a:solidFill>
           <a:srgbClr val="000000"/>
         </a:solidFill>
@@ -131,7 +118,7 @@
         <a:sym typeface="Arial"/>
       </a:defRPr>
     </a:lvl3pPr>
-    <a:lvl4pPr marR="0" lvl="3" algn="l" rtl="0">
+    <a:lvl4pPr lvl="3" marR="0" rtl="0" algn="l">
       <a:lnSpc>
         <a:spcPct val="100000"/>
       </a:lnSpc>
@@ -145,7 +132,7 @@
         <a:srgbClr val="000000"/>
       </a:buClr>
       <a:buFont typeface="Arial"/>
-      <a:defRPr sz="1400" b="0" i="0" u="none" strike="noStrike" cap="none">
+      <a:defRPr b="0" i="0" sz="1400" u="none" cap="none" strike="noStrike">
         <a:solidFill>
           <a:srgbClr val="000000"/>
         </a:solidFill>
@@ -155,7 +142,7 @@
         <a:sym typeface="Arial"/>
       </a:defRPr>
     </a:lvl4pPr>
-    <a:lvl5pPr marR="0" lvl="4" algn="l" rtl="0">
+    <a:lvl5pPr lvl="4" marR="0" rtl="0" algn="l">
       <a:lnSpc>
         <a:spcPct val="100000"/>
       </a:lnSpc>
@@ -169,7 +156,7 @@
         <a:srgbClr val="000000"/>
       </a:buClr>
       <a:buFont typeface="Arial"/>
-      <a:defRPr sz="1400" b="0" i="0" u="none" strike="noStrike" cap="none">
+      <a:defRPr b="0" i="0" sz="1400" u="none" cap="none" strike="noStrike">
         <a:solidFill>
           <a:srgbClr val="000000"/>
         </a:solidFill>
@@ -179,7 +166,7 @@
         <a:sym typeface="Arial"/>
       </a:defRPr>
     </a:lvl5pPr>
-    <a:lvl6pPr marR="0" lvl="5" algn="l" rtl="0">
+    <a:lvl6pPr lvl="5" marR="0" rtl="0" algn="l">
       <a:lnSpc>
         <a:spcPct val="100000"/>
       </a:lnSpc>
@@ -193,7 +180,7 @@
         <a:srgbClr val="000000"/>
       </a:buClr>
       <a:buFont typeface="Arial"/>
-      <a:defRPr sz="1400" b="0" i="0" u="none" strike="noStrike" cap="none">
+      <a:defRPr b="0" i="0" sz="1400" u="none" cap="none" strike="noStrike">
         <a:solidFill>
           <a:srgbClr val="000000"/>
         </a:solidFill>
@@ -203,7 +190,7 @@
         <a:sym typeface="Arial"/>
       </a:defRPr>
     </a:lvl6pPr>
-    <a:lvl7pPr marR="0" lvl="6" algn="l" rtl="0">
+    <a:lvl7pPr lvl="6" marR="0" rtl="0" algn="l">
       <a:lnSpc>
         <a:spcPct val="100000"/>
       </a:lnSpc>
@@ -217,7 +204,7 @@
         <a:srgbClr val="000000"/>
       </a:buClr>
       <a:buFont typeface="Arial"/>
-      <a:defRPr sz="1400" b="0" i="0" u="none" strike="noStrike" cap="none">
+      <a:defRPr b="0" i="0" sz="1400" u="none" cap="none" strike="noStrike">
         <a:solidFill>
           <a:srgbClr val="000000"/>
         </a:solidFill>
@@ -227,7 +214,7 @@
         <a:sym typeface="Arial"/>
       </a:defRPr>
     </a:lvl7pPr>
-    <a:lvl8pPr marR="0" lvl="7" algn="l" rtl="0">
+    <a:lvl8pPr lvl="7" marR="0" rtl="0" algn="l">
       <a:lnSpc>
         <a:spcPct val="100000"/>
       </a:lnSpc>
@@ -241,7 +228,7 @@
         <a:srgbClr val="000000"/>
       </a:buClr>
       <a:buFont typeface="Arial"/>
-      <a:defRPr sz="1400" b="0" i="0" u="none" strike="noStrike" cap="none">
+      <a:defRPr b="0" i="0" sz="1400" u="none" cap="none" strike="noStrike">
         <a:solidFill>
           <a:srgbClr val="000000"/>
         </a:solidFill>
@@ -251,7 +238,7 @@
         <a:sym typeface="Arial"/>
       </a:defRPr>
     </a:lvl8pPr>
-    <a:lvl9pPr marR="0" lvl="8" algn="l" rtl="0">
+    <a:lvl9pPr lvl="8" marR="0" rtl="0" algn="l">
       <a:lnSpc>
         <a:spcPct val="100000"/>
       </a:lnSpc>
@@ -265,7 +252,7 @@
         <a:srgbClr val="000000"/>
       </a:buClr>
       <a:buFont typeface="Arial"/>
-      <a:defRPr sz="1400" b="0" i="0" u="none" strike="noStrike" cap="none">
+      <a:defRPr b="0" i="0" sz="1400" u="none" cap="none" strike="noStrike">
         <a:solidFill>
           <a:srgbClr val="000000"/>
         </a:solidFill>
@@ -280,19 +267,18 @@
 </file>
 
 <file path=ppt/notesMasters/notesMaster1.xml><?xml version="1.0" encoding="utf-8"?>
-<p:notesMaster xmlns:a="http://schemas.openxmlformats.org/drawingml/2006/main" xmlns:r="http://schemas.openxmlformats.org/officeDocument/2006/relationships" xmlns:p="http://schemas.openxmlformats.org/presentationml/2006/main">
+<p:notesMaster xmlns:a="http://schemas.openxmlformats.org/drawingml/2006/main" xmlns:r="http://schemas.openxmlformats.org/officeDocument/2006/relationships" xmlns:mc="http://schemas.openxmlformats.org/markup-compatibility/2006" xmlns:mv="urn:schemas-microsoft-com:mac:vml" xmlns:p="http://schemas.openxmlformats.org/presentationml/2006/main" xmlns:c="http://schemas.openxmlformats.org/drawingml/2006/chart" xmlns:dgm="http://schemas.openxmlformats.org/drawingml/2006/diagram" xmlns:o="urn:schemas-microsoft-com:office:office" xmlns:v="urn:schemas-microsoft-com:vml" xmlns:pvml="urn:schemas-microsoft-com:office:powerpoint" xmlns:com="http://schemas.openxmlformats.org/drawingml/2006/compatibility" xmlns:p14="http://schemas.microsoft.com/office/powerpoint/2010/main" xmlns:p15="http://schemas.microsoft.com/office/powerpoint/2012/main">
   <p:cSld>
     <p:bg>
       <p:bgPr>
         <a:solidFill>
           <a:schemeClr val="lt1"/>
         </a:solidFill>
-        <a:effectLst/>
       </p:bgPr>
     </p:bg>
     <p:spTree>
       <p:nvGrpSpPr>
-        <p:cNvPr id="1" name="Shape 2"/>
+        <p:cNvPr id="2" name="Shape 2"/>
         <p:cNvGrpSpPr/>
         <p:nvPr/>
       </p:nvGrpSpPr>
@@ -307,11 +293,9 @@
       <p:sp>
         <p:nvSpPr>
           <p:cNvPr id="3" name="Google Shape;3;n"/>
-          <p:cNvSpPr txBox="1">
-            <a:spLocks noGrp="1"/>
-          </p:cNvSpPr>
+          <p:cNvSpPr txBox="1"/>
           <p:nvPr>
-            <p:ph type="hdr" idx="2"/>
+            <p:ph idx="2" type="hdr"/>
           </p:nvPr>
         </p:nvSpPr>
         <p:spPr>
@@ -328,11 +312,11 @@
           </a:ln>
         </p:spPr>
         <p:txBody>
-          <a:bodyPr spcFirstLastPara="1" wrap="square" lIns="91425" tIns="45700" rIns="91425" bIns="45700" anchor="t" anchorCtr="0">
+          <a:bodyPr anchorCtr="0" anchor="t" bIns="45700" lIns="91425" spcFirstLastPara="1" rIns="91425" wrap="square" tIns="45700">
             <a:noAutofit/>
           </a:bodyPr>
           <a:lstStyle>
-            <a:lvl1pPr marR="0" lvl="0" algn="l" rtl="0">
+            <a:lvl1pPr lvl="0" marR="0" rtl="0" algn="l">
               <a:spcBef>
                 <a:spcPts val="0"/>
               </a:spcBef>
@@ -341,7 +325,7 @@
               </a:spcAft>
               <a:buSzPts val="1400"/>
               <a:buNone/>
-              <a:defRPr sz="1200" b="0" i="0" u="none" strike="noStrike" cap="none">
+              <a:defRPr b="0" i="0" sz="1200" u="none" cap="none" strike="noStrike">
                 <a:solidFill>
                   <a:schemeClr val="dk1"/>
                 </a:solidFill>
@@ -351,7 +335,7 @@
                 <a:sym typeface="Calibri"/>
               </a:defRPr>
             </a:lvl1pPr>
-            <a:lvl2pPr marR="0" lvl="1" algn="l" rtl="0">
+            <a:lvl2pPr lvl="1" marR="0" rtl="0" algn="l">
               <a:spcBef>
                 <a:spcPts val="0"/>
               </a:spcBef>
@@ -360,7 +344,7 @@
               </a:spcAft>
               <a:buSzPts val="1400"/>
               <a:buNone/>
-              <a:defRPr sz="1800" b="0" i="0" u="none" strike="noStrike" cap="none">
+              <a:defRPr b="0" i="0" sz="1800" u="none" cap="none" strike="noStrike">
                 <a:solidFill>
                   <a:schemeClr val="dk1"/>
                 </a:solidFill>
@@ -370,7 +354,7 @@
                 <a:sym typeface="Calibri"/>
               </a:defRPr>
             </a:lvl2pPr>
-            <a:lvl3pPr marR="0" lvl="2" algn="l" rtl="0">
+            <a:lvl3pPr lvl="2" marR="0" rtl="0" algn="l">
               <a:spcBef>
                 <a:spcPts val="0"/>
               </a:spcBef>
@@ -379,7 +363,7 @@
               </a:spcAft>
               <a:buSzPts val="1400"/>
               <a:buNone/>
-              <a:defRPr sz="1800" b="0" i="0" u="none" strike="noStrike" cap="none">
+              <a:defRPr b="0" i="0" sz="1800" u="none" cap="none" strike="noStrike">
                 <a:solidFill>
                   <a:schemeClr val="dk1"/>
                 </a:solidFill>
@@ -389,7 +373,7 @@
                 <a:sym typeface="Calibri"/>
               </a:defRPr>
             </a:lvl3pPr>
-            <a:lvl4pPr marR="0" lvl="3" algn="l" rtl="0">
+            <a:lvl4pPr lvl="3" marR="0" rtl="0" algn="l">
               <a:spcBef>
                 <a:spcPts val="0"/>
               </a:spcBef>
@@ -398,7 +382,7 @@
               </a:spcAft>
               <a:buSzPts val="1400"/>
               <a:buNone/>
-              <a:defRPr sz="1800" b="0" i="0" u="none" strike="noStrike" cap="none">
+              <a:defRPr b="0" i="0" sz="1800" u="none" cap="none" strike="noStrike">
                 <a:solidFill>
                   <a:schemeClr val="dk1"/>
                 </a:solidFill>
@@ -408,7 +392,7 @@
                 <a:sym typeface="Calibri"/>
               </a:defRPr>
             </a:lvl4pPr>
-            <a:lvl5pPr marR="0" lvl="4" algn="l" rtl="0">
+            <a:lvl5pPr lvl="4" marR="0" rtl="0" algn="l">
               <a:spcBef>
                 <a:spcPts val="0"/>
               </a:spcBef>
@@ -417,7 +401,7 @@
               </a:spcAft>
               <a:buSzPts val="1400"/>
               <a:buNone/>
-              <a:defRPr sz="1800" b="0" i="0" u="none" strike="noStrike" cap="none">
+              <a:defRPr b="0" i="0" sz="1800" u="none" cap="none" strike="noStrike">
                 <a:solidFill>
                   <a:schemeClr val="dk1"/>
                 </a:solidFill>
@@ -427,7 +411,7 @@
                 <a:sym typeface="Calibri"/>
               </a:defRPr>
             </a:lvl5pPr>
-            <a:lvl6pPr marR="0" lvl="5" algn="l" rtl="0">
+            <a:lvl6pPr lvl="5" marR="0" rtl="0" algn="l">
               <a:spcBef>
                 <a:spcPts val="0"/>
               </a:spcBef>
@@ -436,7 +420,7 @@
               </a:spcAft>
               <a:buSzPts val="1400"/>
               <a:buNone/>
-              <a:defRPr sz="1800" b="0" i="0" u="none" strike="noStrike" cap="none">
+              <a:defRPr b="0" i="0" sz="1800" u="none" cap="none" strike="noStrike">
                 <a:solidFill>
                   <a:schemeClr val="dk1"/>
                 </a:solidFill>
@@ -446,7 +430,7 @@
                 <a:sym typeface="Calibri"/>
               </a:defRPr>
             </a:lvl6pPr>
-            <a:lvl7pPr marR="0" lvl="6" algn="l" rtl="0">
+            <a:lvl7pPr lvl="6" marR="0" rtl="0" algn="l">
               <a:spcBef>
                 <a:spcPts val="0"/>
               </a:spcBef>
@@ -455,7 +439,7 @@
               </a:spcAft>
               <a:buSzPts val="1400"/>
               <a:buNone/>
-              <a:defRPr sz="1800" b="0" i="0" u="none" strike="noStrike" cap="none">
+              <a:defRPr b="0" i="0" sz="1800" u="none" cap="none" strike="noStrike">
                 <a:solidFill>
                   <a:schemeClr val="dk1"/>
                 </a:solidFill>
@@ -465,7 +449,7 @@
                 <a:sym typeface="Calibri"/>
               </a:defRPr>
             </a:lvl7pPr>
-            <a:lvl8pPr marR="0" lvl="7" algn="l" rtl="0">
+            <a:lvl8pPr lvl="7" marR="0" rtl="0" algn="l">
               <a:spcBef>
                 <a:spcPts val="0"/>
               </a:spcBef>
@@ -474,7 +458,7 @@
               </a:spcAft>
               <a:buSzPts val="1400"/>
               <a:buNone/>
-              <a:defRPr sz="1800" b="0" i="0" u="none" strike="noStrike" cap="none">
+              <a:defRPr b="0" i="0" sz="1800" u="none" cap="none" strike="noStrike">
                 <a:solidFill>
                   <a:schemeClr val="dk1"/>
                 </a:solidFill>
@@ -484,7 +468,7 @@
                 <a:sym typeface="Calibri"/>
               </a:defRPr>
             </a:lvl8pPr>
-            <a:lvl9pPr marR="0" lvl="8" algn="l" rtl="0">
+            <a:lvl9pPr lvl="8" marR="0" rtl="0" algn="l">
               <a:spcBef>
                 <a:spcPts val="0"/>
               </a:spcBef>
@@ -493,7 +477,7 @@
               </a:spcAft>
               <a:buSzPts val="1400"/>
               <a:buNone/>
-              <a:defRPr sz="1800" b="0" i="0" u="none" strike="noStrike" cap="none">
+              <a:defRPr b="0" i="0" sz="1800" u="none" cap="none" strike="noStrike">
                 <a:solidFill>
                   <a:schemeClr val="dk1"/>
                 </a:solidFill>
@@ -504,19 +488,15 @@
               </a:defRPr>
             </a:lvl9pPr>
           </a:lstStyle>
-          <a:p>
-            <a:endParaRPr/>
-          </a:p>
+          <a:p/>
         </p:txBody>
       </p:sp>
       <p:sp>
         <p:nvSpPr>
           <p:cNvPr id="4" name="Google Shape;4;n"/>
-          <p:cNvSpPr txBox="1">
-            <a:spLocks noGrp="1"/>
-          </p:cNvSpPr>
+          <p:cNvSpPr txBox="1"/>
           <p:nvPr>
-            <p:ph type="dt" idx="10"/>
+            <p:ph idx="10" type="dt"/>
           </p:nvPr>
         </p:nvSpPr>
         <p:spPr>
@@ -533,11 +513,11 @@
           </a:ln>
         </p:spPr>
         <p:txBody>
-          <a:bodyPr spcFirstLastPara="1" wrap="square" lIns="91425" tIns="45700" rIns="91425" bIns="45700" anchor="t" anchorCtr="0">
+          <a:bodyPr anchorCtr="0" anchor="t" bIns="45700" lIns="91425" spcFirstLastPara="1" rIns="91425" wrap="square" tIns="45700">
             <a:noAutofit/>
           </a:bodyPr>
           <a:lstStyle>
-            <a:lvl1pPr marR="0" lvl="0" algn="r" rtl="0">
+            <a:lvl1pPr lvl="0" marR="0" rtl="0" algn="r">
               <a:spcBef>
                 <a:spcPts val="0"/>
               </a:spcBef>
@@ -546,7 +526,7 @@
               </a:spcAft>
               <a:buSzPts val="1400"/>
               <a:buNone/>
-              <a:defRPr sz="1200" b="0" i="0" u="none" strike="noStrike" cap="none">
+              <a:defRPr b="0" i="0" sz="1200" u="none" cap="none" strike="noStrike">
                 <a:solidFill>
                   <a:schemeClr val="dk1"/>
                 </a:solidFill>
@@ -556,7 +536,7 @@
                 <a:sym typeface="Calibri"/>
               </a:defRPr>
             </a:lvl1pPr>
-            <a:lvl2pPr marR="0" lvl="1" algn="l" rtl="0">
+            <a:lvl2pPr lvl="1" marR="0" rtl="0" algn="l">
               <a:spcBef>
                 <a:spcPts val="0"/>
               </a:spcBef>
@@ -565,7 +545,7 @@
               </a:spcAft>
               <a:buSzPts val="1400"/>
               <a:buNone/>
-              <a:defRPr sz="1800" b="0" i="0" u="none" strike="noStrike" cap="none">
+              <a:defRPr b="0" i="0" sz="1800" u="none" cap="none" strike="noStrike">
                 <a:solidFill>
                   <a:schemeClr val="dk1"/>
                 </a:solidFill>
@@ -575,7 +555,7 @@
                 <a:sym typeface="Calibri"/>
               </a:defRPr>
             </a:lvl2pPr>
-            <a:lvl3pPr marR="0" lvl="2" algn="l" rtl="0">
+            <a:lvl3pPr lvl="2" marR="0" rtl="0" algn="l">
               <a:spcBef>
                 <a:spcPts val="0"/>
               </a:spcBef>
@@ -584,7 +564,7 @@
               </a:spcAft>
               <a:buSzPts val="1400"/>
               <a:buNone/>
-              <a:defRPr sz="1800" b="0" i="0" u="none" strike="noStrike" cap="none">
+              <a:defRPr b="0" i="0" sz="1800" u="none" cap="none" strike="noStrike">
                 <a:solidFill>
                   <a:schemeClr val="dk1"/>
                 </a:solidFill>
@@ -594,7 +574,7 @@
                 <a:sym typeface="Calibri"/>
               </a:defRPr>
             </a:lvl3pPr>
-            <a:lvl4pPr marR="0" lvl="3" algn="l" rtl="0">
+            <a:lvl4pPr lvl="3" marR="0" rtl="0" algn="l">
               <a:spcBef>
                 <a:spcPts val="0"/>
               </a:spcBef>
@@ -603,7 +583,7 @@
               </a:spcAft>
               <a:buSzPts val="1400"/>
               <a:buNone/>
-              <a:defRPr sz="1800" b="0" i="0" u="none" strike="noStrike" cap="none">
+              <a:defRPr b="0" i="0" sz="1800" u="none" cap="none" strike="noStrike">
                 <a:solidFill>
                   <a:schemeClr val="dk1"/>
                 </a:solidFill>
@@ -613,7 +593,7 @@
                 <a:sym typeface="Calibri"/>
               </a:defRPr>
             </a:lvl4pPr>
-            <a:lvl5pPr marR="0" lvl="4" algn="l" rtl="0">
+            <a:lvl5pPr lvl="4" marR="0" rtl="0" algn="l">
               <a:spcBef>
                 <a:spcPts val="0"/>
               </a:spcBef>
@@ -622,7 +602,7 @@
               </a:spcAft>
               <a:buSzPts val="1400"/>
               <a:buNone/>
-              <a:defRPr sz="1800" b="0" i="0" u="none" strike="noStrike" cap="none">
+              <a:defRPr b="0" i="0" sz="1800" u="none" cap="none" strike="noStrike">
                 <a:solidFill>
                   <a:schemeClr val="dk1"/>
                 </a:solidFill>
@@ -632,7 +612,7 @@
                 <a:sym typeface="Calibri"/>
               </a:defRPr>
             </a:lvl5pPr>
-            <a:lvl6pPr marR="0" lvl="5" algn="l" rtl="0">
+            <a:lvl6pPr lvl="5" marR="0" rtl="0" algn="l">
               <a:spcBef>
                 <a:spcPts val="0"/>
               </a:spcBef>
@@ -641,7 +621,7 @@
               </a:spcAft>
               <a:buSzPts val="1400"/>
               <a:buNone/>
-              <a:defRPr sz="1800" b="0" i="0" u="none" strike="noStrike" cap="none">
+              <a:defRPr b="0" i="0" sz="1800" u="none" cap="none" strike="noStrike">
                 <a:solidFill>
                   <a:schemeClr val="dk1"/>
                 </a:solidFill>
@@ -651,7 +631,7 @@
                 <a:sym typeface="Calibri"/>
               </a:defRPr>
             </a:lvl6pPr>
-            <a:lvl7pPr marR="0" lvl="6" algn="l" rtl="0">
+            <a:lvl7pPr lvl="6" marR="0" rtl="0" algn="l">
               <a:spcBef>
                 <a:spcPts val="0"/>
               </a:spcBef>
@@ -660,7 +640,7 @@
               </a:spcAft>
               <a:buSzPts val="1400"/>
               <a:buNone/>
-              <a:defRPr sz="1800" b="0" i="0" u="none" strike="noStrike" cap="none">
+              <a:defRPr b="0" i="0" sz="1800" u="none" cap="none" strike="noStrike">
                 <a:solidFill>
                   <a:schemeClr val="dk1"/>
                 </a:solidFill>
@@ -670,7 +650,7 @@
                 <a:sym typeface="Calibri"/>
               </a:defRPr>
             </a:lvl7pPr>
-            <a:lvl8pPr marR="0" lvl="7" algn="l" rtl="0">
+            <a:lvl8pPr lvl="7" marR="0" rtl="0" algn="l">
               <a:spcBef>
                 <a:spcPts val="0"/>
               </a:spcBef>
@@ -679,7 +659,7 @@
               </a:spcAft>
               <a:buSzPts val="1400"/>
               <a:buNone/>
-              <a:defRPr sz="1800" b="0" i="0" u="none" strike="noStrike" cap="none">
+              <a:defRPr b="0" i="0" sz="1800" u="none" cap="none" strike="noStrike">
                 <a:solidFill>
                   <a:schemeClr val="dk1"/>
                 </a:solidFill>
@@ -689,7 +669,7 @@
                 <a:sym typeface="Calibri"/>
               </a:defRPr>
             </a:lvl8pPr>
-            <a:lvl9pPr marR="0" lvl="8" algn="l" rtl="0">
+            <a:lvl9pPr lvl="8" marR="0" rtl="0" algn="l">
               <a:spcBef>
                 <a:spcPts val="0"/>
               </a:spcBef>
@@ -698,7 +678,7 @@
               </a:spcAft>
               <a:buSzPts val="1400"/>
               <a:buNone/>
-              <a:defRPr sz="1800" b="0" i="0" u="none" strike="noStrike" cap="none">
+              <a:defRPr b="0" i="0" sz="1800" u="none" cap="none" strike="noStrike">
                 <a:solidFill>
                   <a:schemeClr val="dk1"/>
                 </a:solidFill>
@@ -709,19 +689,15 @@
               </a:defRPr>
             </a:lvl9pPr>
           </a:lstStyle>
-          <a:p>
-            <a:endParaRPr/>
-          </a:p>
+          <a:p/>
         </p:txBody>
       </p:sp>
       <p:sp>
         <p:nvSpPr>
           <p:cNvPr id="5" name="Google Shape;5;n"/>
-          <p:cNvSpPr>
-            <a:spLocks noGrp="1" noRot="1" noChangeAspect="1"/>
-          </p:cNvSpPr>
+          <p:cNvSpPr/>
           <p:nvPr>
-            <p:ph type="sldImg" idx="3"/>
+            <p:ph idx="3" type="sldImg"/>
           </p:nvPr>
         </p:nvSpPr>
         <p:spPr>
@@ -730,13 +706,9 @@
             <a:ext cx="5486400" cy="3086100"/>
           </a:xfrm>
           <a:custGeom>
-            <a:avLst/>
-            <a:gdLst/>
-            <a:ahLst/>
-            <a:cxnLst/>
-            <a:rect l="l" t="t" r="r" b="b"/>
+            <a:rect b="b" l="l" r="r" t="t"/>
             <a:pathLst>
-              <a:path w="120000" h="120000" extrusionOk="0">
+              <a:path extrusionOk="0" h="120000" w="120000">
                 <a:moveTo>
                   <a:pt x="0" y="0"/>
                 </a:moveTo>
@@ -754,25 +726,23 @@
             </a:pathLst>
           </a:custGeom>
           <a:noFill/>
-          <a:ln w="12700" cap="flat" cmpd="sng">
+          <a:ln cap="flat" cmpd="sng" w="12700">
             <a:solidFill>
               <a:srgbClr val="000000"/>
             </a:solidFill>
             <a:prstDash val="solid"/>
             <a:round/>
-            <a:headEnd type="none" w="sm" len="sm"/>
-            <a:tailEnd type="none" w="sm" len="sm"/>
+            <a:headEnd len="sm" w="sm" type="none"/>
+            <a:tailEnd len="sm" w="sm" type="none"/>
           </a:ln>
         </p:spPr>
       </p:sp>
       <p:sp>
         <p:nvSpPr>
           <p:cNvPr id="6" name="Google Shape;6;n"/>
-          <p:cNvSpPr txBox="1">
-            <a:spLocks noGrp="1"/>
-          </p:cNvSpPr>
+          <p:cNvSpPr txBox="1"/>
           <p:nvPr>
-            <p:ph type="body" idx="1"/>
+            <p:ph idx="1" type="body"/>
           </p:nvPr>
         </p:nvSpPr>
         <p:spPr>
@@ -789,11 +759,11 @@
           </a:ln>
         </p:spPr>
         <p:txBody>
-          <a:bodyPr spcFirstLastPara="1" wrap="square" lIns="91425" tIns="45700" rIns="91425" bIns="45700" anchor="t" anchorCtr="0">
+          <a:bodyPr anchorCtr="0" anchor="t" bIns="45700" lIns="91425" spcFirstLastPara="1" rIns="91425" wrap="square" tIns="45700">
             <a:noAutofit/>
           </a:bodyPr>
           <a:lstStyle>
-            <a:lvl1pPr marL="457200" marR="0" lvl="0" indent="-228600" algn="l" rtl="0">
+            <a:lvl1pPr indent="-228600" lvl="0" marL="457200" marR="0" rtl="0" algn="l">
               <a:spcBef>
                 <a:spcPts val="0"/>
               </a:spcBef>
@@ -802,7 +772,7 @@
               </a:spcAft>
               <a:buSzPts val="1400"/>
               <a:buNone/>
-              <a:defRPr sz="1200" b="0" i="0" u="none" strike="noStrike" cap="none">
+              <a:defRPr b="0" i="0" sz="1200" u="none" cap="none" strike="noStrike">
                 <a:solidFill>
                   <a:schemeClr val="dk1"/>
                 </a:solidFill>
@@ -812,7 +782,7 @@
                 <a:sym typeface="Calibri"/>
               </a:defRPr>
             </a:lvl1pPr>
-            <a:lvl2pPr marL="914400" marR="0" lvl="1" indent="-228600" algn="l" rtl="0">
+            <a:lvl2pPr indent="-228600" lvl="1" marL="914400" marR="0" rtl="0" algn="l">
               <a:spcBef>
                 <a:spcPts val="0"/>
               </a:spcBef>
@@ -821,7 +791,7 @@
               </a:spcAft>
               <a:buSzPts val="1400"/>
               <a:buNone/>
-              <a:defRPr sz="1200" b="0" i="0" u="none" strike="noStrike" cap="none">
+              <a:defRPr b="0" i="0" sz="1200" u="none" cap="none" strike="noStrike">
                 <a:solidFill>
                   <a:schemeClr val="dk1"/>
                 </a:solidFill>
@@ -831,7 +801,7 @@
                 <a:sym typeface="Calibri"/>
               </a:defRPr>
             </a:lvl2pPr>
-            <a:lvl3pPr marL="1371600" marR="0" lvl="2" indent="-228600" algn="l" rtl="0">
+            <a:lvl3pPr indent="-228600" lvl="2" marL="1371600" marR="0" rtl="0" algn="l">
               <a:spcBef>
                 <a:spcPts val="0"/>
               </a:spcBef>
@@ -840,7 +810,7 @@
               </a:spcAft>
               <a:buSzPts val="1400"/>
               <a:buNone/>
-              <a:defRPr sz="1200" b="0" i="0" u="none" strike="noStrike" cap="none">
+              <a:defRPr b="0" i="0" sz="1200" u="none" cap="none" strike="noStrike">
                 <a:solidFill>
                   <a:schemeClr val="dk1"/>
                 </a:solidFill>
@@ -850,7 +820,7 @@
                 <a:sym typeface="Calibri"/>
               </a:defRPr>
             </a:lvl3pPr>
-            <a:lvl4pPr marL="1828800" marR="0" lvl="3" indent="-228600" algn="l" rtl="0">
+            <a:lvl4pPr indent="-228600" lvl="3" marL="1828800" marR="0" rtl="0" algn="l">
               <a:spcBef>
                 <a:spcPts val="0"/>
               </a:spcBef>
@@ -859,7 +829,7 @@
               </a:spcAft>
               <a:buSzPts val="1400"/>
               <a:buNone/>
-              <a:defRPr sz="1200" b="0" i="0" u="none" strike="noStrike" cap="none">
+              <a:defRPr b="0" i="0" sz="1200" u="none" cap="none" strike="noStrike">
                 <a:solidFill>
                   <a:schemeClr val="dk1"/>
                 </a:solidFill>
@@ -869,7 +839,7 @@
                 <a:sym typeface="Calibri"/>
               </a:defRPr>
             </a:lvl4pPr>
-            <a:lvl5pPr marL="2286000" marR="0" lvl="4" indent="-228600" algn="l" rtl="0">
+            <a:lvl5pPr indent="-228600" lvl="4" marL="2286000" marR="0" rtl="0" algn="l">
               <a:spcBef>
                 <a:spcPts val="0"/>
               </a:spcBef>
@@ -878,7 +848,7 @@
               </a:spcAft>
               <a:buSzPts val="1400"/>
               <a:buNone/>
-              <a:defRPr sz="1200" b="0" i="0" u="none" strike="noStrike" cap="none">
+              <a:defRPr b="0" i="0" sz="1200" u="none" cap="none" strike="noStrike">
                 <a:solidFill>
                   <a:schemeClr val="dk1"/>
                 </a:solidFill>
@@ -888,7 +858,7 @@
                 <a:sym typeface="Calibri"/>
               </a:defRPr>
             </a:lvl5pPr>
-            <a:lvl6pPr marL="2743200" marR="0" lvl="5" indent="-228600" algn="l" rtl="0">
+            <a:lvl6pPr indent="-228600" lvl="5" marL="2743200" marR="0" rtl="0" algn="l">
               <a:spcBef>
                 <a:spcPts val="0"/>
               </a:spcBef>
@@ -897,7 +867,7 @@
               </a:spcAft>
               <a:buSzPts val="1400"/>
               <a:buNone/>
-              <a:defRPr sz="1200" b="0" i="0" u="none" strike="noStrike" cap="none">
+              <a:defRPr b="0" i="0" sz="1200" u="none" cap="none" strike="noStrike">
                 <a:solidFill>
                   <a:schemeClr val="dk1"/>
                 </a:solidFill>
@@ -907,7 +877,7 @@
                 <a:sym typeface="Calibri"/>
               </a:defRPr>
             </a:lvl6pPr>
-            <a:lvl7pPr marL="3200400" marR="0" lvl="6" indent="-228600" algn="l" rtl="0">
+            <a:lvl7pPr indent="-228600" lvl="6" marL="3200400" marR="0" rtl="0" algn="l">
               <a:spcBef>
                 <a:spcPts val="0"/>
               </a:spcBef>
@@ -916,7 +886,7 @@
               </a:spcAft>
               <a:buSzPts val="1400"/>
               <a:buNone/>
-              <a:defRPr sz="1200" b="0" i="0" u="none" strike="noStrike" cap="none">
+              <a:defRPr b="0" i="0" sz="1200" u="none" cap="none" strike="noStrike">
                 <a:solidFill>
                   <a:schemeClr val="dk1"/>
                 </a:solidFill>
@@ -926,7 +896,7 @@
                 <a:sym typeface="Calibri"/>
               </a:defRPr>
             </a:lvl7pPr>
-            <a:lvl8pPr marL="3657600" marR="0" lvl="7" indent="-228600" algn="l" rtl="0">
+            <a:lvl8pPr indent="-228600" lvl="7" marL="3657600" marR="0" rtl="0" algn="l">
               <a:spcBef>
                 <a:spcPts val="0"/>
               </a:spcBef>
@@ -935,7 +905,7 @@
               </a:spcAft>
               <a:buSzPts val="1400"/>
               <a:buNone/>
-              <a:defRPr sz="1200" b="0" i="0" u="none" strike="noStrike" cap="none">
+              <a:defRPr b="0" i="0" sz="1200" u="none" cap="none" strike="noStrike">
                 <a:solidFill>
                   <a:schemeClr val="dk1"/>
                 </a:solidFill>
@@ -945,7 +915,7 @@
                 <a:sym typeface="Calibri"/>
               </a:defRPr>
             </a:lvl8pPr>
-            <a:lvl9pPr marL="4114800" marR="0" lvl="8" indent="-228600" algn="l" rtl="0">
+            <a:lvl9pPr indent="-228600" lvl="8" marL="4114800" marR="0" rtl="0" algn="l">
               <a:spcBef>
                 <a:spcPts val="0"/>
               </a:spcBef>
@@ -954,7 +924,7 @@
               </a:spcAft>
               <a:buSzPts val="1400"/>
               <a:buNone/>
-              <a:defRPr sz="1200" b="0" i="0" u="none" strike="noStrike" cap="none">
+              <a:defRPr b="0" i="0" sz="1200" u="none" cap="none" strike="noStrike">
                 <a:solidFill>
                   <a:schemeClr val="dk1"/>
                 </a:solidFill>
@@ -965,19 +935,15 @@
               </a:defRPr>
             </a:lvl9pPr>
           </a:lstStyle>
-          <a:p>
-            <a:endParaRPr/>
-          </a:p>
+          <a:p/>
         </p:txBody>
       </p:sp>
       <p:sp>
         <p:nvSpPr>
           <p:cNvPr id="7" name="Google Shape;7;n"/>
-          <p:cNvSpPr txBox="1">
-            <a:spLocks noGrp="1"/>
-          </p:cNvSpPr>
+          <p:cNvSpPr txBox="1"/>
           <p:nvPr>
-            <p:ph type="ftr" idx="11"/>
+            <p:ph idx="11" type="ftr"/>
           </p:nvPr>
         </p:nvSpPr>
         <p:spPr>
@@ -994,11 +960,11 @@
           </a:ln>
         </p:spPr>
         <p:txBody>
-          <a:bodyPr spcFirstLastPara="1" wrap="square" lIns="91425" tIns="45700" rIns="91425" bIns="45700" anchor="b" anchorCtr="0">
+          <a:bodyPr anchorCtr="0" anchor="b" bIns="45700" lIns="91425" spcFirstLastPara="1" rIns="91425" wrap="square" tIns="45700">
             <a:noAutofit/>
           </a:bodyPr>
           <a:lstStyle>
-            <a:lvl1pPr marR="0" lvl="0" algn="l" rtl="0">
+            <a:lvl1pPr lvl="0" marR="0" rtl="0" algn="l">
               <a:spcBef>
                 <a:spcPts val="0"/>
               </a:spcBef>
@@ -1007,7 +973,7 @@
               </a:spcAft>
               <a:buSzPts val="1400"/>
               <a:buNone/>
-              <a:defRPr sz="1200" b="0" i="0" u="none" strike="noStrike" cap="none">
+              <a:defRPr b="0" i="0" sz="1200" u="none" cap="none" strike="noStrike">
                 <a:solidFill>
                   <a:schemeClr val="dk1"/>
                 </a:solidFill>
@@ -1017,7 +983,7 @@
                 <a:sym typeface="Calibri"/>
               </a:defRPr>
             </a:lvl1pPr>
-            <a:lvl2pPr marR="0" lvl="1" algn="l" rtl="0">
+            <a:lvl2pPr lvl="1" marR="0" rtl="0" algn="l">
               <a:spcBef>
                 <a:spcPts val="0"/>
               </a:spcBef>
@@ -1026,7 +992,7 @@
               </a:spcAft>
               <a:buSzPts val="1400"/>
               <a:buNone/>
-              <a:defRPr sz="1800" b="0" i="0" u="none" strike="noStrike" cap="none">
+              <a:defRPr b="0" i="0" sz="1800" u="none" cap="none" strike="noStrike">
                 <a:solidFill>
                   <a:schemeClr val="dk1"/>
                 </a:solidFill>
@@ -1036,7 +1002,7 @@
                 <a:sym typeface="Calibri"/>
               </a:defRPr>
             </a:lvl2pPr>
-            <a:lvl3pPr marR="0" lvl="2" algn="l" rtl="0">
+            <a:lvl3pPr lvl="2" marR="0" rtl="0" algn="l">
               <a:spcBef>
                 <a:spcPts val="0"/>
               </a:spcBef>
@@ -1045,7 +1011,7 @@
               </a:spcAft>
               <a:buSzPts val="1400"/>
               <a:buNone/>
-              <a:defRPr sz="1800" b="0" i="0" u="none" strike="noStrike" cap="none">
+              <a:defRPr b="0" i="0" sz="1800" u="none" cap="none" strike="noStrike">
                 <a:solidFill>
                   <a:schemeClr val="dk1"/>
                 </a:solidFill>
@@ -1055,7 +1021,7 @@
                 <a:sym typeface="Calibri"/>
               </a:defRPr>
             </a:lvl3pPr>
-            <a:lvl4pPr marR="0" lvl="3" algn="l" rtl="0">
+            <a:lvl4pPr lvl="3" marR="0" rtl="0" algn="l">
               <a:spcBef>
                 <a:spcPts val="0"/>
               </a:spcBef>
@@ -1064,7 +1030,7 @@
               </a:spcAft>
               <a:buSzPts val="1400"/>
               <a:buNone/>
-              <a:defRPr sz="1800" b="0" i="0" u="none" strike="noStrike" cap="none">
+              <a:defRPr b="0" i="0" sz="1800" u="none" cap="none" strike="noStrike">
                 <a:solidFill>
                   <a:schemeClr val="dk1"/>
                 </a:solidFill>
@@ -1074,7 +1040,7 @@
                 <a:sym typeface="Calibri"/>
               </a:defRPr>
             </a:lvl4pPr>
-            <a:lvl5pPr marR="0" lvl="4" algn="l" rtl="0">
+            <a:lvl5pPr lvl="4" marR="0" rtl="0" algn="l">
               <a:spcBef>
                 <a:spcPts val="0"/>
               </a:spcBef>
@@ -1083,7 +1049,7 @@
               </a:spcAft>
               <a:buSzPts val="1400"/>
               <a:buNone/>
-              <a:defRPr sz="1800" b="0" i="0" u="none" strike="noStrike" cap="none">
+              <a:defRPr b="0" i="0" sz="1800" u="none" cap="none" strike="noStrike">
                 <a:solidFill>
                   <a:schemeClr val="dk1"/>
                 </a:solidFill>
@@ -1093,7 +1059,7 @@
                 <a:sym typeface="Calibri"/>
               </a:defRPr>
             </a:lvl5pPr>
-            <a:lvl6pPr marR="0" lvl="5" algn="l" rtl="0">
+            <a:lvl6pPr lvl="5" marR="0" rtl="0" algn="l">
               <a:spcBef>
                 <a:spcPts val="0"/>
               </a:spcBef>
@@ -1102,7 +1068,7 @@
               </a:spcAft>
               <a:buSzPts val="1400"/>
               <a:buNone/>
-              <a:defRPr sz="1800" b="0" i="0" u="none" strike="noStrike" cap="none">
+              <a:defRPr b="0" i="0" sz="1800" u="none" cap="none" strike="noStrike">
                 <a:solidFill>
                   <a:schemeClr val="dk1"/>
                 </a:solidFill>
@@ -1112,7 +1078,7 @@
                 <a:sym typeface="Calibri"/>
               </a:defRPr>
             </a:lvl6pPr>
-            <a:lvl7pPr marR="0" lvl="6" algn="l" rtl="0">
+            <a:lvl7pPr lvl="6" marR="0" rtl="0" algn="l">
               <a:spcBef>
                 <a:spcPts val="0"/>
               </a:spcBef>
@@ -1121,7 +1087,7 @@
               </a:spcAft>
               <a:buSzPts val="1400"/>
               <a:buNone/>
-              <a:defRPr sz="1800" b="0" i="0" u="none" strike="noStrike" cap="none">
+              <a:defRPr b="0" i="0" sz="1800" u="none" cap="none" strike="noStrike">
                 <a:solidFill>
                   <a:schemeClr val="dk1"/>
                 </a:solidFill>
@@ -1131,7 +1097,7 @@
                 <a:sym typeface="Calibri"/>
               </a:defRPr>
             </a:lvl7pPr>
-            <a:lvl8pPr marR="0" lvl="7" algn="l" rtl="0">
+            <a:lvl8pPr lvl="7" marR="0" rtl="0" algn="l">
               <a:spcBef>
                 <a:spcPts val="0"/>
               </a:spcBef>
@@ -1140,7 +1106,7 @@
               </a:spcAft>
               <a:buSzPts val="1400"/>
               <a:buNone/>
-              <a:defRPr sz="1800" b="0" i="0" u="none" strike="noStrike" cap="none">
+              <a:defRPr b="0" i="0" sz="1800" u="none" cap="none" strike="noStrike">
                 <a:solidFill>
                   <a:schemeClr val="dk1"/>
                 </a:solidFill>
@@ -1150,7 +1116,7 @@
                 <a:sym typeface="Calibri"/>
               </a:defRPr>
             </a:lvl8pPr>
-            <a:lvl9pPr marR="0" lvl="8" algn="l" rtl="0">
+            <a:lvl9pPr lvl="8" marR="0" rtl="0" algn="l">
               <a:spcBef>
                 <a:spcPts val="0"/>
               </a:spcBef>
@@ -1159,7 +1125,7 @@
               </a:spcAft>
               <a:buSzPts val="1400"/>
               <a:buNone/>
-              <a:defRPr sz="1800" b="0" i="0" u="none" strike="noStrike" cap="none">
+              <a:defRPr b="0" i="0" sz="1800" u="none" cap="none" strike="noStrike">
                 <a:solidFill>
                   <a:schemeClr val="dk1"/>
                 </a:solidFill>
@@ -1170,19 +1136,15 @@
               </a:defRPr>
             </a:lvl9pPr>
           </a:lstStyle>
-          <a:p>
-            <a:endParaRPr/>
-          </a:p>
+          <a:p/>
         </p:txBody>
       </p:sp>
       <p:sp>
         <p:nvSpPr>
           <p:cNvPr id="8" name="Google Shape;8;n"/>
-          <p:cNvSpPr txBox="1">
-            <a:spLocks noGrp="1"/>
-          </p:cNvSpPr>
+          <p:cNvSpPr txBox="1"/>
           <p:nvPr>
-            <p:ph type="sldNum" idx="12"/>
+            <p:ph idx="12" type="sldNum"/>
           </p:nvPr>
         </p:nvSpPr>
         <p:spPr>
@@ -1199,12 +1161,12 @@
           </a:ln>
         </p:spPr>
         <p:txBody>
-          <a:bodyPr spcFirstLastPara="1" wrap="square" lIns="91425" tIns="45700" rIns="91425" bIns="45700" anchor="b" anchorCtr="0">
+          <a:bodyPr anchorCtr="0" anchor="b" bIns="45700" lIns="91425" spcFirstLastPara="1" rIns="91425" wrap="square" tIns="45700">
             <a:noAutofit/>
           </a:bodyPr>
           <a:lstStyle/>
           <a:p>
-            <a:pPr marL="0" marR="0" lvl="0" indent="0" algn="r" rtl="0">
+            <a:pPr indent="0" lvl="0" marL="0" marR="0" rtl="0" algn="r">
               <a:spcBef>
                 <a:spcPts val="0"/>
               </a:spcBef>
@@ -1214,7 +1176,7 @@
               <a:buNone/>
             </a:pPr>
             <a:fld id="{00000000-1234-1234-1234-123412341234}" type="slidenum">
-              <a:rPr lang="en-US" sz="1200" b="0" i="0" u="none" strike="noStrike" cap="none">
+              <a:rPr b="0" i="0" lang="en-US" sz="1200" u="none" cap="none" strike="noStrike">
                 <a:solidFill>
                   <a:schemeClr val="dk1"/>
                 </a:solidFill>
@@ -1225,7 +1187,7 @@
               </a:rPr>
               <a:t>‹#›</a:t>
             </a:fld>
-            <a:endParaRPr sz="1200" b="0" i="0" u="none" strike="noStrike" cap="none">
+            <a:endParaRPr b="0" i="0" sz="1200" u="none" cap="none" strike="noStrike">
               <a:solidFill>
                 <a:schemeClr val="dk1"/>
               </a:solidFill>
@@ -1239,9 +1201,9 @@
       </p:sp>
     </p:spTree>
   </p:cSld>
-  <p:clrMap bg1="lt1" tx1="dk1" bg2="dk2" tx2="lt2" accent1="accent1" accent2="accent2" accent3="accent3" accent4="accent4" accent5="accent5" accent6="accent6" hlink="hlink" folHlink="folHlink"/>
+  <p:clrMap accent1="accent1" accent2="accent2" accent3="accent3" accent4="accent4" accent5="accent5" accent6="accent6" bg1="lt1" bg2="dk2" tx1="dk1" tx2="lt2" folHlink="folHlink" hlink="hlink"/>
   <p:notesStyle>
-    <a:defPPr marR="0" lvl="0" algn="l" rtl="0">
+    <a:defPPr lvl="0" marR="0" rtl="0" algn="l">
       <a:lnSpc>
         <a:spcPct val="100000"/>
       </a:lnSpc>
@@ -1252,7 +1214,7 @@
         <a:spcPts val="0"/>
       </a:spcAft>
     </a:defPPr>
-    <a:lvl1pPr marR="0" lvl="0" algn="l" rtl="0">
+    <a:lvl1pPr lvl="0" marR="0" rtl="0" algn="l">
       <a:lnSpc>
         <a:spcPct val="100000"/>
       </a:lnSpc>
@@ -1266,7 +1228,7 @@
         <a:srgbClr val="000000"/>
       </a:buClr>
       <a:buFont typeface="Arial"/>
-      <a:defRPr sz="1400" b="0" i="0" u="none" strike="noStrike" cap="none">
+      <a:defRPr b="0" i="0" sz="1400" u="none" cap="none" strike="noStrike">
         <a:solidFill>
           <a:srgbClr val="000000"/>
         </a:solidFill>
@@ -1276,7 +1238,7 @@
         <a:sym typeface="Arial"/>
       </a:defRPr>
     </a:lvl1pPr>
-    <a:lvl2pPr marR="0" lvl="1" algn="l" rtl="0">
+    <a:lvl2pPr lvl="1" marR="0" rtl="0" algn="l">
       <a:lnSpc>
         <a:spcPct val="100000"/>
       </a:lnSpc>
@@ -1290,7 +1252,7 @@
         <a:srgbClr val="000000"/>
       </a:buClr>
       <a:buFont typeface="Arial"/>
-      <a:defRPr sz="1400" b="0" i="0" u="none" strike="noStrike" cap="none">
+      <a:defRPr b="0" i="0" sz="1400" u="none" cap="none" strike="noStrike">
         <a:solidFill>
           <a:srgbClr val="000000"/>
         </a:solidFill>
@@ -1300,7 +1262,7 @@
         <a:sym typeface="Arial"/>
       </a:defRPr>
     </a:lvl2pPr>
-    <a:lvl3pPr marR="0" lvl="2" algn="l" rtl="0">
+    <a:lvl3pPr lvl="2" marR="0" rtl="0" algn="l">
       <a:lnSpc>
         <a:spcPct val="100000"/>
       </a:lnSpc>
@@ -1314,7 +1276,7 @@
         <a:srgbClr val="000000"/>
       </a:buClr>
       <a:buFont typeface="Arial"/>
-      <a:defRPr sz="1400" b="0" i="0" u="none" strike="noStrike" cap="none">
+      <a:defRPr b="0" i="0" sz="1400" u="none" cap="none" strike="noStrike">
         <a:solidFill>
           <a:srgbClr val="000000"/>
         </a:solidFill>
@@ -1324,7 +1286,7 @@
         <a:sym typeface="Arial"/>
       </a:defRPr>
     </a:lvl3pPr>
-    <a:lvl4pPr marR="0" lvl="3" algn="l" rtl="0">
+    <a:lvl4pPr lvl="3" marR="0" rtl="0" algn="l">
       <a:lnSpc>
         <a:spcPct val="100000"/>
       </a:lnSpc>
@@ -1338,7 +1300,7 @@
         <a:srgbClr val="000000"/>
       </a:buClr>
       <a:buFont typeface="Arial"/>
-      <a:defRPr sz="1400" b="0" i="0" u="none" strike="noStrike" cap="none">
+      <a:defRPr b="0" i="0" sz="1400" u="none" cap="none" strike="noStrike">
         <a:solidFill>
           <a:srgbClr val="000000"/>
         </a:solidFill>
@@ -1348,7 +1310,7 @@
         <a:sym typeface="Arial"/>
       </a:defRPr>
     </a:lvl4pPr>
-    <a:lvl5pPr marR="0" lvl="4" algn="l" rtl="0">
+    <a:lvl5pPr lvl="4" marR="0" rtl="0" algn="l">
       <a:lnSpc>
         <a:spcPct val="100000"/>
       </a:lnSpc>
@@ -1362,7 +1324,7 @@
         <a:srgbClr val="000000"/>
       </a:buClr>
       <a:buFont typeface="Arial"/>
-      <a:defRPr sz="1400" b="0" i="0" u="none" strike="noStrike" cap="none">
+      <a:defRPr b="0" i="0" sz="1400" u="none" cap="none" strike="noStrike">
         <a:solidFill>
           <a:srgbClr val="000000"/>
         </a:solidFill>
@@ -1372,7 +1334,7 @@
         <a:sym typeface="Arial"/>
       </a:defRPr>
     </a:lvl5pPr>
-    <a:lvl6pPr marR="0" lvl="5" algn="l" rtl="0">
+    <a:lvl6pPr lvl="5" marR="0" rtl="0" algn="l">
       <a:lnSpc>
         <a:spcPct val="100000"/>
       </a:lnSpc>
@@ -1386,7 +1348,7 @@
         <a:srgbClr val="000000"/>
       </a:buClr>
       <a:buFont typeface="Arial"/>
-      <a:defRPr sz="1400" b="0" i="0" u="none" strike="noStrike" cap="none">
+      <a:defRPr b="0" i="0" sz="1400" u="none" cap="none" strike="noStrike">
         <a:solidFill>
           <a:srgbClr val="000000"/>
         </a:solidFill>
@@ -1396,7 +1358,7 @@
         <a:sym typeface="Arial"/>
       </a:defRPr>
     </a:lvl6pPr>
-    <a:lvl7pPr marR="0" lvl="6" algn="l" rtl="0">
+    <a:lvl7pPr lvl="6" marR="0" rtl="0" algn="l">
       <a:lnSpc>
         <a:spcPct val="100000"/>
       </a:lnSpc>
@@ -1410,7 +1372,7 @@
         <a:srgbClr val="000000"/>
       </a:buClr>
       <a:buFont typeface="Arial"/>
-      <a:defRPr sz="1400" b="0" i="0" u="none" strike="noStrike" cap="none">
+      <a:defRPr b="0" i="0" sz="1400" u="none" cap="none" strike="noStrike">
         <a:solidFill>
           <a:srgbClr val="000000"/>
         </a:solidFill>
@@ -1420,7 +1382,7 @@
         <a:sym typeface="Arial"/>
       </a:defRPr>
     </a:lvl7pPr>
-    <a:lvl8pPr marR="0" lvl="7" algn="l" rtl="0">
+    <a:lvl8pPr lvl="7" marR="0" rtl="0" algn="l">
       <a:lnSpc>
         <a:spcPct val="100000"/>
       </a:lnSpc>
@@ -1434,7 +1396,7 @@
         <a:srgbClr val="000000"/>
       </a:buClr>
       <a:buFont typeface="Arial"/>
-      <a:defRPr sz="1400" b="0" i="0" u="none" strike="noStrike" cap="none">
+      <a:defRPr b="0" i="0" sz="1400" u="none" cap="none" strike="noStrike">
         <a:solidFill>
           <a:srgbClr val="000000"/>
         </a:solidFill>
@@ -1444,7 +1406,7 @@
         <a:sym typeface="Arial"/>
       </a:defRPr>
     </a:lvl8pPr>
-    <a:lvl9pPr marR="0" lvl="8" algn="l" rtl="0">
+    <a:lvl9pPr lvl="8" marR="0" rtl="0" algn="l">
       <a:lnSpc>
         <a:spcPct val="100000"/>
       </a:lnSpc>
@@ -1458,7 +1420,7 @@
         <a:srgbClr val="000000"/>
       </a:buClr>
       <a:buFont typeface="Arial"/>
-      <a:defRPr sz="1400" b="0" i="0" u="none" strike="noStrike" cap="none">
+      <a:defRPr b="0" i="0" sz="1400" u="none" cap="none" strike="noStrike">
         <a:solidFill>
           <a:srgbClr val="000000"/>
         </a:solidFill>
@@ -1473,11 +1435,11 @@
 </file>
 
 <file path=ppt/notesSlides/notesSlide1.xml><?xml version="1.0" encoding="utf-8"?>
-<p:notes xmlns:a="http://schemas.openxmlformats.org/drawingml/2006/main" xmlns:r="http://schemas.openxmlformats.org/officeDocument/2006/relationships" xmlns:p="http://schemas.openxmlformats.org/presentationml/2006/main" showMasterSp="0" showMasterPhAnim="0">
+<p:notes xmlns:a="http://schemas.openxmlformats.org/drawingml/2006/main" xmlns:r="http://schemas.openxmlformats.org/officeDocument/2006/relationships" xmlns:mc="http://schemas.openxmlformats.org/markup-compatibility/2006" xmlns:mv="urn:schemas-microsoft-com:mac:vml" xmlns:p="http://schemas.openxmlformats.org/presentationml/2006/main" xmlns:c="http://schemas.openxmlformats.org/drawingml/2006/chart" xmlns:dgm="http://schemas.openxmlformats.org/drawingml/2006/diagram" xmlns:o="urn:schemas-microsoft-com:office:office" xmlns:v="urn:schemas-microsoft-com:vml" xmlns:pvml="urn:schemas-microsoft-com:office:powerpoint" xmlns:com="http://schemas.openxmlformats.org/drawingml/2006/compatibility" xmlns:p14="http://schemas.microsoft.com/office/powerpoint/2010/main" xmlns:p15="http://schemas.microsoft.com/office/powerpoint/2012/main" showMasterPhAnim="0" showMasterSp="0">
   <p:cSld>
     <p:spTree>
       <p:nvGrpSpPr>
-        <p:cNvPr id="1" name="Shape 92"/>
+        <p:cNvPr id="92" name="Shape 92"/>
         <p:cNvGrpSpPr/>
         <p:nvPr/>
       </p:nvGrpSpPr>
@@ -1492,11 +1454,9 @@
       <p:sp>
         <p:nvSpPr>
           <p:cNvPr id="93" name="Google Shape;93;p1:notes"/>
-          <p:cNvSpPr txBox="1">
-            <a:spLocks noGrp="1"/>
-          </p:cNvSpPr>
+          <p:cNvSpPr txBox="1"/>
           <p:nvPr>
-            <p:ph type="body" idx="1"/>
+            <p:ph idx="1" type="body"/>
           </p:nvPr>
         </p:nvSpPr>
         <p:spPr>
@@ -1509,12 +1469,12 @@
           </a:prstGeom>
         </p:spPr>
         <p:txBody>
-          <a:bodyPr spcFirstLastPara="1" wrap="square" lIns="91425" tIns="45700" rIns="91425" bIns="45700" anchor="t" anchorCtr="0">
+          <a:bodyPr anchorCtr="0" anchor="t" bIns="45700" lIns="91425" spcFirstLastPara="1" rIns="91425" wrap="square" tIns="45700">
             <a:noAutofit/>
           </a:bodyPr>
           <a:lstStyle/>
           <a:p>
-            <a:pPr marL="0" lvl="0" indent="0" algn="l" rtl="0">
+            <a:pPr indent="0" lvl="0" marL="0" rtl="0" algn="l">
               <a:spcBef>
                 <a:spcPts val="0"/>
               </a:spcBef>
@@ -1523,6 +1483,9 @@
               </a:spcAft>
               <a:buNone/>
             </a:pPr>
+            <a:r>
+              <a:t/>
+            </a:r>
             <a:endParaRPr/>
           </a:p>
         </p:txBody>
@@ -1530,11 +1493,9 @@
       <p:sp>
         <p:nvSpPr>
           <p:cNvPr id="94" name="Google Shape;94;p1:notes"/>
-          <p:cNvSpPr>
-            <a:spLocks noGrp="1" noRot="1" noChangeAspect="1"/>
-          </p:cNvSpPr>
+          <p:cNvSpPr/>
           <p:nvPr>
-            <p:ph type="sldImg" idx="2"/>
+            <p:ph idx="2" type="sldImg"/>
           </p:nvPr>
         </p:nvSpPr>
         <p:spPr>
@@ -1543,13 +1504,9 @@
             <a:ext cx="5486400" cy="3086100"/>
           </a:xfrm>
           <a:custGeom>
-            <a:avLst/>
-            <a:gdLst/>
-            <a:ahLst/>
-            <a:cxnLst/>
-            <a:rect l="l" t="t" r="r" b="b"/>
+            <a:rect b="b" l="l" r="r" t="t"/>
             <a:pathLst>
-              <a:path w="120000" h="120000" extrusionOk="0">
+              <a:path extrusionOk="0" h="120000" w="120000">
                 <a:moveTo>
                   <a:pt x="0" y="0"/>
                 </a:moveTo>
@@ -1577,11 +1534,11 @@
 </file>
 
 <file path=ppt/notesSlides/notesSlide2.xml><?xml version="1.0" encoding="utf-8"?>
-<p:notes xmlns:a="http://schemas.openxmlformats.org/drawingml/2006/main" xmlns:r="http://schemas.openxmlformats.org/officeDocument/2006/relationships" xmlns:p="http://schemas.openxmlformats.org/presentationml/2006/main" showMasterSp="0" showMasterPhAnim="0">
+<p:notes xmlns:a="http://schemas.openxmlformats.org/drawingml/2006/main" xmlns:r="http://schemas.openxmlformats.org/officeDocument/2006/relationships" xmlns:mc="http://schemas.openxmlformats.org/markup-compatibility/2006" xmlns:mv="urn:schemas-microsoft-com:mac:vml" xmlns:p="http://schemas.openxmlformats.org/presentationml/2006/main" xmlns:c="http://schemas.openxmlformats.org/drawingml/2006/chart" xmlns:dgm="http://schemas.openxmlformats.org/drawingml/2006/diagram" xmlns:o="urn:schemas-microsoft-com:office:office" xmlns:v="urn:schemas-microsoft-com:vml" xmlns:pvml="urn:schemas-microsoft-com:office:powerpoint" xmlns:com="http://schemas.openxmlformats.org/drawingml/2006/compatibility" xmlns:p14="http://schemas.microsoft.com/office/powerpoint/2010/main" xmlns:p15="http://schemas.microsoft.com/office/powerpoint/2012/main" showMasterPhAnim="0" showMasterSp="0">
   <p:cSld>
     <p:spTree>
       <p:nvGrpSpPr>
-        <p:cNvPr id="1" name="Shape 98"/>
+        <p:cNvPr id="98" name="Shape 98"/>
         <p:cNvGrpSpPr/>
         <p:nvPr/>
       </p:nvGrpSpPr>
@@ -1596,11 +1553,9 @@
       <p:sp>
         <p:nvSpPr>
           <p:cNvPr id="99" name="Google Shape;99;g4fe6ed41a2_0_417:notes"/>
-          <p:cNvSpPr txBox="1">
-            <a:spLocks noGrp="1"/>
-          </p:cNvSpPr>
+          <p:cNvSpPr txBox="1"/>
           <p:nvPr>
-            <p:ph type="body" idx="1"/>
+            <p:ph idx="1" type="body"/>
           </p:nvPr>
         </p:nvSpPr>
         <p:spPr>
@@ -1613,12 +1568,12 @@
           </a:prstGeom>
         </p:spPr>
         <p:txBody>
-          <a:bodyPr spcFirstLastPara="1" wrap="square" lIns="91425" tIns="45700" rIns="91425" bIns="45700" anchor="t" anchorCtr="0">
+          <a:bodyPr anchorCtr="0" anchor="t" bIns="45700" lIns="91425" spcFirstLastPara="1" rIns="91425" wrap="square" tIns="45700">
             <a:noAutofit/>
           </a:bodyPr>
           <a:lstStyle/>
           <a:p>
-            <a:pPr marL="0" lvl="0" indent="0" algn="l" rtl="0">
+            <a:pPr indent="0" lvl="0" marL="0" rtl="0" algn="l">
               <a:spcBef>
                 <a:spcPts val="0"/>
               </a:spcBef>
@@ -1627,6 +1582,9 @@
               </a:spcAft>
               <a:buNone/>
             </a:pPr>
+            <a:r>
+              <a:t/>
+            </a:r>
             <a:endParaRPr/>
           </a:p>
         </p:txBody>
@@ -1634,11 +1592,9 @@
       <p:sp>
         <p:nvSpPr>
           <p:cNvPr id="100" name="Google Shape;100;g4fe6ed41a2_0_417:notes"/>
-          <p:cNvSpPr>
-            <a:spLocks noGrp="1" noRot="1" noChangeAspect="1"/>
-          </p:cNvSpPr>
+          <p:cNvSpPr/>
           <p:nvPr>
-            <p:ph type="sldImg" idx="2"/>
+            <p:ph idx="2" type="sldImg"/>
           </p:nvPr>
         </p:nvSpPr>
         <p:spPr>
@@ -1647,13 +1603,9 @@
             <a:ext cx="5486400" cy="3086100"/>
           </a:xfrm>
           <a:custGeom>
-            <a:avLst/>
-            <a:gdLst/>
-            <a:ahLst/>
-            <a:cxnLst/>
-            <a:rect l="l" t="t" r="r" b="b"/>
+            <a:rect b="b" l="l" r="r" t="t"/>
             <a:pathLst>
-              <a:path w="120000" h="120000" extrusionOk="0">
+              <a:path extrusionOk="0" h="120000" w="120000">
                 <a:moveTo>
                   <a:pt x="0" y="0"/>
                 </a:moveTo>
@@ -1681,11 +1633,11 @@
 </file>
 
 <file path=ppt/notesSlides/notesSlide3.xml><?xml version="1.0" encoding="utf-8"?>
-<p:notes xmlns:a="http://schemas.openxmlformats.org/drawingml/2006/main" xmlns:r="http://schemas.openxmlformats.org/officeDocument/2006/relationships" xmlns:p="http://schemas.openxmlformats.org/presentationml/2006/main" showMasterSp="0" showMasterPhAnim="0">
+<p:notes xmlns:a="http://schemas.openxmlformats.org/drawingml/2006/main" xmlns:r="http://schemas.openxmlformats.org/officeDocument/2006/relationships" xmlns:mc="http://schemas.openxmlformats.org/markup-compatibility/2006" xmlns:mv="urn:schemas-microsoft-com:mac:vml" xmlns:p="http://schemas.openxmlformats.org/presentationml/2006/main" xmlns:c="http://schemas.openxmlformats.org/drawingml/2006/chart" xmlns:dgm="http://schemas.openxmlformats.org/drawingml/2006/diagram" xmlns:o="urn:schemas-microsoft-com:office:office" xmlns:v="urn:schemas-microsoft-com:vml" xmlns:pvml="urn:schemas-microsoft-com:office:powerpoint" xmlns:com="http://schemas.openxmlformats.org/drawingml/2006/compatibility" xmlns:p14="http://schemas.microsoft.com/office/powerpoint/2010/main" xmlns:p15="http://schemas.microsoft.com/office/powerpoint/2012/main" showMasterPhAnim="0" showMasterSp="0">
   <p:cSld>
     <p:spTree>
       <p:nvGrpSpPr>
-        <p:cNvPr id="1" name="Shape 104"/>
+        <p:cNvPr id="104" name="Shape 104"/>
         <p:cNvGrpSpPr/>
         <p:nvPr/>
       </p:nvGrpSpPr>
@@ -1700,11 +1652,9 @@
       <p:sp>
         <p:nvSpPr>
           <p:cNvPr id="105" name="Google Shape;105;g4fe6ed41a2_0_423:notes"/>
-          <p:cNvSpPr txBox="1">
-            <a:spLocks noGrp="1"/>
-          </p:cNvSpPr>
+          <p:cNvSpPr txBox="1"/>
           <p:nvPr>
-            <p:ph type="body" idx="1"/>
+            <p:ph idx="1" type="body"/>
           </p:nvPr>
         </p:nvSpPr>
         <p:spPr>
@@ -1717,12 +1667,12 @@
           </a:prstGeom>
         </p:spPr>
         <p:txBody>
-          <a:bodyPr spcFirstLastPara="1" wrap="square" lIns="91425" tIns="45700" rIns="91425" bIns="45700" anchor="t" anchorCtr="0">
+          <a:bodyPr anchorCtr="0" anchor="t" bIns="45700" lIns="91425" spcFirstLastPara="1" rIns="91425" wrap="square" tIns="45700">
             <a:noAutofit/>
           </a:bodyPr>
           <a:lstStyle/>
           <a:p>
-            <a:pPr marL="0" lvl="0" indent="0" algn="l" rtl="0">
+            <a:pPr indent="0" lvl="0" marL="0" rtl="0" algn="l">
               <a:spcBef>
                 <a:spcPts val="0"/>
               </a:spcBef>
@@ -1731,6 +1681,9 @@
               </a:spcAft>
               <a:buNone/>
             </a:pPr>
+            <a:r>
+              <a:t/>
+            </a:r>
             <a:endParaRPr/>
           </a:p>
         </p:txBody>
@@ -1738,11 +1691,9 @@
       <p:sp>
         <p:nvSpPr>
           <p:cNvPr id="106" name="Google Shape;106;g4fe6ed41a2_0_423:notes"/>
-          <p:cNvSpPr>
-            <a:spLocks noGrp="1" noRot="1" noChangeAspect="1"/>
-          </p:cNvSpPr>
+          <p:cNvSpPr/>
           <p:nvPr>
-            <p:ph type="sldImg" idx="2"/>
+            <p:ph idx="2" type="sldImg"/>
           </p:nvPr>
         </p:nvSpPr>
         <p:spPr>
@@ -1751,13 +1702,9 @@
             <a:ext cx="5486400" cy="3086100"/>
           </a:xfrm>
           <a:custGeom>
-            <a:avLst/>
-            <a:gdLst/>
-            <a:ahLst/>
-            <a:cxnLst/>
-            <a:rect l="l" t="t" r="r" b="b"/>
+            <a:rect b="b" l="l" r="r" t="t"/>
             <a:pathLst>
-              <a:path w="120000" h="120000" extrusionOk="0">
+              <a:path extrusionOk="0" h="120000" w="120000">
                 <a:moveTo>
                   <a:pt x="0" y="0"/>
                 </a:moveTo>
@@ -1785,11 +1732,11 @@
 </file>
 
 <file path=ppt/notesSlides/notesSlide4.xml><?xml version="1.0" encoding="utf-8"?>
-<p:notes xmlns:a="http://schemas.openxmlformats.org/drawingml/2006/main" xmlns:r="http://schemas.openxmlformats.org/officeDocument/2006/relationships" xmlns:p="http://schemas.openxmlformats.org/presentationml/2006/main" showMasterSp="0" showMasterPhAnim="0">
+<p:notes xmlns:a="http://schemas.openxmlformats.org/drawingml/2006/main" xmlns:r="http://schemas.openxmlformats.org/officeDocument/2006/relationships" xmlns:mc="http://schemas.openxmlformats.org/markup-compatibility/2006" xmlns:mv="urn:schemas-microsoft-com:mac:vml" xmlns:p="http://schemas.openxmlformats.org/presentationml/2006/main" xmlns:c="http://schemas.openxmlformats.org/drawingml/2006/chart" xmlns:dgm="http://schemas.openxmlformats.org/drawingml/2006/diagram" xmlns:o="urn:schemas-microsoft-com:office:office" xmlns:v="urn:schemas-microsoft-com:vml" xmlns:pvml="urn:schemas-microsoft-com:office:powerpoint" xmlns:com="http://schemas.openxmlformats.org/drawingml/2006/compatibility" xmlns:p14="http://schemas.microsoft.com/office/powerpoint/2010/main" xmlns:p15="http://schemas.microsoft.com/office/powerpoint/2012/main" showMasterPhAnim="0" showMasterSp="0">
   <p:cSld>
     <p:spTree>
       <p:nvGrpSpPr>
-        <p:cNvPr id="1" name="Shape 110"/>
+        <p:cNvPr id="110" name="Shape 110"/>
         <p:cNvGrpSpPr/>
         <p:nvPr/>
       </p:nvGrpSpPr>
@@ -1804,11 +1751,9 @@
       <p:sp>
         <p:nvSpPr>
           <p:cNvPr id="111" name="Google Shape;111;g4fe6ed41a2_0_427:notes"/>
-          <p:cNvSpPr txBox="1">
-            <a:spLocks noGrp="1"/>
-          </p:cNvSpPr>
+          <p:cNvSpPr txBox="1"/>
           <p:nvPr>
-            <p:ph type="body" idx="1"/>
+            <p:ph idx="1" type="body"/>
           </p:nvPr>
         </p:nvSpPr>
         <p:spPr>
@@ -1821,12 +1766,12 @@
           </a:prstGeom>
         </p:spPr>
         <p:txBody>
-          <a:bodyPr spcFirstLastPara="1" wrap="square" lIns="91425" tIns="45700" rIns="91425" bIns="45700" anchor="t" anchorCtr="0">
+          <a:bodyPr anchorCtr="0" anchor="t" bIns="45700" lIns="91425" spcFirstLastPara="1" rIns="91425" wrap="square" tIns="45700">
             <a:noAutofit/>
           </a:bodyPr>
           <a:lstStyle/>
           <a:p>
-            <a:pPr marL="0" lvl="0" indent="0" algn="l" rtl="0">
+            <a:pPr indent="0" lvl="0" marL="0" rtl="0" algn="l">
               <a:spcBef>
                 <a:spcPts val="0"/>
               </a:spcBef>
@@ -1835,6 +1780,9 @@
               </a:spcAft>
               <a:buNone/>
             </a:pPr>
+            <a:r>
+              <a:t/>
+            </a:r>
             <a:endParaRPr/>
           </a:p>
         </p:txBody>
@@ -1842,11 +1790,9 @@
       <p:sp>
         <p:nvSpPr>
           <p:cNvPr id="112" name="Google Shape;112;g4fe6ed41a2_0_427:notes"/>
-          <p:cNvSpPr>
-            <a:spLocks noGrp="1" noRot="1" noChangeAspect="1"/>
-          </p:cNvSpPr>
+          <p:cNvSpPr/>
           <p:nvPr>
-            <p:ph type="sldImg" idx="2"/>
+            <p:ph idx="2" type="sldImg"/>
           </p:nvPr>
         </p:nvSpPr>
         <p:spPr>
@@ -1855,13 +1801,9 @@
             <a:ext cx="5486400" cy="3086100"/>
           </a:xfrm>
           <a:custGeom>
-            <a:avLst/>
-            <a:gdLst/>
-            <a:ahLst/>
-            <a:cxnLst/>
-            <a:rect l="l" t="t" r="r" b="b"/>
+            <a:rect b="b" l="l" r="r" t="t"/>
             <a:pathLst>
-              <a:path w="120000" h="120000" extrusionOk="0">
+              <a:path extrusionOk="0" h="120000" w="120000">
                 <a:moveTo>
                   <a:pt x="0" y="0"/>
                 </a:moveTo>
@@ -1889,11 +1831,11 @@
 </file>
 
 <file path=ppt/notesSlides/notesSlide5.xml><?xml version="1.0" encoding="utf-8"?>
-<p:notes xmlns:a="http://schemas.openxmlformats.org/drawingml/2006/main" xmlns:r="http://schemas.openxmlformats.org/officeDocument/2006/relationships" xmlns:p="http://schemas.openxmlformats.org/presentationml/2006/main" showMasterSp="0" showMasterPhAnim="0">
+<p:notes xmlns:a="http://schemas.openxmlformats.org/drawingml/2006/main" xmlns:r="http://schemas.openxmlformats.org/officeDocument/2006/relationships" xmlns:mc="http://schemas.openxmlformats.org/markup-compatibility/2006" xmlns:mv="urn:schemas-microsoft-com:mac:vml" xmlns:p="http://schemas.openxmlformats.org/presentationml/2006/main" xmlns:c="http://schemas.openxmlformats.org/drawingml/2006/chart" xmlns:dgm="http://schemas.openxmlformats.org/drawingml/2006/diagram" xmlns:o="urn:schemas-microsoft-com:office:office" xmlns:v="urn:schemas-microsoft-com:vml" xmlns:pvml="urn:schemas-microsoft-com:office:powerpoint" xmlns:com="http://schemas.openxmlformats.org/drawingml/2006/compatibility" xmlns:p14="http://schemas.microsoft.com/office/powerpoint/2010/main" xmlns:p15="http://schemas.microsoft.com/office/powerpoint/2012/main" showMasterPhAnim="0" showMasterSp="0">
   <p:cSld>
     <p:spTree>
       <p:nvGrpSpPr>
-        <p:cNvPr id="1" name="Shape 116"/>
+        <p:cNvPr id="116" name="Shape 116"/>
         <p:cNvGrpSpPr/>
         <p:nvPr/>
       </p:nvGrpSpPr>
@@ -1908,11 +1850,9 @@
       <p:sp>
         <p:nvSpPr>
           <p:cNvPr id="117" name="Google Shape;117;g4fe6ed41a2_0_435:notes"/>
-          <p:cNvSpPr txBox="1">
-            <a:spLocks noGrp="1"/>
-          </p:cNvSpPr>
+          <p:cNvSpPr txBox="1"/>
           <p:nvPr>
-            <p:ph type="body" idx="1"/>
+            <p:ph idx="1" type="body"/>
           </p:nvPr>
         </p:nvSpPr>
         <p:spPr>
@@ -1925,12 +1865,12 @@
           </a:prstGeom>
         </p:spPr>
         <p:txBody>
-          <a:bodyPr spcFirstLastPara="1" wrap="square" lIns="91425" tIns="45700" rIns="91425" bIns="45700" anchor="t" anchorCtr="0">
+          <a:bodyPr anchorCtr="0" anchor="t" bIns="45700" lIns="91425" spcFirstLastPara="1" rIns="91425" wrap="square" tIns="45700">
             <a:noAutofit/>
           </a:bodyPr>
           <a:lstStyle/>
           <a:p>
-            <a:pPr marL="0" lvl="0" indent="0" algn="l" rtl="0">
+            <a:pPr indent="0" lvl="0" marL="0" rtl="0" algn="l">
               <a:spcBef>
                 <a:spcPts val="0"/>
               </a:spcBef>
@@ -1939,6 +1879,9 @@
               </a:spcAft>
               <a:buNone/>
             </a:pPr>
+            <a:r>
+              <a:t/>
+            </a:r>
             <a:endParaRPr/>
           </a:p>
         </p:txBody>
@@ -1946,11 +1889,9 @@
       <p:sp>
         <p:nvSpPr>
           <p:cNvPr id="118" name="Google Shape;118;g4fe6ed41a2_0_435:notes"/>
-          <p:cNvSpPr>
-            <a:spLocks noGrp="1" noRot="1" noChangeAspect="1"/>
-          </p:cNvSpPr>
+          <p:cNvSpPr/>
           <p:nvPr>
-            <p:ph type="sldImg" idx="2"/>
+            <p:ph idx="2" type="sldImg"/>
           </p:nvPr>
         </p:nvSpPr>
         <p:spPr>
@@ -1959,13 +1900,9 @@
             <a:ext cx="5486400" cy="3086100"/>
           </a:xfrm>
           <a:custGeom>
-            <a:avLst/>
-            <a:gdLst/>
-            <a:ahLst/>
-            <a:cxnLst/>
-            <a:rect l="l" t="t" r="r" b="b"/>
+            <a:rect b="b" l="l" r="r" t="t"/>
             <a:pathLst>
-              <a:path w="120000" h="120000" extrusionOk="0">
+              <a:path extrusionOk="0" h="120000" w="120000">
                 <a:moveTo>
                   <a:pt x="0" y="0"/>
                 </a:moveTo>
@@ -1993,11 +1930,11 @@
 </file>
 
 <file path=ppt/notesSlides/notesSlide6.xml><?xml version="1.0" encoding="utf-8"?>
-<p:notes xmlns:a="http://schemas.openxmlformats.org/drawingml/2006/main" xmlns:r="http://schemas.openxmlformats.org/officeDocument/2006/relationships" xmlns:p="http://schemas.openxmlformats.org/presentationml/2006/main" showMasterSp="0" showMasterPhAnim="0">
+<p:notes xmlns:a="http://schemas.openxmlformats.org/drawingml/2006/main" xmlns:r="http://schemas.openxmlformats.org/officeDocument/2006/relationships" xmlns:mc="http://schemas.openxmlformats.org/markup-compatibility/2006" xmlns:mv="urn:schemas-microsoft-com:mac:vml" xmlns:p="http://schemas.openxmlformats.org/presentationml/2006/main" xmlns:c="http://schemas.openxmlformats.org/drawingml/2006/chart" xmlns:dgm="http://schemas.openxmlformats.org/drawingml/2006/diagram" xmlns:o="urn:schemas-microsoft-com:office:office" xmlns:v="urn:schemas-microsoft-com:vml" xmlns:pvml="urn:schemas-microsoft-com:office:powerpoint" xmlns:com="http://schemas.openxmlformats.org/drawingml/2006/compatibility" xmlns:p14="http://schemas.microsoft.com/office/powerpoint/2010/main" xmlns:p15="http://schemas.microsoft.com/office/powerpoint/2012/main" showMasterPhAnim="0" showMasterSp="0">
   <p:cSld>
     <p:spTree>
       <p:nvGrpSpPr>
-        <p:cNvPr id="1" name="Shape 122"/>
+        <p:cNvPr id="122" name="Shape 122"/>
         <p:cNvGrpSpPr/>
         <p:nvPr/>
       </p:nvGrpSpPr>
@@ -2012,11 +1949,9 @@
       <p:sp>
         <p:nvSpPr>
           <p:cNvPr id="123" name="Google Shape;123;g4fe6ed41a2_0_447:notes"/>
-          <p:cNvSpPr txBox="1">
-            <a:spLocks noGrp="1"/>
-          </p:cNvSpPr>
+          <p:cNvSpPr txBox="1"/>
           <p:nvPr>
-            <p:ph type="body" idx="1"/>
+            <p:ph idx="1" type="body"/>
           </p:nvPr>
         </p:nvSpPr>
         <p:spPr>
@@ -2029,12 +1964,12 @@
           </a:prstGeom>
         </p:spPr>
         <p:txBody>
-          <a:bodyPr spcFirstLastPara="1" wrap="square" lIns="91425" tIns="45700" rIns="91425" bIns="45700" anchor="t" anchorCtr="0">
+          <a:bodyPr anchorCtr="0" anchor="t" bIns="45700" lIns="91425" spcFirstLastPara="1" rIns="91425" wrap="square" tIns="45700">
             <a:noAutofit/>
           </a:bodyPr>
           <a:lstStyle/>
           <a:p>
-            <a:pPr marL="0" lvl="0" indent="0" algn="l" rtl="0">
+            <a:pPr indent="0" lvl="0" marL="0" rtl="0" algn="l">
               <a:spcBef>
                 <a:spcPts val="0"/>
               </a:spcBef>
@@ -2043,6 +1978,9 @@
               </a:spcAft>
               <a:buNone/>
             </a:pPr>
+            <a:r>
+              <a:t/>
+            </a:r>
             <a:endParaRPr/>
           </a:p>
         </p:txBody>
@@ -2050,11 +1988,9 @@
       <p:sp>
         <p:nvSpPr>
           <p:cNvPr id="124" name="Google Shape;124;g4fe6ed41a2_0_447:notes"/>
-          <p:cNvSpPr>
-            <a:spLocks noGrp="1" noRot="1" noChangeAspect="1"/>
-          </p:cNvSpPr>
+          <p:cNvSpPr/>
           <p:nvPr>
-            <p:ph type="sldImg" idx="2"/>
+            <p:ph idx="2" type="sldImg"/>
           </p:nvPr>
         </p:nvSpPr>
         <p:spPr>
@@ -2063,13 +1999,108 @@
             <a:ext cx="5486400" cy="3086100"/>
           </a:xfrm>
           <a:custGeom>
+            <a:rect b="b" l="l" r="r" t="t"/>
+            <a:pathLst>
+              <a:path extrusionOk="0" h="120000" w="120000">
+                <a:moveTo>
+                  <a:pt x="0" y="0"/>
+                </a:moveTo>
+                <a:lnTo>
+                  <a:pt x="120000" y="0"/>
+                </a:lnTo>
+                <a:lnTo>
+                  <a:pt x="120000" y="120000"/>
+                </a:lnTo>
+                <a:lnTo>
+                  <a:pt x="0" y="120000"/>
+                </a:lnTo>
+                <a:close/>
+              </a:path>
+            </a:pathLst>
+          </a:custGeom>
+        </p:spPr>
+      </p:sp>
+    </p:spTree>
+  </p:cSld>
+  <p:clrMapOvr>
+    <a:masterClrMapping/>
+  </p:clrMapOvr>
+</p:notes>
+</file>
+
+<file path=ppt/notesSlides/notesSlide7.xml><?xml version="1.0" encoding="utf-8"?>
+<p:notes xmlns:a="http://schemas.openxmlformats.org/drawingml/2006/main" xmlns:r="http://schemas.openxmlformats.org/officeDocument/2006/relationships" xmlns:mc="http://schemas.openxmlformats.org/markup-compatibility/2006" xmlns:mv="urn:schemas-microsoft-com:mac:vml" xmlns:p="http://schemas.openxmlformats.org/presentationml/2006/main" xmlns:c="http://schemas.openxmlformats.org/drawingml/2006/chart" xmlns:dgm="http://schemas.openxmlformats.org/drawingml/2006/diagram" xmlns:o="urn:schemas-microsoft-com:office:office" xmlns:v="urn:schemas-microsoft-com:vml" xmlns:pvml="urn:schemas-microsoft-com:office:powerpoint" xmlns:com="http://schemas.openxmlformats.org/drawingml/2006/compatibility" xmlns:p14="http://schemas.microsoft.com/office/powerpoint/2010/main" xmlns:p15="http://schemas.microsoft.com/office/powerpoint/2012/main" showMasterPhAnim="0" showMasterSp="0">
+  <p:cSld>
+    <p:spTree>
+      <p:nvGrpSpPr>
+        <p:cNvPr id="128" name="Shape 128"/>
+        <p:cNvGrpSpPr/>
+        <p:nvPr/>
+      </p:nvGrpSpPr>
+      <p:grpSpPr>
+        <a:xfrm>
+          <a:off x="0" y="0"/>
+          <a:ext cx="0" cy="0"/>
+          <a:chOff x="0" y="0"/>
+          <a:chExt cx="0" cy="0"/>
+        </a:xfrm>
+      </p:grpSpPr>
+      <p:sp>
+        <p:nvSpPr>
+          <p:cNvPr id="129" name="Google Shape;129;g5d1d395c52_2_90:notes"/>
+          <p:cNvSpPr txBox="1"/>
+          <p:nvPr>
+            <p:ph idx="1" type="body"/>
+          </p:nvPr>
+        </p:nvSpPr>
+        <p:spPr>
+          <a:xfrm>
+            <a:off x="685800" y="4400550"/>
+            <a:ext cx="5486400" cy="3600600"/>
+          </a:xfrm>
+          <a:prstGeom prst="rect">
             <a:avLst/>
-            <a:gdLst/>
-            <a:ahLst/>
-            <a:cxnLst/>
-            <a:rect l="l" t="t" r="r" b="b"/>
+          </a:prstGeom>
+        </p:spPr>
+        <p:txBody>
+          <a:bodyPr anchorCtr="0" anchor="t" bIns="45700" lIns="91425" spcFirstLastPara="1" rIns="91425" wrap="square" tIns="45700">
+            <a:noAutofit/>
+          </a:bodyPr>
+          <a:lstStyle/>
+          <a:p>
+            <a:pPr indent="0" lvl="0" marL="0" rtl="0" algn="l">
+              <a:spcBef>
+                <a:spcPts val="0"/>
+              </a:spcBef>
+              <a:spcAft>
+                <a:spcPts val="0"/>
+              </a:spcAft>
+              <a:buNone/>
+            </a:pPr>
+            <a:r>
+              <a:t/>
+            </a:r>
+            <a:endParaRPr/>
+          </a:p>
+        </p:txBody>
+      </p:sp>
+      <p:sp>
+        <p:nvSpPr>
+          <p:cNvPr id="130" name="Google Shape;130;g5d1d395c52_2_90:notes"/>
+          <p:cNvSpPr/>
+          <p:nvPr>
+            <p:ph idx="2" type="sldImg"/>
+          </p:nvPr>
+        </p:nvSpPr>
+        <p:spPr>
+          <a:xfrm>
+            <a:off x="685800" y="1143000"/>
+            <a:ext cx="5486400" cy="3086100"/>
+          </a:xfrm>
+          <a:custGeom>
+            <a:rect b="b" l="l" r="r" t="t"/>
             <a:pathLst>
-              <a:path w="120000" h="120000" extrusionOk="0">
+              <a:path extrusionOk="0" h="120000" w="120000">
                 <a:moveTo>
                   <a:pt x="0" y="0"/>
                 </a:moveTo>
@@ -2097,19 +2128,18 @@
 </file>
 
 <file path=ppt/slideLayouts/slideLayout1.xml><?xml version="1.0" encoding="utf-8"?>
-<p:sldLayout xmlns:a="http://schemas.openxmlformats.org/drawingml/2006/main" xmlns:r="http://schemas.openxmlformats.org/officeDocument/2006/relationships" xmlns:p="http://schemas.openxmlformats.org/presentationml/2006/main" matchingName="Title slide" type="title">
+<p:sldLayout xmlns:a="http://schemas.openxmlformats.org/drawingml/2006/main" xmlns:r="http://schemas.openxmlformats.org/officeDocument/2006/relationships" xmlns:mc="http://schemas.openxmlformats.org/markup-compatibility/2006" xmlns:mv="urn:schemas-microsoft-com:mac:vml" xmlns:p="http://schemas.openxmlformats.org/presentationml/2006/main" xmlns:c="http://schemas.openxmlformats.org/drawingml/2006/chart" xmlns:dgm="http://schemas.openxmlformats.org/drawingml/2006/diagram" xmlns:o="urn:schemas-microsoft-com:office:office" xmlns:v="urn:schemas-microsoft-com:vml" xmlns:pvml="urn:schemas-microsoft-com:office:powerpoint" xmlns:com="http://schemas.openxmlformats.org/drawingml/2006/compatibility" xmlns:p14="http://schemas.microsoft.com/office/powerpoint/2010/main" xmlns:p15="http://schemas.microsoft.com/office/powerpoint/2012/main" matchingName="Title slide" type="title">
   <p:cSld name="TITLE">
     <p:bg>
       <p:bgPr>
         <a:solidFill>
           <a:schemeClr val="lt2"/>
         </a:solidFill>
-        <a:effectLst/>
       </p:bgPr>
     </p:bg>
     <p:spTree>
       <p:nvGrpSpPr>
-        <p:cNvPr id="1" name="Shape 13"/>
+        <p:cNvPr id="13" name="Shape 13"/>
         <p:cNvGrpSpPr/>
         <p:nvPr/>
       </p:nvGrpSpPr>
@@ -2143,12 +2173,12 @@
           </a:ln>
         </p:spPr>
         <p:txBody>
-          <a:bodyPr spcFirstLastPara="1" wrap="square" lIns="121900" tIns="121900" rIns="121900" bIns="121900" anchor="ctr" anchorCtr="0">
+          <a:bodyPr anchorCtr="0" anchor="ctr" bIns="121900" lIns="121900" spcFirstLastPara="1" rIns="121900" wrap="square" tIns="121900">
             <a:noAutofit/>
           </a:bodyPr>
           <a:lstStyle/>
           <a:p>
-            <a:pPr marL="0" lvl="0" indent="0" algn="l" rtl="0">
+            <a:pPr indent="0" lvl="0" marL="0" rtl="0" algn="l">
               <a:spcBef>
                 <a:spcPts val="0"/>
               </a:spcBef>
@@ -2157,6 +2187,9 @@
               </a:spcAft>
               <a:buNone/>
             </a:pPr>
+            <a:r>
+              <a:t/>
+            </a:r>
             <a:endParaRPr/>
           </a:p>
         </p:txBody>
@@ -2197,12 +2230,12 @@
             </a:ln>
           </p:spPr>
           <p:txBody>
-            <a:bodyPr spcFirstLastPara="1" wrap="square" lIns="121900" tIns="121900" rIns="121900" bIns="121900" anchor="ctr" anchorCtr="0">
+            <a:bodyPr anchorCtr="0" anchor="ctr" bIns="121900" lIns="121900" spcFirstLastPara="1" rIns="121900" wrap="square" tIns="121900">
               <a:noAutofit/>
             </a:bodyPr>
             <a:lstStyle/>
             <a:p>
-              <a:pPr marL="0" lvl="0" indent="0" algn="l" rtl="0">
+              <a:pPr indent="0" lvl="0" marL="0" rtl="0" algn="l">
                 <a:spcBef>
                   <a:spcPts val="0"/>
                 </a:spcBef>
@@ -2211,6 +2244,9 @@
                 </a:spcAft>
                 <a:buNone/>
               </a:pPr>
+              <a:r>
+                <a:t/>
+              </a:r>
               <a:endParaRPr/>
             </a:p>
           </p:txBody>
@@ -2237,12 +2273,12 @@
             </a:ln>
           </p:spPr>
           <p:txBody>
-            <a:bodyPr spcFirstLastPara="1" wrap="square" lIns="121900" tIns="121900" rIns="121900" bIns="121900" anchor="ctr" anchorCtr="0">
+            <a:bodyPr anchorCtr="0" anchor="ctr" bIns="121900" lIns="121900" spcFirstLastPara="1" rIns="121900" wrap="square" tIns="121900">
               <a:noAutofit/>
             </a:bodyPr>
             <a:lstStyle/>
             <a:p>
-              <a:pPr marL="0" lvl="0" indent="0" algn="l" rtl="0">
+              <a:pPr indent="0" lvl="0" marL="0" rtl="0" algn="l">
                 <a:spcBef>
                   <a:spcPts val="0"/>
                 </a:spcBef>
@@ -2251,6 +2287,9 @@
                 </a:spcAft>
                 <a:buNone/>
               </a:pPr>
+              <a:r>
+                <a:t/>
+              </a:r>
               <a:endParaRPr/>
             </a:p>
           </p:txBody>
@@ -2259,9 +2298,7 @@
       <p:sp>
         <p:nvSpPr>
           <p:cNvPr id="18" name="Google Shape;18;p2"/>
-          <p:cNvSpPr txBox="1">
-            <a:spLocks noGrp="1"/>
-          </p:cNvSpPr>
+          <p:cNvSpPr txBox="1"/>
           <p:nvPr>
             <p:ph type="ctrTitle"/>
           </p:nvPr>
@@ -2276,7 +2313,7 @@
           </a:prstGeom>
         </p:spPr>
         <p:txBody>
-          <a:bodyPr spcFirstLastPara="1" wrap="square" lIns="121900" tIns="121900" rIns="121900" bIns="121900" anchor="t" anchorCtr="0">
+          <a:bodyPr anchorCtr="0" anchor="t" bIns="121900" lIns="121900" spcFirstLastPara="1" rIns="121900" wrap="square" tIns="121900">
             <a:noAutofit/>
           </a:bodyPr>
           <a:lstStyle>
@@ -2443,19 +2480,15 @@
               </a:defRPr>
             </a:lvl9pPr>
           </a:lstStyle>
-          <a:p>
-            <a:endParaRPr/>
-          </a:p>
+          <a:p/>
         </p:txBody>
       </p:sp>
       <p:sp>
         <p:nvSpPr>
           <p:cNvPr id="19" name="Google Shape;19;p2"/>
-          <p:cNvSpPr txBox="1">
-            <a:spLocks noGrp="1"/>
-          </p:cNvSpPr>
+          <p:cNvSpPr txBox="1"/>
           <p:nvPr>
-            <p:ph type="subTitle" idx="1"/>
+            <p:ph idx="1" type="subTitle"/>
           </p:nvPr>
         </p:nvSpPr>
         <p:spPr>
@@ -2468,7 +2501,7 @@
           </a:prstGeom>
         </p:spPr>
         <p:txBody>
-          <a:bodyPr spcFirstLastPara="1" wrap="square" lIns="121900" tIns="121900" rIns="121900" bIns="121900" anchor="t" anchorCtr="0">
+          <a:bodyPr anchorCtr="0" anchor="t" bIns="121900" lIns="121900" spcFirstLastPara="1" rIns="121900" wrap="square" tIns="121900">
             <a:noAutofit/>
           </a:bodyPr>
           <a:lstStyle>
@@ -2599,19 +2632,15 @@
               <a:defRPr sz="2100"/>
             </a:lvl9pPr>
           </a:lstStyle>
-          <a:p>
-            <a:endParaRPr/>
-          </a:p>
+          <a:p/>
         </p:txBody>
       </p:sp>
       <p:sp>
         <p:nvSpPr>
           <p:cNvPr id="20" name="Google Shape;20;p2"/>
-          <p:cNvSpPr txBox="1">
-            <a:spLocks noGrp="1"/>
-          </p:cNvSpPr>
+          <p:cNvSpPr txBox="1"/>
           <p:nvPr>
-            <p:ph type="sldNum" idx="12"/>
+            <p:ph idx="12" type="sldNum"/>
           </p:nvPr>
         </p:nvSpPr>
         <p:spPr>
@@ -2624,7 +2653,7 @@
           </a:prstGeom>
         </p:spPr>
         <p:txBody>
-          <a:bodyPr spcFirstLastPara="1" wrap="square" lIns="121900" tIns="121900" rIns="121900" bIns="121900" anchor="ctr" anchorCtr="0">
+          <a:bodyPr anchorCtr="0" anchor="ctr" bIns="121900" lIns="121900" spcFirstLastPara="1" rIns="121900" wrap="square" tIns="121900">
             <a:noAutofit/>
           </a:bodyPr>
           <a:lstStyle>
@@ -2666,7 +2695,7 @@
             </a:lvl9pPr>
           </a:lstStyle>
           <a:p>
-            <a:pPr marL="0" lvl="0" indent="0" algn="r" rtl="0">
+            <a:pPr indent="0" lvl="0" marL="0" rtl="0" algn="r">
               <a:spcBef>
                 <a:spcPts val="0"/>
               </a:spcBef>
@@ -2692,19 +2721,18 @@
 </file>
 
 <file path=ppt/slideLayouts/slideLayout10.xml><?xml version="1.0" encoding="utf-8"?>
-<p:sldLayout xmlns:a="http://schemas.openxmlformats.org/drawingml/2006/main" xmlns:r="http://schemas.openxmlformats.org/officeDocument/2006/relationships" xmlns:p="http://schemas.openxmlformats.org/presentationml/2006/main" matchingName="Big number">
+<p:sldLayout xmlns:a="http://schemas.openxmlformats.org/drawingml/2006/main" xmlns:r="http://schemas.openxmlformats.org/officeDocument/2006/relationships" xmlns:mc="http://schemas.openxmlformats.org/markup-compatibility/2006" xmlns:mv="urn:schemas-microsoft-com:mac:vml" xmlns:p="http://schemas.openxmlformats.org/presentationml/2006/main" xmlns:c="http://schemas.openxmlformats.org/drawingml/2006/chart" xmlns:dgm="http://schemas.openxmlformats.org/drawingml/2006/diagram" xmlns:o="urn:schemas-microsoft-com:office:office" xmlns:v="urn:schemas-microsoft-com:vml" xmlns:pvml="urn:schemas-microsoft-com:office:powerpoint" xmlns:com="http://schemas.openxmlformats.org/drawingml/2006/compatibility" xmlns:p14="http://schemas.microsoft.com/office/powerpoint/2010/main" xmlns:p15="http://schemas.microsoft.com/office/powerpoint/2012/main" matchingName="Big number">
   <p:cSld name="BIG_NUMBER">
     <p:bg>
       <p:bgPr>
         <a:solidFill>
           <a:schemeClr val="dk1"/>
         </a:solidFill>
-        <a:effectLst/>
       </p:bgPr>
     </p:bg>
     <p:spTree>
       <p:nvGrpSpPr>
-        <p:cNvPr id="1" name="Shape 77"/>
+        <p:cNvPr id="77" name="Shape 77"/>
         <p:cNvGrpSpPr/>
         <p:nvPr/>
       </p:nvGrpSpPr>
@@ -2752,12 +2780,12 @@
             </a:ln>
           </p:spPr>
           <p:txBody>
-            <a:bodyPr spcFirstLastPara="1" wrap="square" lIns="121900" tIns="121900" rIns="121900" bIns="121900" anchor="ctr" anchorCtr="0">
+            <a:bodyPr anchorCtr="0" anchor="ctr" bIns="121900" lIns="121900" spcFirstLastPara="1" rIns="121900" wrap="square" tIns="121900">
               <a:noAutofit/>
             </a:bodyPr>
             <a:lstStyle/>
             <a:p>
-              <a:pPr marL="0" lvl="0" indent="0" algn="l" rtl="0">
+              <a:pPr indent="0" lvl="0" marL="0" rtl="0" algn="l">
                 <a:spcBef>
                   <a:spcPts val="0"/>
                 </a:spcBef>
@@ -2766,6 +2794,9 @@
                 </a:spcAft>
                 <a:buNone/>
               </a:pPr>
+              <a:r>
+                <a:t/>
+              </a:r>
               <a:endParaRPr/>
             </a:p>
           </p:txBody>
@@ -2792,12 +2823,12 @@
             </a:ln>
           </p:spPr>
           <p:txBody>
-            <a:bodyPr spcFirstLastPara="1" wrap="square" lIns="121900" tIns="121900" rIns="121900" bIns="121900" anchor="ctr" anchorCtr="0">
+            <a:bodyPr anchorCtr="0" anchor="ctr" bIns="121900" lIns="121900" spcFirstLastPara="1" rIns="121900" wrap="square" tIns="121900">
               <a:noAutofit/>
             </a:bodyPr>
             <a:lstStyle/>
             <a:p>
-              <a:pPr marL="0" lvl="0" indent="0" algn="l" rtl="0">
+              <a:pPr indent="0" lvl="0" marL="0" rtl="0" algn="l">
                 <a:spcBef>
                   <a:spcPts val="0"/>
                 </a:spcBef>
@@ -2806,6 +2837,9 @@
                 </a:spcAft>
                 <a:buNone/>
               </a:pPr>
+              <a:r>
+                <a:t/>
+              </a:r>
               <a:endParaRPr/>
             </a:p>
           </p:txBody>
@@ -2814,11 +2848,9 @@
       <p:sp>
         <p:nvSpPr>
           <p:cNvPr id="81" name="Google Shape;81;p11"/>
-          <p:cNvSpPr txBox="1">
-            <a:spLocks noGrp="1"/>
-          </p:cNvSpPr>
+          <p:cNvSpPr txBox="1"/>
           <p:nvPr>
-            <p:ph type="title" hasCustomPrompt="1"/>
+            <p:ph hasCustomPrompt="1" type="title"/>
           </p:nvPr>
         </p:nvSpPr>
         <p:spPr>
@@ -2831,7 +2863,7 @@
           </a:prstGeom>
         </p:spPr>
         <p:txBody>
-          <a:bodyPr spcFirstLastPara="1" wrap="square" lIns="121900" tIns="121900" rIns="121900" bIns="121900" anchor="t" anchorCtr="0">
+          <a:bodyPr anchorCtr="0" anchor="t" bIns="121900" lIns="121900" spcFirstLastPara="1" rIns="121900" wrap="square" tIns="121900">
             <a:noAutofit/>
           </a:bodyPr>
           <a:lstStyle>
@@ -3008,11 +3040,9 @@
       <p:sp>
         <p:nvSpPr>
           <p:cNvPr id="82" name="Google Shape;82;p11"/>
-          <p:cNvSpPr txBox="1">
-            <a:spLocks noGrp="1"/>
-          </p:cNvSpPr>
+          <p:cNvSpPr txBox="1"/>
           <p:nvPr>
-            <p:ph type="body" idx="1"/>
+            <p:ph idx="1" type="body"/>
           </p:nvPr>
         </p:nvSpPr>
         <p:spPr>
@@ -3025,11 +3055,11 @@
           </a:prstGeom>
         </p:spPr>
         <p:txBody>
-          <a:bodyPr spcFirstLastPara="1" wrap="square" lIns="121900" tIns="121900" rIns="121900" bIns="121900" anchor="t" anchorCtr="0">
+          <a:bodyPr anchorCtr="0" anchor="t" bIns="121900" lIns="121900" spcFirstLastPara="1" rIns="121900" wrap="square" tIns="121900">
             <a:noAutofit/>
           </a:bodyPr>
           <a:lstStyle>
-            <a:lvl1pPr marL="457200" lvl="0" indent="-336550">
+            <a:lvl1pPr indent="-336550" lvl="0" marL="457200">
               <a:spcBef>
                 <a:spcPts val="0"/>
               </a:spcBef>
@@ -3047,7 +3077,7 @@
                 </a:solidFill>
               </a:defRPr>
             </a:lvl1pPr>
-            <a:lvl2pPr marL="914400" lvl="1" indent="-323850">
+            <a:lvl2pPr indent="-323850" lvl="1" marL="914400">
               <a:spcBef>
                 <a:spcPts val="2100"/>
               </a:spcBef>
@@ -3065,7 +3095,7 @@
                 </a:solidFill>
               </a:defRPr>
             </a:lvl2pPr>
-            <a:lvl3pPr marL="1371600" lvl="2" indent="-323850">
+            <a:lvl3pPr indent="-323850" lvl="2" marL="1371600">
               <a:spcBef>
                 <a:spcPts val="2100"/>
               </a:spcBef>
@@ -3083,7 +3113,7 @@
                 </a:solidFill>
               </a:defRPr>
             </a:lvl3pPr>
-            <a:lvl4pPr marL="1828800" lvl="3" indent="-323850">
+            <a:lvl4pPr indent="-323850" lvl="3" marL="1828800">
               <a:spcBef>
                 <a:spcPts val="2100"/>
               </a:spcBef>
@@ -3101,7 +3131,7 @@
                 </a:solidFill>
               </a:defRPr>
             </a:lvl4pPr>
-            <a:lvl5pPr marL="2286000" lvl="4" indent="-323850">
+            <a:lvl5pPr indent="-323850" lvl="4" marL="2286000">
               <a:spcBef>
                 <a:spcPts val="2100"/>
               </a:spcBef>
@@ -3119,7 +3149,7 @@
                 </a:solidFill>
               </a:defRPr>
             </a:lvl5pPr>
-            <a:lvl6pPr marL="2743200" lvl="5" indent="-323850">
+            <a:lvl6pPr indent="-323850" lvl="5" marL="2743200">
               <a:spcBef>
                 <a:spcPts val="2100"/>
               </a:spcBef>
@@ -3137,7 +3167,7 @@
                 </a:solidFill>
               </a:defRPr>
             </a:lvl6pPr>
-            <a:lvl7pPr marL="3200400" lvl="6" indent="-323850">
+            <a:lvl7pPr indent="-323850" lvl="6" marL="3200400">
               <a:spcBef>
                 <a:spcPts val="2100"/>
               </a:spcBef>
@@ -3155,7 +3185,7 @@
                 </a:solidFill>
               </a:defRPr>
             </a:lvl7pPr>
-            <a:lvl8pPr marL="3657600" lvl="7" indent="-323850">
+            <a:lvl8pPr indent="-323850" lvl="7" marL="3657600">
               <a:spcBef>
                 <a:spcPts val="2100"/>
               </a:spcBef>
@@ -3173,7 +3203,7 @@
                 </a:solidFill>
               </a:defRPr>
             </a:lvl8pPr>
-            <a:lvl9pPr marL="4114800" lvl="8" indent="-323850">
+            <a:lvl9pPr indent="-323850" lvl="8" marL="4114800">
               <a:spcBef>
                 <a:spcPts val="2100"/>
               </a:spcBef>
@@ -3192,19 +3222,15 @@
               </a:defRPr>
             </a:lvl9pPr>
           </a:lstStyle>
-          <a:p>
-            <a:endParaRPr/>
-          </a:p>
+          <a:p/>
         </p:txBody>
       </p:sp>
       <p:sp>
         <p:nvSpPr>
           <p:cNvPr id="83" name="Google Shape;83;p11"/>
-          <p:cNvSpPr txBox="1">
-            <a:spLocks noGrp="1"/>
-          </p:cNvSpPr>
+          <p:cNvSpPr txBox="1"/>
           <p:nvPr>
-            <p:ph type="sldNum" idx="12"/>
+            <p:ph idx="12" type="sldNum"/>
           </p:nvPr>
         </p:nvSpPr>
         <p:spPr>
@@ -3217,7 +3243,7 @@
           </a:prstGeom>
         </p:spPr>
         <p:txBody>
-          <a:bodyPr spcFirstLastPara="1" wrap="square" lIns="121900" tIns="121900" rIns="121900" bIns="121900" anchor="ctr" anchorCtr="0">
+          <a:bodyPr anchorCtr="0" anchor="ctr" bIns="121900" lIns="121900" spcFirstLastPara="1" rIns="121900" wrap="square" tIns="121900">
             <a:noAutofit/>
           </a:bodyPr>
           <a:lstStyle>
@@ -3295,7 +3321,7 @@
             </a:lvl9pPr>
           </a:lstStyle>
           <a:p>
-            <a:pPr marL="0" lvl="0" indent="0" algn="r" rtl="0">
+            <a:pPr indent="0" lvl="0" marL="0" rtl="0" algn="r">
               <a:spcBef>
                 <a:spcPts val="0"/>
               </a:spcBef>
@@ -3321,11 +3347,11 @@
 </file>
 
 <file path=ppt/slideLayouts/slideLayout11.xml><?xml version="1.0" encoding="utf-8"?>
-<p:sldLayout xmlns:a="http://schemas.openxmlformats.org/drawingml/2006/main" xmlns:r="http://schemas.openxmlformats.org/officeDocument/2006/relationships" xmlns:p="http://schemas.openxmlformats.org/presentationml/2006/main" matchingName="Blank" type="blank">
+<p:sldLayout xmlns:a="http://schemas.openxmlformats.org/drawingml/2006/main" xmlns:r="http://schemas.openxmlformats.org/officeDocument/2006/relationships" xmlns:mc="http://schemas.openxmlformats.org/markup-compatibility/2006" xmlns:mv="urn:schemas-microsoft-com:mac:vml" xmlns:p="http://schemas.openxmlformats.org/presentationml/2006/main" xmlns:c="http://schemas.openxmlformats.org/drawingml/2006/chart" xmlns:dgm="http://schemas.openxmlformats.org/drawingml/2006/diagram" xmlns:o="urn:schemas-microsoft-com:office:office" xmlns:v="urn:schemas-microsoft-com:vml" xmlns:pvml="urn:schemas-microsoft-com:office:powerpoint" xmlns:com="http://schemas.openxmlformats.org/drawingml/2006/compatibility" xmlns:p14="http://schemas.microsoft.com/office/powerpoint/2010/main" xmlns:p15="http://schemas.microsoft.com/office/powerpoint/2012/main" matchingName="Blank" type="blank">
   <p:cSld name="BLANK">
     <p:spTree>
       <p:nvGrpSpPr>
-        <p:cNvPr id="1" name="Shape 84"/>
+        <p:cNvPr id="84" name="Shape 84"/>
         <p:cNvGrpSpPr/>
         <p:nvPr/>
       </p:nvGrpSpPr>
@@ -3340,11 +3366,9 @@
       <p:sp>
         <p:nvSpPr>
           <p:cNvPr id="85" name="Google Shape;85;p12"/>
-          <p:cNvSpPr txBox="1">
-            <a:spLocks noGrp="1"/>
-          </p:cNvSpPr>
+          <p:cNvSpPr txBox="1"/>
           <p:nvPr>
-            <p:ph type="sldNum" idx="12"/>
+            <p:ph idx="12" type="sldNum"/>
           </p:nvPr>
         </p:nvSpPr>
         <p:spPr>
@@ -3357,7 +3381,7 @@
           </a:prstGeom>
         </p:spPr>
         <p:txBody>
-          <a:bodyPr spcFirstLastPara="1" wrap="square" lIns="121900" tIns="121900" rIns="121900" bIns="121900" anchor="ctr" anchorCtr="0">
+          <a:bodyPr anchorCtr="0" anchor="ctr" bIns="121900" lIns="121900" spcFirstLastPara="1" rIns="121900" wrap="square" tIns="121900">
             <a:noAutofit/>
           </a:bodyPr>
           <a:lstStyle>
@@ -3399,7 +3423,7 @@
             </a:lvl9pPr>
           </a:lstStyle>
           <a:p>
-            <a:pPr marL="0" lvl="0" indent="0" algn="r" rtl="0">
+            <a:pPr indent="0" lvl="0" marL="0" rtl="0" algn="r">
               <a:spcBef>
                 <a:spcPts val="0"/>
               </a:spcBef>
@@ -3425,11 +3449,11 @@
 </file>
 
 <file path=ppt/slideLayouts/slideLayout12.xml><?xml version="1.0" encoding="utf-8"?>
-<p:sldLayout xmlns:a="http://schemas.openxmlformats.org/drawingml/2006/main" xmlns:r="http://schemas.openxmlformats.org/officeDocument/2006/relationships" xmlns:p="http://schemas.openxmlformats.org/presentationml/2006/main" matchingName="Title and Content" type="obj">
+<p:sldLayout xmlns:a="http://schemas.openxmlformats.org/drawingml/2006/main" xmlns:r="http://schemas.openxmlformats.org/officeDocument/2006/relationships" xmlns:mc="http://schemas.openxmlformats.org/markup-compatibility/2006" xmlns:mv="urn:schemas-microsoft-com:mac:vml" xmlns:p="http://schemas.openxmlformats.org/presentationml/2006/main" xmlns:c="http://schemas.openxmlformats.org/drawingml/2006/chart" xmlns:dgm="http://schemas.openxmlformats.org/drawingml/2006/diagram" xmlns:o="urn:schemas-microsoft-com:office:office" xmlns:v="urn:schemas-microsoft-com:vml" xmlns:pvml="urn:schemas-microsoft-com:office:powerpoint" xmlns:com="http://schemas.openxmlformats.org/drawingml/2006/compatibility" xmlns:p14="http://schemas.microsoft.com/office/powerpoint/2010/main" xmlns:p15="http://schemas.microsoft.com/office/powerpoint/2012/main" matchingName="Title and Content" type="obj">
   <p:cSld name="OBJECT">
     <p:spTree>
       <p:nvGrpSpPr>
-        <p:cNvPr id="1" name="Shape 86"/>
+        <p:cNvPr id="86" name="Shape 86"/>
         <p:cNvGrpSpPr/>
         <p:nvPr/>
       </p:nvGrpSpPr>
@@ -3444,9 +3468,7 @@
       <p:sp>
         <p:nvSpPr>
           <p:cNvPr id="87" name="Google Shape;87;p13"/>
-          <p:cNvSpPr txBox="1">
-            <a:spLocks noGrp="1"/>
-          </p:cNvSpPr>
+          <p:cNvSpPr txBox="1"/>
           <p:nvPr>
             <p:ph type="title"/>
           </p:nvPr>
@@ -3472,11 +3494,11 @@
           </a:effectLst>
         </p:spPr>
         <p:txBody>
-          <a:bodyPr spcFirstLastPara="1" wrap="square" lIns="91425" tIns="45700" rIns="91425" bIns="45700" anchor="ctr" anchorCtr="0">
+          <a:bodyPr anchorCtr="0" anchor="ctr" bIns="45700" lIns="91425" spcFirstLastPara="1" rIns="91425" wrap="square" tIns="45700">
             <a:noAutofit/>
           </a:bodyPr>
           <a:lstStyle>
-            <a:lvl1pPr lvl="0" algn="ctr" rtl="0">
+            <a:lvl1pPr lvl="0" rtl="0" algn="ctr">
               <a:spcBef>
                 <a:spcPts val="0"/>
               </a:spcBef>
@@ -3490,7 +3512,7 @@
               <a:buNone/>
               <a:defRPr/>
             </a:lvl1pPr>
-            <a:lvl2pPr lvl="1" algn="l" rtl="0">
+            <a:lvl2pPr lvl="1" rtl="0" algn="l">
               <a:spcBef>
                 <a:spcPts val="0"/>
               </a:spcBef>
@@ -3501,7 +3523,7 @@
               <a:buNone/>
               <a:defRPr/>
             </a:lvl2pPr>
-            <a:lvl3pPr lvl="2" algn="l" rtl="0">
+            <a:lvl3pPr lvl="2" rtl="0" algn="l">
               <a:spcBef>
                 <a:spcPts val="0"/>
               </a:spcBef>
@@ -3512,7 +3534,7 @@
               <a:buNone/>
               <a:defRPr/>
             </a:lvl3pPr>
-            <a:lvl4pPr lvl="3" algn="l" rtl="0">
+            <a:lvl4pPr lvl="3" rtl="0" algn="l">
               <a:spcBef>
                 <a:spcPts val="0"/>
               </a:spcBef>
@@ -3523,7 +3545,7 @@
               <a:buNone/>
               <a:defRPr/>
             </a:lvl4pPr>
-            <a:lvl5pPr lvl="4" algn="l" rtl="0">
+            <a:lvl5pPr lvl="4" rtl="0" algn="l">
               <a:spcBef>
                 <a:spcPts val="0"/>
               </a:spcBef>
@@ -3534,7 +3556,7 @@
               <a:buNone/>
               <a:defRPr/>
             </a:lvl5pPr>
-            <a:lvl6pPr lvl="5" algn="l" rtl="0">
+            <a:lvl6pPr lvl="5" rtl="0" algn="l">
               <a:spcBef>
                 <a:spcPts val="0"/>
               </a:spcBef>
@@ -3545,7 +3567,7 @@
               <a:buNone/>
               <a:defRPr/>
             </a:lvl6pPr>
-            <a:lvl7pPr lvl="6" algn="l" rtl="0">
+            <a:lvl7pPr lvl="6" rtl="0" algn="l">
               <a:spcBef>
                 <a:spcPts val="0"/>
               </a:spcBef>
@@ -3556,7 +3578,7 @@
               <a:buNone/>
               <a:defRPr/>
             </a:lvl7pPr>
-            <a:lvl8pPr lvl="7" algn="l" rtl="0">
+            <a:lvl8pPr lvl="7" rtl="0" algn="l">
               <a:spcBef>
                 <a:spcPts val="0"/>
               </a:spcBef>
@@ -3567,7 +3589,7 @@
               <a:buNone/>
               <a:defRPr/>
             </a:lvl8pPr>
-            <a:lvl9pPr lvl="8" algn="l" rtl="0">
+            <a:lvl9pPr lvl="8" rtl="0" algn="l">
               <a:spcBef>
                 <a:spcPts val="0"/>
               </a:spcBef>
@@ -3579,19 +3601,15 @@
               <a:defRPr/>
             </a:lvl9pPr>
           </a:lstStyle>
-          <a:p>
-            <a:endParaRPr/>
-          </a:p>
+          <a:p/>
         </p:txBody>
       </p:sp>
       <p:sp>
         <p:nvSpPr>
           <p:cNvPr id="88" name="Google Shape;88;p13"/>
-          <p:cNvSpPr txBox="1">
-            <a:spLocks noGrp="1"/>
-          </p:cNvSpPr>
+          <p:cNvSpPr txBox="1"/>
           <p:nvPr>
-            <p:ph type="body" idx="1"/>
+            <p:ph idx="1" type="body"/>
           </p:nvPr>
         </p:nvSpPr>
         <p:spPr>
@@ -3615,11 +3633,11 @@
           </a:effectLst>
         </p:spPr>
         <p:txBody>
-          <a:bodyPr spcFirstLastPara="1" wrap="square" lIns="91425" tIns="45700" rIns="91425" bIns="45700" anchor="t" anchorCtr="0">
+          <a:bodyPr anchorCtr="0" anchor="t" bIns="45700" lIns="91425" spcFirstLastPara="1" rIns="91425" wrap="square" tIns="45700">
             <a:noAutofit/>
           </a:bodyPr>
           <a:lstStyle>
-            <a:lvl1pPr marL="457200" lvl="0" indent="-308610" algn="l" rtl="0">
+            <a:lvl1pPr indent="-308610" lvl="0" marL="457200" rtl="0" algn="l">
               <a:spcBef>
                 <a:spcPts val="360"/>
               </a:spcBef>
@@ -3630,7 +3648,7 @@
               <a:buChar char="●"/>
               <a:defRPr/>
             </a:lvl1pPr>
-            <a:lvl2pPr marL="914400" lvl="1" indent="-308610" algn="l" rtl="0">
+            <a:lvl2pPr indent="-308610" lvl="1" marL="914400" rtl="0" algn="l">
               <a:spcBef>
                 <a:spcPts val="600"/>
               </a:spcBef>
@@ -3641,7 +3659,7 @@
               <a:buChar char="○"/>
               <a:defRPr/>
             </a:lvl2pPr>
-            <a:lvl3pPr marL="1371600" lvl="2" indent="-308610" algn="l" rtl="0">
+            <a:lvl3pPr indent="-308610" lvl="2" marL="1371600" rtl="0" algn="l">
               <a:spcBef>
                 <a:spcPts val="600"/>
               </a:spcBef>
@@ -3652,7 +3670,7 @@
               <a:buChar char="■"/>
               <a:defRPr/>
             </a:lvl3pPr>
-            <a:lvl4pPr marL="1828800" lvl="3" indent="-308610" algn="l" rtl="0">
+            <a:lvl4pPr indent="-308610" lvl="3" marL="1828800" rtl="0" algn="l">
               <a:spcBef>
                 <a:spcPts val="600"/>
               </a:spcBef>
@@ -3663,7 +3681,7 @@
               <a:buChar char="●"/>
               <a:defRPr/>
             </a:lvl4pPr>
-            <a:lvl5pPr marL="2286000" lvl="4" indent="-308610" algn="l" rtl="0">
+            <a:lvl5pPr indent="-308610" lvl="4" marL="2286000" rtl="0" algn="l">
               <a:spcBef>
                 <a:spcPts val="600"/>
               </a:spcBef>
@@ -3674,7 +3692,7 @@
               <a:buChar char="○"/>
               <a:defRPr/>
             </a:lvl5pPr>
-            <a:lvl6pPr marL="2743200" lvl="5" indent="-308610" algn="l" rtl="0">
+            <a:lvl6pPr indent="-308610" lvl="5" marL="2743200" rtl="0" algn="l">
               <a:spcBef>
                 <a:spcPts val="600"/>
               </a:spcBef>
@@ -3685,7 +3703,7 @@
               <a:buChar char="■"/>
               <a:defRPr/>
             </a:lvl6pPr>
-            <a:lvl7pPr marL="3200400" lvl="6" indent="-308610" algn="l" rtl="0">
+            <a:lvl7pPr indent="-308610" lvl="6" marL="3200400" rtl="0" algn="l">
               <a:spcBef>
                 <a:spcPts val="600"/>
               </a:spcBef>
@@ -3696,7 +3714,7 @@
               <a:buChar char="●"/>
               <a:defRPr/>
             </a:lvl7pPr>
-            <a:lvl8pPr marL="3657600" lvl="7" indent="-308609" algn="l" rtl="0">
+            <a:lvl8pPr indent="-308609" lvl="7" marL="3657600" rtl="0" algn="l">
               <a:spcBef>
                 <a:spcPts val="600"/>
               </a:spcBef>
@@ -3707,7 +3725,7 @@
               <a:buChar char="○"/>
               <a:defRPr/>
             </a:lvl8pPr>
-            <a:lvl9pPr marL="4114800" lvl="8" indent="-308609" algn="l" rtl="0">
+            <a:lvl9pPr indent="-308609" lvl="8" marL="4114800" rtl="0" algn="l">
               <a:spcBef>
                 <a:spcPts val="600"/>
               </a:spcBef>
@@ -3719,19 +3737,15 @@
               <a:defRPr/>
             </a:lvl9pPr>
           </a:lstStyle>
-          <a:p>
-            <a:endParaRPr/>
-          </a:p>
+          <a:p/>
         </p:txBody>
       </p:sp>
       <p:sp>
         <p:nvSpPr>
           <p:cNvPr id="89" name="Google Shape;89;p13"/>
-          <p:cNvSpPr txBox="1">
-            <a:spLocks noGrp="1"/>
-          </p:cNvSpPr>
+          <p:cNvSpPr txBox="1"/>
           <p:nvPr>
-            <p:ph type="dt" idx="10"/>
+            <p:ph idx="10" type="dt"/>
           </p:nvPr>
         </p:nvSpPr>
         <p:spPr>
@@ -3748,11 +3762,11 @@
           </a:ln>
         </p:spPr>
         <p:txBody>
-          <a:bodyPr spcFirstLastPara="1" wrap="square" lIns="91425" tIns="45700" rIns="91425" bIns="45700" anchor="ctr" anchorCtr="0">
+          <a:bodyPr anchorCtr="0" anchor="ctr" bIns="45700" lIns="91425" spcFirstLastPara="1" rIns="91425" wrap="square" tIns="45700">
             <a:noAutofit/>
           </a:bodyPr>
           <a:lstStyle>
-            <a:lvl1pPr lvl="0" algn="r" rtl="0">
+            <a:lvl1pPr lvl="0" rtl="0" algn="r">
               <a:spcBef>
                 <a:spcPts val="0"/>
               </a:spcBef>
@@ -3763,7 +3777,7 @@
               <a:buNone/>
               <a:defRPr/>
             </a:lvl1pPr>
-            <a:lvl2pPr lvl="1" algn="l" rtl="0">
+            <a:lvl2pPr lvl="1" rtl="0" algn="l">
               <a:spcBef>
                 <a:spcPts val="0"/>
               </a:spcBef>
@@ -3774,7 +3788,7 @@
               <a:buNone/>
               <a:defRPr/>
             </a:lvl2pPr>
-            <a:lvl3pPr lvl="2" algn="l" rtl="0">
+            <a:lvl3pPr lvl="2" rtl="0" algn="l">
               <a:spcBef>
                 <a:spcPts val="0"/>
               </a:spcBef>
@@ -3785,7 +3799,7 @@
               <a:buNone/>
               <a:defRPr/>
             </a:lvl3pPr>
-            <a:lvl4pPr lvl="3" algn="l" rtl="0">
+            <a:lvl4pPr lvl="3" rtl="0" algn="l">
               <a:spcBef>
                 <a:spcPts val="0"/>
               </a:spcBef>
@@ -3796,7 +3810,7 @@
               <a:buNone/>
               <a:defRPr/>
             </a:lvl4pPr>
-            <a:lvl5pPr lvl="4" algn="l" rtl="0">
+            <a:lvl5pPr lvl="4" rtl="0" algn="l">
               <a:spcBef>
                 <a:spcPts val="0"/>
               </a:spcBef>
@@ -3807,7 +3821,7 @@
               <a:buNone/>
               <a:defRPr/>
             </a:lvl5pPr>
-            <a:lvl6pPr lvl="5" algn="l" rtl="0">
+            <a:lvl6pPr lvl="5" rtl="0" algn="l">
               <a:spcBef>
                 <a:spcPts val="0"/>
               </a:spcBef>
@@ -3818,7 +3832,7 @@
               <a:buNone/>
               <a:defRPr/>
             </a:lvl6pPr>
-            <a:lvl7pPr lvl="6" algn="l" rtl="0">
+            <a:lvl7pPr lvl="6" rtl="0" algn="l">
               <a:spcBef>
                 <a:spcPts val="0"/>
               </a:spcBef>
@@ -3829,7 +3843,7 @@
               <a:buNone/>
               <a:defRPr/>
             </a:lvl7pPr>
-            <a:lvl8pPr lvl="7" algn="l" rtl="0">
+            <a:lvl8pPr lvl="7" rtl="0" algn="l">
               <a:spcBef>
                 <a:spcPts val="0"/>
               </a:spcBef>
@@ -3840,7 +3854,7 @@
               <a:buNone/>
               <a:defRPr/>
             </a:lvl8pPr>
-            <a:lvl9pPr lvl="8" algn="l" rtl="0">
+            <a:lvl9pPr lvl="8" rtl="0" algn="l">
               <a:spcBef>
                 <a:spcPts val="0"/>
               </a:spcBef>
@@ -3852,19 +3866,15 @@
               <a:defRPr/>
             </a:lvl9pPr>
           </a:lstStyle>
-          <a:p>
-            <a:endParaRPr/>
-          </a:p>
+          <a:p/>
         </p:txBody>
       </p:sp>
       <p:sp>
         <p:nvSpPr>
           <p:cNvPr id="90" name="Google Shape;90;p13"/>
-          <p:cNvSpPr txBox="1">
-            <a:spLocks noGrp="1"/>
-          </p:cNvSpPr>
+          <p:cNvSpPr txBox="1"/>
           <p:nvPr>
-            <p:ph type="ftr" idx="11"/>
+            <p:ph idx="11" type="ftr"/>
           </p:nvPr>
         </p:nvSpPr>
         <p:spPr>
@@ -3881,11 +3891,11 @@
           </a:ln>
         </p:spPr>
         <p:txBody>
-          <a:bodyPr spcFirstLastPara="1" wrap="square" lIns="91425" tIns="45700" rIns="91425" bIns="45700" anchor="ctr" anchorCtr="0">
+          <a:bodyPr anchorCtr="0" anchor="ctr" bIns="45700" lIns="91425" spcFirstLastPara="1" rIns="91425" wrap="square" tIns="45700">
             <a:noAutofit/>
           </a:bodyPr>
           <a:lstStyle>
-            <a:lvl1pPr lvl="0" algn="l" rtl="0">
+            <a:lvl1pPr lvl="0" rtl="0" algn="l">
               <a:spcBef>
                 <a:spcPts val="0"/>
               </a:spcBef>
@@ -3896,7 +3906,7 @@
               <a:buNone/>
               <a:defRPr/>
             </a:lvl1pPr>
-            <a:lvl2pPr lvl="1" algn="l" rtl="0">
+            <a:lvl2pPr lvl="1" rtl="0" algn="l">
               <a:spcBef>
                 <a:spcPts val="0"/>
               </a:spcBef>
@@ -3907,7 +3917,7 @@
               <a:buNone/>
               <a:defRPr/>
             </a:lvl2pPr>
-            <a:lvl3pPr lvl="2" algn="l" rtl="0">
+            <a:lvl3pPr lvl="2" rtl="0" algn="l">
               <a:spcBef>
                 <a:spcPts val="0"/>
               </a:spcBef>
@@ -3918,7 +3928,7 @@
               <a:buNone/>
               <a:defRPr/>
             </a:lvl3pPr>
-            <a:lvl4pPr lvl="3" algn="l" rtl="0">
+            <a:lvl4pPr lvl="3" rtl="0" algn="l">
               <a:spcBef>
                 <a:spcPts val="0"/>
               </a:spcBef>
@@ -3929,7 +3939,7 @@
               <a:buNone/>
               <a:defRPr/>
             </a:lvl4pPr>
-            <a:lvl5pPr lvl="4" algn="l" rtl="0">
+            <a:lvl5pPr lvl="4" rtl="0" algn="l">
               <a:spcBef>
                 <a:spcPts val="0"/>
               </a:spcBef>
@@ -3940,7 +3950,7 @@
               <a:buNone/>
               <a:defRPr/>
             </a:lvl5pPr>
-            <a:lvl6pPr lvl="5" algn="l" rtl="0">
+            <a:lvl6pPr lvl="5" rtl="0" algn="l">
               <a:spcBef>
                 <a:spcPts val="0"/>
               </a:spcBef>
@@ -3951,7 +3961,7 @@
               <a:buNone/>
               <a:defRPr/>
             </a:lvl6pPr>
-            <a:lvl7pPr lvl="6" algn="l" rtl="0">
+            <a:lvl7pPr lvl="6" rtl="0" algn="l">
               <a:spcBef>
                 <a:spcPts val="0"/>
               </a:spcBef>
@@ -3962,7 +3972,7 @@
               <a:buNone/>
               <a:defRPr/>
             </a:lvl7pPr>
-            <a:lvl8pPr lvl="7" algn="l" rtl="0">
+            <a:lvl8pPr lvl="7" rtl="0" algn="l">
               <a:spcBef>
                 <a:spcPts val="0"/>
               </a:spcBef>
@@ -3973,7 +3983,7 @@
               <a:buNone/>
               <a:defRPr/>
             </a:lvl8pPr>
-            <a:lvl9pPr lvl="8" algn="l" rtl="0">
+            <a:lvl9pPr lvl="8" rtl="0" algn="l">
               <a:spcBef>
                 <a:spcPts val="0"/>
               </a:spcBef>
@@ -3985,19 +3995,15 @@
               <a:defRPr/>
             </a:lvl9pPr>
           </a:lstStyle>
-          <a:p>
-            <a:endParaRPr/>
-          </a:p>
+          <a:p/>
         </p:txBody>
       </p:sp>
       <p:sp>
         <p:nvSpPr>
           <p:cNvPr id="91" name="Google Shape;91;p13"/>
-          <p:cNvSpPr txBox="1">
-            <a:spLocks noGrp="1"/>
-          </p:cNvSpPr>
+          <p:cNvSpPr txBox="1"/>
           <p:nvPr>
-            <p:ph type="sldNum" idx="12"/>
+            <p:ph idx="12" type="sldNum"/>
           </p:nvPr>
         </p:nvSpPr>
         <p:spPr>
@@ -4014,67 +4020,67 @@
           </a:ln>
         </p:spPr>
         <p:txBody>
-          <a:bodyPr spcFirstLastPara="1" wrap="square" lIns="91425" tIns="45700" rIns="91425" bIns="45700" anchor="ctr" anchorCtr="0">
+          <a:bodyPr anchorCtr="0" anchor="ctr" bIns="45700" lIns="91425" spcFirstLastPara="1" rIns="91425" wrap="square" tIns="45700">
             <a:noAutofit/>
           </a:bodyPr>
           <a:lstStyle>
-            <a:lvl1pPr marL="0" lvl="0" indent="0" algn="r" rtl="0">
+            <a:lvl1pPr indent="0" lvl="0" marL="0" rtl="0" algn="r">
               <a:spcBef>
                 <a:spcPts val="0"/>
               </a:spcBef>
               <a:buNone/>
               <a:defRPr/>
             </a:lvl1pPr>
-            <a:lvl2pPr marL="0" lvl="1" indent="0" algn="r" rtl="0">
+            <a:lvl2pPr indent="0" lvl="1" marL="0" rtl="0" algn="r">
               <a:spcBef>
                 <a:spcPts val="0"/>
               </a:spcBef>
               <a:buNone/>
               <a:defRPr/>
             </a:lvl2pPr>
-            <a:lvl3pPr marL="0" lvl="2" indent="0" algn="r" rtl="0">
+            <a:lvl3pPr indent="0" lvl="2" marL="0" rtl="0" algn="r">
               <a:spcBef>
                 <a:spcPts val="0"/>
               </a:spcBef>
               <a:buNone/>
               <a:defRPr/>
             </a:lvl3pPr>
-            <a:lvl4pPr marL="0" lvl="3" indent="0" algn="r" rtl="0">
+            <a:lvl4pPr indent="0" lvl="3" marL="0" rtl="0" algn="r">
               <a:spcBef>
                 <a:spcPts val="0"/>
               </a:spcBef>
               <a:buNone/>
               <a:defRPr/>
             </a:lvl4pPr>
-            <a:lvl5pPr marL="0" lvl="4" indent="0" algn="r" rtl="0">
+            <a:lvl5pPr indent="0" lvl="4" marL="0" rtl="0" algn="r">
               <a:spcBef>
                 <a:spcPts val="0"/>
               </a:spcBef>
               <a:buNone/>
               <a:defRPr/>
             </a:lvl5pPr>
-            <a:lvl6pPr marL="0" lvl="5" indent="0" algn="r" rtl="0">
+            <a:lvl6pPr indent="0" lvl="5" marL="0" rtl="0" algn="r">
               <a:spcBef>
                 <a:spcPts val="0"/>
               </a:spcBef>
               <a:buNone/>
               <a:defRPr/>
             </a:lvl6pPr>
-            <a:lvl7pPr marL="0" lvl="6" indent="0" algn="r" rtl="0">
+            <a:lvl7pPr indent="0" lvl="6" marL="0" rtl="0" algn="r">
               <a:spcBef>
                 <a:spcPts val="0"/>
               </a:spcBef>
               <a:buNone/>
               <a:defRPr/>
             </a:lvl7pPr>
-            <a:lvl8pPr marL="0" lvl="7" indent="0" algn="r" rtl="0">
+            <a:lvl8pPr indent="0" lvl="7" marL="0" rtl="0" algn="r">
               <a:spcBef>
                 <a:spcPts val="0"/>
               </a:spcBef>
               <a:buNone/>
               <a:defRPr/>
             </a:lvl8pPr>
-            <a:lvl9pPr marL="0" lvl="8" indent="0" algn="r" rtl="0">
+            <a:lvl9pPr indent="0" lvl="8" marL="0" rtl="0" algn="r">
               <a:spcBef>
                 <a:spcPts val="0"/>
               </a:spcBef>
@@ -4083,7 +4089,7 @@
             </a:lvl9pPr>
           </a:lstStyle>
           <a:p>
-            <a:pPr marL="0" lvl="0" indent="0" algn="r" rtl="0">
+            <a:pPr indent="0" lvl="0" marL="0" rtl="0" algn="r">
               <a:spcBef>
                 <a:spcPts val="0"/>
               </a:spcBef>
@@ -4109,19 +4115,18 @@
 </file>
 
 <file path=ppt/slideLayouts/slideLayout2.xml><?xml version="1.0" encoding="utf-8"?>
-<p:sldLayout xmlns:a="http://schemas.openxmlformats.org/drawingml/2006/main" xmlns:r="http://schemas.openxmlformats.org/officeDocument/2006/relationships" xmlns:p="http://schemas.openxmlformats.org/presentationml/2006/main" matchingName="Section header" type="secHead">
+<p:sldLayout xmlns:a="http://schemas.openxmlformats.org/drawingml/2006/main" xmlns:r="http://schemas.openxmlformats.org/officeDocument/2006/relationships" xmlns:mc="http://schemas.openxmlformats.org/markup-compatibility/2006" xmlns:mv="urn:schemas-microsoft-com:mac:vml" xmlns:p="http://schemas.openxmlformats.org/presentationml/2006/main" xmlns:c="http://schemas.openxmlformats.org/drawingml/2006/chart" xmlns:dgm="http://schemas.openxmlformats.org/drawingml/2006/diagram" xmlns:o="urn:schemas-microsoft-com:office:office" xmlns:v="urn:schemas-microsoft-com:vml" xmlns:pvml="urn:schemas-microsoft-com:office:powerpoint" xmlns:com="http://schemas.openxmlformats.org/drawingml/2006/compatibility" xmlns:p14="http://schemas.microsoft.com/office/powerpoint/2010/main" xmlns:p15="http://schemas.microsoft.com/office/powerpoint/2012/main" matchingName="Section header" type="secHead">
   <p:cSld name="SECTION_HEADER">
     <p:bg>
       <p:bgPr>
         <a:solidFill>
           <a:schemeClr val="dk1"/>
         </a:solidFill>
-        <a:effectLst/>
       </p:bgPr>
     </p:bg>
     <p:spTree>
       <p:nvGrpSpPr>
-        <p:cNvPr id="1" name="Shape 21"/>
+        <p:cNvPr id="21" name="Shape 21"/>
         <p:cNvGrpSpPr/>
         <p:nvPr/>
       </p:nvGrpSpPr>
@@ -4169,12 +4174,12 @@
             </a:ln>
           </p:spPr>
           <p:txBody>
-            <a:bodyPr spcFirstLastPara="1" wrap="square" lIns="121900" tIns="121900" rIns="121900" bIns="121900" anchor="ctr" anchorCtr="0">
+            <a:bodyPr anchorCtr="0" anchor="ctr" bIns="121900" lIns="121900" spcFirstLastPara="1" rIns="121900" wrap="square" tIns="121900">
               <a:noAutofit/>
             </a:bodyPr>
             <a:lstStyle/>
             <a:p>
-              <a:pPr marL="0" lvl="0" indent="0" algn="l" rtl="0">
+              <a:pPr indent="0" lvl="0" marL="0" rtl="0" algn="l">
                 <a:spcBef>
                   <a:spcPts val="0"/>
                 </a:spcBef>
@@ -4183,6 +4188,9 @@
                 </a:spcAft>
                 <a:buNone/>
               </a:pPr>
+              <a:r>
+                <a:t/>
+              </a:r>
               <a:endParaRPr/>
             </a:p>
           </p:txBody>
@@ -4209,12 +4217,12 @@
             </a:ln>
           </p:spPr>
           <p:txBody>
-            <a:bodyPr spcFirstLastPara="1" wrap="square" lIns="121900" tIns="121900" rIns="121900" bIns="121900" anchor="ctr" anchorCtr="0">
+            <a:bodyPr anchorCtr="0" anchor="ctr" bIns="121900" lIns="121900" spcFirstLastPara="1" rIns="121900" wrap="square" tIns="121900">
               <a:noAutofit/>
             </a:bodyPr>
             <a:lstStyle/>
             <a:p>
-              <a:pPr marL="0" lvl="0" indent="0" algn="l" rtl="0">
+              <a:pPr indent="0" lvl="0" marL="0" rtl="0" algn="l">
                 <a:spcBef>
                   <a:spcPts val="0"/>
                 </a:spcBef>
@@ -4223,6 +4231,9 @@
                 </a:spcAft>
                 <a:buNone/>
               </a:pPr>
+              <a:r>
+                <a:t/>
+              </a:r>
               <a:endParaRPr/>
             </a:p>
           </p:txBody>
@@ -4231,9 +4242,7 @@
       <p:sp>
         <p:nvSpPr>
           <p:cNvPr id="25" name="Google Shape;25;p3"/>
-          <p:cNvSpPr txBox="1">
-            <a:spLocks noGrp="1"/>
-          </p:cNvSpPr>
+          <p:cNvSpPr txBox="1"/>
           <p:nvPr>
             <p:ph type="title"/>
           </p:nvPr>
@@ -4248,7 +4257,7 @@
           </a:prstGeom>
         </p:spPr>
         <p:txBody>
-          <a:bodyPr spcFirstLastPara="1" wrap="square" lIns="121900" tIns="121900" rIns="121900" bIns="121900" anchor="t" anchorCtr="0">
+          <a:bodyPr anchorCtr="0" anchor="t" bIns="121900" lIns="121900" spcFirstLastPara="1" rIns="121900" wrap="square" tIns="121900">
             <a:noAutofit/>
           </a:bodyPr>
           <a:lstStyle>
@@ -4415,19 +4424,15 @@
               </a:defRPr>
             </a:lvl9pPr>
           </a:lstStyle>
-          <a:p>
-            <a:endParaRPr/>
-          </a:p>
+          <a:p/>
         </p:txBody>
       </p:sp>
       <p:sp>
         <p:nvSpPr>
           <p:cNvPr id="26" name="Google Shape;26;p3"/>
-          <p:cNvSpPr txBox="1">
-            <a:spLocks noGrp="1"/>
-          </p:cNvSpPr>
+          <p:cNvSpPr txBox="1"/>
           <p:nvPr>
-            <p:ph type="sldNum" idx="12"/>
+            <p:ph idx="12" type="sldNum"/>
           </p:nvPr>
         </p:nvSpPr>
         <p:spPr>
@@ -4440,7 +4445,7 @@
           </a:prstGeom>
         </p:spPr>
         <p:txBody>
-          <a:bodyPr spcFirstLastPara="1" wrap="square" lIns="121900" tIns="121900" rIns="121900" bIns="121900" anchor="ctr" anchorCtr="0">
+          <a:bodyPr anchorCtr="0" anchor="ctr" bIns="121900" lIns="121900" spcFirstLastPara="1" rIns="121900" wrap="square" tIns="121900">
             <a:noAutofit/>
           </a:bodyPr>
           <a:lstStyle>
@@ -4518,7 +4523,7 @@
             </a:lvl9pPr>
           </a:lstStyle>
           <a:p>
-            <a:pPr marL="0" lvl="0" indent="0" algn="r" rtl="0">
+            <a:pPr indent="0" lvl="0" marL="0" rtl="0" algn="r">
               <a:spcBef>
                 <a:spcPts val="0"/>
               </a:spcBef>
@@ -4544,11 +4549,11 @@
 </file>
 
 <file path=ppt/slideLayouts/slideLayout3.xml><?xml version="1.0" encoding="utf-8"?>
-<p:sldLayout xmlns:a="http://schemas.openxmlformats.org/drawingml/2006/main" xmlns:r="http://schemas.openxmlformats.org/officeDocument/2006/relationships" xmlns:p="http://schemas.openxmlformats.org/presentationml/2006/main" matchingName="Title and body" type="tx">
+<p:sldLayout xmlns:a="http://schemas.openxmlformats.org/drawingml/2006/main" xmlns:r="http://schemas.openxmlformats.org/officeDocument/2006/relationships" xmlns:mc="http://schemas.openxmlformats.org/markup-compatibility/2006" xmlns:mv="urn:schemas-microsoft-com:mac:vml" xmlns:p="http://schemas.openxmlformats.org/presentationml/2006/main" xmlns:c="http://schemas.openxmlformats.org/drawingml/2006/chart" xmlns:dgm="http://schemas.openxmlformats.org/drawingml/2006/diagram" xmlns:o="urn:schemas-microsoft-com:office:office" xmlns:v="urn:schemas-microsoft-com:vml" xmlns:pvml="urn:schemas-microsoft-com:office:powerpoint" xmlns:com="http://schemas.openxmlformats.org/drawingml/2006/compatibility" xmlns:p14="http://schemas.microsoft.com/office/powerpoint/2010/main" xmlns:p15="http://schemas.microsoft.com/office/powerpoint/2012/main" matchingName="Title and body" type="tx">
   <p:cSld name="TITLE_AND_BODY">
     <p:spTree>
       <p:nvGrpSpPr>
-        <p:cNvPr id="1" name="Shape 27"/>
+        <p:cNvPr id="27" name="Shape 27"/>
         <p:cNvGrpSpPr/>
         <p:nvPr/>
       </p:nvGrpSpPr>
@@ -4582,12 +4587,12 @@
           </a:ln>
         </p:spPr>
         <p:txBody>
-          <a:bodyPr spcFirstLastPara="1" wrap="square" lIns="121900" tIns="121900" rIns="121900" bIns="121900" anchor="ctr" anchorCtr="0">
+          <a:bodyPr anchorCtr="0" anchor="ctr" bIns="121900" lIns="121900" spcFirstLastPara="1" rIns="121900" wrap="square" tIns="121900">
             <a:noAutofit/>
           </a:bodyPr>
           <a:lstStyle/>
           <a:p>
-            <a:pPr marL="0" lvl="0" indent="0" algn="l" rtl="0">
+            <a:pPr indent="0" lvl="0" marL="0" rtl="0" algn="l">
               <a:spcBef>
                 <a:spcPts val="0"/>
               </a:spcBef>
@@ -4596,6 +4601,9 @@
               </a:spcAft>
               <a:buNone/>
             </a:pPr>
+            <a:r>
+              <a:t/>
+            </a:r>
             <a:endParaRPr/>
           </a:p>
         </p:txBody>
@@ -4636,12 +4644,12 @@
             </a:ln>
           </p:spPr>
           <p:txBody>
-            <a:bodyPr spcFirstLastPara="1" wrap="square" lIns="121900" tIns="121900" rIns="121900" bIns="121900" anchor="ctr" anchorCtr="0">
+            <a:bodyPr anchorCtr="0" anchor="ctr" bIns="121900" lIns="121900" spcFirstLastPara="1" rIns="121900" wrap="square" tIns="121900">
               <a:noAutofit/>
             </a:bodyPr>
             <a:lstStyle/>
             <a:p>
-              <a:pPr marL="0" lvl="0" indent="0" algn="l" rtl="0">
+              <a:pPr indent="0" lvl="0" marL="0" rtl="0" algn="l">
                 <a:spcBef>
                   <a:spcPts val="0"/>
                 </a:spcBef>
@@ -4650,6 +4658,9 @@
                 </a:spcAft>
                 <a:buNone/>
               </a:pPr>
+              <a:r>
+                <a:t/>
+              </a:r>
               <a:endParaRPr/>
             </a:p>
           </p:txBody>
@@ -4676,12 +4687,12 @@
             </a:ln>
           </p:spPr>
           <p:txBody>
-            <a:bodyPr spcFirstLastPara="1" wrap="square" lIns="121900" tIns="121900" rIns="121900" bIns="121900" anchor="ctr" anchorCtr="0">
+            <a:bodyPr anchorCtr="0" anchor="ctr" bIns="121900" lIns="121900" spcFirstLastPara="1" rIns="121900" wrap="square" tIns="121900">
               <a:noAutofit/>
             </a:bodyPr>
             <a:lstStyle/>
             <a:p>
-              <a:pPr marL="0" lvl="0" indent="0" algn="l" rtl="0">
+              <a:pPr indent="0" lvl="0" marL="0" rtl="0" algn="l">
                 <a:spcBef>
                   <a:spcPts val="0"/>
                 </a:spcBef>
@@ -4690,6 +4701,9 @@
                 </a:spcAft>
                 <a:buNone/>
               </a:pPr>
+              <a:r>
+                <a:t/>
+              </a:r>
               <a:endParaRPr/>
             </a:p>
           </p:txBody>
@@ -4698,9 +4712,7 @@
       <p:sp>
         <p:nvSpPr>
           <p:cNvPr id="32" name="Google Shape;32;p4"/>
-          <p:cNvSpPr txBox="1">
-            <a:spLocks noGrp="1"/>
-          </p:cNvSpPr>
+          <p:cNvSpPr txBox="1"/>
           <p:nvPr>
             <p:ph type="title"/>
           </p:nvPr>
@@ -4715,7 +4727,7 @@
           </a:prstGeom>
         </p:spPr>
         <p:txBody>
-          <a:bodyPr spcFirstLastPara="1" wrap="square" lIns="121900" tIns="121900" rIns="121900" bIns="121900" anchor="t" anchorCtr="0">
+          <a:bodyPr anchorCtr="0" anchor="t" bIns="121900" lIns="121900" spcFirstLastPara="1" rIns="121900" wrap="square" tIns="121900">
             <a:noAutofit/>
           </a:bodyPr>
           <a:lstStyle>
@@ -4882,19 +4894,15 @@
               </a:defRPr>
             </a:lvl9pPr>
           </a:lstStyle>
-          <a:p>
-            <a:endParaRPr/>
-          </a:p>
+          <a:p/>
         </p:txBody>
       </p:sp>
       <p:sp>
         <p:nvSpPr>
           <p:cNvPr id="33" name="Google Shape;33;p4"/>
-          <p:cNvSpPr txBox="1">
-            <a:spLocks noGrp="1"/>
-          </p:cNvSpPr>
+          <p:cNvSpPr txBox="1"/>
           <p:nvPr>
-            <p:ph type="body" idx="1"/>
+            <p:ph idx="1" type="body"/>
           </p:nvPr>
         </p:nvSpPr>
         <p:spPr>
@@ -4907,11 +4915,11 @@
           </a:prstGeom>
         </p:spPr>
         <p:txBody>
-          <a:bodyPr spcFirstLastPara="1" wrap="square" lIns="121900" tIns="121900" rIns="121900" bIns="121900" anchor="t" anchorCtr="0">
+          <a:bodyPr anchorCtr="0" anchor="t" bIns="121900" lIns="121900" spcFirstLastPara="1" rIns="121900" wrap="square" tIns="121900">
             <a:noAutofit/>
           </a:bodyPr>
           <a:lstStyle>
-            <a:lvl1pPr marL="457200" lvl="0" indent="-336550">
+            <a:lvl1pPr indent="-336550" lvl="0" marL="457200">
               <a:spcBef>
                 <a:spcPts val="0"/>
               </a:spcBef>
@@ -4922,7 +4930,7 @@
               <a:buChar char="●"/>
               <a:defRPr/>
             </a:lvl1pPr>
-            <a:lvl2pPr marL="914400" lvl="1" indent="-323850">
+            <a:lvl2pPr indent="-323850" lvl="1" marL="914400">
               <a:spcBef>
                 <a:spcPts val="2100"/>
               </a:spcBef>
@@ -4933,7 +4941,7 @@
               <a:buChar char="○"/>
               <a:defRPr/>
             </a:lvl2pPr>
-            <a:lvl3pPr marL="1371600" lvl="2" indent="-323850">
+            <a:lvl3pPr indent="-323850" lvl="2" marL="1371600">
               <a:spcBef>
                 <a:spcPts val="2100"/>
               </a:spcBef>
@@ -4944,7 +4952,7 @@
               <a:buChar char="■"/>
               <a:defRPr/>
             </a:lvl3pPr>
-            <a:lvl4pPr marL="1828800" lvl="3" indent="-323850">
+            <a:lvl4pPr indent="-323850" lvl="3" marL="1828800">
               <a:spcBef>
                 <a:spcPts val="2100"/>
               </a:spcBef>
@@ -4955,7 +4963,7 @@
               <a:buChar char="●"/>
               <a:defRPr/>
             </a:lvl4pPr>
-            <a:lvl5pPr marL="2286000" lvl="4" indent="-323850">
+            <a:lvl5pPr indent="-323850" lvl="4" marL="2286000">
               <a:spcBef>
                 <a:spcPts val="2100"/>
               </a:spcBef>
@@ -4966,7 +4974,7 @@
               <a:buChar char="○"/>
               <a:defRPr/>
             </a:lvl5pPr>
-            <a:lvl6pPr marL="2743200" lvl="5" indent="-323850">
+            <a:lvl6pPr indent="-323850" lvl="5" marL="2743200">
               <a:spcBef>
                 <a:spcPts val="2100"/>
               </a:spcBef>
@@ -4977,7 +4985,7 @@
               <a:buChar char="■"/>
               <a:defRPr/>
             </a:lvl6pPr>
-            <a:lvl7pPr marL="3200400" lvl="6" indent="-323850">
+            <a:lvl7pPr indent="-323850" lvl="6" marL="3200400">
               <a:spcBef>
                 <a:spcPts val="2100"/>
               </a:spcBef>
@@ -4988,7 +4996,7 @@
               <a:buChar char="●"/>
               <a:defRPr/>
             </a:lvl7pPr>
-            <a:lvl8pPr marL="3657600" lvl="7" indent="-323850">
+            <a:lvl8pPr indent="-323850" lvl="7" marL="3657600">
               <a:spcBef>
                 <a:spcPts val="2100"/>
               </a:spcBef>
@@ -4999,7 +5007,7 @@
               <a:buChar char="○"/>
               <a:defRPr/>
             </a:lvl8pPr>
-            <a:lvl9pPr marL="4114800" lvl="8" indent="-323850">
+            <a:lvl9pPr indent="-323850" lvl="8" marL="4114800">
               <a:spcBef>
                 <a:spcPts val="2100"/>
               </a:spcBef>
@@ -5011,19 +5019,15 @@
               <a:defRPr/>
             </a:lvl9pPr>
           </a:lstStyle>
-          <a:p>
-            <a:endParaRPr/>
-          </a:p>
+          <a:p/>
         </p:txBody>
       </p:sp>
       <p:sp>
         <p:nvSpPr>
           <p:cNvPr id="34" name="Google Shape;34;p4"/>
-          <p:cNvSpPr txBox="1">
-            <a:spLocks noGrp="1"/>
-          </p:cNvSpPr>
+          <p:cNvSpPr txBox="1"/>
           <p:nvPr>
-            <p:ph type="sldNum" idx="12"/>
+            <p:ph idx="12" type="sldNum"/>
           </p:nvPr>
         </p:nvSpPr>
         <p:spPr>
@@ -5036,7 +5040,7 @@
           </a:prstGeom>
         </p:spPr>
         <p:txBody>
-          <a:bodyPr spcFirstLastPara="1" wrap="square" lIns="121900" tIns="121900" rIns="121900" bIns="121900" anchor="ctr" anchorCtr="0">
+          <a:bodyPr anchorCtr="0" anchor="ctr" bIns="121900" lIns="121900" spcFirstLastPara="1" rIns="121900" wrap="square" tIns="121900">
             <a:noAutofit/>
           </a:bodyPr>
           <a:lstStyle>
@@ -5078,7 +5082,7 @@
             </a:lvl9pPr>
           </a:lstStyle>
           <a:p>
-            <a:pPr marL="0" lvl="0" indent="0" algn="r" rtl="0">
+            <a:pPr indent="0" lvl="0" marL="0" rtl="0" algn="r">
               <a:spcBef>
                 <a:spcPts val="0"/>
               </a:spcBef>
@@ -5104,11 +5108,11 @@
 </file>
 
 <file path=ppt/slideLayouts/slideLayout4.xml><?xml version="1.0" encoding="utf-8"?>
-<p:sldLayout xmlns:a="http://schemas.openxmlformats.org/drawingml/2006/main" xmlns:r="http://schemas.openxmlformats.org/officeDocument/2006/relationships" xmlns:p="http://schemas.openxmlformats.org/presentationml/2006/main" matchingName="Title and two columns" type="twoColTx">
+<p:sldLayout xmlns:a="http://schemas.openxmlformats.org/drawingml/2006/main" xmlns:r="http://schemas.openxmlformats.org/officeDocument/2006/relationships" xmlns:mc="http://schemas.openxmlformats.org/markup-compatibility/2006" xmlns:mv="urn:schemas-microsoft-com:mac:vml" xmlns:p="http://schemas.openxmlformats.org/presentationml/2006/main" xmlns:c="http://schemas.openxmlformats.org/drawingml/2006/chart" xmlns:dgm="http://schemas.openxmlformats.org/drawingml/2006/diagram" xmlns:o="urn:schemas-microsoft-com:office:office" xmlns:v="urn:schemas-microsoft-com:vml" xmlns:pvml="urn:schemas-microsoft-com:office:powerpoint" xmlns:com="http://schemas.openxmlformats.org/drawingml/2006/compatibility" xmlns:p14="http://schemas.microsoft.com/office/powerpoint/2010/main" xmlns:p15="http://schemas.microsoft.com/office/powerpoint/2012/main" matchingName="Title and two columns" type="twoColTx">
   <p:cSld name="TITLE_AND_TWO_COLUMNS">
     <p:spTree>
       <p:nvGrpSpPr>
-        <p:cNvPr id="1" name="Shape 35"/>
+        <p:cNvPr id="35" name="Shape 35"/>
         <p:cNvGrpSpPr/>
         <p:nvPr/>
       </p:nvGrpSpPr>
@@ -5142,12 +5146,12 @@
           </a:ln>
         </p:spPr>
         <p:txBody>
-          <a:bodyPr spcFirstLastPara="1" wrap="square" lIns="121900" tIns="121900" rIns="121900" bIns="121900" anchor="ctr" anchorCtr="0">
+          <a:bodyPr anchorCtr="0" anchor="ctr" bIns="121900" lIns="121900" spcFirstLastPara="1" rIns="121900" wrap="square" tIns="121900">
             <a:noAutofit/>
           </a:bodyPr>
           <a:lstStyle/>
           <a:p>
-            <a:pPr marL="0" lvl="0" indent="0" algn="l" rtl="0">
+            <a:pPr indent="0" lvl="0" marL="0" rtl="0" algn="l">
               <a:spcBef>
                 <a:spcPts val="0"/>
               </a:spcBef>
@@ -5156,6 +5160,9 @@
               </a:spcAft>
               <a:buNone/>
             </a:pPr>
+            <a:r>
+              <a:t/>
+            </a:r>
             <a:endParaRPr/>
           </a:p>
         </p:txBody>
@@ -5196,12 +5203,12 @@
             </a:ln>
           </p:spPr>
           <p:txBody>
-            <a:bodyPr spcFirstLastPara="1" wrap="square" lIns="121900" tIns="121900" rIns="121900" bIns="121900" anchor="ctr" anchorCtr="0">
+            <a:bodyPr anchorCtr="0" anchor="ctr" bIns="121900" lIns="121900" spcFirstLastPara="1" rIns="121900" wrap="square" tIns="121900">
               <a:noAutofit/>
             </a:bodyPr>
             <a:lstStyle/>
             <a:p>
-              <a:pPr marL="0" lvl="0" indent="0" algn="l" rtl="0">
+              <a:pPr indent="0" lvl="0" marL="0" rtl="0" algn="l">
                 <a:spcBef>
                   <a:spcPts val="0"/>
                 </a:spcBef>
@@ -5210,6 +5217,9 @@
                 </a:spcAft>
                 <a:buNone/>
               </a:pPr>
+              <a:r>
+                <a:t/>
+              </a:r>
               <a:endParaRPr/>
             </a:p>
           </p:txBody>
@@ -5236,12 +5246,12 @@
             </a:ln>
           </p:spPr>
           <p:txBody>
-            <a:bodyPr spcFirstLastPara="1" wrap="square" lIns="121900" tIns="121900" rIns="121900" bIns="121900" anchor="ctr" anchorCtr="0">
+            <a:bodyPr anchorCtr="0" anchor="ctr" bIns="121900" lIns="121900" spcFirstLastPara="1" rIns="121900" wrap="square" tIns="121900">
               <a:noAutofit/>
             </a:bodyPr>
             <a:lstStyle/>
             <a:p>
-              <a:pPr marL="0" lvl="0" indent="0" algn="l" rtl="0">
+              <a:pPr indent="0" lvl="0" marL="0" rtl="0" algn="l">
                 <a:spcBef>
                   <a:spcPts val="0"/>
                 </a:spcBef>
@@ -5250,6 +5260,9 @@
                 </a:spcAft>
                 <a:buNone/>
               </a:pPr>
+              <a:r>
+                <a:t/>
+              </a:r>
               <a:endParaRPr/>
             </a:p>
           </p:txBody>
@@ -5258,9 +5271,7 @@
       <p:sp>
         <p:nvSpPr>
           <p:cNvPr id="40" name="Google Shape;40;p5"/>
-          <p:cNvSpPr txBox="1">
-            <a:spLocks noGrp="1"/>
-          </p:cNvSpPr>
+          <p:cNvSpPr txBox="1"/>
           <p:nvPr>
             <p:ph type="title"/>
           </p:nvPr>
@@ -5275,7 +5286,7 @@
           </a:prstGeom>
         </p:spPr>
         <p:txBody>
-          <a:bodyPr spcFirstLastPara="1" wrap="square" lIns="121900" tIns="121900" rIns="121900" bIns="121900" anchor="t" anchorCtr="0">
+          <a:bodyPr anchorCtr="0" anchor="t" bIns="121900" lIns="121900" spcFirstLastPara="1" rIns="121900" wrap="square" tIns="121900">
             <a:noAutofit/>
           </a:bodyPr>
           <a:lstStyle>
@@ -5442,19 +5453,15 @@
               </a:defRPr>
             </a:lvl9pPr>
           </a:lstStyle>
-          <a:p>
-            <a:endParaRPr/>
-          </a:p>
+          <a:p/>
         </p:txBody>
       </p:sp>
       <p:sp>
         <p:nvSpPr>
           <p:cNvPr id="41" name="Google Shape;41;p5"/>
-          <p:cNvSpPr txBox="1">
-            <a:spLocks noGrp="1"/>
-          </p:cNvSpPr>
+          <p:cNvSpPr txBox="1"/>
           <p:nvPr>
-            <p:ph type="body" idx="1"/>
+            <p:ph idx="1" type="body"/>
           </p:nvPr>
         </p:nvSpPr>
         <p:spPr>
@@ -5467,11 +5474,11 @@
           </a:prstGeom>
         </p:spPr>
         <p:txBody>
-          <a:bodyPr spcFirstLastPara="1" wrap="square" lIns="121900" tIns="121900" rIns="121900" bIns="121900" anchor="t" anchorCtr="0">
+          <a:bodyPr anchorCtr="0" anchor="t" bIns="121900" lIns="121900" spcFirstLastPara="1" rIns="121900" wrap="square" tIns="121900">
             <a:noAutofit/>
           </a:bodyPr>
           <a:lstStyle>
-            <a:lvl1pPr marL="457200" lvl="0" indent="-336550">
+            <a:lvl1pPr indent="-336550" lvl="0" marL="457200">
               <a:spcBef>
                 <a:spcPts val="0"/>
               </a:spcBef>
@@ -5482,7 +5489,7 @@
               <a:buChar char="●"/>
               <a:defRPr/>
             </a:lvl1pPr>
-            <a:lvl2pPr marL="914400" lvl="1" indent="-323850">
+            <a:lvl2pPr indent="-323850" lvl="1" marL="914400">
               <a:spcBef>
                 <a:spcPts val="2100"/>
               </a:spcBef>
@@ -5493,7 +5500,7 @@
               <a:buChar char="○"/>
               <a:defRPr/>
             </a:lvl2pPr>
-            <a:lvl3pPr marL="1371600" lvl="2" indent="-323850">
+            <a:lvl3pPr indent="-323850" lvl="2" marL="1371600">
               <a:spcBef>
                 <a:spcPts val="2100"/>
               </a:spcBef>
@@ -5504,7 +5511,7 @@
               <a:buChar char="■"/>
               <a:defRPr/>
             </a:lvl3pPr>
-            <a:lvl4pPr marL="1828800" lvl="3" indent="-323850">
+            <a:lvl4pPr indent="-323850" lvl="3" marL="1828800">
               <a:spcBef>
                 <a:spcPts val="2100"/>
               </a:spcBef>
@@ -5515,7 +5522,7 @@
               <a:buChar char="●"/>
               <a:defRPr/>
             </a:lvl4pPr>
-            <a:lvl5pPr marL="2286000" lvl="4" indent="-323850">
+            <a:lvl5pPr indent="-323850" lvl="4" marL="2286000">
               <a:spcBef>
                 <a:spcPts val="2100"/>
               </a:spcBef>
@@ -5526,7 +5533,7 @@
               <a:buChar char="○"/>
               <a:defRPr/>
             </a:lvl5pPr>
-            <a:lvl6pPr marL="2743200" lvl="5" indent="-323850">
+            <a:lvl6pPr indent="-323850" lvl="5" marL="2743200">
               <a:spcBef>
                 <a:spcPts val="2100"/>
               </a:spcBef>
@@ -5537,7 +5544,7 @@
               <a:buChar char="■"/>
               <a:defRPr/>
             </a:lvl6pPr>
-            <a:lvl7pPr marL="3200400" lvl="6" indent="-323850">
+            <a:lvl7pPr indent="-323850" lvl="6" marL="3200400">
               <a:spcBef>
                 <a:spcPts val="2100"/>
               </a:spcBef>
@@ -5548,7 +5555,7 @@
               <a:buChar char="●"/>
               <a:defRPr/>
             </a:lvl7pPr>
-            <a:lvl8pPr marL="3657600" lvl="7" indent="-323850">
+            <a:lvl8pPr indent="-323850" lvl="7" marL="3657600">
               <a:spcBef>
                 <a:spcPts val="2100"/>
               </a:spcBef>
@@ -5559,7 +5566,7 @@
               <a:buChar char="○"/>
               <a:defRPr/>
             </a:lvl8pPr>
-            <a:lvl9pPr marL="4114800" lvl="8" indent="-323850">
+            <a:lvl9pPr indent="-323850" lvl="8" marL="4114800">
               <a:spcBef>
                 <a:spcPts val="2100"/>
               </a:spcBef>
@@ -5571,19 +5578,15 @@
               <a:defRPr/>
             </a:lvl9pPr>
           </a:lstStyle>
-          <a:p>
-            <a:endParaRPr/>
-          </a:p>
+          <a:p/>
         </p:txBody>
       </p:sp>
       <p:sp>
         <p:nvSpPr>
           <p:cNvPr id="42" name="Google Shape;42;p5"/>
-          <p:cNvSpPr txBox="1">
-            <a:spLocks noGrp="1"/>
-          </p:cNvSpPr>
+          <p:cNvSpPr txBox="1"/>
           <p:nvPr>
-            <p:ph type="body" idx="2"/>
+            <p:ph idx="2" type="body"/>
           </p:nvPr>
         </p:nvSpPr>
         <p:spPr>
@@ -5596,11 +5599,11 @@
           </a:prstGeom>
         </p:spPr>
         <p:txBody>
-          <a:bodyPr spcFirstLastPara="1" wrap="square" lIns="121900" tIns="121900" rIns="121900" bIns="121900" anchor="t" anchorCtr="0">
+          <a:bodyPr anchorCtr="0" anchor="t" bIns="121900" lIns="121900" spcFirstLastPara="1" rIns="121900" wrap="square" tIns="121900">
             <a:noAutofit/>
           </a:bodyPr>
           <a:lstStyle>
-            <a:lvl1pPr marL="457200" lvl="0" indent="-336550">
+            <a:lvl1pPr indent="-336550" lvl="0" marL="457200">
               <a:spcBef>
                 <a:spcPts val="0"/>
               </a:spcBef>
@@ -5611,7 +5614,7 @@
               <a:buChar char="●"/>
               <a:defRPr/>
             </a:lvl1pPr>
-            <a:lvl2pPr marL="914400" lvl="1" indent="-323850">
+            <a:lvl2pPr indent="-323850" lvl="1" marL="914400">
               <a:spcBef>
                 <a:spcPts val="2100"/>
               </a:spcBef>
@@ -5622,7 +5625,7 @@
               <a:buChar char="○"/>
               <a:defRPr/>
             </a:lvl2pPr>
-            <a:lvl3pPr marL="1371600" lvl="2" indent="-323850">
+            <a:lvl3pPr indent="-323850" lvl="2" marL="1371600">
               <a:spcBef>
                 <a:spcPts val="2100"/>
               </a:spcBef>
@@ -5633,7 +5636,7 @@
               <a:buChar char="■"/>
               <a:defRPr/>
             </a:lvl3pPr>
-            <a:lvl4pPr marL="1828800" lvl="3" indent="-323850">
+            <a:lvl4pPr indent="-323850" lvl="3" marL="1828800">
               <a:spcBef>
                 <a:spcPts val="2100"/>
               </a:spcBef>
@@ -5644,7 +5647,7 @@
               <a:buChar char="●"/>
               <a:defRPr/>
             </a:lvl4pPr>
-            <a:lvl5pPr marL="2286000" lvl="4" indent="-323850">
+            <a:lvl5pPr indent="-323850" lvl="4" marL="2286000">
               <a:spcBef>
                 <a:spcPts val="2100"/>
               </a:spcBef>
@@ -5655,7 +5658,7 @@
               <a:buChar char="○"/>
               <a:defRPr/>
             </a:lvl5pPr>
-            <a:lvl6pPr marL="2743200" lvl="5" indent="-323850">
+            <a:lvl6pPr indent="-323850" lvl="5" marL="2743200">
               <a:spcBef>
                 <a:spcPts val="2100"/>
               </a:spcBef>
@@ -5666,7 +5669,7 @@
               <a:buChar char="■"/>
               <a:defRPr/>
             </a:lvl6pPr>
-            <a:lvl7pPr marL="3200400" lvl="6" indent="-323850">
+            <a:lvl7pPr indent="-323850" lvl="6" marL="3200400">
               <a:spcBef>
                 <a:spcPts val="2100"/>
               </a:spcBef>
@@ -5677,7 +5680,7 @@
               <a:buChar char="●"/>
               <a:defRPr/>
             </a:lvl7pPr>
-            <a:lvl8pPr marL="3657600" lvl="7" indent="-323850">
+            <a:lvl8pPr indent="-323850" lvl="7" marL="3657600">
               <a:spcBef>
                 <a:spcPts val="2100"/>
               </a:spcBef>
@@ -5688,7 +5691,7 @@
               <a:buChar char="○"/>
               <a:defRPr/>
             </a:lvl8pPr>
-            <a:lvl9pPr marL="4114800" lvl="8" indent="-323850">
+            <a:lvl9pPr indent="-323850" lvl="8" marL="4114800">
               <a:spcBef>
                 <a:spcPts val="2100"/>
               </a:spcBef>
@@ -5700,19 +5703,15 @@
               <a:defRPr/>
             </a:lvl9pPr>
           </a:lstStyle>
-          <a:p>
-            <a:endParaRPr/>
-          </a:p>
+          <a:p/>
         </p:txBody>
       </p:sp>
       <p:sp>
         <p:nvSpPr>
           <p:cNvPr id="43" name="Google Shape;43;p5"/>
-          <p:cNvSpPr txBox="1">
-            <a:spLocks noGrp="1"/>
-          </p:cNvSpPr>
+          <p:cNvSpPr txBox="1"/>
           <p:nvPr>
-            <p:ph type="sldNum" idx="12"/>
+            <p:ph idx="12" type="sldNum"/>
           </p:nvPr>
         </p:nvSpPr>
         <p:spPr>
@@ -5725,7 +5724,7 @@
           </a:prstGeom>
         </p:spPr>
         <p:txBody>
-          <a:bodyPr spcFirstLastPara="1" wrap="square" lIns="121900" tIns="121900" rIns="121900" bIns="121900" anchor="ctr" anchorCtr="0">
+          <a:bodyPr anchorCtr="0" anchor="ctr" bIns="121900" lIns="121900" spcFirstLastPara="1" rIns="121900" wrap="square" tIns="121900">
             <a:noAutofit/>
           </a:bodyPr>
           <a:lstStyle>
@@ -5767,7 +5766,7 @@
             </a:lvl9pPr>
           </a:lstStyle>
           <a:p>
-            <a:pPr marL="0" lvl="0" indent="0" algn="r" rtl="0">
+            <a:pPr indent="0" lvl="0" marL="0" rtl="0" algn="r">
               <a:spcBef>
                 <a:spcPts val="0"/>
               </a:spcBef>
@@ -5793,11 +5792,11 @@
 </file>
 
 <file path=ppt/slideLayouts/slideLayout5.xml><?xml version="1.0" encoding="utf-8"?>
-<p:sldLayout xmlns:a="http://schemas.openxmlformats.org/drawingml/2006/main" xmlns:r="http://schemas.openxmlformats.org/officeDocument/2006/relationships" xmlns:p="http://schemas.openxmlformats.org/presentationml/2006/main" matchingName="Title only" type="titleOnly">
+<p:sldLayout xmlns:a="http://schemas.openxmlformats.org/drawingml/2006/main" xmlns:r="http://schemas.openxmlformats.org/officeDocument/2006/relationships" xmlns:mc="http://schemas.openxmlformats.org/markup-compatibility/2006" xmlns:mv="urn:schemas-microsoft-com:mac:vml" xmlns:p="http://schemas.openxmlformats.org/presentationml/2006/main" xmlns:c="http://schemas.openxmlformats.org/drawingml/2006/chart" xmlns:dgm="http://schemas.openxmlformats.org/drawingml/2006/diagram" xmlns:o="urn:schemas-microsoft-com:office:office" xmlns:v="urn:schemas-microsoft-com:vml" xmlns:pvml="urn:schemas-microsoft-com:office:powerpoint" xmlns:com="http://schemas.openxmlformats.org/drawingml/2006/compatibility" xmlns:p14="http://schemas.microsoft.com/office/powerpoint/2010/main" xmlns:p15="http://schemas.microsoft.com/office/powerpoint/2012/main" matchingName="Title only" type="titleOnly">
   <p:cSld name="TITLE_ONLY">
     <p:spTree>
       <p:nvGrpSpPr>
-        <p:cNvPr id="1" name="Shape 44"/>
+        <p:cNvPr id="44" name="Shape 44"/>
         <p:cNvGrpSpPr/>
         <p:nvPr/>
       </p:nvGrpSpPr>
@@ -5831,12 +5830,12 @@
           </a:ln>
         </p:spPr>
         <p:txBody>
-          <a:bodyPr spcFirstLastPara="1" wrap="square" lIns="121900" tIns="121900" rIns="121900" bIns="121900" anchor="ctr" anchorCtr="0">
+          <a:bodyPr anchorCtr="0" anchor="ctr" bIns="121900" lIns="121900" spcFirstLastPara="1" rIns="121900" wrap="square" tIns="121900">
             <a:noAutofit/>
           </a:bodyPr>
           <a:lstStyle/>
           <a:p>
-            <a:pPr marL="0" lvl="0" indent="0" algn="l" rtl="0">
+            <a:pPr indent="0" lvl="0" marL="0" rtl="0" algn="l">
               <a:spcBef>
                 <a:spcPts val="0"/>
               </a:spcBef>
@@ -5845,6 +5844,9 @@
               </a:spcAft>
               <a:buNone/>
             </a:pPr>
+            <a:r>
+              <a:t/>
+            </a:r>
             <a:endParaRPr/>
           </a:p>
         </p:txBody>
@@ -5885,12 +5887,12 @@
             </a:ln>
           </p:spPr>
           <p:txBody>
-            <a:bodyPr spcFirstLastPara="1" wrap="square" lIns="121900" tIns="121900" rIns="121900" bIns="121900" anchor="ctr" anchorCtr="0">
+            <a:bodyPr anchorCtr="0" anchor="ctr" bIns="121900" lIns="121900" spcFirstLastPara="1" rIns="121900" wrap="square" tIns="121900">
               <a:noAutofit/>
             </a:bodyPr>
             <a:lstStyle/>
             <a:p>
-              <a:pPr marL="0" lvl="0" indent="0" algn="l" rtl="0">
+              <a:pPr indent="0" lvl="0" marL="0" rtl="0" algn="l">
                 <a:spcBef>
                   <a:spcPts val="0"/>
                 </a:spcBef>
@@ -5899,6 +5901,9 @@
                 </a:spcAft>
                 <a:buNone/>
               </a:pPr>
+              <a:r>
+                <a:t/>
+              </a:r>
               <a:endParaRPr/>
             </a:p>
           </p:txBody>
@@ -5925,12 +5930,12 @@
             </a:ln>
           </p:spPr>
           <p:txBody>
-            <a:bodyPr spcFirstLastPara="1" wrap="square" lIns="121900" tIns="121900" rIns="121900" bIns="121900" anchor="ctr" anchorCtr="0">
+            <a:bodyPr anchorCtr="0" anchor="ctr" bIns="121900" lIns="121900" spcFirstLastPara="1" rIns="121900" wrap="square" tIns="121900">
               <a:noAutofit/>
             </a:bodyPr>
             <a:lstStyle/>
             <a:p>
-              <a:pPr marL="0" lvl="0" indent="0" algn="l" rtl="0">
+              <a:pPr indent="0" lvl="0" marL="0" rtl="0" algn="l">
                 <a:spcBef>
                   <a:spcPts val="0"/>
                 </a:spcBef>
@@ -5939,6 +5944,9 @@
                 </a:spcAft>
                 <a:buNone/>
               </a:pPr>
+              <a:r>
+                <a:t/>
+              </a:r>
               <a:endParaRPr/>
             </a:p>
           </p:txBody>
@@ -5947,9 +5955,7 @@
       <p:sp>
         <p:nvSpPr>
           <p:cNvPr id="49" name="Google Shape;49;p6"/>
-          <p:cNvSpPr txBox="1">
-            <a:spLocks noGrp="1"/>
-          </p:cNvSpPr>
+          <p:cNvSpPr txBox="1"/>
           <p:nvPr>
             <p:ph type="title"/>
           </p:nvPr>
@@ -5964,7 +5970,7 @@
           </a:prstGeom>
         </p:spPr>
         <p:txBody>
-          <a:bodyPr spcFirstLastPara="1" wrap="square" lIns="121900" tIns="121900" rIns="121900" bIns="121900" anchor="t" anchorCtr="0">
+          <a:bodyPr anchorCtr="0" anchor="t" bIns="121900" lIns="121900" spcFirstLastPara="1" rIns="121900" wrap="square" tIns="121900">
             <a:noAutofit/>
           </a:bodyPr>
           <a:lstStyle>
@@ -6131,19 +6137,15 @@
               </a:defRPr>
             </a:lvl9pPr>
           </a:lstStyle>
-          <a:p>
-            <a:endParaRPr/>
-          </a:p>
+          <a:p/>
         </p:txBody>
       </p:sp>
       <p:sp>
         <p:nvSpPr>
           <p:cNvPr id="50" name="Google Shape;50;p6"/>
-          <p:cNvSpPr txBox="1">
-            <a:spLocks noGrp="1"/>
-          </p:cNvSpPr>
+          <p:cNvSpPr txBox="1"/>
           <p:nvPr>
-            <p:ph type="sldNum" idx="12"/>
+            <p:ph idx="12" type="sldNum"/>
           </p:nvPr>
         </p:nvSpPr>
         <p:spPr>
@@ -6156,7 +6158,7 @@
           </a:prstGeom>
         </p:spPr>
         <p:txBody>
-          <a:bodyPr spcFirstLastPara="1" wrap="square" lIns="121900" tIns="121900" rIns="121900" bIns="121900" anchor="ctr" anchorCtr="0">
+          <a:bodyPr anchorCtr="0" anchor="ctr" bIns="121900" lIns="121900" spcFirstLastPara="1" rIns="121900" wrap="square" tIns="121900">
             <a:noAutofit/>
           </a:bodyPr>
           <a:lstStyle>
@@ -6198,7 +6200,7 @@
             </a:lvl9pPr>
           </a:lstStyle>
           <a:p>
-            <a:pPr marL="0" lvl="0" indent="0" algn="r" rtl="0">
+            <a:pPr indent="0" lvl="0" marL="0" rtl="0" algn="r">
               <a:spcBef>
                 <a:spcPts val="0"/>
               </a:spcBef>
@@ -6224,11 +6226,11 @@
 </file>
 
 <file path=ppt/slideLayouts/slideLayout6.xml><?xml version="1.0" encoding="utf-8"?>
-<p:sldLayout xmlns:a="http://schemas.openxmlformats.org/drawingml/2006/main" xmlns:r="http://schemas.openxmlformats.org/officeDocument/2006/relationships" xmlns:p="http://schemas.openxmlformats.org/presentationml/2006/main" matchingName="One column text">
+<p:sldLayout xmlns:a="http://schemas.openxmlformats.org/drawingml/2006/main" xmlns:r="http://schemas.openxmlformats.org/officeDocument/2006/relationships" xmlns:mc="http://schemas.openxmlformats.org/markup-compatibility/2006" xmlns:mv="urn:schemas-microsoft-com:mac:vml" xmlns:p="http://schemas.openxmlformats.org/presentationml/2006/main" xmlns:c="http://schemas.openxmlformats.org/drawingml/2006/chart" xmlns:dgm="http://schemas.openxmlformats.org/drawingml/2006/diagram" xmlns:o="urn:schemas-microsoft-com:office:office" xmlns:v="urn:schemas-microsoft-com:vml" xmlns:pvml="urn:schemas-microsoft-com:office:powerpoint" xmlns:com="http://schemas.openxmlformats.org/drawingml/2006/compatibility" xmlns:p14="http://schemas.microsoft.com/office/powerpoint/2010/main" xmlns:p15="http://schemas.microsoft.com/office/powerpoint/2012/main" matchingName="One column text">
   <p:cSld name="ONE_COLUMN_TEXT">
     <p:spTree>
       <p:nvGrpSpPr>
-        <p:cNvPr id="1" name="Shape 51"/>
+        <p:cNvPr id="51" name="Shape 51"/>
         <p:cNvGrpSpPr/>
         <p:nvPr/>
       </p:nvGrpSpPr>
@@ -6262,12 +6264,12 @@
           </a:ln>
         </p:spPr>
         <p:txBody>
-          <a:bodyPr spcFirstLastPara="1" wrap="square" lIns="121900" tIns="121900" rIns="121900" bIns="121900" anchor="ctr" anchorCtr="0">
+          <a:bodyPr anchorCtr="0" anchor="ctr" bIns="121900" lIns="121900" spcFirstLastPara="1" rIns="121900" wrap="square" tIns="121900">
             <a:noAutofit/>
           </a:bodyPr>
           <a:lstStyle/>
           <a:p>
-            <a:pPr marL="0" lvl="0" indent="0" algn="l" rtl="0">
+            <a:pPr indent="0" lvl="0" marL="0" rtl="0" algn="l">
               <a:spcBef>
                 <a:spcPts val="0"/>
               </a:spcBef>
@@ -6276,6 +6278,9 @@
               </a:spcAft>
               <a:buNone/>
             </a:pPr>
+            <a:r>
+              <a:t/>
+            </a:r>
             <a:endParaRPr/>
           </a:p>
         </p:txBody>
@@ -6316,12 +6321,12 @@
             </a:ln>
           </p:spPr>
           <p:txBody>
-            <a:bodyPr spcFirstLastPara="1" wrap="square" lIns="121900" tIns="121900" rIns="121900" bIns="121900" anchor="ctr" anchorCtr="0">
+            <a:bodyPr anchorCtr="0" anchor="ctr" bIns="121900" lIns="121900" spcFirstLastPara="1" rIns="121900" wrap="square" tIns="121900">
               <a:noAutofit/>
             </a:bodyPr>
             <a:lstStyle/>
             <a:p>
-              <a:pPr marL="0" lvl="0" indent="0" algn="l" rtl="0">
+              <a:pPr indent="0" lvl="0" marL="0" rtl="0" algn="l">
                 <a:spcBef>
                   <a:spcPts val="0"/>
                 </a:spcBef>
@@ -6330,6 +6335,9 @@
                 </a:spcAft>
                 <a:buNone/>
               </a:pPr>
+              <a:r>
+                <a:t/>
+              </a:r>
               <a:endParaRPr/>
             </a:p>
           </p:txBody>
@@ -6356,12 +6364,12 @@
             </a:ln>
           </p:spPr>
           <p:txBody>
-            <a:bodyPr spcFirstLastPara="1" wrap="square" lIns="121900" tIns="121900" rIns="121900" bIns="121900" anchor="ctr" anchorCtr="0">
+            <a:bodyPr anchorCtr="0" anchor="ctr" bIns="121900" lIns="121900" spcFirstLastPara="1" rIns="121900" wrap="square" tIns="121900">
               <a:noAutofit/>
             </a:bodyPr>
             <a:lstStyle/>
             <a:p>
-              <a:pPr marL="0" lvl="0" indent="0" algn="l" rtl="0">
+              <a:pPr indent="0" lvl="0" marL="0" rtl="0" algn="l">
                 <a:spcBef>
                   <a:spcPts val="0"/>
                 </a:spcBef>
@@ -6370,6 +6378,9 @@
                 </a:spcAft>
                 <a:buNone/>
               </a:pPr>
+              <a:r>
+                <a:t/>
+              </a:r>
               <a:endParaRPr/>
             </a:p>
           </p:txBody>
@@ -6378,9 +6389,7 @@
       <p:sp>
         <p:nvSpPr>
           <p:cNvPr id="56" name="Google Shape;56;p7"/>
-          <p:cNvSpPr txBox="1">
-            <a:spLocks noGrp="1"/>
-          </p:cNvSpPr>
+          <p:cNvSpPr txBox="1"/>
           <p:nvPr>
             <p:ph type="title"/>
           </p:nvPr>
@@ -6395,7 +6404,7 @@
           </a:prstGeom>
         </p:spPr>
         <p:txBody>
-          <a:bodyPr spcFirstLastPara="1" wrap="square" lIns="121900" tIns="121900" rIns="121900" bIns="121900" anchor="t" anchorCtr="0">
+          <a:bodyPr anchorCtr="0" anchor="t" bIns="121900" lIns="121900" spcFirstLastPara="1" rIns="121900" wrap="square" tIns="121900">
             <a:noAutofit/>
           </a:bodyPr>
           <a:lstStyle>
@@ -6562,19 +6571,15 @@
               </a:defRPr>
             </a:lvl9pPr>
           </a:lstStyle>
-          <a:p>
-            <a:endParaRPr/>
-          </a:p>
+          <a:p/>
         </p:txBody>
       </p:sp>
       <p:sp>
         <p:nvSpPr>
           <p:cNvPr id="57" name="Google Shape;57;p7"/>
-          <p:cNvSpPr txBox="1">
-            <a:spLocks noGrp="1"/>
-          </p:cNvSpPr>
+          <p:cNvSpPr txBox="1"/>
           <p:nvPr>
-            <p:ph type="body" idx="1"/>
+            <p:ph idx="1" type="body"/>
           </p:nvPr>
         </p:nvSpPr>
         <p:spPr>
@@ -6587,11 +6592,11 @@
           </a:prstGeom>
         </p:spPr>
         <p:txBody>
-          <a:bodyPr spcFirstLastPara="1" wrap="square" lIns="121900" tIns="121900" rIns="121900" bIns="121900" anchor="t" anchorCtr="0">
+          <a:bodyPr anchorCtr="0" anchor="t" bIns="121900" lIns="121900" spcFirstLastPara="1" rIns="121900" wrap="square" tIns="121900">
             <a:noAutofit/>
           </a:bodyPr>
           <a:lstStyle>
-            <a:lvl1pPr marL="457200" lvl="0" indent="-336550">
+            <a:lvl1pPr indent="-336550" lvl="0" marL="457200">
               <a:spcBef>
                 <a:spcPts val="0"/>
               </a:spcBef>
@@ -6602,7 +6607,7 @@
               <a:buChar char="●"/>
               <a:defRPr/>
             </a:lvl1pPr>
-            <a:lvl2pPr marL="914400" lvl="1" indent="-323850">
+            <a:lvl2pPr indent="-323850" lvl="1" marL="914400">
               <a:spcBef>
                 <a:spcPts val="2100"/>
               </a:spcBef>
@@ -6613,7 +6618,7 @@
               <a:buChar char="○"/>
               <a:defRPr/>
             </a:lvl2pPr>
-            <a:lvl3pPr marL="1371600" lvl="2" indent="-323850">
+            <a:lvl3pPr indent="-323850" lvl="2" marL="1371600">
               <a:spcBef>
                 <a:spcPts val="2100"/>
               </a:spcBef>
@@ -6624,7 +6629,7 @@
               <a:buChar char="■"/>
               <a:defRPr/>
             </a:lvl3pPr>
-            <a:lvl4pPr marL="1828800" lvl="3" indent="-323850">
+            <a:lvl4pPr indent="-323850" lvl="3" marL="1828800">
               <a:spcBef>
                 <a:spcPts val="2100"/>
               </a:spcBef>
@@ -6635,7 +6640,7 @@
               <a:buChar char="●"/>
               <a:defRPr/>
             </a:lvl4pPr>
-            <a:lvl5pPr marL="2286000" lvl="4" indent="-323850">
+            <a:lvl5pPr indent="-323850" lvl="4" marL="2286000">
               <a:spcBef>
                 <a:spcPts val="2100"/>
               </a:spcBef>
@@ -6646,7 +6651,7 @@
               <a:buChar char="○"/>
               <a:defRPr/>
             </a:lvl5pPr>
-            <a:lvl6pPr marL="2743200" lvl="5" indent="-323850">
+            <a:lvl6pPr indent="-323850" lvl="5" marL="2743200">
               <a:spcBef>
                 <a:spcPts val="2100"/>
               </a:spcBef>
@@ -6657,7 +6662,7 @@
               <a:buChar char="■"/>
               <a:defRPr/>
             </a:lvl6pPr>
-            <a:lvl7pPr marL="3200400" lvl="6" indent="-323850">
+            <a:lvl7pPr indent="-323850" lvl="6" marL="3200400">
               <a:spcBef>
                 <a:spcPts val="2100"/>
               </a:spcBef>
@@ -6668,7 +6673,7 @@
               <a:buChar char="●"/>
               <a:defRPr/>
             </a:lvl7pPr>
-            <a:lvl8pPr marL="3657600" lvl="7" indent="-323850">
+            <a:lvl8pPr indent="-323850" lvl="7" marL="3657600">
               <a:spcBef>
                 <a:spcPts val="2100"/>
               </a:spcBef>
@@ -6679,7 +6684,7 @@
               <a:buChar char="○"/>
               <a:defRPr/>
             </a:lvl8pPr>
-            <a:lvl9pPr marL="4114800" lvl="8" indent="-323850">
+            <a:lvl9pPr indent="-323850" lvl="8" marL="4114800">
               <a:spcBef>
                 <a:spcPts val="2100"/>
               </a:spcBef>
@@ -6691,19 +6696,15 @@
               <a:defRPr/>
             </a:lvl9pPr>
           </a:lstStyle>
-          <a:p>
-            <a:endParaRPr/>
-          </a:p>
+          <a:p/>
         </p:txBody>
       </p:sp>
       <p:sp>
         <p:nvSpPr>
           <p:cNvPr id="58" name="Google Shape;58;p7"/>
-          <p:cNvSpPr txBox="1">
-            <a:spLocks noGrp="1"/>
-          </p:cNvSpPr>
+          <p:cNvSpPr txBox="1"/>
           <p:nvPr>
-            <p:ph type="sldNum" idx="12"/>
+            <p:ph idx="12" type="sldNum"/>
           </p:nvPr>
         </p:nvSpPr>
         <p:spPr>
@@ -6716,7 +6717,7 @@
           </a:prstGeom>
         </p:spPr>
         <p:txBody>
-          <a:bodyPr spcFirstLastPara="1" wrap="square" lIns="121900" tIns="121900" rIns="121900" bIns="121900" anchor="ctr" anchorCtr="0">
+          <a:bodyPr anchorCtr="0" anchor="ctr" bIns="121900" lIns="121900" spcFirstLastPara="1" rIns="121900" wrap="square" tIns="121900">
             <a:noAutofit/>
           </a:bodyPr>
           <a:lstStyle>
@@ -6758,7 +6759,7 @@
             </a:lvl9pPr>
           </a:lstStyle>
           <a:p>
-            <a:pPr marL="0" lvl="0" indent="0" algn="r" rtl="0">
+            <a:pPr indent="0" lvl="0" marL="0" rtl="0" algn="r">
               <a:spcBef>
                 <a:spcPts val="0"/>
               </a:spcBef>
@@ -6784,19 +6785,18 @@
 </file>
 
 <file path=ppt/slideLayouts/slideLayout7.xml><?xml version="1.0" encoding="utf-8"?>
-<p:sldLayout xmlns:a="http://schemas.openxmlformats.org/drawingml/2006/main" xmlns:r="http://schemas.openxmlformats.org/officeDocument/2006/relationships" xmlns:p="http://schemas.openxmlformats.org/presentationml/2006/main" matchingName="Main point">
+<p:sldLayout xmlns:a="http://schemas.openxmlformats.org/drawingml/2006/main" xmlns:r="http://schemas.openxmlformats.org/officeDocument/2006/relationships" xmlns:mc="http://schemas.openxmlformats.org/markup-compatibility/2006" xmlns:mv="urn:schemas-microsoft-com:mac:vml" xmlns:p="http://schemas.openxmlformats.org/presentationml/2006/main" xmlns:c="http://schemas.openxmlformats.org/drawingml/2006/chart" xmlns:dgm="http://schemas.openxmlformats.org/drawingml/2006/diagram" xmlns:o="urn:schemas-microsoft-com:office:office" xmlns:v="urn:schemas-microsoft-com:vml" xmlns:pvml="urn:schemas-microsoft-com:office:powerpoint" xmlns:com="http://schemas.openxmlformats.org/drawingml/2006/compatibility" xmlns:p14="http://schemas.microsoft.com/office/powerpoint/2010/main" xmlns:p15="http://schemas.microsoft.com/office/powerpoint/2012/main" matchingName="Main point">
   <p:cSld name="MAIN_POINT">
     <p:bg>
       <p:bgPr>
         <a:solidFill>
           <a:schemeClr val="accent3"/>
         </a:solidFill>
-        <a:effectLst/>
       </p:bgPr>
     </p:bg>
     <p:spTree>
       <p:nvGrpSpPr>
-        <p:cNvPr id="1" name="Shape 59"/>
+        <p:cNvPr id="59" name="Shape 59"/>
         <p:cNvGrpSpPr/>
         <p:nvPr/>
       </p:nvGrpSpPr>
@@ -6844,12 +6844,12 @@
             </a:ln>
           </p:spPr>
           <p:txBody>
-            <a:bodyPr spcFirstLastPara="1" wrap="square" lIns="121900" tIns="121900" rIns="121900" bIns="121900" anchor="ctr" anchorCtr="0">
+            <a:bodyPr anchorCtr="0" anchor="ctr" bIns="121900" lIns="121900" spcFirstLastPara="1" rIns="121900" wrap="square" tIns="121900">
               <a:noAutofit/>
             </a:bodyPr>
             <a:lstStyle/>
             <a:p>
-              <a:pPr marL="0" lvl="0" indent="0" algn="l" rtl="0">
+              <a:pPr indent="0" lvl="0" marL="0" rtl="0" algn="l">
                 <a:spcBef>
                   <a:spcPts val="0"/>
                 </a:spcBef>
@@ -6858,6 +6858,9 @@
                 </a:spcAft>
                 <a:buNone/>
               </a:pPr>
+              <a:r>
+                <a:t/>
+              </a:r>
               <a:endParaRPr/>
             </a:p>
           </p:txBody>
@@ -6884,12 +6887,12 @@
             </a:ln>
           </p:spPr>
           <p:txBody>
-            <a:bodyPr spcFirstLastPara="1" wrap="square" lIns="121900" tIns="121900" rIns="121900" bIns="121900" anchor="ctr" anchorCtr="0">
+            <a:bodyPr anchorCtr="0" anchor="ctr" bIns="121900" lIns="121900" spcFirstLastPara="1" rIns="121900" wrap="square" tIns="121900">
               <a:noAutofit/>
             </a:bodyPr>
             <a:lstStyle/>
             <a:p>
-              <a:pPr marL="0" lvl="0" indent="0" algn="l" rtl="0">
+              <a:pPr indent="0" lvl="0" marL="0" rtl="0" algn="l">
                 <a:spcBef>
                   <a:spcPts val="0"/>
                 </a:spcBef>
@@ -6898,6 +6901,9 @@
                 </a:spcAft>
                 <a:buNone/>
               </a:pPr>
+              <a:r>
+                <a:t/>
+              </a:r>
               <a:endParaRPr/>
             </a:p>
           </p:txBody>
@@ -6906,9 +6912,7 @@
       <p:sp>
         <p:nvSpPr>
           <p:cNvPr id="63" name="Google Shape;63;p8"/>
-          <p:cNvSpPr txBox="1">
-            <a:spLocks noGrp="1"/>
-          </p:cNvSpPr>
+          <p:cNvSpPr txBox="1"/>
           <p:nvPr>
             <p:ph type="title"/>
           </p:nvPr>
@@ -6923,7 +6927,7 @@
           </a:prstGeom>
         </p:spPr>
         <p:txBody>
-          <a:bodyPr spcFirstLastPara="1" wrap="square" lIns="121900" tIns="121900" rIns="121900" bIns="121900" anchor="ctr" anchorCtr="0">
+          <a:bodyPr anchorCtr="0" anchor="ctr" bIns="121900" lIns="121900" spcFirstLastPara="1" rIns="121900" wrap="square" tIns="121900">
             <a:noAutofit/>
           </a:bodyPr>
           <a:lstStyle>
@@ -7090,19 +7094,15 @@
               </a:defRPr>
             </a:lvl9pPr>
           </a:lstStyle>
-          <a:p>
-            <a:endParaRPr/>
-          </a:p>
+          <a:p/>
         </p:txBody>
       </p:sp>
       <p:sp>
         <p:nvSpPr>
           <p:cNvPr id="64" name="Google Shape;64;p8"/>
-          <p:cNvSpPr txBox="1">
-            <a:spLocks noGrp="1"/>
-          </p:cNvSpPr>
+          <p:cNvSpPr txBox="1"/>
           <p:nvPr>
-            <p:ph type="sldNum" idx="12"/>
+            <p:ph idx="12" type="sldNum"/>
           </p:nvPr>
         </p:nvSpPr>
         <p:spPr>
@@ -7115,7 +7115,7 @@
           </a:prstGeom>
         </p:spPr>
         <p:txBody>
-          <a:bodyPr spcFirstLastPara="1" wrap="square" lIns="121900" tIns="121900" rIns="121900" bIns="121900" anchor="ctr" anchorCtr="0">
+          <a:bodyPr anchorCtr="0" anchor="ctr" bIns="121900" lIns="121900" spcFirstLastPara="1" rIns="121900" wrap="square" tIns="121900">
             <a:noAutofit/>
           </a:bodyPr>
           <a:lstStyle>
@@ -7193,7 +7193,7 @@
             </a:lvl9pPr>
           </a:lstStyle>
           <a:p>
-            <a:pPr marL="0" lvl="0" indent="0" algn="r" rtl="0">
+            <a:pPr indent="0" lvl="0" marL="0" rtl="0" algn="r">
               <a:spcBef>
                 <a:spcPts val="0"/>
               </a:spcBef>
@@ -7219,11 +7219,11 @@
 </file>
 
 <file path=ppt/slideLayouts/slideLayout8.xml><?xml version="1.0" encoding="utf-8"?>
-<p:sldLayout xmlns:a="http://schemas.openxmlformats.org/drawingml/2006/main" xmlns:r="http://schemas.openxmlformats.org/officeDocument/2006/relationships" xmlns:p="http://schemas.openxmlformats.org/presentationml/2006/main" matchingName="Section title and description">
+<p:sldLayout xmlns:a="http://schemas.openxmlformats.org/drawingml/2006/main" xmlns:r="http://schemas.openxmlformats.org/officeDocument/2006/relationships" xmlns:mc="http://schemas.openxmlformats.org/markup-compatibility/2006" xmlns:mv="urn:schemas-microsoft-com:mac:vml" xmlns:p="http://schemas.openxmlformats.org/presentationml/2006/main" xmlns:c="http://schemas.openxmlformats.org/drawingml/2006/chart" xmlns:dgm="http://schemas.openxmlformats.org/drawingml/2006/diagram" xmlns:o="urn:schemas-microsoft-com:office:office" xmlns:v="urn:schemas-microsoft-com:vml" xmlns:pvml="urn:schemas-microsoft-com:office:powerpoint" xmlns:com="http://schemas.openxmlformats.org/drawingml/2006/compatibility" xmlns:p14="http://schemas.microsoft.com/office/powerpoint/2010/main" xmlns:p15="http://schemas.microsoft.com/office/powerpoint/2012/main" matchingName="Section title and description">
   <p:cSld name="SECTION_TITLE_AND_DESCRIPTION">
     <p:spTree>
       <p:nvGrpSpPr>
-        <p:cNvPr id="1" name="Shape 65"/>
+        <p:cNvPr id="65" name="Shape 65"/>
         <p:cNvGrpSpPr/>
         <p:nvPr/>
       </p:nvGrpSpPr>
@@ -7257,12 +7257,12 @@
           </a:ln>
         </p:spPr>
         <p:txBody>
-          <a:bodyPr spcFirstLastPara="1" wrap="square" lIns="121900" tIns="121900" rIns="121900" bIns="121900" anchor="ctr" anchorCtr="0">
+          <a:bodyPr anchorCtr="0" anchor="ctr" bIns="121900" lIns="121900" spcFirstLastPara="1" rIns="121900" wrap="square" tIns="121900">
             <a:noAutofit/>
           </a:bodyPr>
           <a:lstStyle/>
           <a:p>
-            <a:pPr marL="0" lvl="0" indent="0" algn="l" rtl="0">
+            <a:pPr indent="0" lvl="0" marL="0" rtl="0" algn="l">
               <a:spcBef>
                 <a:spcPts val="0"/>
               </a:spcBef>
@@ -7271,6 +7271,9 @@
               </a:spcAft>
               <a:buNone/>
             </a:pPr>
+            <a:r>
+              <a:t/>
+            </a:r>
             <a:endParaRPr/>
           </a:p>
         </p:txBody>
@@ -7311,12 +7314,12 @@
             </a:ln>
           </p:spPr>
           <p:txBody>
-            <a:bodyPr spcFirstLastPara="1" wrap="square" lIns="121900" tIns="121900" rIns="121900" bIns="121900" anchor="ctr" anchorCtr="0">
+            <a:bodyPr anchorCtr="0" anchor="ctr" bIns="121900" lIns="121900" spcFirstLastPara="1" rIns="121900" wrap="square" tIns="121900">
               <a:noAutofit/>
             </a:bodyPr>
             <a:lstStyle/>
             <a:p>
-              <a:pPr marL="0" lvl="0" indent="0" algn="l" rtl="0">
+              <a:pPr indent="0" lvl="0" marL="0" rtl="0" algn="l">
                 <a:spcBef>
                   <a:spcPts val="0"/>
                 </a:spcBef>
@@ -7325,6 +7328,9 @@
                 </a:spcAft>
                 <a:buNone/>
               </a:pPr>
+              <a:r>
+                <a:t/>
+              </a:r>
               <a:endParaRPr/>
             </a:p>
           </p:txBody>
@@ -7351,12 +7357,12 @@
             </a:ln>
           </p:spPr>
           <p:txBody>
-            <a:bodyPr spcFirstLastPara="1" wrap="square" lIns="121900" tIns="121900" rIns="121900" bIns="121900" anchor="ctr" anchorCtr="0">
+            <a:bodyPr anchorCtr="0" anchor="ctr" bIns="121900" lIns="121900" spcFirstLastPara="1" rIns="121900" wrap="square" tIns="121900">
               <a:noAutofit/>
             </a:bodyPr>
             <a:lstStyle/>
             <a:p>
-              <a:pPr marL="0" lvl="0" indent="0" algn="l" rtl="0">
+              <a:pPr indent="0" lvl="0" marL="0" rtl="0" algn="l">
                 <a:spcBef>
                   <a:spcPts val="0"/>
                 </a:spcBef>
@@ -7365,6 +7371,9 @@
                 </a:spcAft>
                 <a:buNone/>
               </a:pPr>
+              <a:r>
+                <a:t/>
+              </a:r>
               <a:endParaRPr/>
             </a:p>
           </p:txBody>
@@ -7373,9 +7382,7 @@
       <p:sp>
         <p:nvSpPr>
           <p:cNvPr id="70" name="Google Shape;70;p9"/>
-          <p:cNvSpPr txBox="1">
-            <a:spLocks noGrp="1"/>
-          </p:cNvSpPr>
+          <p:cNvSpPr txBox="1"/>
           <p:nvPr>
             <p:ph type="title"/>
           </p:nvPr>
@@ -7390,7 +7397,7 @@
           </a:prstGeom>
         </p:spPr>
         <p:txBody>
-          <a:bodyPr spcFirstLastPara="1" wrap="square" lIns="121900" tIns="121900" rIns="121900" bIns="121900" anchor="t" anchorCtr="0">
+          <a:bodyPr anchorCtr="0" anchor="t" bIns="121900" lIns="121900" spcFirstLastPara="1" rIns="121900" wrap="square" tIns="121900">
             <a:noAutofit/>
           </a:bodyPr>
           <a:lstStyle>
@@ -7557,19 +7564,15 @@
               </a:defRPr>
             </a:lvl9pPr>
           </a:lstStyle>
-          <a:p>
-            <a:endParaRPr/>
-          </a:p>
+          <a:p/>
         </p:txBody>
       </p:sp>
       <p:sp>
         <p:nvSpPr>
           <p:cNvPr id="71" name="Google Shape;71;p9"/>
-          <p:cNvSpPr txBox="1">
-            <a:spLocks noGrp="1"/>
-          </p:cNvSpPr>
+          <p:cNvSpPr txBox="1"/>
           <p:nvPr>
-            <p:ph type="subTitle" idx="1"/>
+            <p:ph idx="1" type="subTitle"/>
           </p:nvPr>
         </p:nvSpPr>
         <p:spPr>
@@ -7582,7 +7585,7 @@
           </a:prstGeom>
         </p:spPr>
         <p:txBody>
-          <a:bodyPr spcFirstLastPara="1" wrap="square" lIns="121900" tIns="121900" rIns="121900" bIns="121900" anchor="t" anchorCtr="0">
+          <a:bodyPr anchorCtr="0" anchor="t" bIns="121900" lIns="121900" spcFirstLastPara="1" rIns="121900" wrap="square" tIns="121900">
             <a:noAutofit/>
           </a:bodyPr>
           <a:lstStyle>
@@ -7713,19 +7716,15 @@
               <a:defRPr sz="2100"/>
             </a:lvl9pPr>
           </a:lstStyle>
-          <a:p>
-            <a:endParaRPr/>
-          </a:p>
+          <a:p/>
         </p:txBody>
       </p:sp>
       <p:sp>
         <p:nvSpPr>
           <p:cNvPr id="72" name="Google Shape;72;p9"/>
-          <p:cNvSpPr txBox="1">
-            <a:spLocks noGrp="1"/>
-          </p:cNvSpPr>
+          <p:cNvSpPr txBox="1"/>
           <p:nvPr>
-            <p:ph type="body" idx="2"/>
+            <p:ph idx="2" type="body"/>
           </p:nvPr>
         </p:nvSpPr>
         <p:spPr>
@@ -7738,11 +7737,11 @@
           </a:prstGeom>
         </p:spPr>
         <p:txBody>
-          <a:bodyPr spcFirstLastPara="1" wrap="square" lIns="121900" tIns="121900" rIns="121900" bIns="121900" anchor="t" anchorCtr="0">
+          <a:bodyPr anchorCtr="0" anchor="t" bIns="121900" lIns="121900" spcFirstLastPara="1" rIns="121900" wrap="square" tIns="121900">
             <a:noAutofit/>
           </a:bodyPr>
           <a:lstStyle>
-            <a:lvl1pPr marL="457200" lvl="0" indent="-336550">
+            <a:lvl1pPr indent="-336550" lvl="0" marL="457200">
               <a:spcBef>
                 <a:spcPts val="0"/>
               </a:spcBef>
@@ -7753,7 +7752,7 @@
               <a:buChar char="●"/>
               <a:defRPr/>
             </a:lvl1pPr>
-            <a:lvl2pPr marL="914400" lvl="1" indent="-323850">
+            <a:lvl2pPr indent="-323850" lvl="1" marL="914400">
               <a:spcBef>
                 <a:spcPts val="2100"/>
               </a:spcBef>
@@ -7764,7 +7763,7 @@
               <a:buChar char="○"/>
               <a:defRPr/>
             </a:lvl2pPr>
-            <a:lvl3pPr marL="1371600" lvl="2" indent="-323850">
+            <a:lvl3pPr indent="-323850" lvl="2" marL="1371600">
               <a:spcBef>
                 <a:spcPts val="2100"/>
               </a:spcBef>
@@ -7775,7 +7774,7 @@
               <a:buChar char="■"/>
               <a:defRPr/>
             </a:lvl3pPr>
-            <a:lvl4pPr marL="1828800" lvl="3" indent="-323850">
+            <a:lvl4pPr indent="-323850" lvl="3" marL="1828800">
               <a:spcBef>
                 <a:spcPts val="2100"/>
               </a:spcBef>
@@ -7786,7 +7785,7 @@
               <a:buChar char="●"/>
               <a:defRPr/>
             </a:lvl4pPr>
-            <a:lvl5pPr marL="2286000" lvl="4" indent="-323850">
+            <a:lvl5pPr indent="-323850" lvl="4" marL="2286000">
               <a:spcBef>
                 <a:spcPts val="2100"/>
               </a:spcBef>
@@ -7797,7 +7796,7 @@
               <a:buChar char="○"/>
               <a:defRPr/>
             </a:lvl5pPr>
-            <a:lvl6pPr marL="2743200" lvl="5" indent="-323850">
+            <a:lvl6pPr indent="-323850" lvl="5" marL="2743200">
               <a:spcBef>
                 <a:spcPts val="2100"/>
               </a:spcBef>
@@ -7808,7 +7807,7 @@
               <a:buChar char="■"/>
               <a:defRPr/>
             </a:lvl6pPr>
-            <a:lvl7pPr marL="3200400" lvl="6" indent="-323850">
+            <a:lvl7pPr indent="-323850" lvl="6" marL="3200400">
               <a:spcBef>
                 <a:spcPts val="2100"/>
               </a:spcBef>
@@ -7819,7 +7818,7 @@
               <a:buChar char="●"/>
               <a:defRPr/>
             </a:lvl7pPr>
-            <a:lvl8pPr marL="3657600" lvl="7" indent="-323850">
+            <a:lvl8pPr indent="-323850" lvl="7" marL="3657600">
               <a:spcBef>
                 <a:spcPts val="2100"/>
               </a:spcBef>
@@ -7830,7 +7829,7 @@
               <a:buChar char="○"/>
               <a:defRPr/>
             </a:lvl8pPr>
-            <a:lvl9pPr marL="4114800" lvl="8" indent="-323850">
+            <a:lvl9pPr indent="-323850" lvl="8" marL="4114800">
               <a:spcBef>
                 <a:spcPts val="2100"/>
               </a:spcBef>
@@ -7842,19 +7841,15 @@
               <a:defRPr/>
             </a:lvl9pPr>
           </a:lstStyle>
-          <a:p>
-            <a:endParaRPr/>
-          </a:p>
+          <a:p/>
         </p:txBody>
       </p:sp>
       <p:sp>
         <p:nvSpPr>
           <p:cNvPr id="73" name="Google Shape;73;p9"/>
-          <p:cNvSpPr txBox="1">
-            <a:spLocks noGrp="1"/>
-          </p:cNvSpPr>
+          <p:cNvSpPr txBox="1"/>
           <p:nvPr>
-            <p:ph type="sldNum" idx="12"/>
+            <p:ph idx="12" type="sldNum"/>
           </p:nvPr>
         </p:nvSpPr>
         <p:spPr>
@@ -7867,7 +7862,7 @@
           </a:prstGeom>
         </p:spPr>
         <p:txBody>
-          <a:bodyPr spcFirstLastPara="1" wrap="square" lIns="121900" tIns="121900" rIns="121900" bIns="121900" anchor="ctr" anchorCtr="0">
+          <a:bodyPr anchorCtr="0" anchor="ctr" bIns="121900" lIns="121900" spcFirstLastPara="1" rIns="121900" wrap="square" tIns="121900">
             <a:noAutofit/>
           </a:bodyPr>
           <a:lstStyle>
@@ -7909,7 +7904,7 @@
             </a:lvl9pPr>
           </a:lstStyle>
           <a:p>
-            <a:pPr marL="0" lvl="0" indent="0" algn="r" rtl="0">
+            <a:pPr indent="0" lvl="0" marL="0" rtl="0" algn="r">
               <a:spcBef>
                 <a:spcPts val="0"/>
               </a:spcBef>
@@ -7935,11 +7930,11 @@
 </file>
 
 <file path=ppt/slideLayouts/slideLayout9.xml><?xml version="1.0" encoding="utf-8"?>
-<p:sldLayout xmlns:a="http://schemas.openxmlformats.org/drawingml/2006/main" xmlns:r="http://schemas.openxmlformats.org/officeDocument/2006/relationships" xmlns:p="http://schemas.openxmlformats.org/presentationml/2006/main" matchingName="Caption">
+<p:sldLayout xmlns:a="http://schemas.openxmlformats.org/drawingml/2006/main" xmlns:r="http://schemas.openxmlformats.org/officeDocument/2006/relationships" xmlns:mc="http://schemas.openxmlformats.org/markup-compatibility/2006" xmlns:mv="urn:schemas-microsoft-com:mac:vml" xmlns:p="http://schemas.openxmlformats.org/presentationml/2006/main" xmlns:c="http://schemas.openxmlformats.org/drawingml/2006/chart" xmlns:dgm="http://schemas.openxmlformats.org/drawingml/2006/diagram" xmlns:o="urn:schemas-microsoft-com:office:office" xmlns:v="urn:schemas-microsoft-com:vml" xmlns:pvml="urn:schemas-microsoft-com:office:powerpoint" xmlns:com="http://schemas.openxmlformats.org/drawingml/2006/compatibility" xmlns:p14="http://schemas.microsoft.com/office/powerpoint/2010/main" xmlns:p15="http://schemas.microsoft.com/office/powerpoint/2012/main" matchingName="Caption">
   <p:cSld name="CAPTION_ONLY">
     <p:spTree>
       <p:nvGrpSpPr>
-        <p:cNvPr id="1" name="Shape 74"/>
+        <p:cNvPr id="74" name="Shape 74"/>
         <p:cNvGrpSpPr/>
         <p:nvPr/>
       </p:nvGrpSpPr>
@@ -7954,11 +7949,9 @@
       <p:sp>
         <p:nvSpPr>
           <p:cNvPr id="75" name="Google Shape;75;p10"/>
-          <p:cNvSpPr txBox="1">
-            <a:spLocks noGrp="1"/>
-          </p:cNvSpPr>
+          <p:cNvSpPr txBox="1"/>
           <p:nvPr>
-            <p:ph type="body" idx="1"/>
+            <p:ph idx="1" type="body"/>
           </p:nvPr>
         </p:nvSpPr>
         <p:spPr>
@@ -7971,11 +7964,11 @@
           </a:prstGeom>
         </p:spPr>
         <p:txBody>
-          <a:bodyPr spcFirstLastPara="1" wrap="square" lIns="121900" tIns="121900" rIns="121900" bIns="121900" anchor="ctr" anchorCtr="0">
+          <a:bodyPr anchorCtr="0" anchor="ctr" bIns="121900" lIns="121900" spcFirstLastPara="1" rIns="121900" wrap="square" tIns="121900">
             <a:noAutofit/>
           </a:bodyPr>
           <a:lstStyle>
-            <a:lvl1pPr marL="457200" lvl="0" indent="-228600">
+            <a:lvl1pPr indent="-228600" lvl="0" marL="457200">
               <a:lnSpc>
                 <a:spcPct val="100000"/>
               </a:lnSpc>
@@ -7990,19 +7983,15 @@
               <a:defRPr/>
             </a:lvl1pPr>
           </a:lstStyle>
-          <a:p>
-            <a:endParaRPr/>
-          </a:p>
+          <a:p/>
         </p:txBody>
       </p:sp>
       <p:sp>
         <p:nvSpPr>
           <p:cNvPr id="76" name="Google Shape;76;p10"/>
-          <p:cNvSpPr txBox="1">
-            <a:spLocks noGrp="1"/>
-          </p:cNvSpPr>
+          <p:cNvSpPr txBox="1"/>
           <p:nvPr>
-            <p:ph type="sldNum" idx="12"/>
+            <p:ph idx="12" type="sldNum"/>
           </p:nvPr>
         </p:nvSpPr>
         <p:spPr>
@@ -8015,7 +8004,7 @@
           </a:prstGeom>
         </p:spPr>
         <p:txBody>
-          <a:bodyPr spcFirstLastPara="1" wrap="square" lIns="121900" tIns="121900" rIns="121900" bIns="121900" anchor="ctr" anchorCtr="0">
+          <a:bodyPr anchorCtr="0" anchor="ctr" bIns="121900" lIns="121900" spcFirstLastPara="1" rIns="121900" wrap="square" tIns="121900">
             <a:noAutofit/>
           </a:bodyPr>
           <a:lstStyle>
@@ -8057,7 +8046,7 @@
             </a:lvl9pPr>
           </a:lstStyle>
           <a:p>
-            <a:pPr marL="0" lvl="0" indent="0" algn="r" rtl="0">
+            <a:pPr indent="0" lvl="0" marL="0" rtl="0" algn="r">
               <a:spcBef>
                 <a:spcPts val="0"/>
               </a:spcBef>
@@ -8083,19 +8072,18 @@
 </file>
 
 <file path=ppt/slideMasters/slideMaster1.xml><?xml version="1.0" encoding="utf-8"?>
-<p:sldMaster xmlns:a="http://schemas.openxmlformats.org/drawingml/2006/main" xmlns:r="http://schemas.openxmlformats.org/officeDocument/2006/relationships" xmlns:p="http://schemas.openxmlformats.org/presentationml/2006/main">
+<p:sldMaster xmlns:a="http://schemas.openxmlformats.org/drawingml/2006/main" xmlns:r="http://schemas.openxmlformats.org/officeDocument/2006/relationships" xmlns:mc="http://schemas.openxmlformats.org/markup-compatibility/2006" xmlns:mv="urn:schemas-microsoft-com:mac:vml" xmlns:p="http://schemas.openxmlformats.org/presentationml/2006/main" xmlns:c="http://schemas.openxmlformats.org/drawingml/2006/chart" xmlns:dgm="http://schemas.openxmlformats.org/drawingml/2006/diagram" xmlns:o="urn:schemas-microsoft-com:office:office" xmlns:v="urn:schemas-microsoft-com:vml" xmlns:pvml="urn:schemas-microsoft-com:office:powerpoint" xmlns:com="http://schemas.openxmlformats.org/drawingml/2006/compatibility" xmlns:p14="http://schemas.microsoft.com/office/powerpoint/2010/main" xmlns:p15="http://schemas.microsoft.com/office/powerpoint/2012/main">
   <p:cSld name="streamline">
     <p:bg>
       <p:bgPr>
         <a:solidFill>
           <a:schemeClr val="lt1"/>
         </a:solidFill>
-        <a:effectLst/>
       </p:bgPr>
     </p:bg>
     <p:spTree>
       <p:nvGrpSpPr>
-        <p:cNvPr id="1" name="Shape 9"/>
+        <p:cNvPr id="9" name="Shape 9"/>
         <p:cNvGrpSpPr/>
         <p:nvPr/>
       </p:nvGrpSpPr>
@@ -8110,9 +8098,7 @@
       <p:sp>
         <p:nvSpPr>
           <p:cNvPr id="10" name="Google Shape;10;p1"/>
-          <p:cNvSpPr txBox="1">
-            <a:spLocks noGrp="1"/>
-          </p:cNvSpPr>
+          <p:cNvSpPr txBox="1"/>
           <p:nvPr>
             <p:ph type="title"/>
           </p:nvPr>
@@ -8131,7 +8117,7 @@
           </a:ln>
         </p:spPr>
         <p:txBody>
-          <a:bodyPr spcFirstLastPara="1" wrap="square" lIns="121900" tIns="121900" rIns="121900" bIns="121900" anchor="t" anchorCtr="0">
+          <a:bodyPr anchorCtr="0" anchor="t" bIns="121900" lIns="121900" spcFirstLastPara="1" rIns="121900" wrap="square" tIns="121900">
             <a:noAutofit/>
           </a:bodyPr>
           <a:lstStyle>
@@ -8145,7 +8131,7 @@
               <a:buSzPts val="3700"/>
               <a:buFont typeface="Raleway"/>
               <a:buNone/>
-              <a:defRPr sz="3700" b="1">
+              <a:defRPr b="1" sz="3700">
                 <a:latin typeface="Raleway"/>
                 <a:ea typeface="Raleway"/>
                 <a:cs typeface="Raleway"/>
@@ -8162,7 +8148,7 @@
               <a:buSzPts val="3700"/>
               <a:buFont typeface="Raleway"/>
               <a:buNone/>
-              <a:defRPr sz="3700" b="1">
+              <a:defRPr b="1" sz="3700">
                 <a:latin typeface="Raleway"/>
                 <a:ea typeface="Raleway"/>
                 <a:cs typeface="Raleway"/>
@@ -8179,7 +8165,7 @@
               <a:buSzPts val="3700"/>
               <a:buFont typeface="Raleway"/>
               <a:buNone/>
-              <a:defRPr sz="3700" b="1">
+              <a:defRPr b="1" sz="3700">
                 <a:latin typeface="Raleway"/>
                 <a:ea typeface="Raleway"/>
                 <a:cs typeface="Raleway"/>
@@ -8196,7 +8182,7 @@
               <a:buSzPts val="3700"/>
               <a:buFont typeface="Raleway"/>
               <a:buNone/>
-              <a:defRPr sz="3700" b="1">
+              <a:defRPr b="1" sz="3700">
                 <a:latin typeface="Raleway"/>
                 <a:ea typeface="Raleway"/>
                 <a:cs typeface="Raleway"/>
@@ -8213,7 +8199,7 @@
               <a:buSzPts val="3700"/>
               <a:buFont typeface="Raleway"/>
               <a:buNone/>
-              <a:defRPr sz="3700" b="1">
+              <a:defRPr b="1" sz="3700">
                 <a:latin typeface="Raleway"/>
                 <a:ea typeface="Raleway"/>
                 <a:cs typeface="Raleway"/>
@@ -8230,7 +8216,7 @@
               <a:buSzPts val="3700"/>
               <a:buFont typeface="Raleway"/>
               <a:buNone/>
-              <a:defRPr sz="3700" b="1">
+              <a:defRPr b="1" sz="3700">
                 <a:latin typeface="Raleway"/>
                 <a:ea typeface="Raleway"/>
                 <a:cs typeface="Raleway"/>
@@ -8247,7 +8233,7 @@
               <a:buSzPts val="3700"/>
               <a:buFont typeface="Raleway"/>
               <a:buNone/>
-              <a:defRPr sz="3700" b="1">
+              <a:defRPr b="1" sz="3700">
                 <a:latin typeface="Raleway"/>
                 <a:ea typeface="Raleway"/>
                 <a:cs typeface="Raleway"/>
@@ -8264,7 +8250,7 @@
               <a:buSzPts val="3700"/>
               <a:buFont typeface="Raleway"/>
               <a:buNone/>
-              <a:defRPr sz="3700" b="1">
+              <a:defRPr b="1" sz="3700">
                 <a:latin typeface="Raleway"/>
                 <a:ea typeface="Raleway"/>
                 <a:cs typeface="Raleway"/>
@@ -8281,7 +8267,7 @@
               <a:buSzPts val="3700"/>
               <a:buFont typeface="Raleway"/>
               <a:buNone/>
-              <a:defRPr sz="3700" b="1">
+              <a:defRPr b="1" sz="3700">
                 <a:latin typeface="Raleway"/>
                 <a:ea typeface="Raleway"/>
                 <a:cs typeface="Raleway"/>
@@ -8289,19 +8275,15 @@
               </a:defRPr>
             </a:lvl9pPr>
           </a:lstStyle>
-          <a:p>
-            <a:endParaRPr/>
-          </a:p>
+          <a:p/>
         </p:txBody>
       </p:sp>
       <p:sp>
         <p:nvSpPr>
           <p:cNvPr id="11" name="Google Shape;11;p1"/>
-          <p:cNvSpPr txBox="1">
-            <a:spLocks noGrp="1"/>
-          </p:cNvSpPr>
+          <p:cNvSpPr txBox="1"/>
           <p:nvPr>
-            <p:ph type="body" idx="1"/>
+            <p:ph idx="1" type="body"/>
           </p:nvPr>
         </p:nvSpPr>
         <p:spPr>
@@ -8318,11 +8300,11 @@
           </a:ln>
         </p:spPr>
         <p:txBody>
-          <a:bodyPr spcFirstLastPara="1" wrap="square" lIns="121900" tIns="121900" rIns="121900" bIns="121900" anchor="t" anchorCtr="0">
+          <a:bodyPr anchorCtr="0" anchor="t" bIns="121900" lIns="121900" spcFirstLastPara="1" rIns="121900" wrap="square" tIns="121900">
             <a:noAutofit/>
           </a:bodyPr>
           <a:lstStyle>
-            <a:lvl1pPr marL="457200" lvl="0" indent="-336550">
+            <a:lvl1pPr indent="-336550" lvl="0" marL="457200">
               <a:lnSpc>
                 <a:spcPct val="115000"/>
               </a:lnSpc>
@@ -8348,7 +8330,7 @@
                 <a:sym typeface="Lato"/>
               </a:defRPr>
             </a:lvl1pPr>
-            <a:lvl2pPr marL="914400" lvl="1" indent="-323850">
+            <a:lvl2pPr indent="-323850" lvl="1" marL="914400">
               <a:lnSpc>
                 <a:spcPct val="115000"/>
               </a:lnSpc>
@@ -8374,7 +8356,7 @@
                 <a:sym typeface="Lato"/>
               </a:defRPr>
             </a:lvl2pPr>
-            <a:lvl3pPr marL="1371600" lvl="2" indent="-323850">
+            <a:lvl3pPr indent="-323850" lvl="2" marL="1371600">
               <a:lnSpc>
                 <a:spcPct val="115000"/>
               </a:lnSpc>
@@ -8400,7 +8382,7 @@
                 <a:sym typeface="Lato"/>
               </a:defRPr>
             </a:lvl3pPr>
-            <a:lvl4pPr marL="1828800" lvl="3" indent="-323850">
+            <a:lvl4pPr indent="-323850" lvl="3" marL="1828800">
               <a:lnSpc>
                 <a:spcPct val="115000"/>
               </a:lnSpc>
@@ -8426,7 +8408,7 @@
                 <a:sym typeface="Lato"/>
               </a:defRPr>
             </a:lvl4pPr>
-            <a:lvl5pPr marL="2286000" lvl="4" indent="-323850">
+            <a:lvl5pPr indent="-323850" lvl="4" marL="2286000">
               <a:lnSpc>
                 <a:spcPct val="115000"/>
               </a:lnSpc>
@@ -8452,7 +8434,7 @@
                 <a:sym typeface="Lato"/>
               </a:defRPr>
             </a:lvl5pPr>
-            <a:lvl6pPr marL="2743200" lvl="5" indent="-323850">
+            <a:lvl6pPr indent="-323850" lvl="5" marL="2743200">
               <a:lnSpc>
                 <a:spcPct val="115000"/>
               </a:lnSpc>
@@ -8478,7 +8460,7 @@
                 <a:sym typeface="Lato"/>
               </a:defRPr>
             </a:lvl6pPr>
-            <a:lvl7pPr marL="3200400" lvl="6" indent="-323850">
+            <a:lvl7pPr indent="-323850" lvl="6" marL="3200400">
               <a:lnSpc>
                 <a:spcPct val="115000"/>
               </a:lnSpc>
@@ -8504,7 +8486,7 @@
                 <a:sym typeface="Lato"/>
               </a:defRPr>
             </a:lvl7pPr>
-            <a:lvl8pPr marL="3657600" lvl="7" indent="-323850">
+            <a:lvl8pPr indent="-323850" lvl="7" marL="3657600">
               <a:lnSpc>
                 <a:spcPct val="115000"/>
               </a:lnSpc>
@@ -8530,7 +8512,7 @@
                 <a:sym typeface="Lato"/>
               </a:defRPr>
             </a:lvl8pPr>
-            <a:lvl9pPr marL="4114800" lvl="8" indent="-323850">
+            <a:lvl9pPr indent="-323850" lvl="8" marL="4114800">
               <a:lnSpc>
                 <a:spcPct val="115000"/>
               </a:lnSpc>
@@ -8557,19 +8539,15 @@
               </a:defRPr>
             </a:lvl9pPr>
           </a:lstStyle>
-          <a:p>
-            <a:endParaRPr/>
-          </a:p>
+          <a:p/>
         </p:txBody>
       </p:sp>
       <p:sp>
         <p:nvSpPr>
           <p:cNvPr id="12" name="Google Shape;12;p1"/>
-          <p:cNvSpPr txBox="1">
-            <a:spLocks noGrp="1"/>
-          </p:cNvSpPr>
+          <p:cNvSpPr txBox="1"/>
           <p:nvPr>
-            <p:ph type="sldNum" idx="12"/>
+            <p:ph idx="12" type="sldNum"/>
           </p:nvPr>
         </p:nvSpPr>
         <p:spPr>
@@ -8586,7 +8564,7 @@
           </a:ln>
         </p:spPr>
         <p:txBody>
-          <a:bodyPr spcFirstLastPara="1" wrap="square" lIns="121900" tIns="121900" rIns="121900" bIns="121900" anchor="ctr" anchorCtr="0">
+          <a:bodyPr anchorCtr="0" anchor="ctr" bIns="121900" lIns="121900" spcFirstLastPara="1" rIns="121900" wrap="square" tIns="121900">
             <a:noAutofit/>
           </a:bodyPr>
           <a:lstStyle>
@@ -8700,7 +8678,7 @@
             </a:lvl9pPr>
           </a:lstStyle>
           <a:p>
-            <a:pPr marL="0" lvl="0" indent="0" algn="r" rtl="0">
+            <a:pPr indent="0" lvl="0" marL="0" rtl="0" algn="r">
               <a:spcBef>
                 <a:spcPts val="0"/>
               </a:spcBef>
@@ -8719,7 +8697,7 @@
       </p:sp>
     </p:spTree>
   </p:cSld>
-  <p:clrMap bg1="lt1" tx1="dk1" bg2="dk2" tx2="lt2" accent1="accent1" accent2="accent2" accent3="accent3" accent4="accent4" accent5="accent5" accent6="accent6" hlink="hlink" folHlink="folHlink"/>
+  <p:clrMap accent1="accent1" accent2="accent2" accent3="accent3" accent4="accent4" accent5="accent5" accent6="accent6" bg1="lt1" bg2="dk2" tx1="dk1" tx2="lt2" folHlink="folHlink" hlink="hlink"/>
   <p:sldLayoutIdLst>
     <p:sldLayoutId id="2147483648" r:id="rId1"/>
     <p:sldLayoutId id="2147483649" r:id="rId2"/>
@@ -8734,10 +8712,10 @@
     <p:sldLayoutId id="2147483658" r:id="rId11"/>
     <p:sldLayoutId id="2147483659" r:id="rId12"/>
   </p:sldLayoutIdLst>
-  <p:hf sldNum="0" hdr="0" ftr="0" dt="0"/>
+  <p:hf dt="0" ftr="0" hdr="0" sldNum="0"/>
   <p:txStyles>
     <p:titleStyle>
-      <a:defPPr marR="0" lvl="0" algn="l" rtl="0">
+      <a:defPPr lvl="0" marR="0" rtl="0" algn="l">
         <a:lnSpc>
           <a:spcPct val="100000"/>
         </a:lnSpc>
@@ -8748,7 +8726,7 @@
           <a:spcPts val="0"/>
         </a:spcAft>
       </a:defPPr>
-      <a:lvl1pPr marR="0" lvl="0" algn="l" rtl="0">
+      <a:lvl1pPr lvl="0" marR="0" rtl="0" algn="l">
         <a:lnSpc>
           <a:spcPct val="100000"/>
         </a:lnSpc>
@@ -8762,7 +8740,7 @@
           <a:srgbClr val="000000"/>
         </a:buClr>
         <a:buFont typeface="Arial"/>
-        <a:defRPr sz="1400" b="0" i="0" u="none" strike="noStrike" cap="none">
+        <a:defRPr b="0" i="0" sz="1400" u="none" cap="none" strike="noStrike">
           <a:solidFill>
             <a:srgbClr val="000000"/>
           </a:solidFill>
@@ -8772,7 +8750,7 @@
           <a:sym typeface="Arial"/>
         </a:defRPr>
       </a:lvl1pPr>
-      <a:lvl2pPr marR="0" lvl="1" algn="l" rtl="0">
+      <a:lvl2pPr lvl="1" marR="0" rtl="0" algn="l">
         <a:lnSpc>
           <a:spcPct val="100000"/>
         </a:lnSpc>
@@ -8786,7 +8764,7 @@
           <a:srgbClr val="000000"/>
         </a:buClr>
         <a:buFont typeface="Arial"/>
-        <a:defRPr sz="1400" b="0" i="0" u="none" strike="noStrike" cap="none">
+        <a:defRPr b="0" i="0" sz="1400" u="none" cap="none" strike="noStrike">
           <a:solidFill>
             <a:srgbClr val="000000"/>
           </a:solidFill>
@@ -8796,7 +8774,7 @@
           <a:sym typeface="Arial"/>
         </a:defRPr>
       </a:lvl2pPr>
-      <a:lvl3pPr marR="0" lvl="2" algn="l" rtl="0">
+      <a:lvl3pPr lvl="2" marR="0" rtl="0" algn="l">
         <a:lnSpc>
           <a:spcPct val="100000"/>
         </a:lnSpc>
@@ -8810,7 +8788,7 @@
           <a:srgbClr val="000000"/>
         </a:buClr>
         <a:buFont typeface="Arial"/>
-        <a:defRPr sz="1400" b="0" i="0" u="none" strike="noStrike" cap="none">
+        <a:defRPr b="0" i="0" sz="1400" u="none" cap="none" strike="noStrike">
           <a:solidFill>
             <a:srgbClr val="000000"/>
           </a:solidFill>
@@ -8820,7 +8798,7 @@
           <a:sym typeface="Arial"/>
         </a:defRPr>
       </a:lvl3pPr>
-      <a:lvl4pPr marR="0" lvl="3" algn="l" rtl="0">
+      <a:lvl4pPr lvl="3" marR="0" rtl="0" algn="l">
         <a:lnSpc>
           <a:spcPct val="100000"/>
         </a:lnSpc>
@@ -8834,7 +8812,7 @@
           <a:srgbClr val="000000"/>
         </a:buClr>
         <a:buFont typeface="Arial"/>
-        <a:defRPr sz="1400" b="0" i="0" u="none" strike="noStrike" cap="none">
+        <a:defRPr b="0" i="0" sz="1400" u="none" cap="none" strike="noStrike">
           <a:solidFill>
             <a:srgbClr val="000000"/>
           </a:solidFill>
@@ -8844,7 +8822,7 @@
           <a:sym typeface="Arial"/>
         </a:defRPr>
       </a:lvl4pPr>
-      <a:lvl5pPr marR="0" lvl="4" algn="l" rtl="0">
+      <a:lvl5pPr lvl="4" marR="0" rtl="0" algn="l">
         <a:lnSpc>
           <a:spcPct val="100000"/>
         </a:lnSpc>
@@ -8858,7 +8836,7 @@
           <a:srgbClr val="000000"/>
         </a:buClr>
         <a:buFont typeface="Arial"/>
-        <a:defRPr sz="1400" b="0" i="0" u="none" strike="noStrike" cap="none">
+        <a:defRPr b="0" i="0" sz="1400" u="none" cap="none" strike="noStrike">
           <a:solidFill>
             <a:srgbClr val="000000"/>
           </a:solidFill>
@@ -8868,7 +8846,7 @@
           <a:sym typeface="Arial"/>
         </a:defRPr>
       </a:lvl5pPr>
-      <a:lvl6pPr marR="0" lvl="5" algn="l" rtl="0">
+      <a:lvl6pPr lvl="5" marR="0" rtl="0" algn="l">
         <a:lnSpc>
           <a:spcPct val="100000"/>
         </a:lnSpc>
@@ -8882,7 +8860,7 @@
           <a:srgbClr val="000000"/>
         </a:buClr>
         <a:buFont typeface="Arial"/>
-        <a:defRPr sz="1400" b="0" i="0" u="none" strike="noStrike" cap="none">
+        <a:defRPr b="0" i="0" sz="1400" u="none" cap="none" strike="noStrike">
           <a:solidFill>
             <a:srgbClr val="000000"/>
           </a:solidFill>
@@ -8892,7 +8870,7 @@
           <a:sym typeface="Arial"/>
         </a:defRPr>
       </a:lvl6pPr>
-      <a:lvl7pPr marR="0" lvl="6" algn="l" rtl="0">
+      <a:lvl7pPr lvl="6" marR="0" rtl="0" algn="l">
         <a:lnSpc>
           <a:spcPct val="100000"/>
         </a:lnSpc>
@@ -8906,7 +8884,7 @@
           <a:srgbClr val="000000"/>
         </a:buClr>
         <a:buFont typeface="Arial"/>
-        <a:defRPr sz="1400" b="0" i="0" u="none" strike="noStrike" cap="none">
+        <a:defRPr b="0" i="0" sz="1400" u="none" cap="none" strike="noStrike">
           <a:solidFill>
             <a:srgbClr val="000000"/>
           </a:solidFill>
@@ -8916,7 +8894,7 @@
           <a:sym typeface="Arial"/>
         </a:defRPr>
       </a:lvl7pPr>
-      <a:lvl8pPr marR="0" lvl="7" algn="l" rtl="0">
+      <a:lvl8pPr lvl="7" marR="0" rtl="0" algn="l">
         <a:lnSpc>
           <a:spcPct val="100000"/>
         </a:lnSpc>
@@ -8930,7 +8908,7 @@
           <a:srgbClr val="000000"/>
         </a:buClr>
         <a:buFont typeface="Arial"/>
-        <a:defRPr sz="1400" b="0" i="0" u="none" strike="noStrike" cap="none">
+        <a:defRPr b="0" i="0" sz="1400" u="none" cap="none" strike="noStrike">
           <a:solidFill>
             <a:srgbClr val="000000"/>
           </a:solidFill>
@@ -8940,7 +8918,7 @@
           <a:sym typeface="Arial"/>
         </a:defRPr>
       </a:lvl8pPr>
-      <a:lvl9pPr marR="0" lvl="8" algn="l" rtl="0">
+      <a:lvl9pPr lvl="8" marR="0" rtl="0" algn="l">
         <a:lnSpc>
           <a:spcPct val="100000"/>
         </a:lnSpc>
@@ -8954,7 +8932,7 @@
           <a:srgbClr val="000000"/>
         </a:buClr>
         <a:buFont typeface="Arial"/>
-        <a:defRPr sz="1400" b="0" i="0" u="none" strike="noStrike" cap="none">
+        <a:defRPr b="0" i="0" sz="1400" u="none" cap="none" strike="noStrike">
           <a:solidFill>
             <a:srgbClr val="000000"/>
           </a:solidFill>
@@ -8966,7 +8944,7 @@
       </a:lvl9pPr>
     </p:titleStyle>
     <p:bodyStyle>
-      <a:defPPr marR="0" lvl="0" algn="l" rtl="0">
+      <a:defPPr lvl="0" marR="0" rtl="0" algn="l">
         <a:lnSpc>
           <a:spcPct val="100000"/>
         </a:lnSpc>
@@ -8977,7 +8955,7 @@
           <a:spcPts val="0"/>
         </a:spcAft>
       </a:defPPr>
-      <a:lvl1pPr marR="0" lvl="0" algn="l" rtl="0">
+      <a:lvl1pPr lvl="0" marR="0" rtl="0" algn="l">
         <a:lnSpc>
           <a:spcPct val="100000"/>
         </a:lnSpc>
@@ -8991,7 +8969,7 @@
           <a:srgbClr val="000000"/>
         </a:buClr>
         <a:buFont typeface="Arial"/>
-        <a:defRPr sz="1400" b="0" i="0" u="none" strike="noStrike" cap="none">
+        <a:defRPr b="0" i="0" sz="1400" u="none" cap="none" strike="noStrike">
           <a:solidFill>
             <a:srgbClr val="000000"/>
           </a:solidFill>
@@ -9001,7 +8979,7 @@
           <a:sym typeface="Arial"/>
         </a:defRPr>
       </a:lvl1pPr>
-      <a:lvl2pPr marR="0" lvl="1" algn="l" rtl="0">
+      <a:lvl2pPr lvl="1" marR="0" rtl="0" algn="l">
         <a:lnSpc>
           <a:spcPct val="100000"/>
         </a:lnSpc>
@@ -9015,7 +8993,7 @@
           <a:srgbClr val="000000"/>
         </a:buClr>
         <a:buFont typeface="Arial"/>
-        <a:defRPr sz="1400" b="0" i="0" u="none" strike="noStrike" cap="none">
+        <a:defRPr b="0" i="0" sz="1400" u="none" cap="none" strike="noStrike">
           <a:solidFill>
             <a:srgbClr val="000000"/>
           </a:solidFill>
@@ -9025,7 +9003,7 @@
           <a:sym typeface="Arial"/>
         </a:defRPr>
       </a:lvl2pPr>
-      <a:lvl3pPr marR="0" lvl="2" algn="l" rtl="0">
+      <a:lvl3pPr lvl="2" marR="0" rtl="0" algn="l">
         <a:lnSpc>
           <a:spcPct val="100000"/>
         </a:lnSpc>
@@ -9039,7 +9017,7 @@
           <a:srgbClr val="000000"/>
         </a:buClr>
         <a:buFont typeface="Arial"/>
-        <a:defRPr sz="1400" b="0" i="0" u="none" strike="noStrike" cap="none">
+        <a:defRPr b="0" i="0" sz="1400" u="none" cap="none" strike="noStrike">
           <a:solidFill>
             <a:srgbClr val="000000"/>
           </a:solidFill>
@@ -9049,7 +9027,7 @@
           <a:sym typeface="Arial"/>
         </a:defRPr>
       </a:lvl3pPr>
-      <a:lvl4pPr marR="0" lvl="3" algn="l" rtl="0">
+      <a:lvl4pPr lvl="3" marR="0" rtl="0" algn="l">
         <a:lnSpc>
           <a:spcPct val="100000"/>
         </a:lnSpc>
@@ -9063,7 +9041,7 @@
           <a:srgbClr val="000000"/>
         </a:buClr>
         <a:buFont typeface="Arial"/>
-        <a:defRPr sz="1400" b="0" i="0" u="none" strike="noStrike" cap="none">
+        <a:defRPr b="0" i="0" sz="1400" u="none" cap="none" strike="noStrike">
           <a:solidFill>
             <a:srgbClr val="000000"/>
           </a:solidFill>
@@ -9073,7 +9051,7 @@
           <a:sym typeface="Arial"/>
         </a:defRPr>
       </a:lvl4pPr>
-      <a:lvl5pPr marR="0" lvl="4" algn="l" rtl="0">
+      <a:lvl5pPr lvl="4" marR="0" rtl="0" algn="l">
         <a:lnSpc>
           <a:spcPct val="100000"/>
         </a:lnSpc>
@@ -9087,7 +9065,7 @@
           <a:srgbClr val="000000"/>
         </a:buClr>
         <a:buFont typeface="Arial"/>
-        <a:defRPr sz="1400" b="0" i="0" u="none" strike="noStrike" cap="none">
+        <a:defRPr b="0" i="0" sz="1400" u="none" cap="none" strike="noStrike">
           <a:solidFill>
             <a:srgbClr val="000000"/>
           </a:solidFill>
@@ -9097,7 +9075,7 @@
           <a:sym typeface="Arial"/>
         </a:defRPr>
       </a:lvl5pPr>
-      <a:lvl6pPr marR="0" lvl="5" algn="l" rtl="0">
+      <a:lvl6pPr lvl="5" marR="0" rtl="0" algn="l">
         <a:lnSpc>
           <a:spcPct val="100000"/>
         </a:lnSpc>
@@ -9111,7 +9089,7 @@
           <a:srgbClr val="000000"/>
         </a:buClr>
         <a:buFont typeface="Arial"/>
-        <a:defRPr sz="1400" b="0" i="0" u="none" strike="noStrike" cap="none">
+        <a:defRPr b="0" i="0" sz="1400" u="none" cap="none" strike="noStrike">
           <a:solidFill>
             <a:srgbClr val="000000"/>
           </a:solidFill>
@@ -9121,7 +9099,7 @@
           <a:sym typeface="Arial"/>
         </a:defRPr>
       </a:lvl6pPr>
-      <a:lvl7pPr marR="0" lvl="6" algn="l" rtl="0">
+      <a:lvl7pPr lvl="6" marR="0" rtl="0" algn="l">
         <a:lnSpc>
           <a:spcPct val="100000"/>
         </a:lnSpc>
@@ -9135,7 +9113,7 @@
           <a:srgbClr val="000000"/>
         </a:buClr>
         <a:buFont typeface="Arial"/>
-        <a:defRPr sz="1400" b="0" i="0" u="none" strike="noStrike" cap="none">
+        <a:defRPr b="0" i="0" sz="1400" u="none" cap="none" strike="noStrike">
           <a:solidFill>
             <a:srgbClr val="000000"/>
           </a:solidFill>
@@ -9145,7 +9123,7 @@
           <a:sym typeface="Arial"/>
         </a:defRPr>
       </a:lvl7pPr>
-      <a:lvl8pPr marR="0" lvl="7" algn="l" rtl="0">
+      <a:lvl8pPr lvl="7" marR="0" rtl="0" algn="l">
         <a:lnSpc>
           <a:spcPct val="100000"/>
         </a:lnSpc>
@@ -9159,7 +9137,7 @@
           <a:srgbClr val="000000"/>
         </a:buClr>
         <a:buFont typeface="Arial"/>
-        <a:defRPr sz="1400" b="0" i="0" u="none" strike="noStrike" cap="none">
+        <a:defRPr b="0" i="0" sz="1400" u="none" cap="none" strike="noStrike">
           <a:solidFill>
             <a:srgbClr val="000000"/>
           </a:solidFill>
@@ -9169,7 +9147,7 @@
           <a:sym typeface="Arial"/>
         </a:defRPr>
       </a:lvl8pPr>
-      <a:lvl9pPr marR="0" lvl="8" algn="l" rtl="0">
+      <a:lvl9pPr lvl="8" marR="0" rtl="0" algn="l">
         <a:lnSpc>
           <a:spcPct val="100000"/>
         </a:lnSpc>
@@ -9183,7 +9161,7 @@
           <a:srgbClr val="000000"/>
         </a:buClr>
         <a:buFont typeface="Arial"/>
-        <a:defRPr sz="1400" b="0" i="0" u="none" strike="noStrike" cap="none">
+        <a:defRPr b="0" i="0" sz="1400" u="none" cap="none" strike="noStrike">
           <a:solidFill>
             <a:srgbClr val="000000"/>
           </a:solidFill>
@@ -9195,7 +9173,7 @@
       </a:lvl9pPr>
     </p:bodyStyle>
     <p:otherStyle>
-      <a:defPPr marR="0" lvl="0" algn="l" rtl="0">
+      <a:defPPr lvl="0" marR="0" rtl="0" algn="l">
         <a:lnSpc>
           <a:spcPct val="100000"/>
         </a:lnSpc>
@@ -9206,7 +9184,7 @@
           <a:spcPts val="0"/>
         </a:spcAft>
       </a:defPPr>
-      <a:lvl1pPr marR="0" lvl="0" algn="l" rtl="0">
+      <a:lvl1pPr lvl="0" marR="0" rtl="0" algn="l">
         <a:lnSpc>
           <a:spcPct val="100000"/>
         </a:lnSpc>
@@ -9220,7 +9198,7 @@
           <a:srgbClr val="000000"/>
         </a:buClr>
         <a:buFont typeface="Arial"/>
-        <a:defRPr sz="1400" b="0" i="0" u="none" strike="noStrike" cap="none">
+        <a:defRPr b="0" i="0" sz="1400" u="none" cap="none" strike="noStrike">
           <a:solidFill>
             <a:srgbClr val="000000"/>
           </a:solidFill>
@@ -9230,7 +9208,7 @@
           <a:sym typeface="Arial"/>
         </a:defRPr>
       </a:lvl1pPr>
-      <a:lvl2pPr marR="0" lvl="1" algn="l" rtl="0">
+      <a:lvl2pPr lvl="1" marR="0" rtl="0" algn="l">
         <a:lnSpc>
           <a:spcPct val="100000"/>
         </a:lnSpc>
@@ -9244,7 +9222,7 @@
           <a:srgbClr val="000000"/>
         </a:buClr>
         <a:buFont typeface="Arial"/>
-        <a:defRPr sz="1400" b="0" i="0" u="none" strike="noStrike" cap="none">
+        <a:defRPr b="0" i="0" sz="1400" u="none" cap="none" strike="noStrike">
           <a:solidFill>
             <a:srgbClr val="000000"/>
           </a:solidFill>
@@ -9254,7 +9232,7 @@
           <a:sym typeface="Arial"/>
         </a:defRPr>
       </a:lvl2pPr>
-      <a:lvl3pPr marR="0" lvl="2" algn="l" rtl="0">
+      <a:lvl3pPr lvl="2" marR="0" rtl="0" algn="l">
         <a:lnSpc>
           <a:spcPct val="100000"/>
         </a:lnSpc>
@@ -9268,7 +9246,7 @@
           <a:srgbClr val="000000"/>
         </a:buClr>
         <a:buFont typeface="Arial"/>
-        <a:defRPr sz="1400" b="0" i="0" u="none" strike="noStrike" cap="none">
+        <a:defRPr b="0" i="0" sz="1400" u="none" cap="none" strike="noStrike">
           <a:solidFill>
             <a:srgbClr val="000000"/>
           </a:solidFill>
@@ -9278,7 +9256,7 @@
           <a:sym typeface="Arial"/>
         </a:defRPr>
       </a:lvl3pPr>
-      <a:lvl4pPr marR="0" lvl="3" algn="l" rtl="0">
+      <a:lvl4pPr lvl="3" marR="0" rtl="0" algn="l">
         <a:lnSpc>
           <a:spcPct val="100000"/>
         </a:lnSpc>
@@ -9292,7 +9270,7 @@
           <a:srgbClr val="000000"/>
         </a:buClr>
         <a:buFont typeface="Arial"/>
-        <a:defRPr sz="1400" b="0" i="0" u="none" strike="noStrike" cap="none">
+        <a:defRPr b="0" i="0" sz="1400" u="none" cap="none" strike="noStrike">
           <a:solidFill>
             <a:srgbClr val="000000"/>
           </a:solidFill>
@@ -9302,7 +9280,7 @@
           <a:sym typeface="Arial"/>
         </a:defRPr>
       </a:lvl4pPr>
-      <a:lvl5pPr marR="0" lvl="4" algn="l" rtl="0">
+      <a:lvl5pPr lvl="4" marR="0" rtl="0" algn="l">
         <a:lnSpc>
           <a:spcPct val="100000"/>
         </a:lnSpc>
@@ -9316,7 +9294,7 @@
           <a:srgbClr val="000000"/>
         </a:buClr>
         <a:buFont typeface="Arial"/>
-        <a:defRPr sz="1400" b="0" i="0" u="none" strike="noStrike" cap="none">
+        <a:defRPr b="0" i="0" sz="1400" u="none" cap="none" strike="noStrike">
           <a:solidFill>
             <a:srgbClr val="000000"/>
           </a:solidFill>
@@ -9326,7 +9304,7 @@
           <a:sym typeface="Arial"/>
         </a:defRPr>
       </a:lvl5pPr>
-      <a:lvl6pPr marR="0" lvl="5" algn="l" rtl="0">
+      <a:lvl6pPr lvl="5" marR="0" rtl="0" algn="l">
         <a:lnSpc>
           <a:spcPct val="100000"/>
         </a:lnSpc>
@@ -9340,7 +9318,7 @@
           <a:srgbClr val="000000"/>
         </a:buClr>
         <a:buFont typeface="Arial"/>
-        <a:defRPr sz="1400" b="0" i="0" u="none" strike="noStrike" cap="none">
+        <a:defRPr b="0" i="0" sz="1400" u="none" cap="none" strike="noStrike">
           <a:solidFill>
             <a:srgbClr val="000000"/>
           </a:solidFill>
@@ -9350,7 +9328,7 @@
           <a:sym typeface="Arial"/>
         </a:defRPr>
       </a:lvl6pPr>
-      <a:lvl7pPr marR="0" lvl="6" algn="l" rtl="0">
+      <a:lvl7pPr lvl="6" marR="0" rtl="0" algn="l">
         <a:lnSpc>
           <a:spcPct val="100000"/>
         </a:lnSpc>
@@ -9364,7 +9342,7 @@
           <a:srgbClr val="000000"/>
         </a:buClr>
         <a:buFont typeface="Arial"/>
-        <a:defRPr sz="1400" b="0" i="0" u="none" strike="noStrike" cap="none">
+        <a:defRPr b="0" i="0" sz="1400" u="none" cap="none" strike="noStrike">
           <a:solidFill>
             <a:srgbClr val="000000"/>
           </a:solidFill>
@@ -9374,7 +9352,7 @@
           <a:sym typeface="Arial"/>
         </a:defRPr>
       </a:lvl7pPr>
-      <a:lvl8pPr marR="0" lvl="7" algn="l" rtl="0">
+      <a:lvl8pPr lvl="7" marR="0" rtl="0" algn="l">
         <a:lnSpc>
           <a:spcPct val="100000"/>
         </a:lnSpc>
@@ -9388,7 +9366,7 @@
           <a:srgbClr val="000000"/>
         </a:buClr>
         <a:buFont typeface="Arial"/>
-        <a:defRPr sz="1400" b="0" i="0" u="none" strike="noStrike" cap="none">
+        <a:defRPr b="0" i="0" sz="1400" u="none" cap="none" strike="noStrike">
           <a:solidFill>
             <a:srgbClr val="000000"/>
           </a:solidFill>
@@ -9398,7 +9376,7 @@
           <a:sym typeface="Arial"/>
         </a:defRPr>
       </a:lvl8pPr>
-      <a:lvl9pPr marR="0" lvl="8" algn="l" rtl="0">
+      <a:lvl9pPr lvl="8" marR="0" rtl="0" algn="l">
         <a:lnSpc>
           <a:spcPct val="100000"/>
         </a:lnSpc>
@@ -9412,7 +9390,7 @@
           <a:srgbClr val="000000"/>
         </a:buClr>
         <a:buFont typeface="Arial"/>
-        <a:defRPr sz="1400" b="0" i="0" u="none" strike="noStrike" cap="none">
+        <a:defRPr b="0" i="0" sz="1400" u="none" cap="none" strike="noStrike">
           <a:solidFill>
             <a:srgbClr val="000000"/>
           </a:solidFill>
@@ -9428,11 +9406,11 @@
 </file>
 
 <file path=ppt/slides/slide1.xml><?xml version="1.0" encoding="utf-8"?>
-<p:sld xmlns:a="http://schemas.openxmlformats.org/drawingml/2006/main" xmlns:r="http://schemas.openxmlformats.org/officeDocument/2006/relationships" xmlns:p="http://schemas.openxmlformats.org/presentationml/2006/main">
+<p:sld xmlns:a="http://schemas.openxmlformats.org/drawingml/2006/main" xmlns:r="http://schemas.openxmlformats.org/officeDocument/2006/relationships" xmlns:mc="http://schemas.openxmlformats.org/markup-compatibility/2006" xmlns:mv="urn:schemas-microsoft-com:mac:vml" xmlns:p="http://schemas.openxmlformats.org/presentationml/2006/main" xmlns:c="http://schemas.openxmlformats.org/drawingml/2006/chart" xmlns:dgm="http://schemas.openxmlformats.org/drawingml/2006/diagram" xmlns:o="urn:schemas-microsoft-com:office:office" xmlns:v="urn:schemas-microsoft-com:vml" xmlns:pvml="urn:schemas-microsoft-com:office:powerpoint" xmlns:com="http://schemas.openxmlformats.org/drawingml/2006/compatibility" xmlns:p14="http://schemas.microsoft.com/office/powerpoint/2010/main" xmlns:p15="http://schemas.microsoft.com/office/powerpoint/2012/main">
   <p:cSld>
     <p:spTree>
       <p:nvGrpSpPr>
-        <p:cNvPr id="1" name="Shape 95"/>
+        <p:cNvPr id="95" name="Shape 95"/>
         <p:cNvGrpSpPr/>
         <p:nvPr/>
       </p:nvGrpSpPr>
@@ -9447,9 +9425,7 @@
       <p:sp>
         <p:nvSpPr>
           <p:cNvPr id="96" name="Google Shape;96;p14"/>
-          <p:cNvSpPr txBox="1">
-            <a:spLocks noGrp="1"/>
-          </p:cNvSpPr>
+          <p:cNvSpPr txBox="1"/>
           <p:nvPr>
             <p:ph type="ctrTitle"/>
           </p:nvPr>
@@ -9475,12 +9451,12 @@
           </a:effectLst>
         </p:spPr>
         <p:txBody>
-          <a:bodyPr spcFirstLastPara="1" wrap="square" lIns="91425" tIns="45700" rIns="91425" bIns="45700" anchor="b" anchorCtr="0">
+          <a:bodyPr anchorCtr="0" anchor="b" bIns="45700" lIns="91425" spcFirstLastPara="1" rIns="91425" wrap="square" tIns="45700">
             <a:noAutofit/>
           </a:bodyPr>
           <a:lstStyle/>
           <a:p>
-            <a:pPr marL="0" lvl="0" indent="0" algn="ctr" rtl="0">
+            <a:pPr indent="0" lvl="0" marL="0" rtl="0" algn="ctr">
               <a:spcBef>
                 <a:spcPts val="0"/>
               </a:spcBef>
@@ -9522,12 +9498,12 @@
           </a:ln>
         </p:spPr>
         <p:txBody>
-          <a:bodyPr spcFirstLastPara="1" wrap="square" lIns="91425" tIns="91425" rIns="91425" bIns="91425" anchor="t" anchorCtr="0">
+          <a:bodyPr anchorCtr="0" anchor="t" bIns="91425" lIns="91425" spcFirstLastPara="1" rIns="91425" wrap="square" tIns="91425">
             <a:noAutofit/>
           </a:bodyPr>
           <a:lstStyle/>
           <a:p>
-            <a:pPr marL="0" lvl="0" indent="0" algn="l" rtl="0">
+            <a:pPr indent="0" lvl="0" marL="0" rtl="0" algn="l">
               <a:spcBef>
                 <a:spcPts val="0"/>
               </a:spcBef>
@@ -9561,11 +9537,11 @@
 </file>
 
 <file path=ppt/slides/slide2.xml><?xml version="1.0" encoding="utf-8"?>
-<p:sld xmlns:a="http://schemas.openxmlformats.org/drawingml/2006/main" xmlns:r="http://schemas.openxmlformats.org/officeDocument/2006/relationships" xmlns:p="http://schemas.openxmlformats.org/presentationml/2006/main">
+<p:sld xmlns:a="http://schemas.openxmlformats.org/drawingml/2006/main" xmlns:r="http://schemas.openxmlformats.org/officeDocument/2006/relationships" xmlns:mc="http://schemas.openxmlformats.org/markup-compatibility/2006" xmlns:mv="urn:schemas-microsoft-com:mac:vml" xmlns:p="http://schemas.openxmlformats.org/presentationml/2006/main" xmlns:c="http://schemas.openxmlformats.org/drawingml/2006/chart" xmlns:dgm="http://schemas.openxmlformats.org/drawingml/2006/diagram" xmlns:o="urn:schemas-microsoft-com:office:office" xmlns:v="urn:schemas-microsoft-com:vml" xmlns:pvml="urn:schemas-microsoft-com:office:powerpoint" xmlns:com="http://schemas.openxmlformats.org/drawingml/2006/compatibility" xmlns:p14="http://schemas.microsoft.com/office/powerpoint/2010/main" xmlns:p15="http://schemas.microsoft.com/office/powerpoint/2012/main">
   <p:cSld>
     <p:spTree>
       <p:nvGrpSpPr>
-        <p:cNvPr id="1" name="Shape 101"/>
+        <p:cNvPr id="101" name="Shape 101"/>
         <p:cNvGrpSpPr/>
         <p:nvPr/>
       </p:nvGrpSpPr>
@@ -9580,11 +9556,9 @@
       <p:sp>
         <p:nvSpPr>
           <p:cNvPr id="102" name="Google Shape;102;p15"/>
-          <p:cNvSpPr txBox="1">
-            <a:spLocks noGrp="1"/>
-          </p:cNvSpPr>
+          <p:cNvSpPr txBox="1"/>
           <p:nvPr>
-            <p:ph type="title" idx="4294967295"/>
+            <p:ph idx="4294967295" type="title"/>
           </p:nvPr>
         </p:nvSpPr>
         <p:spPr>
@@ -9608,12 +9582,12 @@
           </a:effectLst>
         </p:spPr>
         <p:txBody>
-          <a:bodyPr spcFirstLastPara="1" wrap="square" lIns="91425" tIns="45700" rIns="91425" bIns="45700" anchor="ctr" anchorCtr="0">
+          <a:bodyPr anchorCtr="0" anchor="ctr" bIns="45700" lIns="91425" spcFirstLastPara="1" rIns="91425" wrap="square" tIns="45700">
             <a:noAutofit/>
           </a:bodyPr>
           <a:lstStyle/>
           <a:p>
-            <a:pPr marL="0" lvl="0" indent="0" algn="l" rtl="0">
+            <a:pPr indent="0" lvl="0" marL="0" rtl="0" algn="l">
               <a:spcBef>
                 <a:spcPts val="0"/>
               </a:spcBef>
@@ -9655,12 +9629,12 @@
           </a:ln>
         </p:spPr>
         <p:txBody>
-          <a:bodyPr spcFirstLastPara="1" wrap="square" lIns="91425" tIns="91425" rIns="91425" bIns="91425" anchor="t" anchorCtr="0">
+          <a:bodyPr anchorCtr="0" anchor="t" bIns="91425" lIns="91425" spcFirstLastPara="1" rIns="91425" wrap="square" tIns="91425">
             <a:noAutofit/>
           </a:bodyPr>
           <a:lstStyle/>
           <a:p>
-            <a:pPr marL="36899" lvl="0" indent="0" algn="l" rtl="0">
+            <a:pPr indent="0" lvl="0" marL="36899" rtl="0" algn="l">
               <a:lnSpc>
                 <a:spcPct val="115000"/>
               </a:lnSpc>
@@ -9695,7 +9669,7 @@
             </a:endParaRPr>
           </a:p>
           <a:p>
-            <a:pPr marL="36899" lvl="0" indent="0" algn="l" rtl="0">
+            <a:pPr indent="0" lvl="0" marL="36899" rtl="0" algn="l">
               <a:lnSpc>
                 <a:spcPct val="115000"/>
               </a:lnSpc>
@@ -9708,7 +9682,7 @@
               <a:buNone/>
             </a:pPr>
             <a:r>
-              <a:rPr lang="en-US" sz="2400" b="1">
+              <a:rPr b="1" lang="en-US" sz="2400">
                 <a:solidFill>
                   <a:schemeClr val="accent1"/>
                 </a:solidFill>
@@ -9719,7 +9693,7 @@
               </a:rPr>
               <a:t>Steps – Data Science (CRISP-DM) Process</a:t>
             </a:r>
-            <a:endParaRPr sz="2400" b="1">
+            <a:endParaRPr b="1" sz="2400">
               <a:solidFill>
                 <a:schemeClr val="accent1"/>
               </a:solidFill>
@@ -9730,7 +9704,7 @@
             </a:endParaRPr>
           </a:p>
           <a:p>
-            <a:pPr marL="494099" lvl="0" indent="-520700" algn="l" rtl="0">
+            <a:pPr indent="-520700" lvl="0" marL="494099" rtl="0" algn="l">
               <a:lnSpc>
                 <a:spcPct val="115000"/>
               </a:lnSpc>
@@ -9770,7 +9744,7 @@
             </a:endParaRPr>
           </a:p>
           <a:p>
-            <a:pPr marL="494099" lvl="0" indent="-520700" algn="l" rtl="0">
+            <a:pPr indent="-520700" lvl="0" marL="494099" rtl="0" algn="l">
               <a:lnSpc>
                 <a:spcPct val="115000"/>
               </a:lnSpc>
@@ -9810,7 +9784,7 @@
             </a:endParaRPr>
           </a:p>
           <a:p>
-            <a:pPr marL="494099" lvl="0" indent="-520700" algn="l" rtl="0">
+            <a:pPr indent="-520700" lvl="0" marL="494099" rtl="0" algn="l">
               <a:lnSpc>
                 <a:spcPct val="115000"/>
               </a:lnSpc>
@@ -9850,7 +9824,7 @@
             </a:endParaRPr>
           </a:p>
           <a:p>
-            <a:pPr marL="494099" lvl="0" indent="-520700" algn="l" rtl="0">
+            <a:pPr indent="-520700" lvl="0" marL="494099" rtl="0" algn="l">
               <a:lnSpc>
                 <a:spcPct val="115000"/>
               </a:lnSpc>
@@ -9890,7 +9864,7 @@
             </a:endParaRPr>
           </a:p>
           <a:p>
-            <a:pPr marL="494099" lvl="0" indent="-520700" algn="l" rtl="0">
+            <a:pPr indent="-520700" lvl="0" marL="494099" rtl="0" algn="l">
               <a:lnSpc>
                 <a:spcPct val="115000"/>
               </a:lnSpc>
@@ -9930,7 +9904,7 @@
             </a:endParaRPr>
           </a:p>
           <a:p>
-            <a:pPr marL="494099" lvl="0" indent="-520700" algn="l" rtl="0">
+            <a:pPr indent="-520700" lvl="0" marL="494099" rtl="0" algn="l">
               <a:lnSpc>
                 <a:spcPct val="115000"/>
               </a:lnSpc>
@@ -9980,11 +9954,11 @@
 </file>
 
 <file path=ppt/slides/slide3.xml><?xml version="1.0" encoding="utf-8"?>
-<p:sld xmlns:a="http://schemas.openxmlformats.org/drawingml/2006/main" xmlns:r="http://schemas.openxmlformats.org/officeDocument/2006/relationships" xmlns:p="http://schemas.openxmlformats.org/presentationml/2006/main">
+<p:sld xmlns:a="http://schemas.openxmlformats.org/drawingml/2006/main" xmlns:r="http://schemas.openxmlformats.org/officeDocument/2006/relationships" xmlns:mc="http://schemas.openxmlformats.org/markup-compatibility/2006" xmlns:mv="urn:schemas-microsoft-com:mac:vml" xmlns:p="http://schemas.openxmlformats.org/presentationml/2006/main" xmlns:c="http://schemas.openxmlformats.org/drawingml/2006/chart" xmlns:dgm="http://schemas.openxmlformats.org/drawingml/2006/diagram" xmlns:o="urn:schemas-microsoft-com:office:office" xmlns:v="urn:schemas-microsoft-com:vml" xmlns:pvml="urn:schemas-microsoft-com:office:powerpoint" xmlns:com="http://schemas.openxmlformats.org/drawingml/2006/compatibility" xmlns:p14="http://schemas.microsoft.com/office/powerpoint/2010/main" xmlns:p15="http://schemas.microsoft.com/office/powerpoint/2012/main">
   <p:cSld>
     <p:spTree>
       <p:nvGrpSpPr>
-        <p:cNvPr id="1" name="Shape 107"/>
+        <p:cNvPr id="107" name="Shape 107"/>
         <p:cNvGrpSpPr/>
         <p:nvPr/>
       </p:nvGrpSpPr>
@@ -9999,11 +9973,9 @@
       <p:sp>
         <p:nvSpPr>
           <p:cNvPr id="108" name="Google Shape;108;p16"/>
-          <p:cNvSpPr txBox="1">
-            <a:spLocks noGrp="1"/>
-          </p:cNvSpPr>
+          <p:cNvSpPr txBox="1"/>
           <p:nvPr>
-            <p:ph type="title" idx="4294967295"/>
+            <p:ph idx="4294967295" type="title"/>
           </p:nvPr>
         </p:nvSpPr>
         <p:spPr>
@@ -10027,12 +9999,12 @@
           </a:effectLst>
         </p:spPr>
         <p:txBody>
-          <a:bodyPr spcFirstLastPara="1" wrap="square" lIns="91425" tIns="45700" rIns="91425" bIns="45700" anchor="ctr" anchorCtr="0">
+          <a:bodyPr anchorCtr="0" anchor="ctr" bIns="45700" lIns="91425" spcFirstLastPara="1" rIns="91425" wrap="square" tIns="45700">
             <a:noAutofit/>
           </a:bodyPr>
           <a:lstStyle/>
           <a:p>
-            <a:pPr marL="0" lvl="0" indent="0" algn="l" rtl="0">
+            <a:pPr indent="0" lvl="0" marL="0" rtl="0" algn="l">
               <a:spcBef>
                 <a:spcPts val="0"/>
               </a:spcBef>
@@ -10057,11 +10029,9 @@
       <p:sp>
         <p:nvSpPr>
           <p:cNvPr id="109" name="Google Shape;109;p16"/>
-          <p:cNvSpPr txBox="1">
-            <a:spLocks noGrp="1"/>
-          </p:cNvSpPr>
+          <p:cNvSpPr txBox="1"/>
           <p:nvPr>
-            <p:ph type="body" idx="4294967295"/>
+            <p:ph idx="4294967295" type="body"/>
           </p:nvPr>
         </p:nvSpPr>
         <p:spPr>
@@ -10085,12 +10055,12 @@
           </a:effectLst>
         </p:spPr>
         <p:txBody>
-          <a:bodyPr spcFirstLastPara="1" wrap="square" lIns="91425" tIns="45700" rIns="91425" bIns="45700" anchor="t" anchorCtr="0">
+          <a:bodyPr anchorCtr="0" anchor="t" bIns="45700" lIns="91425" spcFirstLastPara="1" rIns="91425" wrap="square" tIns="45700">
             <a:noAutofit/>
           </a:bodyPr>
           <a:lstStyle/>
           <a:p>
-            <a:pPr marL="494099" lvl="0" indent="-520700" algn="l" rtl="0">
+            <a:pPr indent="-520700" lvl="0" marL="494099" rtl="0" algn="l">
               <a:spcBef>
                 <a:spcPts val="0"/>
               </a:spcBef>
@@ -10102,13 +10072,13 @@
               <a:buAutoNum type="arabicPeriod"/>
             </a:pPr>
             <a:r>
-              <a:rPr lang="en-US" sz="2400" dirty="0"/>
+              <a:rPr lang="en-US" sz="2400"/>
               <a:t>Import data into MySQL database (Class 1)</a:t>
             </a:r>
-            <a:endParaRPr sz="2400" dirty="0"/>
+            <a:endParaRPr sz="2400"/>
           </a:p>
           <a:p>
-            <a:pPr marL="494099" lvl="0" indent="-520700" algn="l" rtl="0">
+            <a:pPr indent="-520700" lvl="0" marL="494099" rtl="0" algn="l">
               <a:spcBef>
                 <a:spcPts val="0"/>
               </a:spcBef>
@@ -10120,13 +10090,21 @@
               <a:buAutoNum type="arabicPeriod"/>
             </a:pPr>
             <a:r>
-              <a:rPr lang="en-US" sz="2400" dirty="0"/>
-              <a:t>Query Data for Data Understanding/Relevant Information (Class 2) </a:t>
+              <a:rPr lang="en-US" sz="2400"/>
+              <a:t>Query Data for Data </a:t>
             </a:r>
-            <a:endParaRPr sz="2400" dirty="0"/>
+            <a:r>
+              <a:rPr lang="en-US" sz="2400"/>
+              <a:t>Understanding</a:t>
+            </a:r>
+            <a:r>
+              <a:rPr lang="en-US" sz="2400"/>
+              <a:t>/Relevant Information (Class 2) </a:t>
+            </a:r>
+            <a:endParaRPr sz="2400"/>
           </a:p>
           <a:p>
-            <a:pPr marL="494099" lvl="0" indent="-520700" algn="l" rtl="0">
+            <a:pPr indent="-520700" lvl="0" marL="494099" rtl="0" algn="l">
               <a:spcBef>
                 <a:spcPts val="1000"/>
               </a:spcBef>
@@ -10138,13 +10116,21 @@
               <a:buAutoNum type="arabicPeriod"/>
             </a:pPr>
             <a:r>
-              <a:rPr lang="en-US" sz="2400" dirty="0"/>
-              <a:t>Storing/Cleaning data for analysis (Class 3-4)</a:t>
+              <a:rPr lang="en-US" sz="2400"/>
+              <a:t>Import data into MySQL database</a:t>
             </a:r>
-            <a:endParaRPr sz="2400" dirty="0"/>
+            <a:r>
+              <a:rPr lang="en-US" sz="2400"/>
+              <a:t>, clean data for analysis</a:t>
+            </a:r>
+            <a:r>
+              <a:rPr lang="en-US" sz="2400"/>
+              <a:t> (Class 3-4)</a:t>
+            </a:r>
+            <a:endParaRPr sz="2400"/>
           </a:p>
           <a:p>
-            <a:pPr marL="494099" lvl="0" indent="-520700" algn="l" rtl="0">
+            <a:pPr indent="-520700" lvl="0" marL="494099" rtl="0" algn="l">
               <a:spcBef>
                 <a:spcPts val="1000"/>
               </a:spcBef>
@@ -10156,13 +10142,13 @@
               <a:buAutoNum type="arabicPeriod"/>
             </a:pPr>
             <a:r>
-              <a:rPr lang="en-US" sz="2400" dirty="0"/>
+              <a:rPr lang="en-US" sz="2400"/>
               <a:t>Analyze Data Quality &amp; Create Data Dictionary (Class 5) </a:t>
             </a:r>
-            <a:endParaRPr sz="2400" dirty="0"/>
+            <a:endParaRPr sz="2400"/>
           </a:p>
           <a:p>
-            <a:pPr marL="494099" lvl="0" indent="-520700" algn="l" rtl="0">
+            <a:pPr indent="-520700" lvl="0" marL="494099" rtl="0" algn="l">
               <a:spcBef>
                 <a:spcPts val="1000"/>
               </a:spcBef>
@@ -10174,13 +10160,13 @@
               <a:buAutoNum type="arabicPeriod"/>
             </a:pPr>
             <a:r>
-              <a:rPr lang="en-US" sz="2400" dirty="0"/>
+              <a:rPr lang="en-US" sz="2400"/>
               <a:t>Normalize data &amp; Create Data Model (Class 6)</a:t>
             </a:r>
-            <a:endParaRPr sz="2400" dirty="0"/>
+            <a:endParaRPr sz="2400"/>
           </a:p>
           <a:p>
-            <a:pPr marL="494099" lvl="0" indent="-520700" algn="l" rtl="0">
+            <a:pPr indent="-520700" lvl="0" marL="494099" rtl="0" algn="l">
               <a:spcBef>
                 <a:spcPts val="1000"/>
               </a:spcBef>
@@ -10192,29 +10178,13 @@
               <a:buAutoNum type="arabicPeriod"/>
             </a:pPr>
             <a:r>
-              <a:rPr lang="en-US" sz="2400" dirty="0"/>
-              <a:t>Automate data workflow using ETL, Python or </a:t>
+              <a:rPr lang="en-US" sz="2400"/>
+              <a:t>Automate data workflow using ETL, Python or Dataiku, Connect schema to Google Data Studio (Class 7) </a:t>
             </a:r>
-            <a:r>
-              <a:rPr lang="en-US" sz="2400" dirty="0" err="1"/>
-              <a:t>Dataiku</a:t>
-            </a:r>
-            <a:r>
-              <a:rPr lang="en-US" sz="2400" dirty="0"/>
-              <a:t>, Connect Data to </a:t>
-            </a:r>
-            <a:r>
-              <a:rPr lang="en-US" sz="2400" dirty="0" err="1"/>
-              <a:t>PowerBI</a:t>
-            </a:r>
-            <a:r>
-              <a:rPr lang="en-US" sz="2400" dirty="0"/>
-              <a:t> Desktop/Cloud (Class 7) </a:t>
-            </a:r>
-            <a:endParaRPr sz="2400" dirty="0"/>
+            <a:endParaRPr sz="2400"/>
           </a:p>
           <a:p>
-            <a:pPr marL="494099" lvl="0" indent="-520700" algn="l" rtl="0">
+            <a:pPr indent="-520700" lvl="0" marL="494099" rtl="0" algn="l">
               <a:spcBef>
                 <a:spcPts val="1000"/>
               </a:spcBef>
@@ -10226,10 +10196,10 @@
               <a:buAutoNum type="arabicPeriod"/>
             </a:pPr>
             <a:r>
-              <a:rPr lang="en-US" sz="2400" dirty="0"/>
+              <a:rPr lang="en-US" sz="2400"/>
               <a:t>Ask questions/finish project for professional portfolio (Class 8)</a:t>
             </a:r>
-            <a:endParaRPr sz="2400" dirty="0"/>
+            <a:endParaRPr sz="2400"/>
           </a:p>
         </p:txBody>
       </p:sp>
@@ -10242,11 +10212,11 @@
 </file>
 
 <file path=ppt/slides/slide4.xml><?xml version="1.0" encoding="utf-8"?>
-<p:sld xmlns:a="http://schemas.openxmlformats.org/drawingml/2006/main" xmlns:r="http://schemas.openxmlformats.org/officeDocument/2006/relationships" xmlns:p="http://schemas.openxmlformats.org/presentationml/2006/main">
+<p:sld xmlns:a="http://schemas.openxmlformats.org/drawingml/2006/main" xmlns:r="http://schemas.openxmlformats.org/officeDocument/2006/relationships" xmlns:mc="http://schemas.openxmlformats.org/markup-compatibility/2006" xmlns:mv="urn:schemas-microsoft-com:mac:vml" xmlns:p="http://schemas.openxmlformats.org/presentationml/2006/main" xmlns:c="http://schemas.openxmlformats.org/drawingml/2006/chart" xmlns:dgm="http://schemas.openxmlformats.org/drawingml/2006/diagram" xmlns:o="urn:schemas-microsoft-com:office:office" xmlns:v="urn:schemas-microsoft-com:vml" xmlns:pvml="urn:schemas-microsoft-com:office:powerpoint" xmlns:com="http://schemas.openxmlformats.org/drawingml/2006/compatibility" xmlns:p14="http://schemas.microsoft.com/office/powerpoint/2010/main" xmlns:p15="http://schemas.microsoft.com/office/powerpoint/2012/main">
   <p:cSld>
     <p:spTree>
       <p:nvGrpSpPr>
-        <p:cNvPr id="1" name="Shape 113"/>
+        <p:cNvPr id="113" name="Shape 113"/>
         <p:cNvGrpSpPr/>
         <p:nvPr/>
       </p:nvGrpSpPr>
@@ -10261,11 +10231,9 @@
       <p:sp>
         <p:nvSpPr>
           <p:cNvPr id="114" name="Google Shape;114;p17"/>
-          <p:cNvSpPr txBox="1">
-            <a:spLocks noGrp="1"/>
-          </p:cNvSpPr>
+          <p:cNvSpPr txBox="1"/>
           <p:nvPr>
-            <p:ph type="title" idx="4294967295"/>
+            <p:ph idx="4294967295" type="title"/>
           </p:nvPr>
         </p:nvSpPr>
         <p:spPr>
@@ -10289,12 +10257,12 @@
           </a:effectLst>
         </p:spPr>
         <p:txBody>
-          <a:bodyPr spcFirstLastPara="1" wrap="square" lIns="91425" tIns="45700" rIns="91425" bIns="45700" anchor="ctr" anchorCtr="0">
+          <a:bodyPr anchorCtr="0" anchor="ctr" bIns="45700" lIns="91425" spcFirstLastPara="1" rIns="91425" wrap="square" tIns="45700">
             <a:noAutofit/>
           </a:bodyPr>
           <a:lstStyle/>
           <a:p>
-            <a:pPr marL="0" lvl="0" indent="0" algn="l" rtl="0">
+            <a:pPr indent="0" lvl="0" marL="0" rtl="0" algn="l">
               <a:spcBef>
                 <a:spcPts val="0"/>
               </a:spcBef>
@@ -10319,11 +10287,9 @@
       <p:sp>
         <p:nvSpPr>
           <p:cNvPr id="115" name="Google Shape;115;p17"/>
-          <p:cNvSpPr txBox="1">
-            <a:spLocks noGrp="1"/>
-          </p:cNvSpPr>
+          <p:cNvSpPr txBox="1"/>
           <p:nvPr>
-            <p:ph type="body" idx="4294967295"/>
+            <p:ph idx="4294967295" type="body"/>
           </p:nvPr>
         </p:nvSpPr>
         <p:spPr>
@@ -10347,12 +10313,12 @@
           </a:effectLst>
         </p:spPr>
         <p:txBody>
-          <a:bodyPr spcFirstLastPara="1" wrap="square" lIns="91425" tIns="45700" rIns="91425" bIns="45700" anchor="t" anchorCtr="0">
+          <a:bodyPr anchorCtr="0" anchor="t" bIns="45700" lIns="91425" spcFirstLastPara="1" rIns="91425" wrap="square" tIns="45700">
             <a:noAutofit/>
           </a:bodyPr>
           <a:lstStyle/>
           <a:p>
-            <a:pPr marL="342900" lvl="0" indent="-369500" algn="l" rtl="0">
+            <a:pPr indent="-369500" lvl="0" marL="342900" rtl="0" algn="l">
               <a:spcBef>
                 <a:spcPts val="0"/>
               </a:spcBef>
@@ -10369,7 +10335,7 @@
             <a:endParaRPr sz="2400"/>
           </a:p>
           <a:p>
-            <a:pPr marL="342900" lvl="0" indent="-217100" algn="l" rtl="0">
+            <a:pPr indent="-217100" lvl="0" marL="342900" rtl="0" algn="l">
               <a:spcBef>
                 <a:spcPts val="1000"/>
               </a:spcBef>
@@ -10379,10 +10345,13 @@
               <a:buSzPts val="1400"/>
               <a:buNone/>
             </a:pPr>
+            <a:r>
+              <a:t/>
+            </a:r>
             <a:endParaRPr sz="2400"/>
           </a:p>
           <a:p>
-            <a:pPr marL="342900" lvl="0" indent="-369500" algn="l" rtl="0">
+            <a:pPr indent="-369500" lvl="0" marL="342900" rtl="0" algn="l">
               <a:spcBef>
                 <a:spcPts val="1000"/>
               </a:spcBef>
@@ -10399,7 +10368,7 @@
             <a:endParaRPr sz="2400"/>
           </a:p>
           <a:p>
-            <a:pPr marL="719999" lvl="1" indent="-342389" algn="l" rtl="0">
+            <a:pPr indent="-342389" lvl="1" marL="719999" rtl="0" algn="l">
               <a:spcBef>
                 <a:spcPts val="960"/>
               </a:spcBef>
@@ -10416,7 +10385,7 @@
             <a:endParaRPr sz="2400"/>
           </a:p>
           <a:p>
-            <a:pPr marL="719999" lvl="1" indent="-342389" algn="l" rtl="0">
+            <a:pPr indent="-342389" lvl="1" marL="719999" rtl="0" algn="l">
               <a:spcBef>
                 <a:spcPts val="960"/>
               </a:spcBef>
@@ -10433,7 +10402,7 @@
             <a:endParaRPr sz="2400"/>
           </a:p>
           <a:p>
-            <a:pPr marL="719999" lvl="1" indent="-342389" algn="l" rtl="0">
+            <a:pPr indent="-342389" lvl="1" marL="719999" rtl="0" algn="l">
               <a:spcBef>
                 <a:spcPts val="960"/>
               </a:spcBef>
@@ -10450,7 +10419,7 @@
             <a:endParaRPr sz="2400"/>
           </a:p>
           <a:p>
-            <a:pPr marL="719999" lvl="1" indent="-342389" algn="l" rtl="0">
+            <a:pPr indent="-342389" lvl="1" marL="719999" rtl="0" algn="l">
               <a:spcBef>
                 <a:spcPts val="960"/>
               </a:spcBef>
@@ -10467,7 +10436,7 @@
             <a:endParaRPr sz="2400"/>
           </a:p>
           <a:p>
-            <a:pPr marL="719999" lvl="1" indent="-342389" algn="l" rtl="0">
+            <a:pPr indent="-342389" lvl="1" marL="719999" rtl="0" algn="l">
               <a:spcBef>
                 <a:spcPts val="960"/>
               </a:spcBef>
@@ -10484,7 +10453,7 @@
             <a:endParaRPr sz="2400"/>
           </a:p>
           <a:p>
-            <a:pPr marL="342900" lvl="0" indent="-217100" algn="l" rtl="0">
+            <a:pPr indent="-217100" lvl="0" marL="342900" rtl="0" algn="l">
               <a:spcBef>
                 <a:spcPts val="1000"/>
               </a:spcBef>
@@ -10494,10 +10463,13 @@
               <a:buSzPts val="1400"/>
               <a:buNone/>
             </a:pPr>
+            <a:r>
+              <a:t/>
+            </a:r>
             <a:endParaRPr sz="2400"/>
           </a:p>
           <a:p>
-            <a:pPr marL="342900" lvl="0" indent="-217100" algn="l" rtl="0">
+            <a:pPr indent="-217100" lvl="0" marL="342900" rtl="0" algn="l">
               <a:spcBef>
                 <a:spcPts val="1000"/>
               </a:spcBef>
@@ -10507,6 +10479,9 @@
               <a:buSzPts val="1400"/>
               <a:buNone/>
             </a:pPr>
+            <a:r>
+              <a:t/>
+            </a:r>
             <a:endParaRPr/>
           </a:p>
         </p:txBody>
@@ -10520,11 +10495,11 @@
 </file>
 
 <file path=ppt/slides/slide5.xml><?xml version="1.0" encoding="utf-8"?>
-<p:sld xmlns:a="http://schemas.openxmlformats.org/drawingml/2006/main" xmlns:r="http://schemas.openxmlformats.org/officeDocument/2006/relationships" xmlns:p="http://schemas.openxmlformats.org/presentationml/2006/main">
+<p:sld xmlns:a="http://schemas.openxmlformats.org/drawingml/2006/main" xmlns:r="http://schemas.openxmlformats.org/officeDocument/2006/relationships" xmlns:mc="http://schemas.openxmlformats.org/markup-compatibility/2006" xmlns:mv="urn:schemas-microsoft-com:mac:vml" xmlns:p="http://schemas.openxmlformats.org/presentationml/2006/main" xmlns:c="http://schemas.openxmlformats.org/drawingml/2006/chart" xmlns:dgm="http://schemas.openxmlformats.org/drawingml/2006/diagram" xmlns:o="urn:schemas-microsoft-com:office:office" xmlns:v="urn:schemas-microsoft-com:vml" xmlns:pvml="urn:schemas-microsoft-com:office:powerpoint" xmlns:com="http://schemas.openxmlformats.org/drawingml/2006/compatibility" xmlns:p14="http://schemas.microsoft.com/office/powerpoint/2010/main" xmlns:p15="http://schemas.microsoft.com/office/powerpoint/2012/main">
   <p:cSld>
     <p:spTree>
       <p:nvGrpSpPr>
-        <p:cNvPr id="1" name="Shape 119"/>
+        <p:cNvPr id="119" name="Shape 119"/>
         <p:cNvGrpSpPr/>
         <p:nvPr/>
       </p:nvGrpSpPr>
@@ -10539,11 +10514,9 @@
       <p:sp>
         <p:nvSpPr>
           <p:cNvPr id="120" name="Google Shape;120;p18"/>
-          <p:cNvSpPr txBox="1">
-            <a:spLocks noGrp="1"/>
-          </p:cNvSpPr>
+          <p:cNvSpPr txBox="1"/>
           <p:nvPr>
-            <p:ph type="title" idx="4294967295"/>
+            <p:ph idx="4294967295" type="title"/>
           </p:nvPr>
         </p:nvSpPr>
         <p:spPr>
@@ -10567,12 +10540,12 @@
           </a:effectLst>
         </p:spPr>
         <p:txBody>
-          <a:bodyPr spcFirstLastPara="1" wrap="square" lIns="91425" tIns="45700" rIns="91425" bIns="45700" anchor="ctr" anchorCtr="0">
+          <a:bodyPr anchorCtr="0" anchor="ctr" bIns="45700" lIns="91425" spcFirstLastPara="1" rIns="91425" wrap="square" tIns="45700">
             <a:noAutofit/>
           </a:bodyPr>
           <a:lstStyle/>
           <a:p>
-            <a:pPr marL="0" lvl="0" indent="0" algn="l" rtl="0">
+            <a:pPr indent="0" lvl="0" marL="0" rtl="0" algn="l">
               <a:spcBef>
                 <a:spcPts val="0"/>
               </a:spcBef>
@@ -10614,12 +10587,12 @@
           </a:ln>
         </p:spPr>
         <p:txBody>
-          <a:bodyPr spcFirstLastPara="1" wrap="square" lIns="91425" tIns="91425" rIns="91425" bIns="91425" anchor="t" anchorCtr="0">
+          <a:bodyPr anchorCtr="0" anchor="t" bIns="91425" lIns="91425" spcFirstLastPara="1" rIns="91425" wrap="square" tIns="91425">
             <a:noAutofit/>
           </a:bodyPr>
           <a:lstStyle/>
           <a:p>
-            <a:pPr marL="342900" lvl="0" indent="-344100" algn="l" rtl="0">
+            <a:pPr indent="-344100" lvl="0" marL="342900" rtl="0" algn="l">
               <a:lnSpc>
                 <a:spcPct val="115000"/>
               </a:lnSpc>
@@ -10637,7 +10610,7 @@
               <a:buChar char="●"/>
             </a:pPr>
             <a:r>
-              <a:rPr lang="en-US" sz="2000" b="1">
+              <a:rPr b="1" lang="en-US" sz="2000">
                 <a:solidFill>
                   <a:schemeClr val="accent1"/>
                 </a:solidFill>
@@ -10648,7 +10621,7 @@
               </a:rPr>
               <a:t>Sales</a:t>
             </a:r>
-            <a:endParaRPr sz="2000" b="1">
+            <a:endParaRPr b="1" sz="2000">
               <a:solidFill>
                 <a:schemeClr val="accent1"/>
               </a:solidFill>
@@ -10659,7 +10632,7 @@
             </a:endParaRPr>
           </a:p>
           <a:p>
-            <a:pPr marL="719999" lvl="1" indent="-269999" algn="l" rtl="0">
+            <a:pPr indent="-269999" lvl="1" marL="719999" rtl="0" algn="l">
               <a:lnSpc>
                 <a:spcPct val="115000"/>
               </a:lnSpc>
@@ -10699,7 +10672,7 @@
             </a:endParaRPr>
           </a:p>
           <a:p>
-            <a:pPr marL="719999" lvl="1" indent="-269999" algn="l" rtl="0">
+            <a:pPr indent="-269999" lvl="1" marL="719999" rtl="0" algn="l">
               <a:lnSpc>
                 <a:spcPct val="115000"/>
               </a:lnSpc>
@@ -10739,7 +10712,7 @@
             </a:endParaRPr>
           </a:p>
           <a:p>
-            <a:pPr marL="719999" lvl="1" indent="-269999" algn="l" rtl="0">
+            <a:pPr indent="-269999" lvl="1" marL="719999" rtl="0" algn="l">
               <a:lnSpc>
                 <a:spcPct val="115000"/>
               </a:lnSpc>
@@ -10779,7 +10752,7 @@
             </a:endParaRPr>
           </a:p>
           <a:p>
-            <a:pPr marL="342900" lvl="0" indent="-344100" algn="l" rtl="0">
+            <a:pPr indent="-344100" lvl="0" marL="342900" rtl="0" algn="l">
               <a:lnSpc>
                 <a:spcPct val="115000"/>
               </a:lnSpc>
@@ -10797,7 +10770,7 @@
               <a:buChar char="●"/>
             </a:pPr>
             <a:r>
-              <a:rPr lang="en-US" sz="2000" b="1">
+              <a:rPr b="1" lang="en-US" sz="2000">
                 <a:solidFill>
                   <a:schemeClr val="accent1"/>
                 </a:solidFill>
@@ -10808,7 +10781,7 @@
               </a:rPr>
               <a:t>Operations</a:t>
             </a:r>
-            <a:endParaRPr sz="2000" b="1">
+            <a:endParaRPr b="1" sz="2000">
               <a:solidFill>
                 <a:schemeClr val="accent1"/>
               </a:solidFill>
@@ -10819,7 +10792,7 @@
             </a:endParaRPr>
           </a:p>
           <a:p>
-            <a:pPr marL="719999" lvl="1" indent="-269999" algn="l" rtl="0">
+            <a:pPr indent="-269999" lvl="1" marL="719999" rtl="0" algn="l">
               <a:lnSpc>
                 <a:spcPct val="115000"/>
               </a:lnSpc>
@@ -10859,7 +10832,7 @@
             </a:endParaRPr>
           </a:p>
           <a:p>
-            <a:pPr marL="719999" lvl="1" indent="-269999" algn="l" rtl="0">
+            <a:pPr indent="-269999" lvl="1" marL="719999" rtl="0" algn="l">
               <a:lnSpc>
                 <a:spcPct val="115000"/>
               </a:lnSpc>
@@ -10899,7 +10872,7 @@
             </a:endParaRPr>
           </a:p>
           <a:p>
-            <a:pPr marL="342900" lvl="0" indent="-344100" algn="l" rtl="0">
+            <a:pPr indent="-344100" lvl="0" marL="342900" rtl="0" algn="l">
               <a:lnSpc>
                 <a:spcPct val="115000"/>
               </a:lnSpc>
@@ -10917,7 +10890,7 @@
               <a:buChar char="●"/>
             </a:pPr>
             <a:r>
-              <a:rPr lang="en-US" sz="2000" b="1">
+              <a:rPr b="1" lang="en-US" sz="2000">
                 <a:solidFill>
                   <a:schemeClr val="accent1"/>
                 </a:solidFill>
@@ -10928,7 +10901,7 @@
               </a:rPr>
               <a:t>Financial Risk</a:t>
             </a:r>
-            <a:endParaRPr sz="2000" b="1">
+            <a:endParaRPr b="1" sz="2000">
               <a:solidFill>
                 <a:schemeClr val="accent1"/>
               </a:solidFill>
@@ -10939,7 +10912,7 @@
             </a:endParaRPr>
           </a:p>
           <a:p>
-            <a:pPr marL="719999" lvl="1" indent="-269999" algn="l" rtl="0">
+            <a:pPr indent="-269999" lvl="1" marL="719999" rtl="0" algn="l">
               <a:lnSpc>
                 <a:spcPct val="115000"/>
               </a:lnSpc>
@@ -10979,7 +10952,7 @@
             </a:endParaRPr>
           </a:p>
           <a:p>
-            <a:pPr marL="719999" lvl="1" indent="-269999" algn="l" rtl="0">
+            <a:pPr indent="-269999" lvl="1" marL="719999" rtl="0" algn="l">
               <a:lnSpc>
                 <a:spcPct val="115000"/>
               </a:lnSpc>
@@ -11021,11 +10994,11 @@
 </file>
 
 <file path=ppt/slides/slide6.xml><?xml version="1.0" encoding="utf-8"?>
-<p:sld xmlns:a="http://schemas.openxmlformats.org/drawingml/2006/main" xmlns:r="http://schemas.openxmlformats.org/officeDocument/2006/relationships" xmlns:p="http://schemas.openxmlformats.org/presentationml/2006/main">
+<p:sld xmlns:a="http://schemas.openxmlformats.org/drawingml/2006/main" xmlns:r="http://schemas.openxmlformats.org/officeDocument/2006/relationships" xmlns:mc="http://schemas.openxmlformats.org/markup-compatibility/2006" xmlns:mv="urn:schemas-microsoft-com:mac:vml" xmlns:p="http://schemas.openxmlformats.org/presentationml/2006/main" xmlns:c="http://schemas.openxmlformats.org/drawingml/2006/chart" xmlns:dgm="http://schemas.openxmlformats.org/drawingml/2006/diagram" xmlns:o="urn:schemas-microsoft-com:office:office" xmlns:v="urn:schemas-microsoft-com:vml" xmlns:pvml="urn:schemas-microsoft-com:office:powerpoint" xmlns:com="http://schemas.openxmlformats.org/drawingml/2006/compatibility" xmlns:p14="http://schemas.microsoft.com/office/powerpoint/2010/main" xmlns:p15="http://schemas.microsoft.com/office/powerpoint/2012/main">
   <p:cSld>
     <p:spTree>
       <p:nvGrpSpPr>
-        <p:cNvPr id="1" name="Shape 125"/>
+        <p:cNvPr id="125" name="Shape 125"/>
         <p:cNvGrpSpPr/>
         <p:nvPr/>
       </p:nvGrpSpPr>
@@ -11040,11 +11013,9 @@
       <p:sp>
         <p:nvSpPr>
           <p:cNvPr id="126" name="Google Shape;126;p19"/>
-          <p:cNvSpPr txBox="1">
-            <a:spLocks noGrp="1"/>
-          </p:cNvSpPr>
+          <p:cNvSpPr txBox="1"/>
           <p:nvPr>
-            <p:ph type="title" idx="4294967295"/>
+            <p:ph idx="4294967295" type="title"/>
           </p:nvPr>
         </p:nvSpPr>
         <p:spPr>
@@ -11068,12 +11039,12 @@
           </a:effectLst>
         </p:spPr>
         <p:txBody>
-          <a:bodyPr spcFirstLastPara="1" wrap="square" lIns="91425" tIns="45700" rIns="91425" bIns="45700" anchor="ctr" anchorCtr="0">
+          <a:bodyPr anchorCtr="0" anchor="ctr" bIns="45700" lIns="91425" spcFirstLastPara="1" rIns="91425" wrap="square" tIns="45700">
             <a:noAutofit/>
           </a:bodyPr>
           <a:lstStyle/>
           <a:p>
-            <a:pPr marL="0" lvl="0" indent="0" algn="l" rtl="0">
+            <a:pPr indent="0" lvl="0" marL="0" rtl="0" algn="l">
               <a:spcBef>
                 <a:spcPts val="0"/>
               </a:spcBef>
@@ -11099,40 +11070,22 @@
         <p:nvGraphicFramePr>
           <p:cNvPr id="127" name="Google Shape;127;p19"/>
           <p:cNvGraphicFramePr/>
-          <p:nvPr>
-            <p:extLst>
-              <p:ext uri="{D42A27DB-BD31-4B8C-83A1-F6EECF244321}">
-                <p14:modId xmlns:p14="http://schemas.microsoft.com/office/powerpoint/2010/main" val="1231606300"/>
-              </p:ext>
-            </p:extLst>
-          </p:nvPr>
+          <p:nvPr/>
         </p:nvGraphicFramePr>
         <p:xfrm>
           <a:off x="1127550" y="1981250"/>
-          <a:ext cx="10353150" cy="4330750"/>
+          <a:ext cx="3000000" cy="3000000"/>
         </p:xfrm>
         <a:graphic>
           <a:graphicData uri="http://schemas.openxmlformats.org/drawingml/2006/table">
             <a:tbl>
-              <a:tblPr firstRow="1" bandRow="1">
+              <a:tblPr bandRow="1" firstRow="1">
                 <a:noFill/>
-                <a:tableStyleId>{E47D132A-86E5-4557-A752-C2491863D9D1}</a:tableStyleId>
+                <a:tableStyleId>{04605F1C-1C62-4E54-987C-30B7F2B0ED2C}</a:tableStyleId>
               </a:tblPr>
               <a:tblGrid>
-                <a:gridCol w="3375750">
-                  <a:extLst>
-                    <a:ext uri="{9D8B030D-6E8A-4147-A177-3AD203B41FA5}">
-                      <a16:colId xmlns:a16="http://schemas.microsoft.com/office/drawing/2014/main" val="20000"/>
-                    </a:ext>
-                  </a:extLst>
-                </a:gridCol>
-                <a:gridCol w="6977400">
-                  <a:extLst>
-                    <a:ext uri="{9D8B030D-6E8A-4147-A177-3AD203B41FA5}">
-                      <a16:colId xmlns:a16="http://schemas.microsoft.com/office/drawing/2014/main" val="20001"/>
-                    </a:ext>
-                  </a:extLst>
-                </a:gridCol>
+                <a:gridCol w="3375750"/>
+                <a:gridCol w="6977400"/>
               </a:tblGrid>
               <a:tr h="380425">
                 <a:tc>
@@ -11140,7 +11093,7 @@
                     <a:bodyPr/>
                     <a:lstStyle/>
                     <a:p>
-                      <a:pPr marL="0" marR="0" lvl="0" indent="0" algn="l" rtl="0">
+                      <a:pPr indent="0" lvl="0" marL="0" marR="0" rtl="0" algn="l">
                         <a:spcBef>
                           <a:spcPts val="0"/>
                         </a:spcBef>
@@ -11149,17 +11102,20 @@
                         </a:spcAft>
                         <a:buNone/>
                       </a:pPr>
+                      <a:r>
+                        <a:t/>
+                      </a:r>
                       <a:endParaRPr sz="1800"/>
                     </a:p>
                   </a:txBody>
-                  <a:tcPr marL="91450" marR="91450" marT="45725" marB="45725"/>
+                  <a:tcPr marT="45725" marB="45725" marR="91450" marL="91450"/>
                 </a:tc>
                 <a:tc>
                   <a:txBody>
                     <a:bodyPr/>
                     <a:lstStyle/>
                     <a:p>
-                      <a:pPr marL="0" marR="0" lvl="0" indent="0" algn="l" rtl="0">
+                      <a:pPr indent="0" lvl="0" marL="0" marR="0" rtl="0" algn="l">
                         <a:spcBef>
                           <a:spcPts val="0"/>
                         </a:spcBef>
@@ -11175,13 +11131,8 @@
                       <a:endParaRPr/>
                     </a:p>
                   </a:txBody>
-                  <a:tcPr marL="91450" marR="91450" marT="45725" marB="45725"/>
+                  <a:tcPr marT="45725" marB="45725" marR="91450" marL="91450"/>
                 </a:tc>
-                <a:extLst>
-                  <a:ext uri="{0D108BD9-81ED-4DB2-BD59-A6C34878D82A}">
-                    <a16:rowId xmlns:a16="http://schemas.microsoft.com/office/drawing/2014/main" val="10000"/>
-                  </a:ext>
-                </a:extLst>
               </a:tr>
               <a:tr h="951400">
                 <a:tc>
@@ -11189,7 +11140,7 @@
                     <a:bodyPr/>
                     <a:lstStyle/>
                     <a:p>
-                      <a:pPr marL="0" marR="0" lvl="0" indent="0" algn="l" rtl="0">
+                      <a:pPr indent="0" lvl="0" marL="0" marR="0" rtl="0" algn="l">
                         <a:spcBef>
                           <a:spcPts val="0"/>
                         </a:spcBef>
@@ -11213,14 +11164,14 @@
                       </a:endParaRPr>
                     </a:p>
                   </a:txBody>
-                  <a:tcPr marL="91450" marR="91450" marT="45725" marB="45725"/>
+                  <a:tcPr marT="45725" marB="45725" marR="91450" marL="91450"/>
                 </a:tc>
                 <a:tc>
                   <a:txBody>
                     <a:bodyPr/>
                     <a:lstStyle/>
                     <a:p>
-                      <a:pPr marL="0" marR="0" lvl="0" indent="0" algn="l" rtl="0">
+                      <a:pPr indent="0" lvl="0" marL="0" marR="0" rtl="0" algn="l">
                         <a:spcBef>
                           <a:spcPts val="0"/>
                         </a:spcBef>
@@ -11244,7 +11195,7 @@
                       </a:endParaRPr>
                     </a:p>
                     <a:p>
-                      <a:pPr marL="0" marR="0" lvl="0" indent="0" algn="l" rtl="0">
+                      <a:pPr indent="0" lvl="0" marL="0" marR="0" rtl="0" algn="l">
                         <a:spcBef>
                           <a:spcPts val="0"/>
                         </a:spcBef>
@@ -11268,7 +11219,7 @@
                       </a:endParaRPr>
                     </a:p>
                     <a:p>
-                      <a:pPr marL="0" marR="0" lvl="0" indent="0" algn="l" rtl="0">
+                      <a:pPr indent="0" lvl="0" marL="0" marR="0" rtl="0" algn="l">
                         <a:spcBef>
                           <a:spcPts val="0"/>
                         </a:spcBef>
@@ -11292,13 +11243,8 @@
                       </a:endParaRPr>
                     </a:p>
                   </a:txBody>
-                  <a:tcPr marL="91450" marR="91450" marT="45725" marB="45725"/>
+                  <a:tcPr marT="45725" marB="45725" marR="91450" marL="91450"/>
                 </a:tc>
-                <a:extLst>
-                  <a:ext uri="{0D108BD9-81ED-4DB2-BD59-A6C34878D82A}">
-                    <a16:rowId xmlns:a16="http://schemas.microsoft.com/office/drawing/2014/main" val="10001"/>
-                  </a:ext>
-                </a:extLst>
               </a:tr>
               <a:tr h="683575">
                 <a:tc>
@@ -11306,7 +11252,7 @@
                     <a:bodyPr/>
                     <a:lstStyle/>
                     <a:p>
-                      <a:pPr marL="0" marR="0" lvl="0" indent="0" algn="l" rtl="0">
+                      <a:pPr indent="0" lvl="0" marL="0" marR="0" rtl="0" algn="l">
                         <a:spcBef>
                           <a:spcPts val="0"/>
                         </a:spcBef>
@@ -11330,14 +11276,14 @@
                       </a:endParaRPr>
                     </a:p>
                   </a:txBody>
-                  <a:tcPr marL="91450" marR="91450" marT="45725" marB="45725"/>
+                  <a:tcPr marT="45725" marB="45725" marR="91450" marL="91450"/>
                 </a:tc>
                 <a:tc>
                   <a:txBody>
                     <a:bodyPr/>
                     <a:lstStyle/>
                     <a:p>
-                      <a:pPr marL="0" marR="0" lvl="0" indent="0" algn="l" rtl="0">
+                      <a:pPr indent="0" lvl="0" marL="0" marR="0" rtl="0" algn="l">
                         <a:spcBef>
                           <a:spcPts val="0"/>
                         </a:spcBef>
@@ -11361,7 +11307,7 @@
                       </a:endParaRPr>
                     </a:p>
                     <a:p>
-                      <a:pPr marL="0" marR="0" lvl="0" indent="0" algn="l" rtl="0">
+                      <a:pPr indent="0" lvl="0" marL="0" marR="0" rtl="0" algn="l">
                         <a:spcBef>
                           <a:spcPts val="0"/>
                         </a:spcBef>
@@ -11385,13 +11331,8 @@
                       </a:endParaRPr>
                     </a:p>
                   </a:txBody>
-                  <a:tcPr marL="91450" marR="91450" marT="45725" marB="45725"/>
+                  <a:tcPr marT="45725" marB="45725" marR="91450" marL="91450"/>
                 </a:tc>
-                <a:extLst>
-                  <a:ext uri="{0D108BD9-81ED-4DB2-BD59-A6C34878D82A}">
-                    <a16:rowId xmlns:a16="http://schemas.microsoft.com/office/drawing/2014/main" val="10002"/>
-                  </a:ext>
-                </a:extLst>
               </a:tr>
               <a:tr h="380425">
                 <a:tc>
@@ -11399,7 +11340,7 @@
                     <a:bodyPr/>
                     <a:lstStyle/>
                     <a:p>
-                      <a:pPr marL="0" marR="0" lvl="0" indent="0" algn="l" rtl="0">
+                      <a:pPr indent="0" lvl="0" marL="0" marR="0" rtl="0" algn="l">
                         <a:spcBef>
                           <a:spcPts val="0"/>
                         </a:spcBef>
@@ -11423,14 +11364,14 @@
                       </a:endParaRPr>
                     </a:p>
                   </a:txBody>
-                  <a:tcPr marL="91450" marR="91450" marT="45725" marB="45725"/>
+                  <a:tcPr marT="45725" marB="45725" marR="91450" marL="91450"/>
                 </a:tc>
                 <a:tc>
                   <a:txBody>
                     <a:bodyPr/>
                     <a:lstStyle/>
                     <a:p>
-                      <a:pPr marL="0" marR="0" lvl="0" indent="0" algn="l" rtl="0">
+                      <a:pPr indent="0" lvl="0" marL="0" marR="0" rtl="0" algn="l">
                         <a:spcBef>
                           <a:spcPts val="0"/>
                         </a:spcBef>
@@ -11454,7 +11395,7 @@
                       </a:endParaRPr>
                     </a:p>
                     <a:p>
-                      <a:pPr marL="0" marR="0" lvl="0" indent="0" algn="l" rtl="0">
+                      <a:pPr indent="0" lvl="0" marL="0" marR="0" rtl="0" algn="l">
                         <a:spcBef>
                           <a:spcPts val="0"/>
                         </a:spcBef>
@@ -11478,7 +11419,7 @@
                       </a:endParaRPr>
                     </a:p>
                     <a:p>
-                      <a:pPr marL="0" marR="0" lvl="0" indent="0" algn="l" rtl="0">
+                      <a:pPr indent="0" lvl="0" marL="0" marR="0" rtl="0" algn="l">
                         <a:spcBef>
                           <a:spcPts val="0"/>
                         </a:spcBef>
@@ -11502,13 +11443,8 @@
                       </a:endParaRPr>
                     </a:p>
                   </a:txBody>
-                  <a:tcPr marL="91450" marR="91450" marT="45725" marB="45725"/>
+                  <a:tcPr marT="45725" marB="45725" marR="91450" marL="91450"/>
                 </a:tc>
-                <a:extLst>
-                  <a:ext uri="{0D108BD9-81ED-4DB2-BD59-A6C34878D82A}">
-                    <a16:rowId xmlns:a16="http://schemas.microsoft.com/office/drawing/2014/main" val="10003"/>
-                  </a:ext>
-                </a:extLst>
               </a:tr>
               <a:tr h="380425">
                 <a:tc>
@@ -11516,7 +11452,7 @@
                     <a:bodyPr/>
                     <a:lstStyle/>
                     <a:p>
-                      <a:pPr marL="0" marR="0" lvl="0" indent="0" algn="l" rtl="0">
+                      <a:pPr indent="0" lvl="0" marL="0" marR="0" rtl="0" algn="l">
                         <a:spcBef>
                           <a:spcPts val="0"/>
                         </a:spcBef>
@@ -11540,14 +11476,14 @@
                       </a:endParaRPr>
                     </a:p>
                   </a:txBody>
-                  <a:tcPr marL="91450" marR="91450" marT="45725" marB="45725"/>
+                  <a:tcPr marT="45725" marB="45725" marR="91450" marL="91450"/>
                 </a:tc>
                 <a:tc>
                   <a:txBody>
                     <a:bodyPr/>
                     <a:lstStyle/>
                     <a:p>
-                      <a:pPr marL="0" marR="0" lvl="0" indent="0" algn="l" rtl="0">
+                      <a:pPr indent="0" lvl="0" marL="0" marR="0" rtl="0" algn="l">
                         <a:spcBef>
                           <a:spcPts val="0"/>
                         </a:spcBef>
@@ -11571,7 +11507,7 @@
                       </a:endParaRPr>
                     </a:p>
                     <a:p>
-                      <a:pPr marL="0" marR="0" lvl="0" indent="0" algn="l" rtl="0">
+                      <a:pPr indent="0" lvl="0" marL="0" marR="0" rtl="0" algn="l">
                         <a:spcBef>
                           <a:spcPts val="0"/>
                         </a:spcBef>
@@ -11595,13 +11531,8 @@
                       </a:endParaRPr>
                     </a:p>
                   </a:txBody>
-                  <a:tcPr marL="91450" marR="91450" marT="45725" marB="45725"/>
+                  <a:tcPr marT="45725" marB="45725" marR="91450" marL="91450"/>
                 </a:tc>
-                <a:extLst>
-                  <a:ext uri="{0D108BD9-81ED-4DB2-BD59-A6C34878D82A}">
-                    <a16:rowId xmlns:a16="http://schemas.microsoft.com/office/drawing/2014/main" val="10004"/>
-                  </a:ext>
-                </a:extLst>
               </a:tr>
               <a:tr h="380425">
                 <a:tc>
@@ -11609,7 +11540,7 @@
                     <a:bodyPr/>
                     <a:lstStyle/>
                     <a:p>
-                      <a:pPr marL="0" marR="0" lvl="0" indent="0" algn="l" rtl="0">
+                      <a:pPr indent="0" lvl="0" marL="0" marR="0" rtl="0" algn="l">
                         <a:spcBef>
                           <a:spcPts val="0"/>
                         </a:spcBef>
@@ -11633,14 +11564,14 @@
                       </a:endParaRPr>
                     </a:p>
                   </a:txBody>
-                  <a:tcPr marL="91450" marR="91450" marT="45725" marB="45725"/>
+                  <a:tcPr marT="45725" marB="45725" marR="91450" marL="91450"/>
                 </a:tc>
                 <a:tc>
                   <a:txBody>
                     <a:bodyPr/>
                     <a:lstStyle/>
                     <a:p>
-                      <a:pPr marL="0" marR="0" lvl="0" indent="0" algn="l" rtl="0">
+                      <a:pPr indent="0" lvl="0" marL="0" marR="0" rtl="0" algn="l">
                         <a:spcBef>
                           <a:spcPts val="0"/>
                         </a:spcBef>
@@ -11650,27 +11581,22 @@
                         <a:buNone/>
                       </a:pPr>
                       <a:r>
-                        <a:rPr lang="en-US" sz="1800" dirty="0">
+                        <a:rPr lang="en-US" sz="1800">
                           <a:solidFill>
                             <a:srgbClr val="000000"/>
                           </a:solidFill>
                         </a:rPr>
-                        <a:t>SQL code optimized for automation, storage and performance.</a:t>
+                        <a:t>SQL code optimized for storage or performance.</a:t>
                       </a:r>
-                      <a:endParaRPr dirty="0">
+                      <a:endParaRPr>
                         <a:solidFill>
                           <a:srgbClr val="000000"/>
                         </a:solidFill>
                       </a:endParaRPr>
                     </a:p>
                   </a:txBody>
-                  <a:tcPr marL="91450" marR="91450" marT="45725" marB="45725"/>
+                  <a:tcPr marT="45725" marB="45725" marR="91450" marL="91450"/>
                 </a:tc>
-                <a:extLst>
-                  <a:ext uri="{0D108BD9-81ED-4DB2-BD59-A6C34878D82A}">
-                    <a16:rowId xmlns:a16="http://schemas.microsoft.com/office/drawing/2014/main" val="10005"/>
-                  </a:ext>
-                </a:extLst>
               </a:tr>
               <a:tr h="380425">
                 <a:tc>
@@ -11678,7 +11604,7 @@
                     <a:bodyPr/>
                     <a:lstStyle/>
                     <a:p>
-                      <a:pPr marL="0" marR="0" lvl="0" indent="0" algn="l" rtl="0">
+                      <a:pPr indent="0" lvl="0" marL="0" marR="0" rtl="0" algn="l">
                         <a:spcBef>
                           <a:spcPts val="0"/>
                         </a:spcBef>
@@ -11702,14 +11628,14 @@
                       </a:endParaRPr>
                     </a:p>
                   </a:txBody>
-                  <a:tcPr marL="91450" marR="91450" marT="45725" marB="45725"/>
+                  <a:tcPr marT="45725" marB="45725" marR="91450" marL="91450"/>
                 </a:tc>
                 <a:tc>
                   <a:txBody>
                     <a:bodyPr/>
                     <a:lstStyle/>
                     <a:p>
-                      <a:pPr marL="0" marR="0" lvl="0" indent="0" algn="l" rtl="0">
+                      <a:pPr indent="0" lvl="0" marL="0" marR="0" rtl="0" algn="l">
                         <a:spcBef>
                           <a:spcPts val="0"/>
                         </a:spcBef>
@@ -11719,27 +11645,22 @@
                         <a:buNone/>
                       </a:pPr>
                       <a:r>
-                        <a:rPr lang="en-US" sz="1800" dirty="0">
+                        <a:rPr lang="en-US" sz="1800">
                           <a:solidFill>
                             <a:srgbClr val="000000"/>
                           </a:solidFill>
                         </a:rPr>
                         <a:t>Tables have appropriate constraints.</a:t>
                       </a:r>
-                      <a:endParaRPr dirty="0">
+                      <a:endParaRPr>
                         <a:solidFill>
                           <a:srgbClr val="000000"/>
                         </a:solidFill>
                       </a:endParaRPr>
                     </a:p>
                   </a:txBody>
-                  <a:tcPr marL="91450" marR="91450" marT="45725" marB="45725"/>
+                  <a:tcPr marT="45725" marB="45725" marR="91450" marL="91450"/>
                 </a:tc>
-                <a:extLst>
-                  <a:ext uri="{0D108BD9-81ED-4DB2-BD59-A6C34878D82A}">
-                    <a16:rowId xmlns:a16="http://schemas.microsoft.com/office/drawing/2014/main" val="10006"/>
-                  </a:ext>
-                </a:extLst>
               </a:tr>
             </a:tbl>
           </a:graphicData>
@@ -11753,8 +11674,1087 @@
 </p:sld>
 </file>
 
+<file path=ppt/slides/slide7.xml><?xml version="1.0" encoding="utf-8"?>
+<p:sld xmlns:a="http://schemas.openxmlformats.org/drawingml/2006/main" xmlns:r="http://schemas.openxmlformats.org/officeDocument/2006/relationships" xmlns:mc="http://schemas.openxmlformats.org/markup-compatibility/2006" xmlns:mv="urn:schemas-microsoft-com:mac:vml" xmlns:p="http://schemas.openxmlformats.org/presentationml/2006/main" xmlns:c="http://schemas.openxmlformats.org/drawingml/2006/chart" xmlns:dgm="http://schemas.openxmlformats.org/drawingml/2006/diagram" xmlns:o="urn:schemas-microsoft-com:office:office" xmlns:v="urn:schemas-microsoft-com:vml" xmlns:pvml="urn:schemas-microsoft-com:office:powerpoint" xmlns:com="http://schemas.openxmlformats.org/drawingml/2006/compatibility" xmlns:p14="http://schemas.microsoft.com/office/powerpoint/2010/main" xmlns:p15="http://schemas.microsoft.com/office/powerpoint/2012/main">
+  <p:cSld>
+    <p:spTree>
+      <p:nvGrpSpPr>
+        <p:cNvPr id="131" name="Shape 131"/>
+        <p:cNvGrpSpPr/>
+        <p:nvPr/>
+      </p:nvGrpSpPr>
+      <p:grpSpPr>
+        <a:xfrm>
+          <a:off x="0" y="0"/>
+          <a:ext cx="0" cy="0"/>
+          <a:chOff x="0" y="0"/>
+          <a:chExt cx="0" cy="0"/>
+        </a:xfrm>
+      </p:grpSpPr>
+      <p:sp>
+        <p:nvSpPr>
+          <p:cNvPr id="132" name="Google Shape;132;p20"/>
+          <p:cNvSpPr txBox="1"/>
+          <p:nvPr>
+            <p:ph type="ctrTitle"/>
+          </p:nvPr>
+        </p:nvSpPr>
+        <p:spPr>
+          <a:xfrm>
+            <a:off x="913795" y="609600"/>
+            <a:ext cx="10353900" cy="970500"/>
+          </a:xfrm>
+          <a:prstGeom prst="rect">
+            <a:avLst/>
+          </a:prstGeom>
+          <a:noFill/>
+          <a:ln>
+            <a:noFill/>
+          </a:ln>
+          <a:effectLst>
+            <a:outerShdw blurRad="25400">
+              <a:srgbClr val="000000">
+                <a:alpha val="45880"/>
+              </a:srgbClr>
+            </a:outerShdw>
+          </a:effectLst>
+        </p:spPr>
+        <p:txBody>
+          <a:bodyPr anchorCtr="0" anchor="ctr" bIns="45700" lIns="91425" spcFirstLastPara="1" rIns="91425" wrap="square" tIns="45700">
+            <a:noAutofit/>
+          </a:bodyPr>
+          <a:lstStyle/>
+          <a:p>
+            <a:pPr indent="0" lvl="0" marL="0" rtl="0" algn="l">
+              <a:spcBef>
+                <a:spcPts val="0"/>
+              </a:spcBef>
+              <a:spcAft>
+                <a:spcPts val="0"/>
+              </a:spcAft>
+              <a:buClr>
+                <a:schemeClr val="lt2"/>
+              </a:buClr>
+              <a:buSzPts val="4000"/>
+              <a:buFont typeface="Lustria"/>
+              <a:buNone/>
+            </a:pPr>
+            <a:r>
+              <a:rPr lang="en-US" sz="3600"/>
+              <a:t>Class Project - Problem Understanding &amp; Goal</a:t>
+            </a:r>
+            <a:endParaRPr sz="3600"/>
+          </a:p>
+        </p:txBody>
+      </p:sp>
+      <p:sp>
+        <p:nvSpPr>
+          <p:cNvPr id="133" name="Google Shape;133;p20"/>
+          <p:cNvSpPr txBox="1"/>
+          <p:nvPr/>
+        </p:nvSpPr>
+        <p:spPr>
+          <a:xfrm>
+            <a:off x="6224750" y="4556600"/>
+            <a:ext cx="5611200" cy="700800"/>
+          </a:xfrm>
+          <a:prstGeom prst="rect">
+            <a:avLst/>
+          </a:prstGeom>
+          <a:noFill/>
+          <a:ln>
+            <a:noFill/>
+          </a:ln>
+        </p:spPr>
+        <p:txBody>
+          <a:bodyPr anchorCtr="0" anchor="t" bIns="91425" lIns="91425" spcFirstLastPara="1" rIns="91425" wrap="square" tIns="91425">
+            <a:noAutofit/>
+          </a:bodyPr>
+          <a:lstStyle/>
+          <a:p>
+            <a:pPr indent="0" lvl="0" marL="0" rtl="0" algn="l">
+              <a:lnSpc>
+                <a:spcPct val="80000"/>
+              </a:lnSpc>
+              <a:spcBef>
+                <a:spcPts val="820"/>
+              </a:spcBef>
+              <a:spcAft>
+                <a:spcPts val="0"/>
+              </a:spcAft>
+              <a:buNone/>
+            </a:pPr>
+            <a:r>
+              <a:rPr b="1" lang="en-US" sz="1800" u="sng">
+                <a:solidFill>
+                  <a:schemeClr val="accent1"/>
+                </a:solidFill>
+                <a:latin typeface="Lato"/>
+                <a:ea typeface="Lato"/>
+                <a:cs typeface="Lato"/>
+                <a:sym typeface="Lato"/>
+              </a:rPr>
+              <a:t>Tonight’s Project Steps</a:t>
+            </a:r>
+            <a:r>
+              <a:rPr b="1" lang="en-US" sz="1800">
+                <a:solidFill>
+                  <a:schemeClr val="accent1"/>
+                </a:solidFill>
+                <a:latin typeface="Lato"/>
+                <a:ea typeface="Lato"/>
+                <a:cs typeface="Lato"/>
+                <a:sym typeface="Lato"/>
+              </a:rPr>
+              <a:t>:  </a:t>
+            </a:r>
+            <a:endParaRPr b="1" sz="1800">
+              <a:solidFill>
+                <a:schemeClr val="accent1"/>
+              </a:solidFill>
+              <a:latin typeface="Lato"/>
+              <a:ea typeface="Lato"/>
+              <a:cs typeface="Lato"/>
+              <a:sym typeface="Lato"/>
+            </a:endParaRPr>
+          </a:p>
+          <a:p>
+            <a:pPr indent="0" lvl="0" marL="0" rtl="0" algn="l">
+              <a:lnSpc>
+                <a:spcPct val="80000"/>
+              </a:lnSpc>
+              <a:spcBef>
+                <a:spcPts val="820"/>
+              </a:spcBef>
+              <a:spcAft>
+                <a:spcPts val="0"/>
+              </a:spcAft>
+              <a:buNone/>
+            </a:pPr>
+            <a:r>
+              <a:rPr b="1" lang="en-US" sz="1800">
+                <a:solidFill>
+                  <a:schemeClr val="accent1"/>
+                </a:solidFill>
+                <a:latin typeface="Lato"/>
+                <a:ea typeface="Lato"/>
+                <a:cs typeface="Lato"/>
+                <a:sym typeface="Lato"/>
+              </a:rPr>
+              <a:t>Step 1) Navigate to “Class Project\consoles” folder</a:t>
+            </a:r>
+            <a:endParaRPr b="1" sz="1800">
+              <a:solidFill>
+                <a:schemeClr val="accent1"/>
+              </a:solidFill>
+              <a:latin typeface="Lato"/>
+              <a:ea typeface="Lato"/>
+              <a:cs typeface="Lato"/>
+              <a:sym typeface="Lato"/>
+            </a:endParaRPr>
+          </a:p>
+          <a:p>
+            <a:pPr indent="0" lvl="0" marL="0" rtl="0" algn="l">
+              <a:lnSpc>
+                <a:spcPct val="80000"/>
+              </a:lnSpc>
+              <a:spcBef>
+                <a:spcPts val="820"/>
+              </a:spcBef>
+              <a:spcAft>
+                <a:spcPts val="0"/>
+              </a:spcAft>
+              <a:buNone/>
+            </a:pPr>
+            <a:r>
+              <a:t/>
+            </a:r>
+            <a:endParaRPr b="1" sz="1800">
+              <a:solidFill>
+                <a:schemeClr val="accent1"/>
+              </a:solidFill>
+              <a:latin typeface="Lato"/>
+              <a:ea typeface="Lato"/>
+              <a:cs typeface="Lato"/>
+              <a:sym typeface="Lato"/>
+            </a:endParaRPr>
+          </a:p>
+          <a:p>
+            <a:pPr indent="0" lvl="0" marL="0" rtl="0" algn="l">
+              <a:lnSpc>
+                <a:spcPct val="80000"/>
+              </a:lnSpc>
+              <a:spcBef>
+                <a:spcPts val="820"/>
+              </a:spcBef>
+              <a:spcAft>
+                <a:spcPts val="0"/>
+              </a:spcAft>
+              <a:buNone/>
+            </a:pPr>
+            <a:r>
+              <a:rPr b="1" lang="en-US" sz="1800">
+                <a:solidFill>
+                  <a:schemeClr val="accent1"/>
+                </a:solidFill>
+                <a:latin typeface="Lato"/>
+                <a:ea typeface="Lato"/>
+                <a:cs typeface="Lato"/>
+                <a:sym typeface="Lato"/>
+              </a:rPr>
+              <a:t>Step 2) Open the “console_games_import.sql” file</a:t>
+            </a:r>
+            <a:endParaRPr b="1" sz="1800">
+              <a:solidFill>
+                <a:schemeClr val="accent1"/>
+              </a:solidFill>
+              <a:latin typeface="Lato"/>
+              <a:ea typeface="Lato"/>
+              <a:cs typeface="Lato"/>
+              <a:sym typeface="Lato"/>
+            </a:endParaRPr>
+          </a:p>
+          <a:p>
+            <a:pPr indent="0" lvl="0" marL="0" rtl="0" algn="l">
+              <a:lnSpc>
+                <a:spcPct val="80000"/>
+              </a:lnSpc>
+              <a:spcBef>
+                <a:spcPts val="820"/>
+              </a:spcBef>
+              <a:spcAft>
+                <a:spcPts val="0"/>
+              </a:spcAft>
+              <a:buNone/>
+            </a:pPr>
+            <a:r>
+              <a:t/>
+            </a:r>
+            <a:endParaRPr b="1" sz="1800">
+              <a:solidFill>
+                <a:schemeClr val="accent1"/>
+              </a:solidFill>
+              <a:latin typeface="Lato"/>
+              <a:ea typeface="Lato"/>
+              <a:cs typeface="Lato"/>
+              <a:sym typeface="Lato"/>
+            </a:endParaRPr>
+          </a:p>
+          <a:p>
+            <a:pPr indent="0" lvl="0" marL="0" rtl="0" algn="l">
+              <a:lnSpc>
+                <a:spcPct val="80000"/>
+              </a:lnSpc>
+              <a:spcBef>
+                <a:spcPts val="820"/>
+              </a:spcBef>
+              <a:spcAft>
+                <a:spcPts val="0"/>
+              </a:spcAft>
+              <a:buNone/>
+            </a:pPr>
+            <a:r>
+              <a:rPr b="1" lang="en-US" sz="1800">
+                <a:solidFill>
+                  <a:schemeClr val="accent1"/>
+                </a:solidFill>
+                <a:latin typeface="Lato"/>
+                <a:ea typeface="Lato"/>
+                <a:cs typeface="Lato"/>
+                <a:sym typeface="Lato"/>
+              </a:rPr>
+              <a:t>Step 3) Read and execute directions in file</a:t>
+            </a:r>
+            <a:endParaRPr b="1" sz="1800">
+              <a:solidFill>
+                <a:schemeClr val="accent1"/>
+              </a:solidFill>
+              <a:latin typeface="Lato"/>
+              <a:ea typeface="Lato"/>
+              <a:cs typeface="Lato"/>
+              <a:sym typeface="Lato"/>
+            </a:endParaRPr>
+          </a:p>
+          <a:p>
+            <a:pPr indent="0" lvl="0" marL="0" rtl="0" algn="l">
+              <a:lnSpc>
+                <a:spcPct val="80000"/>
+              </a:lnSpc>
+              <a:spcBef>
+                <a:spcPts val="820"/>
+              </a:spcBef>
+              <a:spcAft>
+                <a:spcPts val="0"/>
+              </a:spcAft>
+              <a:buNone/>
+            </a:pPr>
+            <a:r>
+              <a:t/>
+            </a:r>
+            <a:endParaRPr b="1" sz="1800">
+              <a:solidFill>
+                <a:schemeClr val="accent1"/>
+              </a:solidFill>
+              <a:latin typeface="Lato"/>
+              <a:ea typeface="Lato"/>
+              <a:cs typeface="Lato"/>
+              <a:sym typeface="Lato"/>
+            </a:endParaRPr>
+          </a:p>
+          <a:p>
+            <a:pPr indent="0" lvl="0" marL="0" marR="0" rtl="0" algn="l">
+              <a:lnSpc>
+                <a:spcPct val="80000"/>
+              </a:lnSpc>
+              <a:spcBef>
+                <a:spcPts val="820"/>
+              </a:spcBef>
+              <a:spcAft>
+                <a:spcPts val="0"/>
+              </a:spcAft>
+              <a:buNone/>
+            </a:pPr>
+            <a:r>
+              <a:t/>
+            </a:r>
+            <a:endParaRPr/>
+          </a:p>
+        </p:txBody>
+      </p:sp>
+      <p:sp>
+        <p:nvSpPr>
+          <p:cNvPr id="134" name="Google Shape;134;p20"/>
+          <p:cNvSpPr txBox="1"/>
+          <p:nvPr/>
+        </p:nvSpPr>
+        <p:spPr>
+          <a:xfrm>
+            <a:off x="1019150" y="1677750"/>
+            <a:ext cx="10353900" cy="700800"/>
+          </a:xfrm>
+          <a:prstGeom prst="rect">
+            <a:avLst/>
+          </a:prstGeom>
+          <a:noFill/>
+          <a:ln>
+            <a:noFill/>
+          </a:ln>
+        </p:spPr>
+        <p:txBody>
+          <a:bodyPr anchorCtr="0" anchor="t" bIns="91425" lIns="91425" spcFirstLastPara="1" rIns="91425" wrap="square" tIns="91425">
+            <a:noAutofit/>
+          </a:bodyPr>
+          <a:lstStyle/>
+          <a:p>
+            <a:pPr indent="0" lvl="0" marL="0" rtl="0" algn="l">
+              <a:lnSpc>
+                <a:spcPct val="80000"/>
+              </a:lnSpc>
+              <a:spcBef>
+                <a:spcPts val="820"/>
+              </a:spcBef>
+              <a:spcAft>
+                <a:spcPts val="0"/>
+              </a:spcAft>
+              <a:buNone/>
+            </a:pPr>
+            <a:r>
+              <a:rPr b="1" lang="en-US" sz="1800" u="sng">
+                <a:solidFill>
+                  <a:schemeClr val="accent1"/>
+                </a:solidFill>
+                <a:latin typeface="Lato"/>
+                <a:ea typeface="Lato"/>
+                <a:cs typeface="Lato"/>
+                <a:sym typeface="Lato"/>
+              </a:rPr>
+              <a:t>Problem Statement</a:t>
+            </a:r>
+            <a:r>
+              <a:rPr b="1" lang="en-US" sz="1800">
+                <a:solidFill>
+                  <a:schemeClr val="accent1"/>
+                </a:solidFill>
+                <a:latin typeface="Lato"/>
+                <a:ea typeface="Lato"/>
+                <a:cs typeface="Lato"/>
+                <a:sym typeface="Lato"/>
+              </a:rPr>
+              <a:t>  </a:t>
+            </a:r>
+            <a:endParaRPr b="1" sz="1800">
+              <a:solidFill>
+                <a:schemeClr val="accent1"/>
+              </a:solidFill>
+              <a:latin typeface="Lato"/>
+              <a:ea typeface="Lato"/>
+              <a:cs typeface="Lato"/>
+              <a:sym typeface="Lato"/>
+            </a:endParaRPr>
+          </a:p>
+          <a:p>
+            <a:pPr indent="0" lvl="0" marL="0" rtl="0" algn="l">
+              <a:lnSpc>
+                <a:spcPct val="80000"/>
+              </a:lnSpc>
+              <a:spcBef>
+                <a:spcPts val="820"/>
+              </a:spcBef>
+              <a:spcAft>
+                <a:spcPts val="0"/>
+              </a:spcAft>
+              <a:buNone/>
+            </a:pPr>
+            <a:r>
+              <a:rPr b="1" lang="en-US" sz="1800">
+                <a:solidFill>
+                  <a:schemeClr val="accent1"/>
+                </a:solidFill>
+                <a:latin typeface="Lato"/>
+                <a:ea typeface="Lato"/>
+                <a:cs typeface="Lato"/>
+                <a:sym typeface="Lato"/>
+              </a:rPr>
+              <a:t>The senior leadership team at “NameCo, Inc” would like to create a new smash-hit video game, intended for the hand-held console market.   After much brainstorming, the CEO declares that “People love drama, so let’s create a new “Barbie Adventure Game”!” </a:t>
+            </a:r>
+            <a:endParaRPr b="1" sz="1800">
+              <a:solidFill>
+                <a:schemeClr val="accent1"/>
+              </a:solidFill>
+              <a:latin typeface="Lato"/>
+              <a:ea typeface="Lato"/>
+              <a:cs typeface="Lato"/>
+              <a:sym typeface="Lato"/>
+            </a:endParaRPr>
+          </a:p>
+          <a:p>
+            <a:pPr indent="0" lvl="0" marL="0" rtl="0" algn="l">
+              <a:lnSpc>
+                <a:spcPct val="80000"/>
+              </a:lnSpc>
+              <a:spcBef>
+                <a:spcPts val="820"/>
+              </a:spcBef>
+              <a:spcAft>
+                <a:spcPts val="0"/>
+              </a:spcAft>
+              <a:buNone/>
+            </a:pPr>
+            <a:r>
+              <a:t/>
+            </a:r>
+            <a:endParaRPr b="1" sz="1800">
+              <a:solidFill>
+                <a:schemeClr val="accent1"/>
+              </a:solidFill>
+              <a:latin typeface="Lato"/>
+              <a:ea typeface="Lato"/>
+              <a:cs typeface="Lato"/>
+              <a:sym typeface="Lato"/>
+            </a:endParaRPr>
+          </a:p>
+          <a:p>
+            <a:pPr indent="0" lvl="0" marL="0" rtl="0" algn="l">
+              <a:lnSpc>
+                <a:spcPct val="80000"/>
+              </a:lnSpc>
+              <a:spcBef>
+                <a:spcPts val="820"/>
+              </a:spcBef>
+              <a:spcAft>
+                <a:spcPts val="0"/>
+              </a:spcAft>
+              <a:buNone/>
+            </a:pPr>
+            <a:r>
+              <a:rPr b="1" lang="en-US" sz="1800">
+                <a:solidFill>
+                  <a:schemeClr val="accent1"/>
+                </a:solidFill>
+                <a:latin typeface="Lato"/>
+                <a:ea typeface="Lato"/>
+                <a:cs typeface="Lato"/>
+                <a:sym typeface="Lato"/>
+              </a:rPr>
+              <a:t>After the meeting, there was an uneasy feeling about investing in a “Barbie Adventure Game”.   Did historical sales information support this claim, or is the CEO just going from his “gut feeling”?  As an analyst, the COO has assigned you a project to gather, store historical gaming console data.  Additionally, the COO would like to create an information dashboard that supports/refutes this claim, using market information you’ve been asked to gather.  </a:t>
+            </a:r>
+            <a:endParaRPr b="1" sz="1800">
+              <a:solidFill>
+                <a:schemeClr val="accent1"/>
+              </a:solidFill>
+              <a:latin typeface="Lato"/>
+              <a:ea typeface="Lato"/>
+              <a:cs typeface="Lato"/>
+              <a:sym typeface="Lato"/>
+            </a:endParaRPr>
+          </a:p>
+          <a:p>
+            <a:pPr indent="0" lvl="0" marL="457200" rtl="0" algn="l">
+              <a:lnSpc>
+                <a:spcPct val="80000"/>
+              </a:lnSpc>
+              <a:spcBef>
+                <a:spcPts val="820"/>
+              </a:spcBef>
+              <a:spcAft>
+                <a:spcPts val="0"/>
+              </a:spcAft>
+              <a:buNone/>
+            </a:pPr>
+            <a:r>
+              <a:t/>
+            </a:r>
+            <a:endParaRPr b="1" sz="1800">
+              <a:solidFill>
+                <a:schemeClr val="accent1"/>
+              </a:solidFill>
+              <a:latin typeface="Lato"/>
+              <a:ea typeface="Lato"/>
+              <a:cs typeface="Lato"/>
+              <a:sym typeface="Lato"/>
+            </a:endParaRPr>
+          </a:p>
+          <a:p>
+            <a:pPr indent="0" lvl="0" marL="457200" rtl="0" algn="l">
+              <a:lnSpc>
+                <a:spcPct val="80000"/>
+              </a:lnSpc>
+              <a:spcBef>
+                <a:spcPts val="820"/>
+              </a:spcBef>
+              <a:spcAft>
+                <a:spcPts val="0"/>
+              </a:spcAft>
+              <a:buNone/>
+            </a:pPr>
+            <a:r>
+              <a:rPr b="1" lang="en-US" sz="1800">
+                <a:solidFill>
+                  <a:schemeClr val="accent1"/>
+                </a:solidFill>
+                <a:latin typeface="Lato"/>
+                <a:ea typeface="Lato"/>
+                <a:cs typeface="Lato"/>
+                <a:sym typeface="Lato"/>
+              </a:rPr>
+              <a:t>  </a:t>
+            </a:r>
+            <a:endParaRPr b="1" sz="1800">
+              <a:solidFill>
+                <a:schemeClr val="accent1"/>
+              </a:solidFill>
+              <a:latin typeface="Lato"/>
+              <a:ea typeface="Lato"/>
+              <a:cs typeface="Lato"/>
+              <a:sym typeface="Lato"/>
+            </a:endParaRPr>
+          </a:p>
+          <a:p>
+            <a:pPr indent="0" lvl="0" marL="0" marR="0" rtl="0" algn="l">
+              <a:lnSpc>
+                <a:spcPct val="80000"/>
+              </a:lnSpc>
+              <a:spcBef>
+                <a:spcPts val="820"/>
+              </a:spcBef>
+              <a:spcAft>
+                <a:spcPts val="0"/>
+              </a:spcAft>
+              <a:buNone/>
+            </a:pPr>
+            <a:r>
+              <a:t/>
+            </a:r>
+            <a:endParaRPr/>
+          </a:p>
+        </p:txBody>
+      </p:sp>
+      <p:sp>
+        <p:nvSpPr>
+          <p:cNvPr id="135" name="Google Shape;135;p20"/>
+          <p:cNvSpPr txBox="1"/>
+          <p:nvPr/>
+        </p:nvSpPr>
+        <p:spPr>
+          <a:xfrm>
+            <a:off x="1019150" y="4556600"/>
+            <a:ext cx="5205600" cy="700800"/>
+          </a:xfrm>
+          <a:prstGeom prst="rect">
+            <a:avLst/>
+          </a:prstGeom>
+          <a:noFill/>
+          <a:ln>
+            <a:noFill/>
+          </a:ln>
+        </p:spPr>
+        <p:txBody>
+          <a:bodyPr anchorCtr="0" anchor="t" bIns="91425" lIns="91425" spcFirstLastPara="1" rIns="91425" wrap="square" tIns="91425">
+            <a:noAutofit/>
+          </a:bodyPr>
+          <a:lstStyle/>
+          <a:p>
+            <a:pPr indent="0" lvl="0" marL="0" rtl="0" algn="l">
+              <a:lnSpc>
+                <a:spcPct val="80000"/>
+              </a:lnSpc>
+              <a:spcBef>
+                <a:spcPts val="820"/>
+              </a:spcBef>
+              <a:spcAft>
+                <a:spcPts val="0"/>
+              </a:spcAft>
+              <a:buNone/>
+            </a:pPr>
+            <a:r>
+              <a:rPr b="1" lang="en-US" sz="1800" u="sng">
+                <a:solidFill>
+                  <a:schemeClr val="accent1"/>
+                </a:solidFill>
+                <a:latin typeface="Lato"/>
+                <a:ea typeface="Lato"/>
+                <a:cs typeface="Lato"/>
+                <a:sym typeface="Lato"/>
+              </a:rPr>
+              <a:t>Project Goal(s)</a:t>
+            </a:r>
+            <a:r>
+              <a:rPr b="1" lang="en-US" sz="1800">
+                <a:solidFill>
+                  <a:schemeClr val="accent1"/>
+                </a:solidFill>
+                <a:latin typeface="Lato"/>
+                <a:ea typeface="Lato"/>
+                <a:cs typeface="Lato"/>
+                <a:sym typeface="Lato"/>
+              </a:rPr>
+              <a:t>:  </a:t>
+            </a:r>
+            <a:endParaRPr b="1" sz="1800">
+              <a:solidFill>
+                <a:schemeClr val="accent1"/>
+              </a:solidFill>
+              <a:latin typeface="Lato"/>
+              <a:ea typeface="Lato"/>
+              <a:cs typeface="Lato"/>
+              <a:sym typeface="Lato"/>
+            </a:endParaRPr>
+          </a:p>
+          <a:p>
+            <a:pPr indent="-342900" lvl="0" marL="457200" rtl="0" algn="l">
+              <a:lnSpc>
+                <a:spcPct val="80000"/>
+              </a:lnSpc>
+              <a:spcBef>
+                <a:spcPts val="820"/>
+              </a:spcBef>
+              <a:spcAft>
+                <a:spcPts val="0"/>
+              </a:spcAft>
+              <a:buClr>
+                <a:schemeClr val="accent1"/>
+              </a:buClr>
+              <a:buSzPts val="1800"/>
+              <a:buFont typeface="Lato"/>
+              <a:buAutoNum type="arabicParenR"/>
+            </a:pPr>
+            <a:r>
+              <a:rPr b="1" lang="en-US" sz="1800">
+                <a:solidFill>
+                  <a:schemeClr val="accent1"/>
+                </a:solidFill>
+                <a:latin typeface="Lato"/>
+                <a:ea typeface="Lato"/>
+                <a:cs typeface="Lato"/>
+                <a:sym typeface="Lato"/>
+              </a:rPr>
+              <a:t>Create a dynamic information dashboard that provides senior management insight into the video game console market. </a:t>
+            </a:r>
+            <a:endParaRPr b="1" sz="1800">
+              <a:solidFill>
+                <a:schemeClr val="accent1"/>
+              </a:solidFill>
+              <a:latin typeface="Lato"/>
+              <a:ea typeface="Lato"/>
+              <a:cs typeface="Lato"/>
+              <a:sym typeface="Lato"/>
+            </a:endParaRPr>
+          </a:p>
+          <a:p>
+            <a:pPr indent="0" lvl="0" marL="457200" rtl="0" algn="l">
+              <a:lnSpc>
+                <a:spcPct val="80000"/>
+              </a:lnSpc>
+              <a:spcBef>
+                <a:spcPts val="820"/>
+              </a:spcBef>
+              <a:spcAft>
+                <a:spcPts val="0"/>
+              </a:spcAft>
+              <a:buNone/>
+            </a:pPr>
+            <a:r>
+              <a:t/>
+            </a:r>
+            <a:endParaRPr b="1" sz="1800">
+              <a:solidFill>
+                <a:schemeClr val="accent1"/>
+              </a:solidFill>
+              <a:latin typeface="Lato"/>
+              <a:ea typeface="Lato"/>
+              <a:cs typeface="Lato"/>
+              <a:sym typeface="Lato"/>
+            </a:endParaRPr>
+          </a:p>
+          <a:p>
+            <a:pPr indent="-342900" lvl="0" marL="457200" rtl="0" algn="l">
+              <a:lnSpc>
+                <a:spcPct val="80000"/>
+              </a:lnSpc>
+              <a:spcBef>
+                <a:spcPts val="820"/>
+              </a:spcBef>
+              <a:spcAft>
+                <a:spcPts val="0"/>
+              </a:spcAft>
+              <a:buClr>
+                <a:schemeClr val="accent1"/>
+              </a:buClr>
+              <a:buSzPts val="1800"/>
+              <a:buFont typeface="Lato"/>
+              <a:buAutoNum type="arabicParenR"/>
+            </a:pPr>
+            <a:r>
+              <a:rPr b="1" lang="en-US" sz="1800">
+                <a:solidFill>
+                  <a:schemeClr val="accent1"/>
+                </a:solidFill>
+                <a:latin typeface="Lato"/>
+                <a:ea typeface="Lato"/>
+                <a:cs typeface="Lato"/>
+                <a:sym typeface="Lato"/>
+              </a:rPr>
+              <a:t>Create data structures that allow for the automated storage of future console/game information.   </a:t>
+            </a:r>
+            <a:endParaRPr b="1" sz="1800">
+              <a:solidFill>
+                <a:schemeClr val="accent1"/>
+              </a:solidFill>
+              <a:latin typeface="Lato"/>
+              <a:ea typeface="Lato"/>
+              <a:cs typeface="Lato"/>
+              <a:sym typeface="Lato"/>
+            </a:endParaRPr>
+          </a:p>
+          <a:p>
+            <a:pPr indent="0" lvl="0" marL="0" marR="0" rtl="0" algn="l">
+              <a:lnSpc>
+                <a:spcPct val="80000"/>
+              </a:lnSpc>
+              <a:spcBef>
+                <a:spcPts val="820"/>
+              </a:spcBef>
+              <a:spcAft>
+                <a:spcPts val="0"/>
+              </a:spcAft>
+              <a:buNone/>
+            </a:pPr>
+            <a:r>
+              <a:t/>
+            </a:r>
+            <a:endParaRPr/>
+          </a:p>
+        </p:txBody>
+      </p:sp>
+    </p:spTree>
+  </p:cSld>
+  <p:clrMapOvr>
+    <a:masterClrMapping/>
+  </p:clrMapOvr>
+</p:sld>
+</file>
+
 <file path=ppt/theme/theme1.xml><?xml version="1.0" encoding="utf-8"?>
-<a:theme xmlns:a="http://schemas.openxmlformats.org/drawingml/2006/main" name="Streamline">
+<a:theme xmlns:a="http://schemas.openxmlformats.org/drawingml/2006/main" xmlns:r="http://schemas.openxmlformats.org/officeDocument/2006/relationships" name="Office Theme">
+  <a:themeElements>
+    <a:clrScheme name="Office">
+      <a:dk1>
+        <a:srgbClr val="000000"/>
+      </a:dk1>
+      <a:lt1>
+        <a:srgbClr val="FFFFFF"/>
+      </a:lt1>
+      <a:dk2>
+        <a:srgbClr val="44546A"/>
+      </a:dk2>
+      <a:lt2>
+        <a:srgbClr val="E7E6E6"/>
+      </a:lt2>
+      <a:accent1>
+        <a:srgbClr val="4472C4"/>
+      </a:accent1>
+      <a:accent2>
+        <a:srgbClr val="ED7D31"/>
+      </a:accent2>
+      <a:accent3>
+        <a:srgbClr val="A5A5A5"/>
+      </a:accent3>
+      <a:accent4>
+        <a:srgbClr val="FFC000"/>
+      </a:accent4>
+      <a:accent5>
+        <a:srgbClr val="5B9BD5"/>
+      </a:accent5>
+      <a:accent6>
+        <a:srgbClr val="70AD47"/>
+      </a:accent6>
+      <a:hlink>
+        <a:srgbClr val="0563C1"/>
+      </a:hlink>
+      <a:folHlink>
+        <a:srgbClr val="954F72"/>
+      </a:folHlink>
+    </a:clrScheme>
+    <a:fontScheme name="Office">
+      <a:majorFont>
+        <a:latin typeface="Arial"/>
+        <a:ea typeface=""/>
+        <a:cs typeface=""/>
+        <a:font script="Jpan" typeface="ＭＳ Ｐゴシック"/>
+        <a:font script="Hang" typeface="맑은 고딕"/>
+        <a:font script="Hans" typeface="宋体"/>
+        <a:font script="Hant" typeface="新細明體"/>
+        <a:font script="Arab" typeface="Times New Roman"/>
+        <a:font script="Hebr" typeface="Times New Roman"/>
+        <a:font script="Thai" typeface="Angsana New"/>
+        <a:font script="Ethi" typeface="Nyala"/>
+        <a:font script="Beng" typeface="Vrinda"/>
+        <a:font script="Gujr" typeface="Shruti"/>
+        <a:font script="Khmr" typeface="MoolBoran"/>
+        <a:font script="Knda" typeface="Tunga"/>
+        <a:font script="Guru" typeface="Raavi"/>
+        <a:font script="Cans" typeface="Euphemia"/>
+        <a:font script="Cher" typeface="Plantagenet Cherokee"/>
+        <a:font script="Yiii" typeface="Microsoft Yi Baiti"/>
+        <a:font script="Tibt" typeface="Microsoft Himalaya"/>
+        <a:font script="Thaa" typeface="MV Boli"/>
+        <a:font script="Deva" typeface="Mangal"/>
+        <a:font script="Telu" typeface="Gautami"/>
+        <a:font script="Taml" typeface="Latha"/>
+        <a:font script="Syrc" typeface="Estrangelo Edessa"/>
+        <a:font script="Orya" typeface="Kalinga"/>
+        <a:font script="Mlym" typeface="Kartika"/>
+        <a:font script="Laoo" typeface="DokChampa"/>
+        <a:font script="Sinh" typeface="Iskoola Pota"/>
+        <a:font script="Mong" typeface="Mongolian Baiti"/>
+        <a:font script="Viet" typeface="Times New Roman"/>
+        <a:font script="Uigh" typeface="Microsoft Uighur"/>
+        <a:font script="Geor" typeface="Sylfaen"/>
+      </a:majorFont>
+      <a:minorFont>
+        <a:latin typeface="Arial"/>
+        <a:ea typeface=""/>
+        <a:cs typeface=""/>
+        <a:font script="Jpan" typeface="ＭＳ Ｐゴシック"/>
+        <a:font script="Hang" typeface="맑은 고딕"/>
+        <a:font script="Hans" typeface="宋体"/>
+        <a:font script="Hant" typeface="新細明體"/>
+        <a:font script="Arab" typeface="Arial"/>
+        <a:font script="Hebr" typeface="Arial"/>
+        <a:font script="Thai" typeface="Cordia New"/>
+        <a:font script="Ethi" typeface="Nyala"/>
+        <a:font script="Beng" typeface="Vrinda"/>
+        <a:font script="Gujr" typeface="Shruti"/>
+        <a:font script="Khmr" typeface="DaunPenh"/>
+        <a:font script="Knda" typeface="Tunga"/>
+        <a:font script="Guru" typeface="Raavi"/>
+        <a:font script="Cans" typeface="Euphemia"/>
+        <a:font script="Cher" typeface="Plantagenet Cherokee"/>
+        <a:font script="Yiii" typeface="Microsoft Yi Baiti"/>
+        <a:font script="Tibt" typeface="Microsoft Himalaya"/>
+        <a:font script="Thaa" typeface="MV Boli"/>
+        <a:font script="Deva" typeface="Mangal"/>
+        <a:font script="Telu" typeface="Gautami"/>
+        <a:font script="Taml" typeface="Latha"/>
+        <a:font script="Syrc" typeface="Estrangelo Edessa"/>
+        <a:font script="Orya" typeface="Kalinga"/>
+        <a:font script="Mlym" typeface="Kartika"/>
+        <a:font script="Laoo" typeface="DokChampa"/>
+        <a:font script="Sinh" typeface="Iskoola Pota"/>
+        <a:font script="Mong" typeface="Mongolian Baiti"/>
+        <a:font script="Viet" typeface="Arial"/>
+        <a:font script="Uigh" typeface="Microsoft Uighur"/>
+        <a:font script="Geor" typeface="Sylfaen"/>
+      </a:minorFont>
+    </a:fontScheme>
+    <a:fmtScheme name="Office">
+      <a:fillStyleLst>
+        <a:solidFill>
+          <a:schemeClr val="phClr"/>
+        </a:solidFill>
+        <a:gradFill rotWithShape="1">
+          <a:gsLst>
+            <a:gs pos="0">
+              <a:schemeClr val="phClr">
+                <a:tint val="50000"/>
+                <a:satMod val="300000"/>
+              </a:schemeClr>
+            </a:gs>
+            <a:gs pos="35000">
+              <a:schemeClr val="phClr">
+                <a:tint val="37000"/>
+                <a:satMod val="300000"/>
+              </a:schemeClr>
+            </a:gs>
+            <a:gs pos="100000">
+              <a:schemeClr val="phClr">
+                <a:tint val="15000"/>
+                <a:satMod val="350000"/>
+              </a:schemeClr>
+            </a:gs>
+          </a:gsLst>
+          <a:lin ang="16200000" scaled="1"/>
+        </a:gradFill>
+        <a:gradFill rotWithShape="1">
+          <a:gsLst>
+            <a:gs pos="0">
+              <a:schemeClr val="phClr">
+                <a:tint val="100000"/>
+                <a:shade val="100000"/>
+                <a:satMod val="130000"/>
+              </a:schemeClr>
+            </a:gs>
+            <a:gs pos="100000">
+              <a:schemeClr val="phClr">
+                <a:tint val="50000"/>
+                <a:shade val="100000"/>
+                <a:satMod val="350000"/>
+              </a:schemeClr>
+            </a:gs>
+          </a:gsLst>
+          <a:lin ang="16200000" scaled="0"/>
+        </a:gradFill>
+      </a:fillStyleLst>
+      <a:lnStyleLst>
+        <a:ln w="9525" cap="flat" cmpd="sng" algn="ctr">
+          <a:solidFill>
+            <a:schemeClr val="phClr">
+              <a:shade val="95000"/>
+              <a:satMod val="105000"/>
+            </a:schemeClr>
+          </a:solidFill>
+          <a:prstDash val="solid"/>
+        </a:ln>
+        <a:ln w="25400" cap="flat" cmpd="sng" algn="ctr">
+          <a:solidFill>
+            <a:schemeClr val="phClr"/>
+          </a:solidFill>
+          <a:prstDash val="solid"/>
+        </a:ln>
+        <a:ln w="38100" cap="flat" cmpd="sng" algn="ctr">
+          <a:solidFill>
+            <a:schemeClr val="phClr"/>
+          </a:solidFill>
+          <a:prstDash val="solid"/>
+        </a:ln>
+      </a:lnStyleLst>
+      <a:effectStyleLst>
+        <a:effectStyle>
+          <a:effectLst>
+            <a:outerShdw blurRad="40000" dist="20000" dir="5400000" rotWithShape="0">
+              <a:srgbClr val="000000">
+                <a:alpha val="38000"/>
+              </a:srgbClr>
+            </a:outerShdw>
+          </a:effectLst>
+        </a:effectStyle>
+        <a:effectStyle>
+          <a:effectLst>
+            <a:outerShdw blurRad="40000" dist="23000" dir="5400000" rotWithShape="0">
+              <a:srgbClr val="000000">
+                <a:alpha val="35000"/>
+              </a:srgbClr>
+            </a:outerShdw>
+          </a:effectLst>
+        </a:effectStyle>
+        <a:effectStyle>
+          <a:effectLst>
+            <a:outerShdw blurRad="40000" dist="23000" dir="5400000" rotWithShape="0">
+              <a:srgbClr val="000000">
+                <a:alpha val="35000"/>
+              </a:srgbClr>
+            </a:outerShdw>
+          </a:effectLst>
+          <a:scene3d>
+            <a:camera prst="orthographicFront">
+              <a:rot lat="0" lon="0" rev="0"/>
+            </a:camera>
+            <a:lightRig rig="threePt" dir="t">
+              <a:rot lat="0" lon="0" rev="1200000"/>
+            </a:lightRig>
+          </a:scene3d>
+          <a:sp3d>
+            <a:bevelT w="63500" h="25400"/>
+          </a:sp3d>
+        </a:effectStyle>
+      </a:effectStyleLst>
+      <a:bgFillStyleLst>
+        <a:solidFill>
+          <a:schemeClr val="phClr"/>
+        </a:solidFill>
+        <a:gradFill rotWithShape="1">
+          <a:gsLst>
+            <a:gs pos="0">
+              <a:schemeClr val="phClr">
+                <a:tint val="40000"/>
+                <a:satMod val="350000"/>
+              </a:schemeClr>
+            </a:gs>
+            <a:gs pos="40000">
+              <a:schemeClr val="phClr">
+                <a:tint val="45000"/>
+                <a:shade val="99000"/>
+                <a:satMod val="350000"/>
+              </a:schemeClr>
+            </a:gs>
+            <a:gs pos="100000">
+              <a:schemeClr val="phClr">
+                <a:shade val="20000"/>
+                <a:satMod val="255000"/>
+              </a:schemeClr>
+            </a:gs>
+          </a:gsLst>
+          <a:path path="circle">
+            <a:fillToRect l="50000" t="-80000" r="50000" b="180000"/>
+          </a:path>
+        </a:gradFill>
+        <a:gradFill rotWithShape="1">
+          <a:gsLst>
+            <a:gs pos="0">
+              <a:schemeClr val="phClr">
+                <a:tint val="80000"/>
+                <a:satMod val="300000"/>
+              </a:schemeClr>
+            </a:gs>
+            <a:gs pos="100000">
+              <a:schemeClr val="phClr">
+                <a:shade val="30000"/>
+                <a:satMod val="200000"/>
+              </a:schemeClr>
+            </a:gs>
+          </a:gsLst>
+          <a:path path="circle">
+            <a:fillToRect l="50000" t="50000" r="50000" b="50000"/>
+          </a:path>
+        </a:gradFill>
+      </a:bgFillStyleLst>
+    </a:fmtScheme>
+  </a:themeElements>
+</a:theme>
+</file>
+
+<file path=ppt/theme/theme2.xml><?xml version="1.0" encoding="utf-8"?>
+<a:theme xmlns:a="http://schemas.openxmlformats.org/drawingml/2006/main" xmlns:r="http://schemas.openxmlformats.org/officeDocument/2006/relationships" name="Streamline">
   <a:themeElements>
     <a:clrScheme name="Streamline">
       <a:dk1>
@@ -12029,288 +13029,5 @@
       </a:bgFillStyleLst>
     </a:fmtScheme>
   </a:themeElements>
-  <a:objectDefaults/>
-  <a:extraClrSchemeLst/>
-</a:theme>
-</file>
-
-<file path=ppt/theme/theme2.xml><?xml version="1.0" encoding="utf-8"?>
-<a:theme xmlns:a="http://schemas.openxmlformats.org/drawingml/2006/main" name="Office Theme">
-  <a:themeElements>
-    <a:clrScheme name="Office">
-      <a:dk1>
-        <a:srgbClr val="000000"/>
-      </a:dk1>
-      <a:lt1>
-        <a:srgbClr val="FFFFFF"/>
-      </a:lt1>
-      <a:dk2>
-        <a:srgbClr val="44546A"/>
-      </a:dk2>
-      <a:lt2>
-        <a:srgbClr val="E7E6E6"/>
-      </a:lt2>
-      <a:accent1>
-        <a:srgbClr val="4472C4"/>
-      </a:accent1>
-      <a:accent2>
-        <a:srgbClr val="ED7D31"/>
-      </a:accent2>
-      <a:accent3>
-        <a:srgbClr val="A5A5A5"/>
-      </a:accent3>
-      <a:accent4>
-        <a:srgbClr val="FFC000"/>
-      </a:accent4>
-      <a:accent5>
-        <a:srgbClr val="5B9BD5"/>
-      </a:accent5>
-      <a:accent6>
-        <a:srgbClr val="70AD47"/>
-      </a:accent6>
-      <a:hlink>
-        <a:srgbClr val="0563C1"/>
-      </a:hlink>
-      <a:folHlink>
-        <a:srgbClr val="954F72"/>
-      </a:folHlink>
-    </a:clrScheme>
-    <a:fontScheme name="Office">
-      <a:majorFont>
-        <a:latin typeface="Arial"/>
-        <a:ea typeface=""/>
-        <a:cs typeface=""/>
-        <a:font script="Jpan" typeface="ＭＳ Ｐゴシック"/>
-        <a:font script="Hang" typeface="맑은 고딕"/>
-        <a:font script="Hans" typeface="宋体"/>
-        <a:font script="Hant" typeface="新細明體"/>
-        <a:font script="Arab" typeface="Times New Roman"/>
-        <a:font script="Hebr" typeface="Times New Roman"/>
-        <a:font script="Thai" typeface="Angsana New"/>
-        <a:font script="Ethi" typeface="Nyala"/>
-        <a:font script="Beng" typeface="Vrinda"/>
-        <a:font script="Gujr" typeface="Shruti"/>
-        <a:font script="Khmr" typeface="MoolBoran"/>
-        <a:font script="Knda" typeface="Tunga"/>
-        <a:font script="Guru" typeface="Raavi"/>
-        <a:font script="Cans" typeface="Euphemia"/>
-        <a:font script="Cher" typeface="Plantagenet Cherokee"/>
-        <a:font script="Yiii" typeface="Microsoft Yi Baiti"/>
-        <a:font script="Tibt" typeface="Microsoft Himalaya"/>
-        <a:font script="Thaa" typeface="MV Boli"/>
-        <a:font script="Deva" typeface="Mangal"/>
-        <a:font script="Telu" typeface="Gautami"/>
-        <a:font script="Taml" typeface="Latha"/>
-        <a:font script="Syrc" typeface="Estrangelo Edessa"/>
-        <a:font script="Orya" typeface="Kalinga"/>
-        <a:font script="Mlym" typeface="Kartika"/>
-        <a:font script="Laoo" typeface="DokChampa"/>
-        <a:font script="Sinh" typeface="Iskoola Pota"/>
-        <a:font script="Mong" typeface="Mongolian Baiti"/>
-        <a:font script="Viet" typeface="Times New Roman"/>
-        <a:font script="Uigh" typeface="Microsoft Uighur"/>
-        <a:font script="Geor" typeface="Sylfaen"/>
-      </a:majorFont>
-      <a:minorFont>
-        <a:latin typeface="Arial"/>
-        <a:ea typeface=""/>
-        <a:cs typeface=""/>
-        <a:font script="Jpan" typeface="ＭＳ Ｐゴシック"/>
-        <a:font script="Hang" typeface="맑은 고딕"/>
-        <a:font script="Hans" typeface="宋体"/>
-        <a:font script="Hant" typeface="新細明體"/>
-        <a:font script="Arab" typeface="Arial"/>
-        <a:font script="Hebr" typeface="Arial"/>
-        <a:font script="Thai" typeface="Cordia New"/>
-        <a:font script="Ethi" typeface="Nyala"/>
-        <a:font script="Beng" typeface="Vrinda"/>
-        <a:font script="Gujr" typeface="Shruti"/>
-        <a:font script="Khmr" typeface="DaunPenh"/>
-        <a:font script="Knda" typeface="Tunga"/>
-        <a:font script="Guru" typeface="Raavi"/>
-        <a:font script="Cans" typeface="Euphemia"/>
-        <a:font script="Cher" typeface="Plantagenet Cherokee"/>
-        <a:font script="Yiii" typeface="Microsoft Yi Baiti"/>
-        <a:font script="Tibt" typeface="Microsoft Himalaya"/>
-        <a:font script="Thaa" typeface="MV Boli"/>
-        <a:font script="Deva" typeface="Mangal"/>
-        <a:font script="Telu" typeface="Gautami"/>
-        <a:font script="Taml" typeface="Latha"/>
-        <a:font script="Syrc" typeface="Estrangelo Edessa"/>
-        <a:font script="Orya" typeface="Kalinga"/>
-        <a:font script="Mlym" typeface="Kartika"/>
-        <a:font script="Laoo" typeface="DokChampa"/>
-        <a:font script="Sinh" typeface="Iskoola Pota"/>
-        <a:font script="Mong" typeface="Mongolian Baiti"/>
-        <a:font script="Viet" typeface="Arial"/>
-        <a:font script="Uigh" typeface="Microsoft Uighur"/>
-        <a:font script="Geor" typeface="Sylfaen"/>
-      </a:minorFont>
-    </a:fontScheme>
-    <a:fmtScheme name="Office">
-      <a:fillStyleLst>
-        <a:solidFill>
-          <a:schemeClr val="phClr"/>
-        </a:solidFill>
-        <a:gradFill rotWithShape="1">
-          <a:gsLst>
-            <a:gs pos="0">
-              <a:schemeClr val="phClr">
-                <a:tint val="50000"/>
-                <a:satMod val="300000"/>
-              </a:schemeClr>
-            </a:gs>
-            <a:gs pos="35000">
-              <a:schemeClr val="phClr">
-                <a:tint val="37000"/>
-                <a:satMod val="300000"/>
-              </a:schemeClr>
-            </a:gs>
-            <a:gs pos="100000">
-              <a:schemeClr val="phClr">
-                <a:tint val="15000"/>
-                <a:satMod val="350000"/>
-              </a:schemeClr>
-            </a:gs>
-          </a:gsLst>
-          <a:lin ang="16200000" scaled="1"/>
-        </a:gradFill>
-        <a:gradFill rotWithShape="1">
-          <a:gsLst>
-            <a:gs pos="0">
-              <a:schemeClr val="phClr">
-                <a:tint val="100000"/>
-                <a:shade val="100000"/>
-                <a:satMod val="130000"/>
-              </a:schemeClr>
-            </a:gs>
-            <a:gs pos="100000">
-              <a:schemeClr val="phClr">
-                <a:tint val="50000"/>
-                <a:shade val="100000"/>
-                <a:satMod val="350000"/>
-              </a:schemeClr>
-            </a:gs>
-          </a:gsLst>
-          <a:lin ang="16200000" scaled="0"/>
-        </a:gradFill>
-      </a:fillStyleLst>
-      <a:lnStyleLst>
-        <a:ln w="9525" cap="flat" cmpd="sng" algn="ctr">
-          <a:solidFill>
-            <a:schemeClr val="phClr">
-              <a:shade val="95000"/>
-              <a:satMod val="105000"/>
-            </a:schemeClr>
-          </a:solidFill>
-          <a:prstDash val="solid"/>
-        </a:ln>
-        <a:ln w="25400" cap="flat" cmpd="sng" algn="ctr">
-          <a:solidFill>
-            <a:schemeClr val="phClr"/>
-          </a:solidFill>
-          <a:prstDash val="solid"/>
-        </a:ln>
-        <a:ln w="38100" cap="flat" cmpd="sng" algn="ctr">
-          <a:solidFill>
-            <a:schemeClr val="phClr"/>
-          </a:solidFill>
-          <a:prstDash val="solid"/>
-        </a:ln>
-      </a:lnStyleLst>
-      <a:effectStyleLst>
-        <a:effectStyle>
-          <a:effectLst>
-            <a:outerShdw blurRad="40000" dist="20000" dir="5400000" rotWithShape="0">
-              <a:srgbClr val="000000">
-                <a:alpha val="38000"/>
-              </a:srgbClr>
-            </a:outerShdw>
-          </a:effectLst>
-        </a:effectStyle>
-        <a:effectStyle>
-          <a:effectLst>
-            <a:outerShdw blurRad="40000" dist="23000" dir="5400000" rotWithShape="0">
-              <a:srgbClr val="000000">
-                <a:alpha val="35000"/>
-              </a:srgbClr>
-            </a:outerShdw>
-          </a:effectLst>
-        </a:effectStyle>
-        <a:effectStyle>
-          <a:effectLst>
-            <a:outerShdw blurRad="40000" dist="23000" dir="5400000" rotWithShape="0">
-              <a:srgbClr val="000000">
-                <a:alpha val="35000"/>
-              </a:srgbClr>
-            </a:outerShdw>
-          </a:effectLst>
-          <a:scene3d>
-            <a:camera prst="orthographicFront">
-              <a:rot lat="0" lon="0" rev="0"/>
-            </a:camera>
-            <a:lightRig rig="threePt" dir="t">
-              <a:rot lat="0" lon="0" rev="1200000"/>
-            </a:lightRig>
-          </a:scene3d>
-          <a:sp3d>
-            <a:bevelT w="63500" h="25400"/>
-          </a:sp3d>
-        </a:effectStyle>
-      </a:effectStyleLst>
-      <a:bgFillStyleLst>
-        <a:solidFill>
-          <a:schemeClr val="phClr"/>
-        </a:solidFill>
-        <a:gradFill rotWithShape="1">
-          <a:gsLst>
-            <a:gs pos="0">
-              <a:schemeClr val="phClr">
-                <a:tint val="40000"/>
-                <a:satMod val="350000"/>
-              </a:schemeClr>
-            </a:gs>
-            <a:gs pos="40000">
-              <a:schemeClr val="phClr">
-                <a:tint val="45000"/>
-                <a:shade val="99000"/>
-                <a:satMod val="350000"/>
-              </a:schemeClr>
-            </a:gs>
-            <a:gs pos="100000">
-              <a:schemeClr val="phClr">
-                <a:shade val="20000"/>
-                <a:satMod val="255000"/>
-              </a:schemeClr>
-            </a:gs>
-          </a:gsLst>
-          <a:path path="circle">
-            <a:fillToRect l="50000" t="-80000" r="50000" b="180000"/>
-          </a:path>
-        </a:gradFill>
-        <a:gradFill rotWithShape="1">
-          <a:gsLst>
-            <a:gs pos="0">
-              <a:schemeClr val="phClr">
-                <a:tint val="80000"/>
-                <a:satMod val="300000"/>
-              </a:schemeClr>
-            </a:gs>
-            <a:gs pos="100000">
-              <a:schemeClr val="phClr">
-                <a:shade val="30000"/>
-                <a:satMod val="200000"/>
-              </a:schemeClr>
-            </a:gs>
-          </a:gsLst>
-          <a:path path="circle">
-            <a:fillToRect l="50000" t="50000" r="50000" b="50000"/>
-          </a:path>
-        </a:gradFill>
-      </a:bgFillStyleLst>
-    </a:fmtScheme>
-  </a:themeElements>
-  <a:objectDefaults/>
-  <a:extraClrSchemeLst/>
 </a:theme>
 </file>
--- a/Class Project/Class Project - Cohort 7.pptx
+++ b/Class Project/Class Project - Cohort 7.pptx
@@ -1,41 +1,48 @@
 
 <file path=ppt/presentation.xml><?xml version="1.0" encoding="utf-8"?>
-<p:presentation xmlns:a="http://schemas.openxmlformats.org/drawingml/2006/main" xmlns:r="http://schemas.openxmlformats.org/officeDocument/2006/relationships" xmlns:mc="http://schemas.openxmlformats.org/markup-compatibility/2006" xmlns:mv="urn:schemas-microsoft-com:mac:vml" xmlns:p="http://schemas.openxmlformats.org/presentationml/2006/main" xmlns:c="http://schemas.openxmlformats.org/drawingml/2006/chart" xmlns:dgm="http://schemas.openxmlformats.org/drawingml/2006/diagram" xmlns:o="urn:schemas-microsoft-com:office:office" xmlns:v="urn:schemas-microsoft-com:vml" xmlns:pvml="urn:schemas-microsoft-com:office:powerpoint" xmlns:com="http://schemas.openxmlformats.org/drawingml/2006/compatibility" xmlns:p14="http://schemas.microsoft.com/office/powerpoint/2010/main" xmlns:p15="http://schemas.microsoft.com/office/powerpoint/2012/main" autoCompressPictures="0" embedTrueTypeFonts="1" strictFirstAndLastChars="0" saveSubsetFonts="1">
+<p:presentation xmlns:a="http://schemas.openxmlformats.org/drawingml/2006/main" xmlns:r="http://schemas.openxmlformats.org/officeDocument/2006/relationships" xmlns:p="http://schemas.openxmlformats.org/presentationml/2006/main" strictFirstAndLastChars="0" embedTrueTypeFonts="1" saveSubsetFonts="1" autoCompressPictures="0">
   <p:sldMasterIdLst>
-    <p:sldMasterId id="2147483660" r:id="rId4"/>
+    <p:sldMasterId id="2147483660" r:id="rId1"/>
   </p:sldMasterIdLst>
   <p:notesMasterIdLst>
-    <p:notesMasterId r:id="rId5"/>
+    <p:notesMasterId r:id="rId9"/>
   </p:notesMasterIdLst>
   <p:sldIdLst>
-    <p:sldId id="256" r:id="rId6"/>
-    <p:sldId id="257" r:id="rId7"/>
-    <p:sldId id="258" r:id="rId8"/>
-    <p:sldId id="259" r:id="rId9"/>
-    <p:sldId id="260" r:id="rId10"/>
-    <p:sldId id="261" r:id="rId11"/>
-    <p:sldId id="262" r:id="rId12"/>
+    <p:sldId id="256" r:id="rId2"/>
+    <p:sldId id="257" r:id="rId3"/>
+    <p:sldId id="258" r:id="rId4"/>
+    <p:sldId id="259" r:id="rId5"/>
+    <p:sldId id="260" r:id="rId6"/>
+    <p:sldId id="261" r:id="rId7"/>
+    <p:sldId id="262" r:id="rId8"/>
   </p:sldIdLst>
-  <p:sldSz cy="6858000" cx="12192000"/>
+  <p:sldSz cx="12192000" cy="6858000"/>
   <p:notesSz cx="6858000" cy="9144000"/>
   <p:embeddedFontLst>
     <p:embeddedFont>
-      <p:font typeface="Raleway"/>
-      <p:regular r:id="rId13"/>
-      <p:bold r:id="rId14"/>
-      <p:italic r:id="rId15"/>
-      <p:boldItalic r:id="rId16"/>
+      <p:font typeface="Calibri" panose="020F0502020204030204" pitchFamily="34" charset="0"/>
+      <p:regular r:id="rId10"/>
+      <p:bold r:id="rId11"/>
+      <p:italic r:id="rId12"/>
+      <p:boldItalic r:id="rId13"/>
     </p:embeddedFont>
     <p:embeddedFont>
-      <p:font typeface="Lato"/>
-      <p:regular r:id="rId17"/>
-      <p:bold r:id="rId18"/>
-      <p:italic r:id="rId19"/>
-      <p:boldItalic r:id="rId20"/>
+      <p:font typeface="Lato" panose="020B0604020202020204" charset="0"/>
+      <p:regular r:id="rId14"/>
+      <p:bold r:id="rId15"/>
+      <p:italic r:id="rId16"/>
+      <p:boldItalic r:id="rId17"/>
+    </p:embeddedFont>
+    <p:embeddedFont>
+      <p:font typeface="Raleway" panose="020B0604020202020204" charset="0"/>
+      <p:regular r:id="rId18"/>
+      <p:bold r:id="rId19"/>
+      <p:italic r:id="rId20"/>
+      <p:boldItalic r:id="rId21"/>
     </p:embeddedFont>
   </p:embeddedFontLst>
   <p:defaultTextStyle>
-    <a:defPPr lvl="0" marR="0" rtl="0" algn="l">
+    <a:defPPr marR="0" lvl="0" algn="l" rtl="0">
       <a:lnSpc>
         <a:spcPct val="100000"/>
       </a:lnSpc>
@@ -46,7 +53,7 @@
         <a:spcPts val="0"/>
       </a:spcAft>
     </a:defPPr>
-    <a:lvl1pPr lvl="0" marR="0" rtl="0" algn="l">
+    <a:lvl1pPr marR="0" lvl="0" algn="l" rtl="0">
       <a:lnSpc>
         <a:spcPct val="100000"/>
       </a:lnSpc>
@@ -60,7 +67,7 @@
         <a:srgbClr val="000000"/>
       </a:buClr>
       <a:buFont typeface="Arial"/>
-      <a:defRPr b="0" i="0" sz="1400" u="none" cap="none" strike="noStrike">
+      <a:defRPr sz="1400" b="0" i="0" u="none" strike="noStrike" cap="none">
         <a:solidFill>
           <a:srgbClr val="000000"/>
         </a:solidFill>
@@ -70,7 +77,7 @@
         <a:sym typeface="Arial"/>
       </a:defRPr>
     </a:lvl1pPr>
-    <a:lvl2pPr lvl="1" marR="0" rtl="0" algn="l">
+    <a:lvl2pPr marR="0" lvl="1" algn="l" rtl="0">
       <a:lnSpc>
         <a:spcPct val="100000"/>
       </a:lnSpc>
@@ -84,7 +91,7 @@
         <a:srgbClr val="000000"/>
       </a:buClr>
       <a:buFont typeface="Arial"/>
-      <a:defRPr b="0" i="0" sz="1400" u="none" cap="none" strike="noStrike">
+      <a:defRPr sz="1400" b="0" i="0" u="none" strike="noStrike" cap="none">
         <a:solidFill>
           <a:srgbClr val="000000"/>
         </a:solidFill>
@@ -94,7 +101,7 @@
         <a:sym typeface="Arial"/>
       </a:defRPr>
     </a:lvl2pPr>
-    <a:lvl3pPr lvl="2" marR="0" rtl="0" algn="l">
+    <a:lvl3pPr marR="0" lvl="2" algn="l" rtl="0">
       <a:lnSpc>
         <a:spcPct val="100000"/>
       </a:lnSpc>
@@ -108,7 +115,7 @@
         <a:srgbClr val="000000"/>
       </a:buClr>
       <a:buFont typeface="Arial"/>
-      <a:defRPr b="0" i="0" sz="1400" u="none" cap="none" strike="noStrike">
+      <a:defRPr sz="1400" b="0" i="0" u="none" strike="noStrike" cap="none">
         <a:solidFill>
           <a:srgbClr val="000000"/>
         </a:solidFill>
@@ -118,7 +125,7 @@
         <a:sym typeface="Arial"/>
       </a:defRPr>
     </a:lvl3pPr>
-    <a:lvl4pPr lvl="3" marR="0" rtl="0" algn="l">
+    <a:lvl4pPr marR="0" lvl="3" algn="l" rtl="0">
       <a:lnSpc>
         <a:spcPct val="100000"/>
       </a:lnSpc>
@@ -132,7 +139,7 @@
         <a:srgbClr val="000000"/>
       </a:buClr>
       <a:buFont typeface="Arial"/>
-      <a:defRPr b="0" i="0" sz="1400" u="none" cap="none" strike="noStrike">
+      <a:defRPr sz="1400" b="0" i="0" u="none" strike="noStrike" cap="none">
         <a:solidFill>
           <a:srgbClr val="000000"/>
         </a:solidFill>
@@ -142,7 +149,7 @@
         <a:sym typeface="Arial"/>
       </a:defRPr>
     </a:lvl4pPr>
-    <a:lvl5pPr lvl="4" marR="0" rtl="0" algn="l">
+    <a:lvl5pPr marR="0" lvl="4" algn="l" rtl="0">
       <a:lnSpc>
         <a:spcPct val="100000"/>
       </a:lnSpc>
@@ -156,7 +163,7 @@
         <a:srgbClr val="000000"/>
       </a:buClr>
       <a:buFont typeface="Arial"/>
-      <a:defRPr b="0" i="0" sz="1400" u="none" cap="none" strike="noStrike">
+      <a:defRPr sz="1400" b="0" i="0" u="none" strike="noStrike" cap="none">
         <a:solidFill>
           <a:srgbClr val="000000"/>
         </a:solidFill>
@@ -166,7 +173,7 @@
         <a:sym typeface="Arial"/>
       </a:defRPr>
     </a:lvl5pPr>
-    <a:lvl6pPr lvl="5" marR="0" rtl="0" algn="l">
+    <a:lvl6pPr marR="0" lvl="5" algn="l" rtl="0">
       <a:lnSpc>
         <a:spcPct val="100000"/>
       </a:lnSpc>
@@ -180,7 +187,7 @@
         <a:srgbClr val="000000"/>
       </a:buClr>
       <a:buFont typeface="Arial"/>
-      <a:defRPr b="0" i="0" sz="1400" u="none" cap="none" strike="noStrike">
+      <a:defRPr sz="1400" b="0" i="0" u="none" strike="noStrike" cap="none">
         <a:solidFill>
           <a:srgbClr val="000000"/>
         </a:solidFill>
@@ -190,7 +197,7 @@
         <a:sym typeface="Arial"/>
       </a:defRPr>
     </a:lvl6pPr>
-    <a:lvl7pPr lvl="6" marR="0" rtl="0" algn="l">
+    <a:lvl7pPr marR="0" lvl="6" algn="l" rtl="0">
       <a:lnSpc>
         <a:spcPct val="100000"/>
       </a:lnSpc>
@@ -204,7 +211,7 @@
         <a:srgbClr val="000000"/>
       </a:buClr>
       <a:buFont typeface="Arial"/>
-      <a:defRPr b="0" i="0" sz="1400" u="none" cap="none" strike="noStrike">
+      <a:defRPr sz="1400" b="0" i="0" u="none" strike="noStrike" cap="none">
         <a:solidFill>
           <a:srgbClr val="000000"/>
         </a:solidFill>
@@ -214,7 +221,7 @@
         <a:sym typeface="Arial"/>
       </a:defRPr>
     </a:lvl7pPr>
-    <a:lvl8pPr lvl="7" marR="0" rtl="0" algn="l">
+    <a:lvl8pPr marR="0" lvl="7" algn="l" rtl="0">
       <a:lnSpc>
         <a:spcPct val="100000"/>
       </a:lnSpc>
@@ -228,7 +235,7 @@
         <a:srgbClr val="000000"/>
       </a:buClr>
       <a:buFont typeface="Arial"/>
-      <a:defRPr b="0" i="0" sz="1400" u="none" cap="none" strike="noStrike">
+      <a:defRPr sz="1400" b="0" i="0" u="none" strike="noStrike" cap="none">
         <a:solidFill>
           <a:srgbClr val="000000"/>
         </a:solidFill>
@@ -238,7 +245,7 @@
         <a:sym typeface="Arial"/>
       </a:defRPr>
     </a:lvl8pPr>
-    <a:lvl9pPr lvl="8" marR="0" rtl="0" algn="l">
+    <a:lvl9pPr marR="0" lvl="8" algn="l" rtl="0">
       <a:lnSpc>
         <a:spcPct val="100000"/>
       </a:lnSpc>
@@ -252,7 +259,7 @@
         <a:srgbClr val="000000"/>
       </a:buClr>
       <a:buFont typeface="Arial"/>
-      <a:defRPr b="0" i="0" sz="1400" u="none" cap="none" strike="noStrike">
+      <a:defRPr sz="1400" b="0" i="0" u="none" strike="noStrike" cap="none">
         <a:solidFill>
           <a:srgbClr val="000000"/>
         </a:solidFill>
@@ -267,18 +274,19 @@
 </file>
 
 <file path=ppt/notesMasters/notesMaster1.xml><?xml version="1.0" encoding="utf-8"?>
-<p:notesMaster xmlns:a="http://schemas.openxmlformats.org/drawingml/2006/main" xmlns:r="http://schemas.openxmlformats.org/officeDocument/2006/relationships" xmlns:mc="http://schemas.openxmlformats.org/markup-compatibility/2006" xmlns:mv="urn:schemas-microsoft-com:mac:vml" xmlns:p="http://schemas.openxmlformats.org/presentationml/2006/main" xmlns:c="http://schemas.openxmlformats.org/drawingml/2006/chart" xmlns:dgm="http://schemas.openxmlformats.org/drawingml/2006/diagram" xmlns:o="urn:schemas-microsoft-com:office:office" xmlns:v="urn:schemas-microsoft-com:vml" xmlns:pvml="urn:schemas-microsoft-com:office:powerpoint" xmlns:com="http://schemas.openxmlformats.org/drawingml/2006/compatibility" xmlns:p14="http://schemas.microsoft.com/office/powerpoint/2010/main" xmlns:p15="http://schemas.microsoft.com/office/powerpoint/2012/main">
+<p:notesMaster xmlns:a="http://schemas.openxmlformats.org/drawingml/2006/main" xmlns:r="http://schemas.openxmlformats.org/officeDocument/2006/relationships" xmlns:p="http://schemas.openxmlformats.org/presentationml/2006/main">
   <p:cSld>
     <p:bg>
       <p:bgPr>
         <a:solidFill>
           <a:schemeClr val="lt1"/>
         </a:solidFill>
+        <a:effectLst/>
       </p:bgPr>
     </p:bg>
     <p:spTree>
       <p:nvGrpSpPr>
-        <p:cNvPr id="2" name="Shape 2"/>
+        <p:cNvPr id="1" name="Shape 2"/>
         <p:cNvGrpSpPr/>
         <p:nvPr/>
       </p:nvGrpSpPr>
@@ -293,9 +301,11 @@
       <p:sp>
         <p:nvSpPr>
           <p:cNvPr id="3" name="Google Shape;3;n"/>
-          <p:cNvSpPr txBox="1"/>
+          <p:cNvSpPr txBox="1">
+            <a:spLocks noGrp="1"/>
+          </p:cNvSpPr>
           <p:nvPr>
-            <p:ph idx="2" type="hdr"/>
+            <p:ph type="hdr" idx="2"/>
           </p:nvPr>
         </p:nvSpPr>
         <p:spPr>
@@ -312,11 +322,11 @@
           </a:ln>
         </p:spPr>
         <p:txBody>
-          <a:bodyPr anchorCtr="0" anchor="t" bIns="45700" lIns="91425" spcFirstLastPara="1" rIns="91425" wrap="square" tIns="45700">
+          <a:bodyPr spcFirstLastPara="1" wrap="square" lIns="91425" tIns="45700" rIns="91425" bIns="45700" anchor="t" anchorCtr="0">
             <a:noAutofit/>
           </a:bodyPr>
           <a:lstStyle>
-            <a:lvl1pPr lvl="0" marR="0" rtl="0" algn="l">
+            <a:lvl1pPr marR="0" lvl="0" algn="l" rtl="0">
               <a:spcBef>
                 <a:spcPts val="0"/>
               </a:spcBef>
@@ -325,7 +335,7 @@
               </a:spcAft>
               <a:buSzPts val="1400"/>
               <a:buNone/>
-              <a:defRPr b="0" i="0" sz="1200" u="none" cap="none" strike="noStrike">
+              <a:defRPr sz="1200" b="0" i="0" u="none" strike="noStrike" cap="none">
                 <a:solidFill>
                   <a:schemeClr val="dk1"/>
                 </a:solidFill>
@@ -335,7 +345,7 @@
                 <a:sym typeface="Calibri"/>
               </a:defRPr>
             </a:lvl1pPr>
-            <a:lvl2pPr lvl="1" marR="0" rtl="0" algn="l">
+            <a:lvl2pPr marR="0" lvl="1" algn="l" rtl="0">
               <a:spcBef>
                 <a:spcPts val="0"/>
               </a:spcBef>
@@ -344,7 +354,7 @@
               </a:spcAft>
               <a:buSzPts val="1400"/>
               <a:buNone/>
-              <a:defRPr b="0" i="0" sz="1800" u="none" cap="none" strike="noStrike">
+              <a:defRPr sz="1800" b="0" i="0" u="none" strike="noStrike" cap="none">
                 <a:solidFill>
                   <a:schemeClr val="dk1"/>
                 </a:solidFill>
@@ -354,7 +364,7 @@
                 <a:sym typeface="Calibri"/>
               </a:defRPr>
             </a:lvl2pPr>
-            <a:lvl3pPr lvl="2" marR="0" rtl="0" algn="l">
+            <a:lvl3pPr marR="0" lvl="2" algn="l" rtl="0">
               <a:spcBef>
                 <a:spcPts val="0"/>
               </a:spcBef>
@@ -363,7 +373,7 @@
               </a:spcAft>
               <a:buSzPts val="1400"/>
               <a:buNone/>
-              <a:defRPr b="0" i="0" sz="1800" u="none" cap="none" strike="noStrike">
+              <a:defRPr sz="1800" b="0" i="0" u="none" strike="noStrike" cap="none">
                 <a:solidFill>
                   <a:schemeClr val="dk1"/>
                 </a:solidFill>
@@ -373,7 +383,7 @@
                 <a:sym typeface="Calibri"/>
               </a:defRPr>
             </a:lvl3pPr>
-            <a:lvl4pPr lvl="3" marR="0" rtl="0" algn="l">
+            <a:lvl4pPr marR="0" lvl="3" algn="l" rtl="0">
               <a:spcBef>
                 <a:spcPts val="0"/>
               </a:spcBef>
@@ -382,7 +392,7 @@
               </a:spcAft>
               <a:buSzPts val="1400"/>
               <a:buNone/>
-              <a:defRPr b="0" i="0" sz="1800" u="none" cap="none" strike="noStrike">
+              <a:defRPr sz="1800" b="0" i="0" u="none" strike="noStrike" cap="none">
                 <a:solidFill>
                   <a:schemeClr val="dk1"/>
                 </a:solidFill>
@@ -392,7 +402,7 @@
                 <a:sym typeface="Calibri"/>
               </a:defRPr>
             </a:lvl4pPr>
-            <a:lvl5pPr lvl="4" marR="0" rtl="0" algn="l">
+            <a:lvl5pPr marR="0" lvl="4" algn="l" rtl="0">
               <a:spcBef>
                 <a:spcPts val="0"/>
               </a:spcBef>
@@ -401,7 +411,7 @@
               </a:spcAft>
               <a:buSzPts val="1400"/>
               <a:buNone/>
-              <a:defRPr b="0" i="0" sz="1800" u="none" cap="none" strike="noStrike">
+              <a:defRPr sz="1800" b="0" i="0" u="none" strike="noStrike" cap="none">
                 <a:solidFill>
                   <a:schemeClr val="dk1"/>
                 </a:solidFill>
@@ -411,7 +421,7 @@
                 <a:sym typeface="Calibri"/>
               </a:defRPr>
             </a:lvl5pPr>
-            <a:lvl6pPr lvl="5" marR="0" rtl="0" algn="l">
+            <a:lvl6pPr marR="0" lvl="5" algn="l" rtl="0">
               <a:spcBef>
                 <a:spcPts val="0"/>
               </a:spcBef>
@@ -420,7 +430,7 @@
               </a:spcAft>
               <a:buSzPts val="1400"/>
               <a:buNone/>
-              <a:defRPr b="0" i="0" sz="1800" u="none" cap="none" strike="noStrike">
+              <a:defRPr sz="1800" b="0" i="0" u="none" strike="noStrike" cap="none">
                 <a:solidFill>
                   <a:schemeClr val="dk1"/>
                 </a:solidFill>
@@ -430,7 +440,7 @@
                 <a:sym typeface="Calibri"/>
               </a:defRPr>
             </a:lvl6pPr>
-            <a:lvl7pPr lvl="6" marR="0" rtl="0" algn="l">
+            <a:lvl7pPr marR="0" lvl="6" algn="l" rtl="0">
               <a:spcBef>
                 <a:spcPts val="0"/>
               </a:spcBef>
@@ -439,7 +449,7 @@
               </a:spcAft>
               <a:buSzPts val="1400"/>
               <a:buNone/>
-              <a:defRPr b="0" i="0" sz="1800" u="none" cap="none" strike="noStrike">
+              <a:defRPr sz="1800" b="0" i="0" u="none" strike="noStrike" cap="none">
                 <a:solidFill>
                   <a:schemeClr val="dk1"/>
                 </a:solidFill>
@@ -449,7 +459,7 @@
                 <a:sym typeface="Calibri"/>
               </a:defRPr>
             </a:lvl7pPr>
-            <a:lvl8pPr lvl="7" marR="0" rtl="0" algn="l">
+            <a:lvl8pPr marR="0" lvl="7" algn="l" rtl="0">
               <a:spcBef>
                 <a:spcPts val="0"/>
               </a:spcBef>
@@ -458,7 +468,7 @@
               </a:spcAft>
               <a:buSzPts val="1400"/>
               <a:buNone/>
-              <a:defRPr b="0" i="0" sz="1800" u="none" cap="none" strike="noStrike">
+              <a:defRPr sz="1800" b="0" i="0" u="none" strike="noStrike" cap="none">
                 <a:solidFill>
                   <a:schemeClr val="dk1"/>
                 </a:solidFill>
@@ -468,7 +478,7 @@
                 <a:sym typeface="Calibri"/>
               </a:defRPr>
             </a:lvl8pPr>
-            <a:lvl9pPr lvl="8" marR="0" rtl="0" algn="l">
+            <a:lvl9pPr marR="0" lvl="8" algn="l" rtl="0">
               <a:spcBef>
                 <a:spcPts val="0"/>
               </a:spcBef>
@@ -477,7 +487,7 @@
               </a:spcAft>
               <a:buSzPts val="1400"/>
               <a:buNone/>
-              <a:defRPr b="0" i="0" sz="1800" u="none" cap="none" strike="noStrike">
+              <a:defRPr sz="1800" b="0" i="0" u="none" strike="noStrike" cap="none">
                 <a:solidFill>
                   <a:schemeClr val="dk1"/>
                 </a:solidFill>
@@ -488,15 +498,19 @@
               </a:defRPr>
             </a:lvl9pPr>
           </a:lstStyle>
-          <a:p/>
+          <a:p>
+            <a:endParaRPr/>
+          </a:p>
         </p:txBody>
       </p:sp>
       <p:sp>
         <p:nvSpPr>
           <p:cNvPr id="4" name="Google Shape;4;n"/>
-          <p:cNvSpPr txBox="1"/>
+          <p:cNvSpPr txBox="1">
+            <a:spLocks noGrp="1"/>
+          </p:cNvSpPr>
           <p:nvPr>
-            <p:ph idx="10" type="dt"/>
+            <p:ph type="dt" idx="10"/>
           </p:nvPr>
         </p:nvSpPr>
         <p:spPr>
@@ -513,11 +527,11 @@
           </a:ln>
         </p:spPr>
         <p:txBody>
-          <a:bodyPr anchorCtr="0" anchor="t" bIns="45700" lIns="91425" spcFirstLastPara="1" rIns="91425" wrap="square" tIns="45700">
+          <a:bodyPr spcFirstLastPara="1" wrap="square" lIns="91425" tIns="45700" rIns="91425" bIns="45700" anchor="t" anchorCtr="0">
             <a:noAutofit/>
           </a:bodyPr>
           <a:lstStyle>
-            <a:lvl1pPr lvl="0" marR="0" rtl="0" algn="r">
+            <a:lvl1pPr marR="0" lvl="0" algn="r" rtl="0">
               <a:spcBef>
                 <a:spcPts val="0"/>
               </a:spcBef>
@@ -526,7 +540,7 @@
               </a:spcAft>
               <a:buSzPts val="1400"/>
               <a:buNone/>
-              <a:defRPr b="0" i="0" sz="1200" u="none" cap="none" strike="noStrike">
+              <a:defRPr sz="1200" b="0" i="0" u="none" strike="noStrike" cap="none">
                 <a:solidFill>
                   <a:schemeClr val="dk1"/>
                 </a:solidFill>
@@ -536,7 +550,7 @@
                 <a:sym typeface="Calibri"/>
               </a:defRPr>
             </a:lvl1pPr>
-            <a:lvl2pPr lvl="1" marR="0" rtl="0" algn="l">
+            <a:lvl2pPr marR="0" lvl="1" algn="l" rtl="0">
               <a:spcBef>
                 <a:spcPts val="0"/>
               </a:spcBef>
@@ -545,7 +559,7 @@
               </a:spcAft>
               <a:buSzPts val="1400"/>
               <a:buNone/>
-              <a:defRPr b="0" i="0" sz="1800" u="none" cap="none" strike="noStrike">
+              <a:defRPr sz="1800" b="0" i="0" u="none" strike="noStrike" cap="none">
                 <a:solidFill>
                   <a:schemeClr val="dk1"/>
                 </a:solidFill>
@@ -555,7 +569,7 @@
                 <a:sym typeface="Calibri"/>
               </a:defRPr>
             </a:lvl2pPr>
-            <a:lvl3pPr lvl="2" marR="0" rtl="0" algn="l">
+            <a:lvl3pPr marR="0" lvl="2" algn="l" rtl="0">
               <a:spcBef>
                 <a:spcPts val="0"/>
               </a:spcBef>
@@ -564,7 +578,7 @@
               </a:spcAft>
               <a:buSzPts val="1400"/>
               <a:buNone/>
-              <a:defRPr b="0" i="0" sz="1800" u="none" cap="none" strike="noStrike">
+              <a:defRPr sz="1800" b="0" i="0" u="none" strike="noStrike" cap="none">
                 <a:solidFill>
                   <a:schemeClr val="dk1"/>
                 </a:solidFill>
@@ -574,7 +588,7 @@
                 <a:sym typeface="Calibri"/>
               </a:defRPr>
             </a:lvl3pPr>
-            <a:lvl4pPr lvl="3" marR="0" rtl="0" algn="l">
+            <a:lvl4pPr marR="0" lvl="3" algn="l" rtl="0">
               <a:spcBef>
                 <a:spcPts val="0"/>
               </a:spcBef>
@@ -583,7 +597,7 @@
               </a:spcAft>
               <a:buSzPts val="1400"/>
               <a:buNone/>
-              <a:defRPr b="0" i="0" sz="1800" u="none" cap="none" strike="noStrike">
+              <a:defRPr sz="1800" b="0" i="0" u="none" strike="noStrike" cap="none">
                 <a:solidFill>
                   <a:schemeClr val="dk1"/>
                 </a:solidFill>
@@ -593,7 +607,7 @@
                 <a:sym typeface="Calibri"/>
               </a:defRPr>
             </a:lvl4pPr>
-            <a:lvl5pPr lvl="4" marR="0" rtl="0" algn="l">
+            <a:lvl5pPr marR="0" lvl="4" algn="l" rtl="0">
               <a:spcBef>
                 <a:spcPts val="0"/>
               </a:spcBef>
@@ -602,7 +616,7 @@
               </a:spcAft>
               <a:buSzPts val="1400"/>
               <a:buNone/>
-              <a:defRPr b="0" i="0" sz="1800" u="none" cap="none" strike="noStrike">
+              <a:defRPr sz="1800" b="0" i="0" u="none" strike="noStrike" cap="none">
                 <a:solidFill>
                   <a:schemeClr val="dk1"/>
                 </a:solidFill>
@@ -612,7 +626,7 @@
                 <a:sym typeface="Calibri"/>
               </a:defRPr>
             </a:lvl5pPr>
-            <a:lvl6pPr lvl="5" marR="0" rtl="0" algn="l">
+            <a:lvl6pPr marR="0" lvl="5" algn="l" rtl="0">
               <a:spcBef>
                 <a:spcPts val="0"/>
               </a:spcBef>
@@ -621,7 +635,7 @@
               </a:spcAft>
               <a:buSzPts val="1400"/>
               <a:buNone/>
-              <a:defRPr b="0" i="0" sz="1800" u="none" cap="none" strike="noStrike">
+              <a:defRPr sz="1800" b="0" i="0" u="none" strike="noStrike" cap="none">
                 <a:solidFill>
                   <a:schemeClr val="dk1"/>
                 </a:solidFill>
@@ -631,7 +645,7 @@
                 <a:sym typeface="Calibri"/>
               </a:defRPr>
             </a:lvl6pPr>
-            <a:lvl7pPr lvl="6" marR="0" rtl="0" algn="l">
+            <a:lvl7pPr marR="0" lvl="6" algn="l" rtl="0">
               <a:spcBef>
                 <a:spcPts val="0"/>
               </a:spcBef>
@@ -640,7 +654,7 @@
               </a:spcAft>
               <a:buSzPts val="1400"/>
               <a:buNone/>
-              <a:defRPr b="0" i="0" sz="1800" u="none" cap="none" strike="noStrike">
+              <a:defRPr sz="1800" b="0" i="0" u="none" strike="noStrike" cap="none">
                 <a:solidFill>
                   <a:schemeClr val="dk1"/>
                 </a:solidFill>
@@ -650,7 +664,7 @@
                 <a:sym typeface="Calibri"/>
               </a:defRPr>
             </a:lvl7pPr>
-            <a:lvl8pPr lvl="7" marR="0" rtl="0" algn="l">
+            <a:lvl8pPr marR="0" lvl="7" algn="l" rtl="0">
               <a:spcBef>
                 <a:spcPts val="0"/>
               </a:spcBef>
@@ -659,7 +673,7 @@
               </a:spcAft>
               <a:buSzPts val="1400"/>
               <a:buNone/>
-              <a:defRPr b="0" i="0" sz="1800" u="none" cap="none" strike="noStrike">
+              <a:defRPr sz="1800" b="0" i="0" u="none" strike="noStrike" cap="none">
                 <a:solidFill>
                   <a:schemeClr val="dk1"/>
                 </a:solidFill>
@@ -669,7 +683,7 @@
                 <a:sym typeface="Calibri"/>
               </a:defRPr>
             </a:lvl8pPr>
-            <a:lvl9pPr lvl="8" marR="0" rtl="0" algn="l">
+            <a:lvl9pPr marR="0" lvl="8" algn="l" rtl="0">
               <a:spcBef>
                 <a:spcPts val="0"/>
               </a:spcBef>
@@ -678,7 +692,7 @@
               </a:spcAft>
               <a:buSzPts val="1400"/>
               <a:buNone/>
-              <a:defRPr b="0" i="0" sz="1800" u="none" cap="none" strike="noStrike">
+              <a:defRPr sz="1800" b="0" i="0" u="none" strike="noStrike" cap="none">
                 <a:solidFill>
                   <a:schemeClr val="dk1"/>
                 </a:solidFill>
@@ -689,15 +703,19 @@
               </a:defRPr>
             </a:lvl9pPr>
           </a:lstStyle>
-          <a:p/>
+          <a:p>
+            <a:endParaRPr/>
+          </a:p>
         </p:txBody>
       </p:sp>
       <p:sp>
         <p:nvSpPr>
           <p:cNvPr id="5" name="Google Shape;5;n"/>
-          <p:cNvSpPr/>
+          <p:cNvSpPr>
+            <a:spLocks noGrp="1" noRot="1" noChangeAspect="1"/>
+          </p:cNvSpPr>
           <p:nvPr>
-            <p:ph idx="3" type="sldImg"/>
+            <p:ph type="sldImg" idx="3"/>
           </p:nvPr>
         </p:nvSpPr>
         <p:spPr>
@@ -706,9 +724,13 @@
             <a:ext cx="5486400" cy="3086100"/>
           </a:xfrm>
           <a:custGeom>
-            <a:rect b="b" l="l" r="r" t="t"/>
+            <a:avLst/>
+            <a:gdLst/>
+            <a:ahLst/>
+            <a:cxnLst/>
+            <a:rect l="l" t="t" r="r" b="b"/>
             <a:pathLst>
-              <a:path extrusionOk="0" h="120000" w="120000">
+              <a:path w="120000" h="120000" extrusionOk="0">
                 <a:moveTo>
                   <a:pt x="0" y="0"/>
                 </a:moveTo>
@@ -726,23 +748,25 @@
             </a:pathLst>
           </a:custGeom>
           <a:noFill/>
-          <a:ln cap="flat" cmpd="sng" w="12700">
+          <a:ln w="12700" cap="flat" cmpd="sng">
             <a:solidFill>
               <a:srgbClr val="000000"/>
             </a:solidFill>
             <a:prstDash val="solid"/>
             <a:round/>
-            <a:headEnd len="sm" w="sm" type="none"/>
-            <a:tailEnd len="sm" w="sm" type="none"/>
+            <a:headEnd type="none" w="sm" len="sm"/>
+            <a:tailEnd type="none" w="sm" len="sm"/>
           </a:ln>
         </p:spPr>
       </p:sp>
       <p:sp>
         <p:nvSpPr>
           <p:cNvPr id="6" name="Google Shape;6;n"/>
-          <p:cNvSpPr txBox="1"/>
+          <p:cNvSpPr txBox="1">
+            <a:spLocks noGrp="1"/>
+          </p:cNvSpPr>
           <p:nvPr>
-            <p:ph idx="1" type="body"/>
+            <p:ph type="body" idx="1"/>
           </p:nvPr>
         </p:nvSpPr>
         <p:spPr>
@@ -759,11 +783,11 @@
           </a:ln>
         </p:spPr>
         <p:txBody>
-          <a:bodyPr anchorCtr="0" anchor="t" bIns="45700" lIns="91425" spcFirstLastPara="1" rIns="91425" wrap="square" tIns="45700">
+          <a:bodyPr spcFirstLastPara="1" wrap="square" lIns="91425" tIns="45700" rIns="91425" bIns="45700" anchor="t" anchorCtr="0">
             <a:noAutofit/>
           </a:bodyPr>
           <a:lstStyle>
-            <a:lvl1pPr indent="-228600" lvl="0" marL="457200" marR="0" rtl="0" algn="l">
+            <a:lvl1pPr marL="457200" marR="0" lvl="0" indent="-228600" algn="l" rtl="0">
               <a:spcBef>
                 <a:spcPts val="0"/>
               </a:spcBef>
@@ -772,7 +796,7 @@
               </a:spcAft>
               <a:buSzPts val="1400"/>
               <a:buNone/>
-              <a:defRPr b="0" i="0" sz="1200" u="none" cap="none" strike="noStrike">
+              <a:defRPr sz="1200" b="0" i="0" u="none" strike="noStrike" cap="none">
                 <a:solidFill>
                   <a:schemeClr val="dk1"/>
                 </a:solidFill>
@@ -782,7 +806,7 @@
                 <a:sym typeface="Calibri"/>
               </a:defRPr>
             </a:lvl1pPr>
-            <a:lvl2pPr indent="-228600" lvl="1" marL="914400" marR="0" rtl="0" algn="l">
+            <a:lvl2pPr marL="914400" marR="0" lvl="1" indent="-228600" algn="l" rtl="0">
               <a:spcBef>
                 <a:spcPts val="0"/>
               </a:spcBef>
@@ -791,7 +815,7 @@
               </a:spcAft>
               <a:buSzPts val="1400"/>
               <a:buNone/>
-              <a:defRPr b="0" i="0" sz="1200" u="none" cap="none" strike="noStrike">
+              <a:defRPr sz="1200" b="0" i="0" u="none" strike="noStrike" cap="none">
                 <a:solidFill>
                   <a:schemeClr val="dk1"/>
                 </a:solidFill>
@@ -801,7 +825,7 @@
                 <a:sym typeface="Calibri"/>
               </a:defRPr>
             </a:lvl2pPr>
-            <a:lvl3pPr indent="-228600" lvl="2" marL="1371600" marR="0" rtl="0" algn="l">
+            <a:lvl3pPr marL="1371600" marR="0" lvl="2" indent="-228600" algn="l" rtl="0">
               <a:spcBef>
                 <a:spcPts val="0"/>
               </a:spcBef>
@@ -810,7 +834,7 @@
               </a:spcAft>
               <a:buSzPts val="1400"/>
               <a:buNone/>
-              <a:defRPr b="0" i="0" sz="1200" u="none" cap="none" strike="noStrike">
+              <a:defRPr sz="1200" b="0" i="0" u="none" strike="noStrike" cap="none">
                 <a:solidFill>
                   <a:schemeClr val="dk1"/>
                 </a:solidFill>
@@ -820,7 +844,7 @@
                 <a:sym typeface="Calibri"/>
               </a:defRPr>
             </a:lvl3pPr>
-            <a:lvl4pPr indent="-228600" lvl="3" marL="1828800" marR="0" rtl="0" algn="l">
+            <a:lvl4pPr marL="1828800" marR="0" lvl="3" indent="-228600" algn="l" rtl="0">
               <a:spcBef>
                 <a:spcPts val="0"/>
               </a:spcBef>
@@ -829,7 +853,7 @@
               </a:spcAft>
               <a:buSzPts val="1400"/>
               <a:buNone/>
-              <a:defRPr b="0" i="0" sz="1200" u="none" cap="none" strike="noStrike">
+              <a:defRPr sz="1200" b="0" i="0" u="none" strike="noStrike" cap="none">
                 <a:solidFill>
                   <a:schemeClr val="dk1"/>
                 </a:solidFill>
@@ -839,7 +863,7 @@
                 <a:sym typeface="Calibri"/>
               </a:defRPr>
             </a:lvl4pPr>
-            <a:lvl5pPr indent="-228600" lvl="4" marL="2286000" marR="0" rtl="0" algn="l">
+            <a:lvl5pPr marL="2286000" marR="0" lvl="4" indent="-228600" algn="l" rtl="0">
               <a:spcBef>
                 <a:spcPts val="0"/>
               </a:spcBef>
@@ -848,7 +872,7 @@
               </a:spcAft>
               <a:buSzPts val="1400"/>
               <a:buNone/>
-              <a:defRPr b="0" i="0" sz="1200" u="none" cap="none" strike="noStrike">
+              <a:defRPr sz="1200" b="0" i="0" u="none" strike="noStrike" cap="none">
                 <a:solidFill>
                   <a:schemeClr val="dk1"/>
                 </a:solidFill>
@@ -858,7 +882,7 @@
                 <a:sym typeface="Calibri"/>
               </a:defRPr>
             </a:lvl5pPr>
-            <a:lvl6pPr indent="-228600" lvl="5" marL="2743200" marR="0" rtl="0" algn="l">
+            <a:lvl6pPr marL="2743200" marR="0" lvl="5" indent="-228600" algn="l" rtl="0">
               <a:spcBef>
                 <a:spcPts val="0"/>
               </a:spcBef>
@@ -867,7 +891,7 @@
               </a:spcAft>
               <a:buSzPts val="1400"/>
               <a:buNone/>
-              <a:defRPr b="0" i="0" sz="1200" u="none" cap="none" strike="noStrike">
+              <a:defRPr sz="1200" b="0" i="0" u="none" strike="noStrike" cap="none">
                 <a:solidFill>
                   <a:schemeClr val="dk1"/>
                 </a:solidFill>
@@ -877,7 +901,7 @@
                 <a:sym typeface="Calibri"/>
               </a:defRPr>
             </a:lvl6pPr>
-            <a:lvl7pPr indent="-228600" lvl="6" marL="3200400" marR="0" rtl="0" algn="l">
+            <a:lvl7pPr marL="3200400" marR="0" lvl="6" indent="-228600" algn="l" rtl="0">
               <a:spcBef>
                 <a:spcPts val="0"/>
               </a:spcBef>
@@ -886,7 +910,7 @@
               </a:spcAft>
               <a:buSzPts val="1400"/>
               <a:buNone/>
-              <a:defRPr b="0" i="0" sz="1200" u="none" cap="none" strike="noStrike">
+              <a:defRPr sz="1200" b="0" i="0" u="none" strike="noStrike" cap="none">
                 <a:solidFill>
                   <a:schemeClr val="dk1"/>
                 </a:solidFill>
@@ -896,7 +920,7 @@
                 <a:sym typeface="Calibri"/>
               </a:defRPr>
             </a:lvl7pPr>
-            <a:lvl8pPr indent="-228600" lvl="7" marL="3657600" marR="0" rtl="0" algn="l">
+            <a:lvl8pPr marL="3657600" marR="0" lvl="7" indent="-228600" algn="l" rtl="0">
               <a:spcBef>
                 <a:spcPts val="0"/>
               </a:spcBef>
@@ -905,7 +929,7 @@
               </a:spcAft>
               <a:buSzPts val="1400"/>
               <a:buNone/>
-              <a:defRPr b="0" i="0" sz="1200" u="none" cap="none" strike="noStrike">
+              <a:defRPr sz="1200" b="0" i="0" u="none" strike="noStrike" cap="none">
                 <a:solidFill>
                   <a:schemeClr val="dk1"/>
                 </a:solidFill>
@@ -915,7 +939,7 @@
                 <a:sym typeface="Calibri"/>
               </a:defRPr>
             </a:lvl8pPr>
-            <a:lvl9pPr indent="-228600" lvl="8" marL="4114800" marR="0" rtl="0" algn="l">
+            <a:lvl9pPr marL="4114800" marR="0" lvl="8" indent="-228600" algn="l" rtl="0">
               <a:spcBef>
                 <a:spcPts val="0"/>
               </a:spcBef>
@@ -924,7 +948,7 @@
               </a:spcAft>
               <a:buSzPts val="1400"/>
               <a:buNone/>
-              <a:defRPr b="0" i="0" sz="1200" u="none" cap="none" strike="noStrike">
+              <a:defRPr sz="1200" b="0" i="0" u="none" strike="noStrike" cap="none">
                 <a:solidFill>
                   <a:schemeClr val="dk1"/>
                 </a:solidFill>
@@ -935,15 +959,19 @@
               </a:defRPr>
             </a:lvl9pPr>
           </a:lstStyle>
-          <a:p/>
+          <a:p>
+            <a:endParaRPr/>
+          </a:p>
         </p:txBody>
       </p:sp>
       <p:sp>
         <p:nvSpPr>
           <p:cNvPr id="7" name="Google Shape;7;n"/>
-          <p:cNvSpPr txBox="1"/>
+          <p:cNvSpPr txBox="1">
+            <a:spLocks noGrp="1"/>
+          </p:cNvSpPr>
           <p:nvPr>
-            <p:ph idx="11" type="ftr"/>
+            <p:ph type="ftr" idx="11"/>
           </p:nvPr>
         </p:nvSpPr>
         <p:spPr>
@@ -960,11 +988,11 @@
           </a:ln>
         </p:spPr>
         <p:txBody>
-          <a:bodyPr anchorCtr="0" anchor="b" bIns="45700" lIns="91425" spcFirstLastPara="1" rIns="91425" wrap="square" tIns="45700">
+          <a:bodyPr spcFirstLastPara="1" wrap="square" lIns="91425" tIns="45700" rIns="91425" bIns="45700" anchor="b" anchorCtr="0">
             <a:noAutofit/>
           </a:bodyPr>
           <a:lstStyle>
-            <a:lvl1pPr lvl="0" marR="0" rtl="0" algn="l">
+            <a:lvl1pPr marR="0" lvl="0" algn="l" rtl="0">
               <a:spcBef>
                 <a:spcPts val="0"/>
               </a:spcBef>
@@ -973,7 +1001,7 @@
               </a:spcAft>
               <a:buSzPts val="1400"/>
               <a:buNone/>
-              <a:defRPr b="0" i="0" sz="1200" u="none" cap="none" strike="noStrike">
+              <a:defRPr sz="1200" b="0" i="0" u="none" strike="noStrike" cap="none">
                 <a:solidFill>
                   <a:schemeClr val="dk1"/>
                 </a:solidFill>
@@ -983,7 +1011,7 @@
                 <a:sym typeface="Calibri"/>
               </a:defRPr>
             </a:lvl1pPr>
-            <a:lvl2pPr lvl="1" marR="0" rtl="0" algn="l">
+            <a:lvl2pPr marR="0" lvl="1" algn="l" rtl="0">
               <a:spcBef>
                 <a:spcPts val="0"/>
               </a:spcBef>
@@ -992,7 +1020,7 @@
               </a:spcAft>
               <a:buSzPts val="1400"/>
               <a:buNone/>
-              <a:defRPr b="0" i="0" sz="1800" u="none" cap="none" strike="noStrike">
+              <a:defRPr sz="1800" b="0" i="0" u="none" strike="noStrike" cap="none">
                 <a:solidFill>
                   <a:schemeClr val="dk1"/>
                 </a:solidFill>
@@ -1002,7 +1030,7 @@
                 <a:sym typeface="Calibri"/>
               </a:defRPr>
             </a:lvl2pPr>
-            <a:lvl3pPr lvl="2" marR="0" rtl="0" algn="l">
+            <a:lvl3pPr marR="0" lvl="2" algn="l" rtl="0">
               <a:spcBef>
                 <a:spcPts val="0"/>
               </a:spcBef>
@@ -1011,7 +1039,7 @@
               </a:spcAft>
               <a:buSzPts val="1400"/>
               <a:buNone/>
-              <a:defRPr b="0" i="0" sz="1800" u="none" cap="none" strike="noStrike">
+              <a:defRPr sz="1800" b="0" i="0" u="none" strike="noStrike" cap="none">
                 <a:solidFill>
                   <a:schemeClr val="dk1"/>
                 </a:solidFill>
@@ -1021,7 +1049,7 @@
                 <a:sym typeface="Calibri"/>
               </a:defRPr>
             </a:lvl3pPr>
-            <a:lvl4pPr lvl="3" marR="0" rtl="0" algn="l">
+            <a:lvl4pPr marR="0" lvl="3" algn="l" rtl="0">
               <a:spcBef>
                 <a:spcPts val="0"/>
               </a:spcBef>
@@ -1030,7 +1058,7 @@
               </a:spcAft>
               <a:buSzPts val="1400"/>
               <a:buNone/>
-              <a:defRPr b="0" i="0" sz="1800" u="none" cap="none" strike="noStrike">
+              <a:defRPr sz="1800" b="0" i="0" u="none" strike="noStrike" cap="none">
                 <a:solidFill>
                   <a:schemeClr val="dk1"/>
                 </a:solidFill>
@@ -1040,7 +1068,7 @@
                 <a:sym typeface="Calibri"/>
               </a:defRPr>
             </a:lvl4pPr>
-            <a:lvl5pPr lvl="4" marR="0" rtl="0" algn="l">
+            <a:lvl5pPr marR="0" lvl="4" algn="l" rtl="0">
               <a:spcBef>
                 <a:spcPts val="0"/>
               </a:spcBef>
@@ -1049,7 +1077,7 @@
               </a:spcAft>
               <a:buSzPts val="1400"/>
               <a:buNone/>
-              <a:defRPr b="0" i="0" sz="1800" u="none" cap="none" strike="noStrike">
+              <a:defRPr sz="1800" b="0" i="0" u="none" strike="noStrike" cap="none">
                 <a:solidFill>
                   <a:schemeClr val="dk1"/>
                 </a:solidFill>
@@ -1059,7 +1087,7 @@
                 <a:sym typeface="Calibri"/>
               </a:defRPr>
             </a:lvl5pPr>
-            <a:lvl6pPr lvl="5" marR="0" rtl="0" algn="l">
+            <a:lvl6pPr marR="0" lvl="5" algn="l" rtl="0">
               <a:spcBef>
                 <a:spcPts val="0"/>
               </a:spcBef>
@@ -1068,7 +1096,7 @@
               </a:spcAft>
               <a:buSzPts val="1400"/>
               <a:buNone/>
-              <a:defRPr b="0" i="0" sz="1800" u="none" cap="none" strike="noStrike">
+              <a:defRPr sz="1800" b="0" i="0" u="none" strike="noStrike" cap="none">
                 <a:solidFill>
                   <a:schemeClr val="dk1"/>
                 </a:solidFill>
@@ -1078,7 +1106,7 @@
                 <a:sym typeface="Calibri"/>
               </a:defRPr>
             </a:lvl6pPr>
-            <a:lvl7pPr lvl="6" marR="0" rtl="0" algn="l">
+            <a:lvl7pPr marR="0" lvl="6" algn="l" rtl="0">
               <a:spcBef>
                 <a:spcPts val="0"/>
               </a:spcBef>
@@ -1087,7 +1115,7 @@
               </a:spcAft>
               <a:buSzPts val="1400"/>
               <a:buNone/>
-              <a:defRPr b="0" i="0" sz="1800" u="none" cap="none" strike="noStrike">
+              <a:defRPr sz="1800" b="0" i="0" u="none" strike="noStrike" cap="none">
                 <a:solidFill>
                   <a:schemeClr val="dk1"/>
                 </a:solidFill>
@@ -1097,7 +1125,7 @@
                 <a:sym typeface="Calibri"/>
               </a:defRPr>
             </a:lvl7pPr>
-            <a:lvl8pPr lvl="7" marR="0" rtl="0" algn="l">
+            <a:lvl8pPr marR="0" lvl="7" algn="l" rtl="0">
               <a:spcBef>
                 <a:spcPts val="0"/>
               </a:spcBef>
@@ -1106,7 +1134,7 @@
               </a:spcAft>
               <a:buSzPts val="1400"/>
               <a:buNone/>
-              <a:defRPr b="0" i="0" sz="1800" u="none" cap="none" strike="noStrike">
+              <a:defRPr sz="1800" b="0" i="0" u="none" strike="noStrike" cap="none">
                 <a:solidFill>
                   <a:schemeClr val="dk1"/>
                 </a:solidFill>
@@ -1116,7 +1144,7 @@
                 <a:sym typeface="Calibri"/>
               </a:defRPr>
             </a:lvl8pPr>
-            <a:lvl9pPr lvl="8" marR="0" rtl="0" algn="l">
+            <a:lvl9pPr marR="0" lvl="8" algn="l" rtl="0">
               <a:spcBef>
                 <a:spcPts val="0"/>
               </a:spcBef>
@@ -1125,7 +1153,7 @@
               </a:spcAft>
               <a:buSzPts val="1400"/>
               <a:buNone/>
-              <a:defRPr b="0" i="0" sz="1800" u="none" cap="none" strike="noStrike">
+              <a:defRPr sz="1800" b="0" i="0" u="none" strike="noStrike" cap="none">
                 <a:solidFill>
                   <a:schemeClr val="dk1"/>
                 </a:solidFill>
@@ -1136,15 +1164,19 @@
               </a:defRPr>
             </a:lvl9pPr>
           </a:lstStyle>
-          <a:p/>
+          <a:p>
+            <a:endParaRPr/>
+          </a:p>
         </p:txBody>
       </p:sp>
       <p:sp>
         <p:nvSpPr>
           <p:cNvPr id="8" name="Google Shape;8;n"/>
-          <p:cNvSpPr txBox="1"/>
+          <p:cNvSpPr txBox="1">
+            <a:spLocks noGrp="1"/>
+          </p:cNvSpPr>
           <p:nvPr>
-            <p:ph idx="12" type="sldNum"/>
+            <p:ph type="sldNum" idx="12"/>
           </p:nvPr>
         </p:nvSpPr>
         <p:spPr>
@@ -1161,12 +1193,12 @@
           </a:ln>
         </p:spPr>
         <p:txBody>
-          <a:bodyPr anchorCtr="0" anchor="b" bIns="45700" lIns="91425" spcFirstLastPara="1" rIns="91425" wrap="square" tIns="45700">
+          <a:bodyPr spcFirstLastPara="1" wrap="square" lIns="91425" tIns="45700" rIns="91425" bIns="45700" anchor="b" anchorCtr="0">
             <a:noAutofit/>
           </a:bodyPr>
           <a:lstStyle/>
           <a:p>
-            <a:pPr indent="0" lvl="0" marL="0" marR="0" rtl="0" algn="r">
+            <a:pPr marL="0" marR="0" lvl="0" indent="0" algn="r" rtl="0">
               <a:spcBef>
                 <a:spcPts val="0"/>
               </a:spcBef>
@@ -1176,7 +1208,7 @@
               <a:buNone/>
             </a:pPr>
             <a:fld id="{00000000-1234-1234-1234-123412341234}" type="slidenum">
-              <a:rPr b="0" i="0" lang="en-US" sz="1200" u="none" cap="none" strike="noStrike">
+              <a:rPr lang="en-US" sz="1200" b="0" i="0" u="none" strike="noStrike" cap="none">
                 <a:solidFill>
                   <a:schemeClr val="dk1"/>
                 </a:solidFill>
@@ -1187,7 +1219,7 @@
               </a:rPr>
               <a:t>‹#›</a:t>
             </a:fld>
-            <a:endParaRPr b="0" i="0" sz="1200" u="none" cap="none" strike="noStrike">
+            <a:endParaRPr sz="1200" b="0" i="0" u="none" strike="noStrike" cap="none">
               <a:solidFill>
                 <a:schemeClr val="dk1"/>
               </a:solidFill>
@@ -1201,9 +1233,9 @@
       </p:sp>
     </p:spTree>
   </p:cSld>
-  <p:clrMap accent1="accent1" accent2="accent2" accent3="accent3" accent4="accent4" accent5="accent5" accent6="accent6" bg1="lt1" bg2="dk2" tx1="dk1" tx2="lt2" folHlink="folHlink" hlink="hlink"/>
+  <p:clrMap bg1="lt1" tx1="dk1" bg2="dk2" tx2="lt2" accent1="accent1" accent2="accent2" accent3="accent3" accent4="accent4" accent5="accent5" accent6="accent6" hlink="hlink" folHlink="folHlink"/>
   <p:notesStyle>
-    <a:defPPr lvl="0" marR="0" rtl="0" algn="l">
+    <a:defPPr marR="0" lvl="0" algn="l" rtl="0">
       <a:lnSpc>
         <a:spcPct val="100000"/>
       </a:lnSpc>
@@ -1214,7 +1246,7 @@
         <a:spcPts val="0"/>
       </a:spcAft>
     </a:defPPr>
-    <a:lvl1pPr lvl="0" marR="0" rtl="0" algn="l">
+    <a:lvl1pPr marR="0" lvl="0" algn="l" rtl="0">
       <a:lnSpc>
         <a:spcPct val="100000"/>
       </a:lnSpc>
@@ -1228,7 +1260,7 @@
         <a:srgbClr val="000000"/>
       </a:buClr>
       <a:buFont typeface="Arial"/>
-      <a:defRPr b="0" i="0" sz="1400" u="none" cap="none" strike="noStrike">
+      <a:defRPr sz="1400" b="0" i="0" u="none" strike="noStrike" cap="none">
         <a:solidFill>
           <a:srgbClr val="000000"/>
         </a:solidFill>
@@ -1238,7 +1270,7 @@
         <a:sym typeface="Arial"/>
       </a:defRPr>
     </a:lvl1pPr>
-    <a:lvl2pPr lvl="1" marR="0" rtl="0" algn="l">
+    <a:lvl2pPr marR="0" lvl="1" algn="l" rtl="0">
       <a:lnSpc>
         <a:spcPct val="100000"/>
       </a:lnSpc>
@@ -1252,7 +1284,7 @@
         <a:srgbClr val="000000"/>
       </a:buClr>
       <a:buFont typeface="Arial"/>
-      <a:defRPr b="0" i="0" sz="1400" u="none" cap="none" strike="noStrike">
+      <a:defRPr sz="1400" b="0" i="0" u="none" strike="noStrike" cap="none">
         <a:solidFill>
           <a:srgbClr val="000000"/>
         </a:solidFill>
@@ -1262,7 +1294,7 @@
         <a:sym typeface="Arial"/>
       </a:defRPr>
     </a:lvl2pPr>
-    <a:lvl3pPr lvl="2" marR="0" rtl="0" algn="l">
+    <a:lvl3pPr marR="0" lvl="2" algn="l" rtl="0">
       <a:lnSpc>
         <a:spcPct val="100000"/>
       </a:lnSpc>
@@ -1276,7 +1308,7 @@
         <a:srgbClr val="000000"/>
       </a:buClr>
       <a:buFont typeface="Arial"/>
-      <a:defRPr b="0" i="0" sz="1400" u="none" cap="none" strike="noStrike">
+      <a:defRPr sz="1400" b="0" i="0" u="none" strike="noStrike" cap="none">
         <a:solidFill>
           <a:srgbClr val="000000"/>
         </a:solidFill>
@@ -1286,7 +1318,7 @@
         <a:sym typeface="Arial"/>
       </a:defRPr>
     </a:lvl3pPr>
-    <a:lvl4pPr lvl="3" marR="0" rtl="0" algn="l">
+    <a:lvl4pPr marR="0" lvl="3" algn="l" rtl="0">
       <a:lnSpc>
         <a:spcPct val="100000"/>
       </a:lnSpc>
@@ -1300,7 +1332,7 @@
         <a:srgbClr val="000000"/>
       </a:buClr>
       <a:buFont typeface="Arial"/>
-      <a:defRPr b="0" i="0" sz="1400" u="none" cap="none" strike="noStrike">
+      <a:defRPr sz="1400" b="0" i="0" u="none" strike="noStrike" cap="none">
         <a:solidFill>
           <a:srgbClr val="000000"/>
         </a:solidFill>
@@ -1310,7 +1342,7 @@
         <a:sym typeface="Arial"/>
       </a:defRPr>
     </a:lvl4pPr>
-    <a:lvl5pPr lvl="4" marR="0" rtl="0" algn="l">
+    <a:lvl5pPr marR="0" lvl="4" algn="l" rtl="0">
       <a:lnSpc>
         <a:spcPct val="100000"/>
       </a:lnSpc>
@@ -1324,7 +1356,7 @@
         <a:srgbClr val="000000"/>
       </a:buClr>
       <a:buFont typeface="Arial"/>
-      <a:defRPr b="0" i="0" sz="1400" u="none" cap="none" strike="noStrike">
+      <a:defRPr sz="1400" b="0" i="0" u="none" strike="noStrike" cap="none">
         <a:solidFill>
           <a:srgbClr val="000000"/>
         </a:solidFill>
@@ -1334,7 +1366,7 @@
         <a:sym typeface="Arial"/>
       </a:defRPr>
     </a:lvl5pPr>
-    <a:lvl6pPr lvl="5" marR="0" rtl="0" algn="l">
+    <a:lvl6pPr marR="0" lvl="5" algn="l" rtl="0">
       <a:lnSpc>
         <a:spcPct val="100000"/>
       </a:lnSpc>
@@ -1348,7 +1380,7 @@
         <a:srgbClr val="000000"/>
       </a:buClr>
       <a:buFont typeface="Arial"/>
-      <a:defRPr b="0" i="0" sz="1400" u="none" cap="none" strike="noStrike">
+      <a:defRPr sz="1400" b="0" i="0" u="none" strike="noStrike" cap="none">
         <a:solidFill>
           <a:srgbClr val="000000"/>
         </a:solidFill>
@@ -1358,7 +1390,7 @@
         <a:sym typeface="Arial"/>
       </a:defRPr>
     </a:lvl6pPr>
-    <a:lvl7pPr lvl="6" marR="0" rtl="0" algn="l">
+    <a:lvl7pPr marR="0" lvl="6" algn="l" rtl="0">
       <a:lnSpc>
         <a:spcPct val="100000"/>
       </a:lnSpc>
@@ -1372,7 +1404,7 @@
         <a:srgbClr val="000000"/>
       </a:buClr>
       <a:buFont typeface="Arial"/>
-      <a:defRPr b="0" i="0" sz="1400" u="none" cap="none" strike="noStrike">
+      <a:defRPr sz="1400" b="0" i="0" u="none" strike="noStrike" cap="none">
         <a:solidFill>
           <a:srgbClr val="000000"/>
         </a:solidFill>
@@ -1382,7 +1414,7 @@
         <a:sym typeface="Arial"/>
       </a:defRPr>
     </a:lvl7pPr>
-    <a:lvl8pPr lvl="7" marR="0" rtl="0" algn="l">
+    <a:lvl8pPr marR="0" lvl="7" algn="l" rtl="0">
       <a:lnSpc>
         <a:spcPct val="100000"/>
       </a:lnSpc>
@@ -1396,7 +1428,7 @@
         <a:srgbClr val="000000"/>
       </a:buClr>
       <a:buFont typeface="Arial"/>
-      <a:defRPr b="0" i="0" sz="1400" u="none" cap="none" strike="noStrike">
+      <a:defRPr sz="1400" b="0" i="0" u="none" strike="noStrike" cap="none">
         <a:solidFill>
           <a:srgbClr val="000000"/>
         </a:solidFill>
@@ -1406,7 +1438,7 @@
         <a:sym typeface="Arial"/>
       </a:defRPr>
     </a:lvl8pPr>
-    <a:lvl9pPr lvl="8" marR="0" rtl="0" algn="l">
+    <a:lvl9pPr marR="0" lvl="8" algn="l" rtl="0">
       <a:lnSpc>
         <a:spcPct val="100000"/>
       </a:lnSpc>
@@ -1420,7 +1452,7 @@
         <a:srgbClr val="000000"/>
       </a:buClr>
       <a:buFont typeface="Arial"/>
-      <a:defRPr b="0" i="0" sz="1400" u="none" cap="none" strike="noStrike">
+      <a:defRPr sz="1400" b="0" i="0" u="none" strike="noStrike" cap="none">
         <a:solidFill>
           <a:srgbClr val="000000"/>
         </a:solidFill>
@@ -1435,11 +1467,11 @@
 </file>
 
 <file path=ppt/notesSlides/notesSlide1.xml><?xml version="1.0" encoding="utf-8"?>
-<p:notes xmlns:a="http://schemas.openxmlformats.org/drawingml/2006/main" xmlns:r="http://schemas.openxmlformats.org/officeDocument/2006/relationships" xmlns:mc="http://schemas.openxmlformats.org/markup-compatibility/2006" xmlns:mv="urn:schemas-microsoft-com:mac:vml" xmlns:p="http://schemas.openxmlformats.org/presentationml/2006/main" xmlns:c="http://schemas.openxmlformats.org/drawingml/2006/chart" xmlns:dgm="http://schemas.openxmlformats.org/drawingml/2006/diagram" xmlns:o="urn:schemas-microsoft-com:office:office" xmlns:v="urn:schemas-microsoft-com:vml" xmlns:pvml="urn:schemas-microsoft-com:office:powerpoint" xmlns:com="http://schemas.openxmlformats.org/drawingml/2006/compatibility" xmlns:p14="http://schemas.microsoft.com/office/powerpoint/2010/main" xmlns:p15="http://schemas.microsoft.com/office/powerpoint/2012/main" showMasterPhAnim="0" showMasterSp="0">
+<p:notes xmlns:a="http://schemas.openxmlformats.org/drawingml/2006/main" xmlns:r="http://schemas.openxmlformats.org/officeDocument/2006/relationships" xmlns:p="http://schemas.openxmlformats.org/presentationml/2006/main" showMasterSp="0" showMasterPhAnim="0">
   <p:cSld>
     <p:spTree>
       <p:nvGrpSpPr>
-        <p:cNvPr id="92" name="Shape 92"/>
+        <p:cNvPr id="1" name="Shape 92"/>
         <p:cNvGrpSpPr/>
         <p:nvPr/>
       </p:nvGrpSpPr>
@@ -1454,9 +1486,11 @@
       <p:sp>
         <p:nvSpPr>
           <p:cNvPr id="93" name="Google Shape;93;p1:notes"/>
-          <p:cNvSpPr txBox="1"/>
+          <p:cNvSpPr txBox="1">
+            <a:spLocks noGrp="1"/>
+          </p:cNvSpPr>
           <p:nvPr>
-            <p:ph idx="1" type="body"/>
+            <p:ph type="body" idx="1"/>
           </p:nvPr>
         </p:nvSpPr>
         <p:spPr>
@@ -1469,12 +1503,12 @@
           </a:prstGeom>
         </p:spPr>
         <p:txBody>
-          <a:bodyPr anchorCtr="0" anchor="t" bIns="45700" lIns="91425" spcFirstLastPara="1" rIns="91425" wrap="square" tIns="45700">
+          <a:bodyPr spcFirstLastPara="1" wrap="square" lIns="91425" tIns="45700" rIns="91425" bIns="45700" anchor="t" anchorCtr="0">
             <a:noAutofit/>
           </a:bodyPr>
           <a:lstStyle/>
           <a:p>
-            <a:pPr indent="0" lvl="0" marL="0" rtl="0" algn="l">
+            <a:pPr marL="0" lvl="0" indent="0" algn="l" rtl="0">
               <a:spcBef>
                 <a:spcPts val="0"/>
               </a:spcBef>
@@ -1483,9 +1517,6 @@
               </a:spcAft>
               <a:buNone/>
             </a:pPr>
-            <a:r>
-              <a:t/>
-            </a:r>
             <a:endParaRPr/>
           </a:p>
         </p:txBody>
@@ -1493,9 +1524,11 @@
       <p:sp>
         <p:nvSpPr>
           <p:cNvPr id="94" name="Google Shape;94;p1:notes"/>
-          <p:cNvSpPr/>
+          <p:cNvSpPr>
+            <a:spLocks noGrp="1" noRot="1" noChangeAspect="1"/>
+          </p:cNvSpPr>
           <p:nvPr>
-            <p:ph idx="2" type="sldImg"/>
+            <p:ph type="sldImg" idx="2"/>
           </p:nvPr>
         </p:nvSpPr>
         <p:spPr>
@@ -1504,9 +1537,13 @@
             <a:ext cx="5486400" cy="3086100"/>
           </a:xfrm>
           <a:custGeom>
-            <a:rect b="b" l="l" r="r" t="t"/>
+            <a:avLst/>
+            <a:gdLst/>
+            <a:ahLst/>
+            <a:cxnLst/>
+            <a:rect l="l" t="t" r="r" b="b"/>
             <a:pathLst>
-              <a:path extrusionOk="0" h="120000" w="120000">
+              <a:path w="120000" h="120000" extrusionOk="0">
                 <a:moveTo>
                   <a:pt x="0" y="0"/>
                 </a:moveTo>
@@ -1534,11 +1571,11 @@
 </file>
 
 <file path=ppt/notesSlides/notesSlide2.xml><?xml version="1.0" encoding="utf-8"?>
-<p:notes xmlns:a="http://schemas.openxmlformats.org/drawingml/2006/main" xmlns:r="http://schemas.openxmlformats.org/officeDocument/2006/relationships" xmlns:mc="http://schemas.openxmlformats.org/markup-compatibility/2006" xmlns:mv="urn:schemas-microsoft-com:mac:vml" xmlns:p="http://schemas.openxmlformats.org/presentationml/2006/main" xmlns:c="http://schemas.openxmlformats.org/drawingml/2006/chart" xmlns:dgm="http://schemas.openxmlformats.org/drawingml/2006/diagram" xmlns:o="urn:schemas-microsoft-com:office:office" xmlns:v="urn:schemas-microsoft-com:vml" xmlns:pvml="urn:schemas-microsoft-com:office:powerpoint" xmlns:com="http://schemas.openxmlformats.org/drawingml/2006/compatibility" xmlns:p14="http://schemas.microsoft.com/office/powerpoint/2010/main" xmlns:p15="http://schemas.microsoft.com/office/powerpoint/2012/main" showMasterPhAnim="0" showMasterSp="0">
+<p:notes xmlns:a="http://schemas.openxmlformats.org/drawingml/2006/main" xmlns:r="http://schemas.openxmlformats.org/officeDocument/2006/relationships" xmlns:p="http://schemas.openxmlformats.org/presentationml/2006/main" showMasterSp="0" showMasterPhAnim="0">
   <p:cSld>
     <p:spTree>
       <p:nvGrpSpPr>
-        <p:cNvPr id="98" name="Shape 98"/>
+        <p:cNvPr id="1" name="Shape 98"/>
         <p:cNvGrpSpPr/>
         <p:nvPr/>
       </p:nvGrpSpPr>
@@ -1553,9 +1590,11 @@
       <p:sp>
         <p:nvSpPr>
           <p:cNvPr id="99" name="Google Shape;99;g4fe6ed41a2_0_417:notes"/>
-          <p:cNvSpPr txBox="1"/>
+          <p:cNvSpPr txBox="1">
+            <a:spLocks noGrp="1"/>
+          </p:cNvSpPr>
           <p:nvPr>
-            <p:ph idx="1" type="body"/>
+            <p:ph type="body" idx="1"/>
           </p:nvPr>
         </p:nvSpPr>
         <p:spPr>
@@ -1568,12 +1607,12 @@
           </a:prstGeom>
         </p:spPr>
         <p:txBody>
-          <a:bodyPr anchorCtr="0" anchor="t" bIns="45700" lIns="91425" spcFirstLastPara="1" rIns="91425" wrap="square" tIns="45700">
+          <a:bodyPr spcFirstLastPara="1" wrap="square" lIns="91425" tIns="45700" rIns="91425" bIns="45700" anchor="t" anchorCtr="0">
             <a:noAutofit/>
           </a:bodyPr>
           <a:lstStyle/>
           <a:p>
-            <a:pPr indent="0" lvl="0" marL="0" rtl="0" algn="l">
+            <a:pPr marL="0" lvl="0" indent="0" algn="l" rtl="0">
               <a:spcBef>
                 <a:spcPts val="0"/>
               </a:spcBef>
@@ -1582,9 +1621,6 @@
               </a:spcAft>
               <a:buNone/>
             </a:pPr>
-            <a:r>
-              <a:t/>
-            </a:r>
             <a:endParaRPr/>
           </a:p>
         </p:txBody>
@@ -1592,9 +1628,11 @@
       <p:sp>
         <p:nvSpPr>
           <p:cNvPr id="100" name="Google Shape;100;g4fe6ed41a2_0_417:notes"/>
-          <p:cNvSpPr/>
+          <p:cNvSpPr>
+            <a:spLocks noGrp="1" noRot="1" noChangeAspect="1"/>
+          </p:cNvSpPr>
           <p:nvPr>
-            <p:ph idx="2" type="sldImg"/>
+            <p:ph type="sldImg" idx="2"/>
           </p:nvPr>
         </p:nvSpPr>
         <p:spPr>
@@ -1603,9 +1641,13 @@
             <a:ext cx="5486400" cy="3086100"/>
           </a:xfrm>
           <a:custGeom>
-            <a:rect b="b" l="l" r="r" t="t"/>
+            <a:avLst/>
+            <a:gdLst/>
+            <a:ahLst/>
+            <a:cxnLst/>
+            <a:rect l="l" t="t" r="r" b="b"/>
             <a:pathLst>
-              <a:path extrusionOk="0" h="120000" w="120000">
+              <a:path w="120000" h="120000" extrusionOk="0">
                 <a:moveTo>
                   <a:pt x="0" y="0"/>
                 </a:moveTo>
@@ -1633,11 +1675,11 @@
 </file>
 
 <file path=ppt/notesSlides/notesSlide3.xml><?xml version="1.0" encoding="utf-8"?>
-<p:notes xmlns:a="http://schemas.openxmlformats.org/drawingml/2006/main" xmlns:r="http://schemas.openxmlformats.org/officeDocument/2006/relationships" xmlns:mc="http://schemas.openxmlformats.org/markup-compatibility/2006" xmlns:mv="urn:schemas-microsoft-com:mac:vml" xmlns:p="http://schemas.openxmlformats.org/presentationml/2006/main" xmlns:c="http://schemas.openxmlformats.org/drawingml/2006/chart" xmlns:dgm="http://schemas.openxmlformats.org/drawingml/2006/diagram" xmlns:o="urn:schemas-microsoft-com:office:office" xmlns:v="urn:schemas-microsoft-com:vml" xmlns:pvml="urn:schemas-microsoft-com:office:powerpoint" xmlns:com="http://schemas.openxmlformats.org/drawingml/2006/compatibility" xmlns:p14="http://schemas.microsoft.com/office/powerpoint/2010/main" xmlns:p15="http://schemas.microsoft.com/office/powerpoint/2012/main" showMasterPhAnim="0" showMasterSp="0">
+<p:notes xmlns:a="http://schemas.openxmlformats.org/drawingml/2006/main" xmlns:r="http://schemas.openxmlformats.org/officeDocument/2006/relationships" xmlns:p="http://schemas.openxmlformats.org/presentationml/2006/main" showMasterSp="0" showMasterPhAnim="0">
   <p:cSld>
     <p:spTree>
       <p:nvGrpSpPr>
-        <p:cNvPr id="104" name="Shape 104"/>
+        <p:cNvPr id="1" name="Shape 104"/>
         <p:cNvGrpSpPr/>
         <p:nvPr/>
       </p:nvGrpSpPr>
@@ -1652,9 +1694,11 @@
       <p:sp>
         <p:nvSpPr>
           <p:cNvPr id="105" name="Google Shape;105;g4fe6ed41a2_0_423:notes"/>
-          <p:cNvSpPr txBox="1"/>
+          <p:cNvSpPr txBox="1">
+            <a:spLocks noGrp="1"/>
+          </p:cNvSpPr>
           <p:nvPr>
-            <p:ph idx="1" type="body"/>
+            <p:ph type="body" idx="1"/>
           </p:nvPr>
         </p:nvSpPr>
         <p:spPr>
@@ -1667,12 +1711,12 @@
           </a:prstGeom>
         </p:spPr>
         <p:txBody>
-          <a:bodyPr anchorCtr="0" anchor="t" bIns="45700" lIns="91425" spcFirstLastPara="1" rIns="91425" wrap="square" tIns="45700">
+          <a:bodyPr spcFirstLastPara="1" wrap="square" lIns="91425" tIns="45700" rIns="91425" bIns="45700" anchor="t" anchorCtr="0">
             <a:noAutofit/>
           </a:bodyPr>
           <a:lstStyle/>
           <a:p>
-            <a:pPr indent="0" lvl="0" marL="0" rtl="0" algn="l">
+            <a:pPr marL="0" lvl="0" indent="0" algn="l" rtl="0">
               <a:spcBef>
                 <a:spcPts val="0"/>
               </a:spcBef>
@@ -1681,9 +1725,6 @@
               </a:spcAft>
               <a:buNone/>
             </a:pPr>
-            <a:r>
-              <a:t/>
-            </a:r>
             <a:endParaRPr/>
           </a:p>
         </p:txBody>
@@ -1691,9 +1732,11 @@
       <p:sp>
         <p:nvSpPr>
           <p:cNvPr id="106" name="Google Shape;106;g4fe6ed41a2_0_423:notes"/>
-          <p:cNvSpPr/>
+          <p:cNvSpPr>
+            <a:spLocks noGrp="1" noRot="1" noChangeAspect="1"/>
+          </p:cNvSpPr>
           <p:nvPr>
-            <p:ph idx="2" type="sldImg"/>
+            <p:ph type="sldImg" idx="2"/>
           </p:nvPr>
         </p:nvSpPr>
         <p:spPr>
@@ -1702,9 +1745,13 @@
             <a:ext cx="5486400" cy="3086100"/>
           </a:xfrm>
           <a:custGeom>
-            <a:rect b="b" l="l" r="r" t="t"/>
+            <a:avLst/>
+            <a:gdLst/>
+            <a:ahLst/>
+            <a:cxnLst/>
+            <a:rect l="l" t="t" r="r" b="b"/>
             <a:pathLst>
-              <a:path extrusionOk="0" h="120000" w="120000">
+              <a:path w="120000" h="120000" extrusionOk="0">
                 <a:moveTo>
                   <a:pt x="0" y="0"/>
                 </a:moveTo>
@@ -1732,11 +1779,11 @@
 </file>
 
 <file path=ppt/notesSlides/notesSlide4.xml><?xml version="1.0" encoding="utf-8"?>
-<p:notes xmlns:a="http://schemas.openxmlformats.org/drawingml/2006/main" xmlns:r="http://schemas.openxmlformats.org/officeDocument/2006/relationships" xmlns:mc="http://schemas.openxmlformats.org/markup-compatibility/2006" xmlns:mv="urn:schemas-microsoft-com:mac:vml" xmlns:p="http://schemas.openxmlformats.org/presentationml/2006/main" xmlns:c="http://schemas.openxmlformats.org/drawingml/2006/chart" xmlns:dgm="http://schemas.openxmlformats.org/drawingml/2006/diagram" xmlns:o="urn:schemas-microsoft-com:office:office" xmlns:v="urn:schemas-microsoft-com:vml" xmlns:pvml="urn:schemas-microsoft-com:office:powerpoint" xmlns:com="http://schemas.openxmlformats.org/drawingml/2006/compatibility" xmlns:p14="http://schemas.microsoft.com/office/powerpoint/2010/main" xmlns:p15="http://schemas.microsoft.com/office/powerpoint/2012/main" showMasterPhAnim="0" showMasterSp="0">
+<p:notes xmlns:a="http://schemas.openxmlformats.org/drawingml/2006/main" xmlns:r="http://schemas.openxmlformats.org/officeDocument/2006/relationships" xmlns:p="http://schemas.openxmlformats.org/presentationml/2006/main" showMasterSp="0" showMasterPhAnim="0">
   <p:cSld>
     <p:spTree>
       <p:nvGrpSpPr>
-        <p:cNvPr id="110" name="Shape 110"/>
+        <p:cNvPr id="1" name="Shape 110"/>
         <p:cNvGrpSpPr/>
         <p:nvPr/>
       </p:nvGrpSpPr>
@@ -1751,9 +1798,11 @@
       <p:sp>
         <p:nvSpPr>
           <p:cNvPr id="111" name="Google Shape;111;g4fe6ed41a2_0_427:notes"/>
-          <p:cNvSpPr txBox="1"/>
+          <p:cNvSpPr txBox="1">
+            <a:spLocks noGrp="1"/>
+          </p:cNvSpPr>
           <p:nvPr>
-            <p:ph idx="1" type="body"/>
+            <p:ph type="body" idx="1"/>
           </p:nvPr>
         </p:nvSpPr>
         <p:spPr>
@@ -1766,12 +1815,12 @@
           </a:prstGeom>
         </p:spPr>
         <p:txBody>
-          <a:bodyPr anchorCtr="0" anchor="t" bIns="45700" lIns="91425" spcFirstLastPara="1" rIns="91425" wrap="square" tIns="45700">
+          <a:bodyPr spcFirstLastPara="1" wrap="square" lIns="91425" tIns="45700" rIns="91425" bIns="45700" anchor="t" anchorCtr="0">
             <a:noAutofit/>
           </a:bodyPr>
           <a:lstStyle/>
           <a:p>
-            <a:pPr indent="0" lvl="0" marL="0" rtl="0" algn="l">
+            <a:pPr marL="0" lvl="0" indent="0" algn="l" rtl="0">
               <a:spcBef>
                 <a:spcPts val="0"/>
               </a:spcBef>
@@ -1780,9 +1829,6 @@
               </a:spcAft>
               <a:buNone/>
             </a:pPr>
-            <a:r>
-              <a:t/>
-            </a:r>
             <a:endParaRPr/>
           </a:p>
         </p:txBody>
@@ -1790,9 +1836,11 @@
       <p:sp>
         <p:nvSpPr>
           <p:cNvPr id="112" name="Google Shape;112;g4fe6ed41a2_0_427:notes"/>
-          <p:cNvSpPr/>
+          <p:cNvSpPr>
+            <a:spLocks noGrp="1" noRot="1" noChangeAspect="1"/>
+          </p:cNvSpPr>
           <p:nvPr>
-            <p:ph idx="2" type="sldImg"/>
+            <p:ph type="sldImg" idx="2"/>
           </p:nvPr>
         </p:nvSpPr>
         <p:spPr>
@@ -1801,9 +1849,13 @@
             <a:ext cx="5486400" cy="3086100"/>
           </a:xfrm>
           <a:custGeom>
-            <a:rect b="b" l="l" r="r" t="t"/>
+            <a:avLst/>
+            <a:gdLst/>
+            <a:ahLst/>
+            <a:cxnLst/>
+            <a:rect l="l" t="t" r="r" b="b"/>
             <a:pathLst>
-              <a:path extrusionOk="0" h="120000" w="120000">
+              <a:path w="120000" h="120000" extrusionOk="0">
                 <a:moveTo>
                   <a:pt x="0" y="0"/>
                 </a:moveTo>
@@ -1831,11 +1883,11 @@
 </file>
 
 <file path=ppt/notesSlides/notesSlide5.xml><?xml version="1.0" encoding="utf-8"?>
-<p:notes xmlns:a="http://schemas.openxmlformats.org/drawingml/2006/main" xmlns:r="http://schemas.openxmlformats.org/officeDocument/2006/relationships" xmlns:mc="http://schemas.openxmlformats.org/markup-compatibility/2006" xmlns:mv="urn:schemas-microsoft-com:mac:vml" xmlns:p="http://schemas.openxmlformats.org/presentationml/2006/main" xmlns:c="http://schemas.openxmlformats.org/drawingml/2006/chart" xmlns:dgm="http://schemas.openxmlformats.org/drawingml/2006/diagram" xmlns:o="urn:schemas-microsoft-com:office:office" xmlns:v="urn:schemas-microsoft-com:vml" xmlns:pvml="urn:schemas-microsoft-com:office:powerpoint" xmlns:com="http://schemas.openxmlformats.org/drawingml/2006/compatibility" xmlns:p14="http://schemas.microsoft.com/office/powerpoint/2010/main" xmlns:p15="http://schemas.microsoft.com/office/powerpoint/2012/main" showMasterPhAnim="0" showMasterSp="0">
+<p:notes xmlns:a="http://schemas.openxmlformats.org/drawingml/2006/main" xmlns:r="http://schemas.openxmlformats.org/officeDocument/2006/relationships" xmlns:p="http://schemas.openxmlformats.org/presentationml/2006/main" showMasterSp="0" showMasterPhAnim="0">
   <p:cSld>
     <p:spTree>
       <p:nvGrpSpPr>
-        <p:cNvPr id="116" name="Shape 116"/>
+        <p:cNvPr id="1" name="Shape 116"/>
         <p:cNvGrpSpPr/>
         <p:nvPr/>
       </p:nvGrpSpPr>
@@ -1850,9 +1902,11 @@
       <p:sp>
         <p:nvSpPr>
           <p:cNvPr id="117" name="Google Shape;117;g4fe6ed41a2_0_435:notes"/>
-          <p:cNvSpPr txBox="1"/>
+          <p:cNvSpPr txBox="1">
+            <a:spLocks noGrp="1"/>
+          </p:cNvSpPr>
           <p:nvPr>
-            <p:ph idx="1" type="body"/>
+            <p:ph type="body" idx="1"/>
           </p:nvPr>
         </p:nvSpPr>
         <p:spPr>
@@ -1865,12 +1919,12 @@
           </a:prstGeom>
         </p:spPr>
         <p:txBody>
-          <a:bodyPr anchorCtr="0" anchor="t" bIns="45700" lIns="91425" spcFirstLastPara="1" rIns="91425" wrap="square" tIns="45700">
+          <a:bodyPr spcFirstLastPara="1" wrap="square" lIns="91425" tIns="45700" rIns="91425" bIns="45700" anchor="t" anchorCtr="0">
             <a:noAutofit/>
           </a:bodyPr>
           <a:lstStyle/>
           <a:p>
-            <a:pPr indent="0" lvl="0" marL="0" rtl="0" algn="l">
+            <a:pPr marL="0" lvl="0" indent="0" algn="l" rtl="0">
               <a:spcBef>
                 <a:spcPts val="0"/>
               </a:spcBef>
@@ -1879,9 +1933,6 @@
               </a:spcAft>
               <a:buNone/>
             </a:pPr>
-            <a:r>
-              <a:t/>
-            </a:r>
             <a:endParaRPr/>
           </a:p>
         </p:txBody>
@@ -1889,9 +1940,11 @@
       <p:sp>
         <p:nvSpPr>
           <p:cNvPr id="118" name="Google Shape;118;g4fe6ed41a2_0_435:notes"/>
-          <p:cNvSpPr/>
+          <p:cNvSpPr>
+            <a:spLocks noGrp="1" noRot="1" noChangeAspect="1"/>
+          </p:cNvSpPr>
           <p:nvPr>
-            <p:ph idx="2" type="sldImg"/>
+            <p:ph type="sldImg" idx="2"/>
           </p:nvPr>
         </p:nvSpPr>
         <p:spPr>
@@ -1900,9 +1953,13 @@
             <a:ext cx="5486400" cy="3086100"/>
           </a:xfrm>
           <a:custGeom>
-            <a:rect b="b" l="l" r="r" t="t"/>
+            <a:avLst/>
+            <a:gdLst/>
+            <a:ahLst/>
+            <a:cxnLst/>
+            <a:rect l="l" t="t" r="r" b="b"/>
             <a:pathLst>
-              <a:path extrusionOk="0" h="120000" w="120000">
+              <a:path w="120000" h="120000" extrusionOk="0">
                 <a:moveTo>
                   <a:pt x="0" y="0"/>
                 </a:moveTo>
@@ -1930,11 +1987,11 @@
 </file>
 
 <file path=ppt/notesSlides/notesSlide6.xml><?xml version="1.0" encoding="utf-8"?>
-<p:notes xmlns:a="http://schemas.openxmlformats.org/drawingml/2006/main" xmlns:r="http://schemas.openxmlformats.org/officeDocument/2006/relationships" xmlns:mc="http://schemas.openxmlformats.org/markup-compatibility/2006" xmlns:mv="urn:schemas-microsoft-com:mac:vml" xmlns:p="http://schemas.openxmlformats.org/presentationml/2006/main" xmlns:c="http://schemas.openxmlformats.org/drawingml/2006/chart" xmlns:dgm="http://schemas.openxmlformats.org/drawingml/2006/diagram" xmlns:o="urn:schemas-microsoft-com:office:office" xmlns:v="urn:schemas-microsoft-com:vml" xmlns:pvml="urn:schemas-microsoft-com:office:powerpoint" xmlns:com="http://schemas.openxmlformats.org/drawingml/2006/compatibility" xmlns:p14="http://schemas.microsoft.com/office/powerpoint/2010/main" xmlns:p15="http://schemas.microsoft.com/office/powerpoint/2012/main" showMasterPhAnim="0" showMasterSp="0">
+<p:notes xmlns:a="http://schemas.openxmlformats.org/drawingml/2006/main" xmlns:r="http://schemas.openxmlformats.org/officeDocument/2006/relationships" xmlns:p="http://schemas.openxmlformats.org/presentationml/2006/main" showMasterSp="0" showMasterPhAnim="0">
   <p:cSld>
     <p:spTree>
       <p:nvGrpSpPr>
-        <p:cNvPr id="122" name="Shape 122"/>
+        <p:cNvPr id="1" name="Shape 122"/>
         <p:cNvGrpSpPr/>
         <p:nvPr/>
       </p:nvGrpSpPr>
@@ -1949,9 +2006,11 @@
       <p:sp>
         <p:nvSpPr>
           <p:cNvPr id="123" name="Google Shape;123;g4fe6ed41a2_0_447:notes"/>
-          <p:cNvSpPr txBox="1"/>
+          <p:cNvSpPr txBox="1">
+            <a:spLocks noGrp="1"/>
+          </p:cNvSpPr>
           <p:nvPr>
-            <p:ph idx="1" type="body"/>
+            <p:ph type="body" idx="1"/>
           </p:nvPr>
         </p:nvSpPr>
         <p:spPr>
@@ -1964,12 +2023,12 @@
           </a:prstGeom>
         </p:spPr>
         <p:txBody>
-          <a:bodyPr anchorCtr="0" anchor="t" bIns="45700" lIns="91425" spcFirstLastPara="1" rIns="91425" wrap="square" tIns="45700">
+          <a:bodyPr spcFirstLastPara="1" wrap="square" lIns="91425" tIns="45700" rIns="91425" bIns="45700" anchor="t" anchorCtr="0">
             <a:noAutofit/>
           </a:bodyPr>
           <a:lstStyle/>
           <a:p>
-            <a:pPr indent="0" lvl="0" marL="0" rtl="0" algn="l">
+            <a:pPr marL="0" lvl="0" indent="0" algn="l" rtl="0">
               <a:spcBef>
                 <a:spcPts val="0"/>
               </a:spcBef>
@@ -1978,9 +2037,6 @@
               </a:spcAft>
               <a:buNone/>
             </a:pPr>
-            <a:r>
-              <a:t/>
-            </a:r>
             <a:endParaRPr/>
           </a:p>
         </p:txBody>
@@ -1988,9 +2044,11 @@
       <p:sp>
         <p:nvSpPr>
           <p:cNvPr id="124" name="Google Shape;124;g4fe6ed41a2_0_447:notes"/>
-          <p:cNvSpPr/>
+          <p:cNvSpPr>
+            <a:spLocks noGrp="1" noRot="1" noChangeAspect="1"/>
+          </p:cNvSpPr>
           <p:nvPr>
-            <p:ph idx="2" type="sldImg"/>
+            <p:ph type="sldImg" idx="2"/>
           </p:nvPr>
         </p:nvSpPr>
         <p:spPr>
@@ -1999,9 +2057,13 @@
             <a:ext cx="5486400" cy="3086100"/>
           </a:xfrm>
           <a:custGeom>
-            <a:rect b="b" l="l" r="r" t="t"/>
+            <a:avLst/>
+            <a:gdLst/>
+            <a:ahLst/>
+            <a:cxnLst/>
+            <a:rect l="l" t="t" r="r" b="b"/>
             <a:pathLst>
-              <a:path extrusionOk="0" h="120000" w="120000">
+              <a:path w="120000" h="120000" extrusionOk="0">
                 <a:moveTo>
                   <a:pt x="0" y="0"/>
                 </a:moveTo>
@@ -2029,11 +2091,11 @@
 </file>
 
 <file path=ppt/notesSlides/notesSlide7.xml><?xml version="1.0" encoding="utf-8"?>
-<p:notes xmlns:a="http://schemas.openxmlformats.org/drawingml/2006/main" xmlns:r="http://schemas.openxmlformats.org/officeDocument/2006/relationships" xmlns:mc="http://schemas.openxmlformats.org/markup-compatibility/2006" xmlns:mv="urn:schemas-microsoft-com:mac:vml" xmlns:p="http://schemas.openxmlformats.org/presentationml/2006/main" xmlns:c="http://schemas.openxmlformats.org/drawingml/2006/chart" xmlns:dgm="http://schemas.openxmlformats.org/drawingml/2006/diagram" xmlns:o="urn:schemas-microsoft-com:office:office" xmlns:v="urn:schemas-microsoft-com:vml" xmlns:pvml="urn:schemas-microsoft-com:office:powerpoint" xmlns:com="http://schemas.openxmlformats.org/drawingml/2006/compatibility" xmlns:p14="http://schemas.microsoft.com/office/powerpoint/2010/main" xmlns:p15="http://schemas.microsoft.com/office/powerpoint/2012/main" showMasterPhAnim="0" showMasterSp="0">
+<p:notes xmlns:a="http://schemas.openxmlformats.org/drawingml/2006/main" xmlns:r="http://schemas.openxmlformats.org/officeDocument/2006/relationships" xmlns:p="http://schemas.openxmlformats.org/presentationml/2006/main" showMasterSp="0" showMasterPhAnim="0">
   <p:cSld>
     <p:spTree>
       <p:nvGrpSpPr>
-        <p:cNvPr id="128" name="Shape 128"/>
+        <p:cNvPr id="1" name="Shape 128"/>
         <p:cNvGrpSpPr/>
         <p:nvPr/>
       </p:nvGrpSpPr>
@@ -2048,9 +2110,11 @@
       <p:sp>
         <p:nvSpPr>
           <p:cNvPr id="129" name="Google Shape;129;g5d1d395c52_2_90:notes"/>
-          <p:cNvSpPr txBox="1"/>
+          <p:cNvSpPr txBox="1">
+            <a:spLocks noGrp="1"/>
+          </p:cNvSpPr>
           <p:nvPr>
-            <p:ph idx="1" type="body"/>
+            <p:ph type="body" idx="1"/>
           </p:nvPr>
         </p:nvSpPr>
         <p:spPr>
@@ -2063,12 +2127,12 @@
           </a:prstGeom>
         </p:spPr>
         <p:txBody>
-          <a:bodyPr anchorCtr="0" anchor="t" bIns="45700" lIns="91425" spcFirstLastPara="1" rIns="91425" wrap="square" tIns="45700">
+          <a:bodyPr spcFirstLastPara="1" wrap="square" lIns="91425" tIns="45700" rIns="91425" bIns="45700" anchor="t" anchorCtr="0">
             <a:noAutofit/>
           </a:bodyPr>
           <a:lstStyle/>
           <a:p>
-            <a:pPr indent="0" lvl="0" marL="0" rtl="0" algn="l">
+            <a:pPr marL="0" lvl="0" indent="0" algn="l" rtl="0">
               <a:spcBef>
                 <a:spcPts val="0"/>
               </a:spcBef>
@@ -2077,9 +2141,6 @@
               </a:spcAft>
               <a:buNone/>
             </a:pPr>
-            <a:r>
-              <a:t/>
-            </a:r>
             <a:endParaRPr/>
           </a:p>
         </p:txBody>
@@ -2087,9 +2148,11 @@
       <p:sp>
         <p:nvSpPr>
           <p:cNvPr id="130" name="Google Shape;130;g5d1d395c52_2_90:notes"/>
-          <p:cNvSpPr/>
+          <p:cNvSpPr>
+            <a:spLocks noGrp="1" noRot="1" noChangeAspect="1"/>
+          </p:cNvSpPr>
           <p:nvPr>
-            <p:ph idx="2" type="sldImg"/>
+            <p:ph type="sldImg" idx="2"/>
           </p:nvPr>
         </p:nvSpPr>
         <p:spPr>
@@ -2098,9 +2161,13 @@
             <a:ext cx="5486400" cy="3086100"/>
           </a:xfrm>
           <a:custGeom>
-            <a:rect b="b" l="l" r="r" t="t"/>
+            <a:avLst/>
+            <a:gdLst/>
+            <a:ahLst/>
+            <a:cxnLst/>
+            <a:rect l="l" t="t" r="r" b="b"/>
             <a:pathLst>
-              <a:path extrusionOk="0" h="120000" w="120000">
+              <a:path w="120000" h="120000" extrusionOk="0">
                 <a:moveTo>
                   <a:pt x="0" y="0"/>
                 </a:moveTo>
@@ -2128,18 +2195,19 @@
 </file>
 
 <file path=ppt/slideLayouts/slideLayout1.xml><?xml version="1.0" encoding="utf-8"?>
-<p:sldLayout xmlns:a="http://schemas.openxmlformats.org/drawingml/2006/main" xmlns:r="http://schemas.openxmlformats.org/officeDocument/2006/relationships" xmlns:mc="http://schemas.openxmlformats.org/markup-compatibility/2006" xmlns:mv="urn:schemas-microsoft-com:mac:vml" xmlns:p="http://schemas.openxmlformats.org/presentationml/2006/main" xmlns:c="http://schemas.openxmlformats.org/drawingml/2006/chart" xmlns:dgm="http://schemas.openxmlformats.org/drawingml/2006/diagram" xmlns:o="urn:schemas-microsoft-com:office:office" xmlns:v="urn:schemas-microsoft-com:vml" xmlns:pvml="urn:schemas-microsoft-com:office:powerpoint" xmlns:com="http://schemas.openxmlformats.org/drawingml/2006/compatibility" xmlns:p14="http://schemas.microsoft.com/office/powerpoint/2010/main" xmlns:p15="http://schemas.microsoft.com/office/powerpoint/2012/main" matchingName="Title slide" type="title">
+<p:sldLayout xmlns:a="http://schemas.openxmlformats.org/drawingml/2006/main" xmlns:r="http://schemas.openxmlformats.org/officeDocument/2006/relationships" xmlns:p="http://schemas.openxmlformats.org/presentationml/2006/main" matchingName="Title slide" type="title">
   <p:cSld name="TITLE">
     <p:bg>
       <p:bgPr>
         <a:solidFill>
           <a:schemeClr val="lt2"/>
         </a:solidFill>
+        <a:effectLst/>
       </p:bgPr>
     </p:bg>
     <p:spTree>
       <p:nvGrpSpPr>
-        <p:cNvPr id="13" name="Shape 13"/>
+        <p:cNvPr id="1" name="Shape 13"/>
         <p:cNvGrpSpPr/>
         <p:nvPr/>
       </p:nvGrpSpPr>
@@ -2173,12 +2241,12 @@
           </a:ln>
         </p:spPr>
         <p:txBody>
-          <a:bodyPr anchorCtr="0" anchor="ctr" bIns="121900" lIns="121900" spcFirstLastPara="1" rIns="121900" wrap="square" tIns="121900">
+          <a:bodyPr spcFirstLastPara="1" wrap="square" lIns="121900" tIns="121900" rIns="121900" bIns="121900" anchor="ctr" anchorCtr="0">
             <a:noAutofit/>
           </a:bodyPr>
           <a:lstStyle/>
           <a:p>
-            <a:pPr indent="0" lvl="0" marL="0" rtl="0" algn="l">
+            <a:pPr marL="0" lvl="0" indent="0" algn="l" rtl="0">
               <a:spcBef>
                 <a:spcPts val="0"/>
               </a:spcBef>
@@ -2187,9 +2255,6 @@
               </a:spcAft>
               <a:buNone/>
             </a:pPr>
-            <a:r>
-              <a:t/>
-            </a:r>
             <a:endParaRPr/>
           </a:p>
         </p:txBody>
@@ -2230,12 +2295,12 @@
             </a:ln>
           </p:spPr>
           <p:txBody>
-            <a:bodyPr anchorCtr="0" anchor="ctr" bIns="121900" lIns="121900" spcFirstLastPara="1" rIns="121900" wrap="square" tIns="121900">
+            <a:bodyPr spcFirstLastPara="1" wrap="square" lIns="121900" tIns="121900" rIns="121900" bIns="121900" anchor="ctr" anchorCtr="0">
               <a:noAutofit/>
             </a:bodyPr>
             <a:lstStyle/>
             <a:p>
-              <a:pPr indent="0" lvl="0" marL="0" rtl="0" algn="l">
+              <a:pPr marL="0" lvl="0" indent="0" algn="l" rtl="0">
                 <a:spcBef>
                   <a:spcPts val="0"/>
                 </a:spcBef>
@@ -2244,9 +2309,6 @@
                 </a:spcAft>
                 <a:buNone/>
               </a:pPr>
-              <a:r>
-                <a:t/>
-              </a:r>
               <a:endParaRPr/>
             </a:p>
           </p:txBody>
@@ -2273,12 +2335,12 @@
             </a:ln>
           </p:spPr>
           <p:txBody>
-            <a:bodyPr anchorCtr="0" anchor="ctr" bIns="121900" lIns="121900" spcFirstLastPara="1" rIns="121900" wrap="square" tIns="121900">
+            <a:bodyPr spcFirstLastPara="1" wrap="square" lIns="121900" tIns="121900" rIns="121900" bIns="121900" anchor="ctr" anchorCtr="0">
               <a:noAutofit/>
             </a:bodyPr>
             <a:lstStyle/>
             <a:p>
-              <a:pPr indent="0" lvl="0" marL="0" rtl="0" algn="l">
+              <a:pPr marL="0" lvl="0" indent="0" algn="l" rtl="0">
                 <a:spcBef>
                   <a:spcPts val="0"/>
                 </a:spcBef>
@@ -2287,9 +2349,6 @@
                 </a:spcAft>
                 <a:buNone/>
               </a:pPr>
-              <a:r>
-                <a:t/>
-              </a:r>
               <a:endParaRPr/>
             </a:p>
           </p:txBody>
@@ -2298,7 +2357,9 @@
       <p:sp>
         <p:nvSpPr>
           <p:cNvPr id="18" name="Google Shape;18;p2"/>
-          <p:cNvSpPr txBox="1"/>
+          <p:cNvSpPr txBox="1">
+            <a:spLocks noGrp="1"/>
+          </p:cNvSpPr>
           <p:nvPr>
             <p:ph type="ctrTitle"/>
           </p:nvPr>
@@ -2313,7 +2374,7 @@
           </a:prstGeom>
         </p:spPr>
         <p:txBody>
-          <a:bodyPr anchorCtr="0" anchor="t" bIns="121900" lIns="121900" spcFirstLastPara="1" rIns="121900" wrap="square" tIns="121900">
+          <a:bodyPr spcFirstLastPara="1" wrap="square" lIns="121900" tIns="121900" rIns="121900" bIns="121900" anchor="t" anchorCtr="0">
             <a:noAutofit/>
           </a:bodyPr>
           <a:lstStyle>
@@ -2480,15 +2541,19 @@
               </a:defRPr>
             </a:lvl9pPr>
           </a:lstStyle>
-          <a:p/>
+          <a:p>
+            <a:endParaRPr/>
+          </a:p>
         </p:txBody>
       </p:sp>
       <p:sp>
         <p:nvSpPr>
           <p:cNvPr id="19" name="Google Shape;19;p2"/>
-          <p:cNvSpPr txBox="1"/>
+          <p:cNvSpPr txBox="1">
+            <a:spLocks noGrp="1"/>
+          </p:cNvSpPr>
           <p:nvPr>
-            <p:ph idx="1" type="subTitle"/>
+            <p:ph type="subTitle" idx="1"/>
           </p:nvPr>
         </p:nvSpPr>
         <p:spPr>
@@ -2501,7 +2566,7 @@
           </a:prstGeom>
         </p:spPr>
         <p:txBody>
-          <a:bodyPr anchorCtr="0" anchor="t" bIns="121900" lIns="121900" spcFirstLastPara="1" rIns="121900" wrap="square" tIns="121900">
+          <a:bodyPr spcFirstLastPara="1" wrap="square" lIns="121900" tIns="121900" rIns="121900" bIns="121900" anchor="t" anchorCtr="0">
             <a:noAutofit/>
           </a:bodyPr>
           <a:lstStyle>
@@ -2632,15 +2697,19 @@
               <a:defRPr sz="2100"/>
             </a:lvl9pPr>
           </a:lstStyle>
-          <a:p/>
+          <a:p>
+            <a:endParaRPr/>
+          </a:p>
         </p:txBody>
       </p:sp>
       <p:sp>
         <p:nvSpPr>
           <p:cNvPr id="20" name="Google Shape;20;p2"/>
-          <p:cNvSpPr txBox="1"/>
+          <p:cNvSpPr txBox="1">
+            <a:spLocks noGrp="1"/>
+          </p:cNvSpPr>
           <p:nvPr>
-            <p:ph idx="12" type="sldNum"/>
+            <p:ph type="sldNum" idx="12"/>
           </p:nvPr>
         </p:nvSpPr>
         <p:spPr>
@@ -2653,7 +2722,7 @@
           </a:prstGeom>
         </p:spPr>
         <p:txBody>
-          <a:bodyPr anchorCtr="0" anchor="ctr" bIns="121900" lIns="121900" spcFirstLastPara="1" rIns="121900" wrap="square" tIns="121900">
+          <a:bodyPr spcFirstLastPara="1" wrap="square" lIns="121900" tIns="121900" rIns="121900" bIns="121900" anchor="ctr" anchorCtr="0">
             <a:noAutofit/>
           </a:bodyPr>
           <a:lstStyle>
@@ -2695,7 +2764,7 @@
             </a:lvl9pPr>
           </a:lstStyle>
           <a:p>
-            <a:pPr indent="0" lvl="0" marL="0" rtl="0" algn="r">
+            <a:pPr marL="0" lvl="0" indent="0" algn="r" rtl="0">
               <a:spcBef>
                 <a:spcPts val="0"/>
               </a:spcBef>
@@ -2721,18 +2790,19 @@
 </file>
 
 <file path=ppt/slideLayouts/slideLayout10.xml><?xml version="1.0" encoding="utf-8"?>
-<p:sldLayout xmlns:a="http://schemas.openxmlformats.org/drawingml/2006/main" xmlns:r="http://schemas.openxmlformats.org/officeDocument/2006/relationships" xmlns:mc="http://schemas.openxmlformats.org/markup-compatibility/2006" xmlns:mv="urn:schemas-microsoft-com:mac:vml" xmlns:p="http://schemas.openxmlformats.org/presentationml/2006/main" xmlns:c="http://schemas.openxmlformats.org/drawingml/2006/chart" xmlns:dgm="http://schemas.openxmlformats.org/drawingml/2006/diagram" xmlns:o="urn:schemas-microsoft-com:office:office" xmlns:v="urn:schemas-microsoft-com:vml" xmlns:pvml="urn:schemas-microsoft-com:office:powerpoint" xmlns:com="http://schemas.openxmlformats.org/drawingml/2006/compatibility" xmlns:p14="http://schemas.microsoft.com/office/powerpoint/2010/main" xmlns:p15="http://schemas.microsoft.com/office/powerpoint/2012/main" matchingName="Big number">
+<p:sldLayout xmlns:a="http://schemas.openxmlformats.org/drawingml/2006/main" xmlns:r="http://schemas.openxmlformats.org/officeDocument/2006/relationships" xmlns:p="http://schemas.openxmlformats.org/presentationml/2006/main" matchingName="Big number">
   <p:cSld name="BIG_NUMBER">
     <p:bg>
       <p:bgPr>
         <a:solidFill>
           <a:schemeClr val="dk1"/>
         </a:solidFill>
+        <a:effectLst/>
       </p:bgPr>
     </p:bg>
     <p:spTree>
       <p:nvGrpSpPr>
-        <p:cNvPr id="77" name="Shape 77"/>
+        <p:cNvPr id="1" name="Shape 77"/>
         <p:cNvGrpSpPr/>
         <p:nvPr/>
       </p:nvGrpSpPr>
@@ -2780,12 +2850,12 @@
             </a:ln>
           </p:spPr>
           <p:txBody>
-            <a:bodyPr anchorCtr="0" anchor="ctr" bIns="121900" lIns="121900" spcFirstLastPara="1" rIns="121900" wrap="square" tIns="121900">
+            <a:bodyPr spcFirstLastPara="1" wrap="square" lIns="121900" tIns="121900" rIns="121900" bIns="121900" anchor="ctr" anchorCtr="0">
               <a:noAutofit/>
             </a:bodyPr>
             <a:lstStyle/>
             <a:p>
-              <a:pPr indent="0" lvl="0" marL="0" rtl="0" algn="l">
+              <a:pPr marL="0" lvl="0" indent="0" algn="l" rtl="0">
                 <a:spcBef>
                   <a:spcPts val="0"/>
                 </a:spcBef>
@@ -2794,9 +2864,6 @@
                 </a:spcAft>
                 <a:buNone/>
               </a:pPr>
-              <a:r>
-                <a:t/>
-              </a:r>
               <a:endParaRPr/>
             </a:p>
           </p:txBody>
@@ -2823,12 +2890,12 @@
             </a:ln>
           </p:spPr>
           <p:txBody>
-            <a:bodyPr anchorCtr="0" anchor="ctr" bIns="121900" lIns="121900" spcFirstLastPara="1" rIns="121900" wrap="square" tIns="121900">
+            <a:bodyPr spcFirstLastPara="1" wrap="square" lIns="121900" tIns="121900" rIns="121900" bIns="121900" anchor="ctr" anchorCtr="0">
               <a:noAutofit/>
             </a:bodyPr>
             <a:lstStyle/>
             <a:p>
-              <a:pPr indent="0" lvl="0" marL="0" rtl="0" algn="l">
+              <a:pPr marL="0" lvl="0" indent="0" algn="l" rtl="0">
                 <a:spcBef>
                   <a:spcPts val="0"/>
                 </a:spcBef>
@@ -2837,9 +2904,6 @@
                 </a:spcAft>
                 <a:buNone/>
               </a:pPr>
-              <a:r>
-                <a:t/>
-              </a:r>
               <a:endParaRPr/>
             </a:p>
           </p:txBody>
@@ -2848,9 +2912,11 @@
       <p:sp>
         <p:nvSpPr>
           <p:cNvPr id="81" name="Google Shape;81;p11"/>
-          <p:cNvSpPr txBox="1"/>
+          <p:cNvSpPr txBox="1">
+            <a:spLocks noGrp="1"/>
+          </p:cNvSpPr>
           <p:nvPr>
-            <p:ph hasCustomPrompt="1" type="title"/>
+            <p:ph type="title" hasCustomPrompt="1"/>
           </p:nvPr>
         </p:nvSpPr>
         <p:spPr>
@@ -2863,7 +2929,7 @@
           </a:prstGeom>
         </p:spPr>
         <p:txBody>
-          <a:bodyPr anchorCtr="0" anchor="t" bIns="121900" lIns="121900" spcFirstLastPara="1" rIns="121900" wrap="square" tIns="121900">
+          <a:bodyPr spcFirstLastPara="1" wrap="square" lIns="121900" tIns="121900" rIns="121900" bIns="121900" anchor="t" anchorCtr="0">
             <a:noAutofit/>
           </a:bodyPr>
           <a:lstStyle>
@@ -3040,9 +3106,11 @@
       <p:sp>
         <p:nvSpPr>
           <p:cNvPr id="82" name="Google Shape;82;p11"/>
-          <p:cNvSpPr txBox="1"/>
+          <p:cNvSpPr txBox="1">
+            <a:spLocks noGrp="1"/>
+          </p:cNvSpPr>
           <p:nvPr>
-            <p:ph idx="1" type="body"/>
+            <p:ph type="body" idx="1"/>
           </p:nvPr>
         </p:nvSpPr>
         <p:spPr>
@@ -3055,11 +3123,11 @@
           </a:prstGeom>
         </p:spPr>
         <p:txBody>
-          <a:bodyPr anchorCtr="0" anchor="t" bIns="121900" lIns="121900" spcFirstLastPara="1" rIns="121900" wrap="square" tIns="121900">
+          <a:bodyPr spcFirstLastPara="1" wrap="square" lIns="121900" tIns="121900" rIns="121900" bIns="121900" anchor="t" anchorCtr="0">
             <a:noAutofit/>
           </a:bodyPr>
           <a:lstStyle>
-            <a:lvl1pPr indent="-336550" lvl="0" marL="457200">
+            <a:lvl1pPr marL="457200" lvl="0" indent="-336550">
               <a:spcBef>
                 <a:spcPts val="0"/>
               </a:spcBef>
@@ -3077,7 +3145,7 @@
                 </a:solidFill>
               </a:defRPr>
             </a:lvl1pPr>
-            <a:lvl2pPr indent="-323850" lvl="1" marL="914400">
+            <a:lvl2pPr marL="914400" lvl="1" indent="-323850">
               <a:spcBef>
                 <a:spcPts val="2100"/>
               </a:spcBef>
@@ -3095,7 +3163,7 @@
                 </a:solidFill>
               </a:defRPr>
             </a:lvl2pPr>
-            <a:lvl3pPr indent="-323850" lvl="2" marL="1371600">
+            <a:lvl3pPr marL="1371600" lvl="2" indent="-323850">
               <a:spcBef>
                 <a:spcPts val="2100"/>
               </a:spcBef>
@@ -3113,7 +3181,7 @@
                 </a:solidFill>
               </a:defRPr>
             </a:lvl3pPr>
-            <a:lvl4pPr indent="-323850" lvl="3" marL="1828800">
+            <a:lvl4pPr marL="1828800" lvl="3" indent="-323850">
               <a:spcBef>
                 <a:spcPts val="2100"/>
               </a:spcBef>
@@ -3131,7 +3199,7 @@
                 </a:solidFill>
               </a:defRPr>
             </a:lvl4pPr>
-            <a:lvl5pPr indent="-323850" lvl="4" marL="2286000">
+            <a:lvl5pPr marL="2286000" lvl="4" indent="-323850">
               <a:spcBef>
                 <a:spcPts val="2100"/>
               </a:spcBef>
@@ -3149,7 +3217,7 @@
                 </a:solidFill>
               </a:defRPr>
             </a:lvl5pPr>
-            <a:lvl6pPr indent="-323850" lvl="5" marL="2743200">
+            <a:lvl6pPr marL="2743200" lvl="5" indent="-323850">
               <a:spcBef>
                 <a:spcPts val="2100"/>
               </a:spcBef>
@@ -3167,7 +3235,7 @@
                 </a:solidFill>
               </a:defRPr>
             </a:lvl6pPr>
-            <a:lvl7pPr indent="-323850" lvl="6" marL="3200400">
+            <a:lvl7pPr marL="3200400" lvl="6" indent="-323850">
               <a:spcBef>
                 <a:spcPts val="2100"/>
               </a:spcBef>
@@ -3185,7 +3253,7 @@
                 </a:solidFill>
               </a:defRPr>
             </a:lvl7pPr>
-            <a:lvl8pPr indent="-323850" lvl="7" marL="3657600">
+            <a:lvl8pPr marL="3657600" lvl="7" indent="-323850">
               <a:spcBef>
                 <a:spcPts val="2100"/>
               </a:spcBef>
@@ -3203,7 +3271,7 @@
                 </a:solidFill>
               </a:defRPr>
             </a:lvl8pPr>
-            <a:lvl9pPr indent="-323850" lvl="8" marL="4114800">
+            <a:lvl9pPr marL="4114800" lvl="8" indent="-323850">
               <a:spcBef>
                 <a:spcPts val="2100"/>
               </a:spcBef>
@@ -3222,15 +3290,19 @@
               </a:defRPr>
             </a:lvl9pPr>
           </a:lstStyle>
-          <a:p/>
+          <a:p>
+            <a:endParaRPr/>
+          </a:p>
         </p:txBody>
       </p:sp>
       <p:sp>
         <p:nvSpPr>
           <p:cNvPr id="83" name="Google Shape;83;p11"/>
-          <p:cNvSpPr txBox="1"/>
+          <p:cNvSpPr txBox="1">
+            <a:spLocks noGrp="1"/>
+          </p:cNvSpPr>
           <p:nvPr>
-            <p:ph idx="12" type="sldNum"/>
+            <p:ph type="sldNum" idx="12"/>
           </p:nvPr>
         </p:nvSpPr>
         <p:spPr>
@@ -3243,7 +3315,7 @@
           </a:prstGeom>
         </p:spPr>
         <p:txBody>
-          <a:bodyPr anchorCtr="0" anchor="ctr" bIns="121900" lIns="121900" spcFirstLastPara="1" rIns="121900" wrap="square" tIns="121900">
+          <a:bodyPr spcFirstLastPara="1" wrap="square" lIns="121900" tIns="121900" rIns="121900" bIns="121900" anchor="ctr" anchorCtr="0">
             <a:noAutofit/>
           </a:bodyPr>
           <a:lstStyle>
@@ -3321,7 +3393,7 @@
             </a:lvl9pPr>
           </a:lstStyle>
           <a:p>
-            <a:pPr indent="0" lvl="0" marL="0" rtl="0" algn="r">
+            <a:pPr marL="0" lvl="0" indent="0" algn="r" rtl="0">
               <a:spcBef>
                 <a:spcPts val="0"/>
               </a:spcBef>
@@ -3347,11 +3419,11 @@
 </file>
 
 <file path=ppt/slideLayouts/slideLayout11.xml><?xml version="1.0" encoding="utf-8"?>
-<p:sldLayout xmlns:a="http://schemas.openxmlformats.org/drawingml/2006/main" xmlns:r="http://schemas.openxmlformats.org/officeDocument/2006/relationships" xmlns:mc="http://schemas.openxmlformats.org/markup-compatibility/2006" xmlns:mv="urn:schemas-microsoft-com:mac:vml" xmlns:p="http://schemas.openxmlformats.org/presentationml/2006/main" xmlns:c="http://schemas.openxmlformats.org/drawingml/2006/chart" xmlns:dgm="http://schemas.openxmlformats.org/drawingml/2006/diagram" xmlns:o="urn:schemas-microsoft-com:office:office" xmlns:v="urn:schemas-microsoft-com:vml" xmlns:pvml="urn:schemas-microsoft-com:office:powerpoint" xmlns:com="http://schemas.openxmlformats.org/drawingml/2006/compatibility" xmlns:p14="http://schemas.microsoft.com/office/powerpoint/2010/main" xmlns:p15="http://schemas.microsoft.com/office/powerpoint/2012/main" matchingName="Blank" type="blank">
+<p:sldLayout xmlns:a="http://schemas.openxmlformats.org/drawingml/2006/main" xmlns:r="http://schemas.openxmlformats.org/officeDocument/2006/relationships" xmlns:p="http://schemas.openxmlformats.org/presentationml/2006/main" matchingName="Blank" type="blank">
   <p:cSld name="BLANK">
     <p:spTree>
       <p:nvGrpSpPr>
-        <p:cNvPr id="84" name="Shape 84"/>
+        <p:cNvPr id="1" name="Shape 84"/>
         <p:cNvGrpSpPr/>
         <p:nvPr/>
       </p:nvGrpSpPr>
@@ -3366,9 +3438,11 @@
       <p:sp>
         <p:nvSpPr>
           <p:cNvPr id="85" name="Google Shape;85;p12"/>
-          <p:cNvSpPr txBox="1"/>
+          <p:cNvSpPr txBox="1">
+            <a:spLocks noGrp="1"/>
+          </p:cNvSpPr>
           <p:nvPr>
-            <p:ph idx="12" type="sldNum"/>
+            <p:ph type="sldNum" idx="12"/>
           </p:nvPr>
         </p:nvSpPr>
         <p:spPr>
@@ -3381,7 +3455,7 @@
           </a:prstGeom>
         </p:spPr>
         <p:txBody>
-          <a:bodyPr anchorCtr="0" anchor="ctr" bIns="121900" lIns="121900" spcFirstLastPara="1" rIns="121900" wrap="square" tIns="121900">
+          <a:bodyPr spcFirstLastPara="1" wrap="square" lIns="121900" tIns="121900" rIns="121900" bIns="121900" anchor="ctr" anchorCtr="0">
             <a:noAutofit/>
           </a:bodyPr>
           <a:lstStyle>
@@ -3423,7 +3497,7 @@
             </a:lvl9pPr>
           </a:lstStyle>
           <a:p>
-            <a:pPr indent="0" lvl="0" marL="0" rtl="0" algn="r">
+            <a:pPr marL="0" lvl="0" indent="0" algn="r" rtl="0">
               <a:spcBef>
                 <a:spcPts val="0"/>
               </a:spcBef>
@@ -3449,11 +3523,11 @@
 </file>
 
 <file path=ppt/slideLayouts/slideLayout12.xml><?xml version="1.0" encoding="utf-8"?>
-<p:sldLayout xmlns:a="http://schemas.openxmlformats.org/drawingml/2006/main" xmlns:r="http://schemas.openxmlformats.org/officeDocument/2006/relationships" xmlns:mc="http://schemas.openxmlformats.org/markup-compatibility/2006" xmlns:mv="urn:schemas-microsoft-com:mac:vml" xmlns:p="http://schemas.openxmlformats.org/presentationml/2006/main" xmlns:c="http://schemas.openxmlformats.org/drawingml/2006/chart" xmlns:dgm="http://schemas.openxmlformats.org/drawingml/2006/diagram" xmlns:o="urn:schemas-microsoft-com:office:office" xmlns:v="urn:schemas-microsoft-com:vml" xmlns:pvml="urn:schemas-microsoft-com:office:powerpoint" xmlns:com="http://schemas.openxmlformats.org/drawingml/2006/compatibility" xmlns:p14="http://schemas.microsoft.com/office/powerpoint/2010/main" xmlns:p15="http://schemas.microsoft.com/office/powerpoint/2012/main" matchingName="Title and Content" type="obj">
+<p:sldLayout xmlns:a="http://schemas.openxmlformats.org/drawingml/2006/main" xmlns:r="http://schemas.openxmlformats.org/officeDocument/2006/relationships" xmlns:p="http://schemas.openxmlformats.org/presentationml/2006/main" matchingName="Title and Content" type="obj">
   <p:cSld name="OBJECT">
     <p:spTree>
       <p:nvGrpSpPr>
-        <p:cNvPr id="86" name="Shape 86"/>
+        <p:cNvPr id="1" name="Shape 86"/>
         <p:cNvGrpSpPr/>
         <p:nvPr/>
       </p:nvGrpSpPr>
@@ -3468,7 +3542,9 @@
       <p:sp>
         <p:nvSpPr>
           <p:cNvPr id="87" name="Google Shape;87;p13"/>
-          <p:cNvSpPr txBox="1"/>
+          <p:cNvSpPr txBox="1">
+            <a:spLocks noGrp="1"/>
+          </p:cNvSpPr>
           <p:nvPr>
             <p:ph type="title"/>
           </p:nvPr>
@@ -3494,11 +3570,11 @@
           </a:effectLst>
         </p:spPr>
         <p:txBody>
-          <a:bodyPr anchorCtr="0" anchor="ctr" bIns="45700" lIns="91425" spcFirstLastPara="1" rIns="91425" wrap="square" tIns="45700">
+          <a:bodyPr spcFirstLastPara="1" wrap="square" lIns="91425" tIns="45700" rIns="91425" bIns="45700" anchor="ctr" anchorCtr="0">
             <a:noAutofit/>
           </a:bodyPr>
           <a:lstStyle>
-            <a:lvl1pPr lvl="0" rtl="0" algn="ctr">
+            <a:lvl1pPr lvl="0" algn="ctr" rtl="0">
               <a:spcBef>
                 <a:spcPts val="0"/>
               </a:spcBef>
@@ -3512,7 +3588,7 @@
               <a:buNone/>
               <a:defRPr/>
             </a:lvl1pPr>
-            <a:lvl2pPr lvl="1" rtl="0" algn="l">
+            <a:lvl2pPr lvl="1" algn="l" rtl="0">
               <a:spcBef>
                 <a:spcPts val="0"/>
               </a:spcBef>
@@ -3523,7 +3599,7 @@
               <a:buNone/>
               <a:defRPr/>
             </a:lvl2pPr>
-            <a:lvl3pPr lvl="2" rtl="0" algn="l">
+            <a:lvl3pPr lvl="2" algn="l" rtl="0">
               <a:spcBef>
                 <a:spcPts val="0"/>
               </a:spcBef>
@@ -3534,7 +3610,7 @@
               <a:buNone/>
               <a:defRPr/>
             </a:lvl3pPr>
-            <a:lvl4pPr lvl="3" rtl="0" algn="l">
+            <a:lvl4pPr lvl="3" algn="l" rtl="0">
               <a:spcBef>
                 <a:spcPts val="0"/>
               </a:spcBef>
@@ -3545,7 +3621,7 @@
               <a:buNone/>
               <a:defRPr/>
             </a:lvl4pPr>
-            <a:lvl5pPr lvl="4" rtl="0" algn="l">
+            <a:lvl5pPr lvl="4" algn="l" rtl="0">
               <a:spcBef>
                 <a:spcPts val="0"/>
               </a:spcBef>
@@ -3556,7 +3632,7 @@
               <a:buNone/>
               <a:defRPr/>
             </a:lvl5pPr>
-            <a:lvl6pPr lvl="5" rtl="0" algn="l">
+            <a:lvl6pPr lvl="5" algn="l" rtl="0">
               <a:spcBef>
                 <a:spcPts val="0"/>
               </a:spcBef>
@@ -3567,7 +3643,7 @@
               <a:buNone/>
               <a:defRPr/>
             </a:lvl6pPr>
-            <a:lvl7pPr lvl="6" rtl="0" algn="l">
+            <a:lvl7pPr lvl="6" algn="l" rtl="0">
               <a:spcBef>
                 <a:spcPts val="0"/>
               </a:spcBef>
@@ -3578,7 +3654,7 @@
               <a:buNone/>
               <a:defRPr/>
             </a:lvl7pPr>
-            <a:lvl8pPr lvl="7" rtl="0" algn="l">
+            <a:lvl8pPr lvl="7" algn="l" rtl="0">
               <a:spcBef>
                 <a:spcPts val="0"/>
               </a:spcBef>
@@ -3589,7 +3665,7 @@
               <a:buNone/>
               <a:defRPr/>
             </a:lvl8pPr>
-            <a:lvl9pPr lvl="8" rtl="0" algn="l">
+            <a:lvl9pPr lvl="8" algn="l" rtl="0">
               <a:spcBef>
                 <a:spcPts val="0"/>
               </a:spcBef>
@@ -3601,15 +3677,19 @@
               <a:defRPr/>
             </a:lvl9pPr>
           </a:lstStyle>
-          <a:p/>
+          <a:p>
+            <a:endParaRPr/>
+          </a:p>
         </p:txBody>
       </p:sp>
       <p:sp>
         <p:nvSpPr>
           <p:cNvPr id="88" name="Google Shape;88;p13"/>
-          <p:cNvSpPr txBox="1"/>
+          <p:cNvSpPr txBox="1">
+            <a:spLocks noGrp="1"/>
+          </p:cNvSpPr>
           <p:nvPr>
-            <p:ph idx="1" type="body"/>
+            <p:ph type="body" idx="1"/>
           </p:nvPr>
         </p:nvSpPr>
         <p:spPr>
@@ -3633,11 +3713,11 @@
           </a:effectLst>
         </p:spPr>
         <p:txBody>
-          <a:bodyPr anchorCtr="0" anchor="t" bIns="45700" lIns="91425" spcFirstLastPara="1" rIns="91425" wrap="square" tIns="45700">
+          <a:bodyPr spcFirstLastPara="1" wrap="square" lIns="91425" tIns="45700" rIns="91425" bIns="45700" anchor="t" anchorCtr="0">
             <a:noAutofit/>
           </a:bodyPr>
           <a:lstStyle>
-            <a:lvl1pPr indent="-308610" lvl="0" marL="457200" rtl="0" algn="l">
+            <a:lvl1pPr marL="457200" lvl="0" indent="-308610" algn="l" rtl="0">
               <a:spcBef>
                 <a:spcPts val="360"/>
               </a:spcBef>
@@ -3648,7 +3728,7 @@
               <a:buChar char="●"/>
               <a:defRPr/>
             </a:lvl1pPr>
-            <a:lvl2pPr indent="-308610" lvl="1" marL="914400" rtl="0" algn="l">
+            <a:lvl2pPr marL="914400" lvl="1" indent="-308610" algn="l" rtl="0">
               <a:spcBef>
                 <a:spcPts val="600"/>
               </a:spcBef>
@@ -3659,7 +3739,7 @@
               <a:buChar char="○"/>
               <a:defRPr/>
             </a:lvl2pPr>
-            <a:lvl3pPr indent="-308610" lvl="2" marL="1371600" rtl="0" algn="l">
+            <a:lvl3pPr marL="1371600" lvl="2" indent="-308610" algn="l" rtl="0">
               <a:spcBef>
                 <a:spcPts val="600"/>
               </a:spcBef>
@@ -3670,7 +3750,7 @@
               <a:buChar char="■"/>
               <a:defRPr/>
             </a:lvl3pPr>
-            <a:lvl4pPr indent="-308610" lvl="3" marL="1828800" rtl="0" algn="l">
+            <a:lvl4pPr marL="1828800" lvl="3" indent="-308610" algn="l" rtl="0">
               <a:spcBef>
                 <a:spcPts val="600"/>
               </a:spcBef>
@@ -3681,7 +3761,7 @@
               <a:buChar char="●"/>
               <a:defRPr/>
             </a:lvl4pPr>
-            <a:lvl5pPr indent="-308610" lvl="4" marL="2286000" rtl="0" algn="l">
+            <a:lvl5pPr marL="2286000" lvl="4" indent="-308610" algn="l" rtl="0">
               <a:spcBef>
                 <a:spcPts val="600"/>
               </a:spcBef>
@@ -3692,7 +3772,7 @@
               <a:buChar char="○"/>
               <a:defRPr/>
             </a:lvl5pPr>
-            <a:lvl6pPr indent="-308610" lvl="5" marL="2743200" rtl="0" algn="l">
+            <a:lvl6pPr marL="2743200" lvl="5" indent="-308610" algn="l" rtl="0">
               <a:spcBef>
                 <a:spcPts val="600"/>
               </a:spcBef>
@@ -3703,7 +3783,7 @@
               <a:buChar char="■"/>
               <a:defRPr/>
             </a:lvl6pPr>
-            <a:lvl7pPr indent="-308610" lvl="6" marL="3200400" rtl="0" algn="l">
+            <a:lvl7pPr marL="3200400" lvl="6" indent="-308610" algn="l" rtl="0">
               <a:spcBef>
                 <a:spcPts val="600"/>
               </a:spcBef>
@@ -3714,7 +3794,7 @@
               <a:buChar char="●"/>
               <a:defRPr/>
             </a:lvl7pPr>
-            <a:lvl8pPr indent="-308609" lvl="7" marL="3657600" rtl="0" algn="l">
+            <a:lvl8pPr marL="3657600" lvl="7" indent="-308609" algn="l" rtl="0">
               <a:spcBef>
                 <a:spcPts val="600"/>
               </a:spcBef>
@@ -3725,7 +3805,7 @@
               <a:buChar char="○"/>
               <a:defRPr/>
             </a:lvl8pPr>
-            <a:lvl9pPr indent="-308609" lvl="8" marL="4114800" rtl="0" algn="l">
+            <a:lvl9pPr marL="4114800" lvl="8" indent="-308609" algn="l" rtl="0">
               <a:spcBef>
                 <a:spcPts val="600"/>
               </a:spcBef>
@@ -3737,15 +3817,19 @@
               <a:defRPr/>
             </a:lvl9pPr>
           </a:lstStyle>
-          <a:p/>
+          <a:p>
+            <a:endParaRPr/>
+          </a:p>
         </p:txBody>
       </p:sp>
       <p:sp>
         <p:nvSpPr>
           <p:cNvPr id="89" name="Google Shape;89;p13"/>
-          <p:cNvSpPr txBox="1"/>
+          <p:cNvSpPr txBox="1">
+            <a:spLocks noGrp="1"/>
+          </p:cNvSpPr>
           <p:nvPr>
-            <p:ph idx="10" type="dt"/>
+            <p:ph type="dt" idx="10"/>
           </p:nvPr>
         </p:nvSpPr>
         <p:spPr>
@@ -3762,11 +3846,11 @@
           </a:ln>
         </p:spPr>
         <p:txBody>
-          <a:bodyPr anchorCtr="0" anchor="ctr" bIns="45700" lIns="91425" spcFirstLastPara="1" rIns="91425" wrap="square" tIns="45700">
+          <a:bodyPr spcFirstLastPara="1" wrap="square" lIns="91425" tIns="45700" rIns="91425" bIns="45700" anchor="ctr" anchorCtr="0">
             <a:noAutofit/>
           </a:bodyPr>
           <a:lstStyle>
-            <a:lvl1pPr lvl="0" rtl="0" algn="r">
+            <a:lvl1pPr lvl="0" algn="r" rtl="0">
               <a:spcBef>
                 <a:spcPts val="0"/>
               </a:spcBef>
@@ -3777,7 +3861,7 @@
               <a:buNone/>
               <a:defRPr/>
             </a:lvl1pPr>
-            <a:lvl2pPr lvl="1" rtl="0" algn="l">
+            <a:lvl2pPr lvl="1" algn="l" rtl="0">
               <a:spcBef>
                 <a:spcPts val="0"/>
               </a:spcBef>
@@ -3788,7 +3872,7 @@
               <a:buNone/>
               <a:defRPr/>
             </a:lvl2pPr>
-            <a:lvl3pPr lvl="2" rtl="0" algn="l">
+            <a:lvl3pPr lvl="2" algn="l" rtl="0">
               <a:spcBef>
                 <a:spcPts val="0"/>
               </a:spcBef>
@@ -3799,7 +3883,7 @@
               <a:buNone/>
               <a:defRPr/>
             </a:lvl3pPr>
-            <a:lvl4pPr lvl="3" rtl="0" algn="l">
+            <a:lvl4pPr lvl="3" algn="l" rtl="0">
               <a:spcBef>
                 <a:spcPts val="0"/>
               </a:spcBef>
@@ -3810,7 +3894,7 @@
               <a:buNone/>
               <a:defRPr/>
             </a:lvl4pPr>
-            <a:lvl5pPr lvl="4" rtl="0" algn="l">
+            <a:lvl5pPr lvl="4" algn="l" rtl="0">
               <a:spcBef>
                 <a:spcPts val="0"/>
               </a:spcBef>
@@ -3821,7 +3905,7 @@
               <a:buNone/>
               <a:defRPr/>
             </a:lvl5pPr>
-            <a:lvl6pPr lvl="5" rtl="0" algn="l">
+            <a:lvl6pPr lvl="5" algn="l" rtl="0">
               <a:spcBef>
                 <a:spcPts val="0"/>
               </a:spcBef>
@@ -3832,7 +3916,7 @@
               <a:buNone/>
               <a:defRPr/>
             </a:lvl6pPr>
-            <a:lvl7pPr lvl="6" rtl="0" algn="l">
+            <a:lvl7pPr lvl="6" algn="l" rtl="0">
               <a:spcBef>
                 <a:spcPts val="0"/>
               </a:spcBef>
@@ -3843,7 +3927,7 @@
               <a:buNone/>
               <a:defRPr/>
             </a:lvl7pPr>
-            <a:lvl8pPr lvl="7" rtl="0" algn="l">
+            <a:lvl8pPr lvl="7" algn="l" rtl="0">
               <a:spcBef>
                 <a:spcPts val="0"/>
               </a:spcBef>
@@ -3854,7 +3938,7 @@
               <a:buNone/>
               <a:defRPr/>
             </a:lvl8pPr>
-            <a:lvl9pPr lvl="8" rtl="0" algn="l">
+            <a:lvl9pPr lvl="8" algn="l" rtl="0">
               <a:spcBef>
                 <a:spcPts val="0"/>
               </a:spcBef>
@@ -3866,15 +3950,19 @@
               <a:defRPr/>
             </a:lvl9pPr>
           </a:lstStyle>
-          <a:p/>
+          <a:p>
+            <a:endParaRPr/>
+          </a:p>
         </p:txBody>
       </p:sp>
       <p:sp>
         <p:nvSpPr>
           <p:cNvPr id="90" name="Google Shape;90;p13"/>
-          <p:cNvSpPr txBox="1"/>
+          <p:cNvSpPr txBox="1">
+            <a:spLocks noGrp="1"/>
+          </p:cNvSpPr>
           <p:nvPr>
-            <p:ph idx="11" type="ftr"/>
+            <p:ph type="ftr" idx="11"/>
           </p:nvPr>
         </p:nvSpPr>
         <p:spPr>
@@ -3891,11 +3979,11 @@
           </a:ln>
         </p:spPr>
         <p:txBody>
-          <a:bodyPr anchorCtr="0" anchor="ctr" bIns="45700" lIns="91425" spcFirstLastPara="1" rIns="91425" wrap="square" tIns="45700">
+          <a:bodyPr spcFirstLastPara="1" wrap="square" lIns="91425" tIns="45700" rIns="91425" bIns="45700" anchor="ctr" anchorCtr="0">
             <a:noAutofit/>
           </a:bodyPr>
           <a:lstStyle>
-            <a:lvl1pPr lvl="0" rtl="0" algn="l">
+            <a:lvl1pPr lvl="0" algn="l" rtl="0">
               <a:spcBef>
                 <a:spcPts val="0"/>
               </a:spcBef>
@@ -3906,7 +3994,7 @@
               <a:buNone/>
               <a:defRPr/>
             </a:lvl1pPr>
-            <a:lvl2pPr lvl="1" rtl="0" algn="l">
+            <a:lvl2pPr lvl="1" algn="l" rtl="0">
               <a:spcBef>
                 <a:spcPts val="0"/>
               </a:spcBef>
@@ -3917,7 +4005,7 @@
               <a:buNone/>
               <a:defRPr/>
             </a:lvl2pPr>
-            <a:lvl3pPr lvl="2" rtl="0" algn="l">
+            <a:lvl3pPr lvl="2" algn="l" rtl="0">
               <a:spcBef>
                 <a:spcPts val="0"/>
               </a:spcBef>
@@ -3928,7 +4016,7 @@
               <a:buNone/>
               <a:defRPr/>
             </a:lvl3pPr>
-            <a:lvl4pPr lvl="3" rtl="0" algn="l">
+            <a:lvl4pPr lvl="3" algn="l" rtl="0">
               <a:spcBef>
                 <a:spcPts val="0"/>
               </a:spcBef>
@@ -3939,7 +4027,7 @@
               <a:buNone/>
               <a:defRPr/>
             </a:lvl4pPr>
-            <a:lvl5pPr lvl="4" rtl="0" algn="l">
+            <a:lvl5pPr lvl="4" algn="l" rtl="0">
               <a:spcBef>
                 <a:spcPts val="0"/>
               </a:spcBef>
@@ -3950,7 +4038,7 @@
               <a:buNone/>
               <a:defRPr/>
             </a:lvl5pPr>
-            <a:lvl6pPr lvl="5" rtl="0" algn="l">
+            <a:lvl6pPr lvl="5" algn="l" rtl="0">
               <a:spcBef>
                 <a:spcPts val="0"/>
               </a:spcBef>
@@ -3961,7 +4049,7 @@
               <a:buNone/>
               <a:defRPr/>
             </a:lvl6pPr>
-            <a:lvl7pPr lvl="6" rtl="0" algn="l">
+            <a:lvl7pPr lvl="6" algn="l" rtl="0">
               <a:spcBef>
                 <a:spcPts val="0"/>
               </a:spcBef>
@@ -3972,7 +4060,7 @@
               <a:buNone/>
               <a:defRPr/>
             </a:lvl7pPr>
-            <a:lvl8pPr lvl="7" rtl="0" algn="l">
+            <a:lvl8pPr lvl="7" algn="l" rtl="0">
               <a:spcBef>
                 <a:spcPts val="0"/>
               </a:spcBef>
@@ -3983,7 +4071,7 @@
               <a:buNone/>
               <a:defRPr/>
             </a:lvl8pPr>
-            <a:lvl9pPr lvl="8" rtl="0" algn="l">
+            <a:lvl9pPr lvl="8" algn="l" rtl="0">
               <a:spcBef>
                 <a:spcPts val="0"/>
               </a:spcBef>
@@ -3995,15 +4083,19 @@
               <a:defRPr/>
             </a:lvl9pPr>
           </a:lstStyle>
-          <a:p/>
+          <a:p>
+            <a:endParaRPr/>
+          </a:p>
         </p:txBody>
       </p:sp>
       <p:sp>
         <p:nvSpPr>
           <p:cNvPr id="91" name="Google Shape;91;p13"/>
-          <p:cNvSpPr txBox="1"/>
+          <p:cNvSpPr txBox="1">
+            <a:spLocks noGrp="1"/>
+          </p:cNvSpPr>
           <p:nvPr>
-            <p:ph idx="12" type="sldNum"/>
+            <p:ph type="sldNum" idx="12"/>
           </p:nvPr>
         </p:nvSpPr>
         <p:spPr>
@@ -4020,67 +4112,67 @@
           </a:ln>
         </p:spPr>
         <p:txBody>
-          <a:bodyPr anchorCtr="0" anchor="ctr" bIns="45700" lIns="91425" spcFirstLastPara="1" rIns="91425" wrap="square" tIns="45700">
+          <a:bodyPr spcFirstLastPara="1" wrap="square" lIns="91425" tIns="45700" rIns="91425" bIns="45700" anchor="ctr" anchorCtr="0">
             <a:noAutofit/>
           </a:bodyPr>
           <a:lstStyle>
-            <a:lvl1pPr indent="0" lvl="0" marL="0" rtl="0" algn="r">
+            <a:lvl1pPr marL="0" lvl="0" indent="0" algn="r" rtl="0">
               <a:spcBef>
                 <a:spcPts val="0"/>
               </a:spcBef>
               <a:buNone/>
               <a:defRPr/>
             </a:lvl1pPr>
-            <a:lvl2pPr indent="0" lvl="1" marL="0" rtl="0" algn="r">
+            <a:lvl2pPr marL="0" lvl="1" indent="0" algn="r" rtl="0">
               <a:spcBef>
                 <a:spcPts val="0"/>
               </a:spcBef>
               <a:buNone/>
               <a:defRPr/>
             </a:lvl2pPr>
-            <a:lvl3pPr indent="0" lvl="2" marL="0" rtl="0" algn="r">
+            <a:lvl3pPr marL="0" lvl="2" indent="0" algn="r" rtl="0">
               <a:spcBef>
                 <a:spcPts val="0"/>
               </a:spcBef>
               <a:buNone/>
               <a:defRPr/>
             </a:lvl3pPr>
-            <a:lvl4pPr indent="0" lvl="3" marL="0" rtl="0" algn="r">
+            <a:lvl4pPr marL="0" lvl="3" indent="0" algn="r" rtl="0">
               <a:spcBef>
                 <a:spcPts val="0"/>
               </a:spcBef>
               <a:buNone/>
               <a:defRPr/>
             </a:lvl4pPr>
-            <a:lvl5pPr indent="0" lvl="4" marL="0" rtl="0" algn="r">
+            <a:lvl5pPr marL="0" lvl="4" indent="0" algn="r" rtl="0">
               <a:spcBef>
                 <a:spcPts val="0"/>
               </a:spcBef>
               <a:buNone/>
               <a:defRPr/>
             </a:lvl5pPr>
-            <a:lvl6pPr indent="0" lvl="5" marL="0" rtl="0" algn="r">
+            <a:lvl6pPr marL="0" lvl="5" indent="0" algn="r" rtl="0">
               <a:spcBef>
                 <a:spcPts val="0"/>
               </a:spcBef>
               <a:buNone/>
               <a:defRPr/>
             </a:lvl6pPr>
-            <a:lvl7pPr indent="0" lvl="6" marL="0" rtl="0" algn="r">
+            <a:lvl7pPr marL="0" lvl="6" indent="0" algn="r" rtl="0">
               <a:spcBef>
                 <a:spcPts val="0"/>
               </a:spcBef>
               <a:buNone/>
               <a:defRPr/>
             </a:lvl7pPr>
-            <a:lvl8pPr indent="0" lvl="7" marL="0" rtl="0" algn="r">
+            <a:lvl8pPr marL="0" lvl="7" indent="0" algn="r" rtl="0">
               <a:spcBef>
                 <a:spcPts val="0"/>
               </a:spcBef>
               <a:buNone/>
               <a:defRPr/>
             </a:lvl8pPr>
-            <a:lvl9pPr indent="0" lvl="8" marL="0" rtl="0" algn="r">
+            <a:lvl9pPr marL="0" lvl="8" indent="0" algn="r" rtl="0">
               <a:spcBef>
                 <a:spcPts val="0"/>
               </a:spcBef>
@@ -4089,7 +4181,7 @@
             </a:lvl9pPr>
           </a:lstStyle>
           <a:p>
-            <a:pPr indent="0" lvl="0" marL="0" rtl="0" algn="r">
+            <a:pPr marL="0" lvl="0" indent="0" algn="r" rtl="0">
               <a:spcBef>
                 <a:spcPts val="0"/>
               </a:spcBef>
@@ -4115,18 +4207,19 @@
 </file>
 
 <file path=ppt/slideLayouts/slideLayout2.xml><?xml version="1.0" encoding="utf-8"?>
-<p:sldLayout xmlns:a="http://schemas.openxmlformats.org/drawingml/2006/main" xmlns:r="http://schemas.openxmlformats.org/officeDocument/2006/relationships" xmlns:mc="http://schemas.openxmlformats.org/markup-compatibility/2006" xmlns:mv="urn:schemas-microsoft-com:mac:vml" xmlns:p="http://schemas.openxmlformats.org/presentationml/2006/main" xmlns:c="http://schemas.openxmlformats.org/drawingml/2006/chart" xmlns:dgm="http://schemas.openxmlformats.org/drawingml/2006/diagram" xmlns:o="urn:schemas-microsoft-com:office:office" xmlns:v="urn:schemas-microsoft-com:vml" xmlns:pvml="urn:schemas-microsoft-com:office:powerpoint" xmlns:com="http://schemas.openxmlformats.org/drawingml/2006/compatibility" xmlns:p14="http://schemas.microsoft.com/office/powerpoint/2010/main" xmlns:p15="http://schemas.microsoft.com/office/powerpoint/2012/main" matchingName="Section header" type="secHead">
+<p:sldLayout xmlns:a="http://schemas.openxmlformats.org/drawingml/2006/main" xmlns:r="http://schemas.openxmlformats.org/officeDocument/2006/relationships" xmlns:p="http://schemas.openxmlformats.org/presentationml/2006/main" matchingName="Section header" type="secHead">
   <p:cSld name="SECTION_HEADER">
     <p:bg>
       <p:bgPr>
         <a:solidFill>
           <a:schemeClr val="dk1"/>
         </a:solidFill>
+        <a:effectLst/>
       </p:bgPr>
     </p:bg>
     <p:spTree>
       <p:nvGrpSpPr>
-        <p:cNvPr id="21" name="Shape 21"/>
+        <p:cNvPr id="1" name="Shape 21"/>
         <p:cNvGrpSpPr/>
         <p:nvPr/>
       </p:nvGrpSpPr>
@@ -4174,12 +4267,12 @@
             </a:ln>
           </p:spPr>
           <p:txBody>
-            <a:bodyPr anchorCtr="0" anchor="ctr" bIns="121900" lIns="121900" spcFirstLastPara="1" rIns="121900" wrap="square" tIns="121900">
+            <a:bodyPr spcFirstLastPara="1" wrap="square" lIns="121900" tIns="121900" rIns="121900" bIns="121900" anchor="ctr" anchorCtr="0">
               <a:noAutofit/>
             </a:bodyPr>
             <a:lstStyle/>
             <a:p>
-              <a:pPr indent="0" lvl="0" marL="0" rtl="0" algn="l">
+              <a:pPr marL="0" lvl="0" indent="0" algn="l" rtl="0">
                 <a:spcBef>
                   <a:spcPts val="0"/>
                 </a:spcBef>
@@ -4188,9 +4281,6 @@
                 </a:spcAft>
                 <a:buNone/>
               </a:pPr>
-              <a:r>
-                <a:t/>
-              </a:r>
               <a:endParaRPr/>
             </a:p>
           </p:txBody>
@@ -4217,12 +4307,12 @@
             </a:ln>
           </p:spPr>
           <p:txBody>
-            <a:bodyPr anchorCtr="0" anchor="ctr" bIns="121900" lIns="121900" spcFirstLastPara="1" rIns="121900" wrap="square" tIns="121900">
+            <a:bodyPr spcFirstLastPara="1" wrap="square" lIns="121900" tIns="121900" rIns="121900" bIns="121900" anchor="ctr" anchorCtr="0">
               <a:noAutofit/>
             </a:bodyPr>
             <a:lstStyle/>
             <a:p>
-              <a:pPr indent="0" lvl="0" marL="0" rtl="0" algn="l">
+              <a:pPr marL="0" lvl="0" indent="0" algn="l" rtl="0">
                 <a:spcBef>
                   <a:spcPts val="0"/>
                 </a:spcBef>
@@ -4231,9 +4321,6 @@
                 </a:spcAft>
                 <a:buNone/>
               </a:pPr>
-              <a:r>
-                <a:t/>
-              </a:r>
               <a:endParaRPr/>
             </a:p>
           </p:txBody>
@@ -4242,7 +4329,9 @@
       <p:sp>
         <p:nvSpPr>
           <p:cNvPr id="25" name="Google Shape;25;p3"/>
-          <p:cNvSpPr txBox="1"/>
+          <p:cNvSpPr txBox="1">
+            <a:spLocks noGrp="1"/>
+          </p:cNvSpPr>
           <p:nvPr>
             <p:ph type="title"/>
           </p:nvPr>
@@ -4257,7 +4346,7 @@
           </a:prstGeom>
         </p:spPr>
         <p:txBody>
-          <a:bodyPr anchorCtr="0" anchor="t" bIns="121900" lIns="121900" spcFirstLastPara="1" rIns="121900" wrap="square" tIns="121900">
+          <a:bodyPr spcFirstLastPara="1" wrap="square" lIns="121900" tIns="121900" rIns="121900" bIns="121900" anchor="t" anchorCtr="0">
             <a:noAutofit/>
           </a:bodyPr>
           <a:lstStyle>
@@ -4424,15 +4513,19 @@
               </a:defRPr>
             </a:lvl9pPr>
           </a:lstStyle>
-          <a:p/>
+          <a:p>
+            <a:endParaRPr/>
+          </a:p>
         </p:txBody>
       </p:sp>
       <p:sp>
         <p:nvSpPr>
           <p:cNvPr id="26" name="Google Shape;26;p3"/>
-          <p:cNvSpPr txBox="1"/>
+          <p:cNvSpPr txBox="1">
+            <a:spLocks noGrp="1"/>
+          </p:cNvSpPr>
           <p:nvPr>
-            <p:ph idx="12" type="sldNum"/>
+            <p:ph type="sldNum" idx="12"/>
           </p:nvPr>
         </p:nvSpPr>
         <p:spPr>
@@ -4445,7 +4538,7 @@
           </a:prstGeom>
         </p:spPr>
         <p:txBody>
-          <a:bodyPr anchorCtr="0" anchor="ctr" bIns="121900" lIns="121900" spcFirstLastPara="1" rIns="121900" wrap="square" tIns="121900">
+          <a:bodyPr spcFirstLastPara="1" wrap="square" lIns="121900" tIns="121900" rIns="121900" bIns="121900" anchor="ctr" anchorCtr="0">
             <a:noAutofit/>
           </a:bodyPr>
           <a:lstStyle>
@@ -4523,7 +4616,7 @@
             </a:lvl9pPr>
           </a:lstStyle>
           <a:p>
-            <a:pPr indent="0" lvl="0" marL="0" rtl="0" algn="r">
+            <a:pPr marL="0" lvl="0" indent="0" algn="r" rtl="0">
               <a:spcBef>
                 <a:spcPts val="0"/>
               </a:spcBef>
@@ -4549,11 +4642,11 @@
 </file>
 
 <file path=ppt/slideLayouts/slideLayout3.xml><?xml version="1.0" encoding="utf-8"?>
-<p:sldLayout xmlns:a="http://schemas.openxmlformats.org/drawingml/2006/main" xmlns:r="http://schemas.openxmlformats.org/officeDocument/2006/relationships" xmlns:mc="http://schemas.openxmlformats.org/markup-compatibility/2006" xmlns:mv="urn:schemas-microsoft-com:mac:vml" xmlns:p="http://schemas.openxmlformats.org/presentationml/2006/main" xmlns:c="http://schemas.openxmlformats.org/drawingml/2006/chart" xmlns:dgm="http://schemas.openxmlformats.org/drawingml/2006/diagram" xmlns:o="urn:schemas-microsoft-com:office:office" xmlns:v="urn:schemas-microsoft-com:vml" xmlns:pvml="urn:schemas-microsoft-com:office:powerpoint" xmlns:com="http://schemas.openxmlformats.org/drawingml/2006/compatibility" xmlns:p14="http://schemas.microsoft.com/office/powerpoint/2010/main" xmlns:p15="http://schemas.microsoft.com/office/powerpoint/2012/main" matchingName="Title and body" type="tx">
+<p:sldLayout xmlns:a="http://schemas.openxmlformats.org/drawingml/2006/main" xmlns:r="http://schemas.openxmlformats.org/officeDocument/2006/relationships" xmlns:p="http://schemas.openxmlformats.org/presentationml/2006/main" matchingName="Title and body" type="tx">
   <p:cSld name="TITLE_AND_BODY">
     <p:spTree>
       <p:nvGrpSpPr>
-        <p:cNvPr id="27" name="Shape 27"/>
+        <p:cNvPr id="1" name="Shape 27"/>
         <p:cNvGrpSpPr/>
         <p:nvPr/>
       </p:nvGrpSpPr>
@@ -4587,12 +4680,12 @@
           </a:ln>
         </p:spPr>
         <p:txBody>
-          <a:bodyPr anchorCtr="0" anchor="ctr" bIns="121900" lIns="121900" spcFirstLastPara="1" rIns="121900" wrap="square" tIns="121900">
+          <a:bodyPr spcFirstLastPara="1" wrap="square" lIns="121900" tIns="121900" rIns="121900" bIns="121900" anchor="ctr" anchorCtr="0">
             <a:noAutofit/>
           </a:bodyPr>
           <a:lstStyle/>
           <a:p>
-            <a:pPr indent="0" lvl="0" marL="0" rtl="0" algn="l">
+            <a:pPr marL="0" lvl="0" indent="0" algn="l" rtl="0">
               <a:spcBef>
                 <a:spcPts val="0"/>
               </a:spcBef>
@@ -4601,9 +4694,6 @@
               </a:spcAft>
               <a:buNone/>
             </a:pPr>
-            <a:r>
-              <a:t/>
-            </a:r>
             <a:endParaRPr/>
           </a:p>
         </p:txBody>
@@ -4644,12 +4734,12 @@
             </a:ln>
           </p:spPr>
           <p:txBody>
-            <a:bodyPr anchorCtr="0" anchor="ctr" bIns="121900" lIns="121900" spcFirstLastPara="1" rIns="121900" wrap="square" tIns="121900">
+            <a:bodyPr spcFirstLastPara="1" wrap="square" lIns="121900" tIns="121900" rIns="121900" bIns="121900" anchor="ctr" anchorCtr="0">
               <a:noAutofit/>
             </a:bodyPr>
             <a:lstStyle/>
             <a:p>
-              <a:pPr indent="0" lvl="0" marL="0" rtl="0" algn="l">
+              <a:pPr marL="0" lvl="0" indent="0" algn="l" rtl="0">
                 <a:spcBef>
                   <a:spcPts val="0"/>
                 </a:spcBef>
@@ -4658,9 +4748,6 @@
                 </a:spcAft>
                 <a:buNone/>
               </a:pPr>
-              <a:r>
-                <a:t/>
-              </a:r>
               <a:endParaRPr/>
             </a:p>
           </p:txBody>
@@ -4687,12 +4774,12 @@
             </a:ln>
           </p:spPr>
           <p:txBody>
-            <a:bodyPr anchorCtr="0" anchor="ctr" bIns="121900" lIns="121900" spcFirstLastPara="1" rIns="121900" wrap="square" tIns="121900">
+            <a:bodyPr spcFirstLastPara="1" wrap="square" lIns="121900" tIns="121900" rIns="121900" bIns="121900" anchor="ctr" anchorCtr="0">
               <a:noAutofit/>
             </a:bodyPr>
             <a:lstStyle/>
             <a:p>
-              <a:pPr indent="0" lvl="0" marL="0" rtl="0" algn="l">
+              <a:pPr marL="0" lvl="0" indent="0" algn="l" rtl="0">
                 <a:spcBef>
                   <a:spcPts val="0"/>
                 </a:spcBef>
@@ -4701,9 +4788,6 @@
                 </a:spcAft>
                 <a:buNone/>
               </a:pPr>
-              <a:r>
-                <a:t/>
-              </a:r>
               <a:endParaRPr/>
             </a:p>
           </p:txBody>
@@ -4712,7 +4796,9 @@
       <p:sp>
         <p:nvSpPr>
           <p:cNvPr id="32" name="Google Shape;32;p4"/>
-          <p:cNvSpPr txBox="1"/>
+          <p:cNvSpPr txBox="1">
+            <a:spLocks noGrp="1"/>
+          </p:cNvSpPr>
           <p:nvPr>
             <p:ph type="title"/>
           </p:nvPr>
@@ -4727,7 +4813,7 @@
           </a:prstGeom>
         </p:spPr>
         <p:txBody>
-          <a:bodyPr anchorCtr="0" anchor="t" bIns="121900" lIns="121900" spcFirstLastPara="1" rIns="121900" wrap="square" tIns="121900">
+          <a:bodyPr spcFirstLastPara="1" wrap="square" lIns="121900" tIns="121900" rIns="121900" bIns="121900" anchor="t" anchorCtr="0">
             <a:noAutofit/>
           </a:bodyPr>
           <a:lstStyle>
@@ -4894,15 +4980,19 @@
               </a:defRPr>
             </a:lvl9pPr>
           </a:lstStyle>
-          <a:p/>
+          <a:p>
+            <a:endParaRPr/>
+          </a:p>
         </p:txBody>
       </p:sp>
       <p:sp>
         <p:nvSpPr>
           <p:cNvPr id="33" name="Google Shape;33;p4"/>
-          <p:cNvSpPr txBox="1"/>
+          <p:cNvSpPr txBox="1">
+            <a:spLocks noGrp="1"/>
+          </p:cNvSpPr>
           <p:nvPr>
-            <p:ph idx="1" type="body"/>
+            <p:ph type="body" idx="1"/>
           </p:nvPr>
         </p:nvSpPr>
         <p:spPr>
@@ -4915,11 +5005,11 @@
           </a:prstGeom>
         </p:spPr>
         <p:txBody>
-          <a:bodyPr anchorCtr="0" anchor="t" bIns="121900" lIns="121900" spcFirstLastPara="1" rIns="121900" wrap="square" tIns="121900">
+          <a:bodyPr spcFirstLastPara="1" wrap="square" lIns="121900" tIns="121900" rIns="121900" bIns="121900" anchor="t" anchorCtr="0">
             <a:noAutofit/>
           </a:bodyPr>
           <a:lstStyle>
-            <a:lvl1pPr indent="-336550" lvl="0" marL="457200">
+            <a:lvl1pPr marL="457200" lvl="0" indent="-336550">
               <a:spcBef>
                 <a:spcPts val="0"/>
               </a:spcBef>
@@ -4930,7 +5020,7 @@
               <a:buChar char="●"/>
               <a:defRPr/>
             </a:lvl1pPr>
-            <a:lvl2pPr indent="-323850" lvl="1" marL="914400">
+            <a:lvl2pPr marL="914400" lvl="1" indent="-323850">
               <a:spcBef>
                 <a:spcPts val="2100"/>
               </a:spcBef>
@@ -4941,7 +5031,7 @@
               <a:buChar char="○"/>
               <a:defRPr/>
             </a:lvl2pPr>
-            <a:lvl3pPr indent="-323850" lvl="2" marL="1371600">
+            <a:lvl3pPr marL="1371600" lvl="2" indent="-323850">
               <a:spcBef>
                 <a:spcPts val="2100"/>
               </a:spcBef>
@@ -4952,7 +5042,7 @@
               <a:buChar char="■"/>
               <a:defRPr/>
             </a:lvl3pPr>
-            <a:lvl4pPr indent="-323850" lvl="3" marL="1828800">
+            <a:lvl4pPr marL="1828800" lvl="3" indent="-323850">
               <a:spcBef>
                 <a:spcPts val="2100"/>
               </a:spcBef>
@@ -4963,7 +5053,7 @@
               <a:buChar char="●"/>
               <a:defRPr/>
             </a:lvl4pPr>
-            <a:lvl5pPr indent="-323850" lvl="4" marL="2286000">
+            <a:lvl5pPr marL="2286000" lvl="4" indent="-323850">
               <a:spcBef>
                 <a:spcPts val="2100"/>
               </a:spcBef>
@@ -4974,7 +5064,7 @@
               <a:buChar char="○"/>
               <a:defRPr/>
             </a:lvl5pPr>
-            <a:lvl6pPr indent="-323850" lvl="5" marL="2743200">
+            <a:lvl6pPr marL="2743200" lvl="5" indent="-323850">
               <a:spcBef>
                 <a:spcPts val="2100"/>
               </a:spcBef>
@@ -4985,7 +5075,7 @@
               <a:buChar char="■"/>
               <a:defRPr/>
             </a:lvl6pPr>
-            <a:lvl7pPr indent="-323850" lvl="6" marL="3200400">
+            <a:lvl7pPr marL="3200400" lvl="6" indent="-323850">
               <a:spcBef>
                 <a:spcPts val="2100"/>
               </a:spcBef>
@@ -4996,7 +5086,7 @@
               <a:buChar char="●"/>
               <a:defRPr/>
             </a:lvl7pPr>
-            <a:lvl8pPr indent="-323850" lvl="7" marL="3657600">
+            <a:lvl8pPr marL="3657600" lvl="7" indent="-323850">
               <a:spcBef>
                 <a:spcPts val="2100"/>
               </a:spcBef>
@@ -5007,7 +5097,7 @@
               <a:buChar char="○"/>
               <a:defRPr/>
             </a:lvl8pPr>
-            <a:lvl9pPr indent="-323850" lvl="8" marL="4114800">
+            <a:lvl9pPr marL="4114800" lvl="8" indent="-323850">
               <a:spcBef>
                 <a:spcPts val="2100"/>
               </a:spcBef>
@@ -5019,15 +5109,19 @@
               <a:defRPr/>
             </a:lvl9pPr>
           </a:lstStyle>
-          <a:p/>
+          <a:p>
+            <a:endParaRPr/>
+          </a:p>
         </p:txBody>
       </p:sp>
       <p:sp>
         <p:nvSpPr>
           <p:cNvPr id="34" name="Google Shape;34;p4"/>
-          <p:cNvSpPr txBox="1"/>
+          <p:cNvSpPr txBox="1">
+            <a:spLocks noGrp="1"/>
+          </p:cNvSpPr>
           <p:nvPr>
-            <p:ph idx="12" type="sldNum"/>
+            <p:ph type="sldNum" idx="12"/>
           </p:nvPr>
         </p:nvSpPr>
         <p:spPr>
@@ -5040,7 +5134,7 @@
           </a:prstGeom>
         </p:spPr>
         <p:txBody>
-          <a:bodyPr anchorCtr="0" anchor="ctr" bIns="121900" lIns="121900" spcFirstLastPara="1" rIns="121900" wrap="square" tIns="121900">
+          <a:bodyPr spcFirstLastPara="1" wrap="square" lIns="121900" tIns="121900" rIns="121900" bIns="121900" anchor="ctr" anchorCtr="0">
             <a:noAutofit/>
           </a:bodyPr>
           <a:lstStyle>
@@ -5082,7 +5176,7 @@
             </a:lvl9pPr>
           </a:lstStyle>
           <a:p>
-            <a:pPr indent="0" lvl="0" marL="0" rtl="0" algn="r">
+            <a:pPr marL="0" lvl="0" indent="0" algn="r" rtl="0">
               <a:spcBef>
                 <a:spcPts val="0"/>
               </a:spcBef>
@@ -5108,11 +5202,11 @@
 </file>
 
 <file path=ppt/slideLayouts/slideLayout4.xml><?xml version="1.0" encoding="utf-8"?>
-<p:sldLayout xmlns:a="http://schemas.openxmlformats.org/drawingml/2006/main" xmlns:r="http://schemas.openxmlformats.org/officeDocument/2006/relationships" xmlns:mc="http://schemas.openxmlformats.org/markup-compatibility/2006" xmlns:mv="urn:schemas-microsoft-com:mac:vml" xmlns:p="http://schemas.openxmlformats.org/presentationml/2006/main" xmlns:c="http://schemas.openxmlformats.org/drawingml/2006/chart" xmlns:dgm="http://schemas.openxmlformats.org/drawingml/2006/diagram" xmlns:o="urn:schemas-microsoft-com:office:office" xmlns:v="urn:schemas-microsoft-com:vml" xmlns:pvml="urn:schemas-microsoft-com:office:powerpoint" xmlns:com="http://schemas.openxmlformats.org/drawingml/2006/compatibility" xmlns:p14="http://schemas.microsoft.com/office/powerpoint/2010/main" xmlns:p15="http://schemas.microsoft.com/office/powerpoint/2012/main" matchingName="Title and two columns" type="twoColTx">
+<p:sldLayout xmlns:a="http://schemas.openxmlformats.org/drawingml/2006/main" xmlns:r="http://schemas.openxmlformats.org/officeDocument/2006/relationships" xmlns:p="http://schemas.openxmlformats.org/presentationml/2006/main" matchingName="Title and two columns" type="twoColTx">
   <p:cSld name="TITLE_AND_TWO_COLUMNS">
     <p:spTree>
       <p:nvGrpSpPr>
-        <p:cNvPr id="35" name="Shape 35"/>
+        <p:cNvPr id="1" name="Shape 35"/>
         <p:cNvGrpSpPr/>
         <p:nvPr/>
       </p:nvGrpSpPr>
@@ -5146,12 +5240,12 @@
           </a:ln>
         </p:spPr>
         <p:txBody>
-          <a:bodyPr anchorCtr="0" anchor="ctr" bIns="121900" lIns="121900" spcFirstLastPara="1" rIns="121900" wrap="square" tIns="121900">
+          <a:bodyPr spcFirstLastPara="1" wrap="square" lIns="121900" tIns="121900" rIns="121900" bIns="121900" anchor="ctr" anchorCtr="0">
             <a:noAutofit/>
           </a:bodyPr>
           <a:lstStyle/>
           <a:p>
-            <a:pPr indent="0" lvl="0" marL="0" rtl="0" algn="l">
+            <a:pPr marL="0" lvl="0" indent="0" algn="l" rtl="0">
               <a:spcBef>
                 <a:spcPts val="0"/>
               </a:spcBef>
@@ -5160,9 +5254,6 @@
               </a:spcAft>
               <a:buNone/>
             </a:pPr>
-            <a:r>
-              <a:t/>
-            </a:r>
             <a:endParaRPr/>
           </a:p>
         </p:txBody>
@@ -5203,12 +5294,12 @@
             </a:ln>
           </p:spPr>
           <p:txBody>
-            <a:bodyPr anchorCtr="0" anchor="ctr" bIns="121900" lIns="121900" spcFirstLastPara="1" rIns="121900" wrap="square" tIns="121900">
+            <a:bodyPr spcFirstLastPara="1" wrap="square" lIns="121900" tIns="121900" rIns="121900" bIns="121900" anchor="ctr" anchorCtr="0">
               <a:noAutofit/>
             </a:bodyPr>
             <a:lstStyle/>
             <a:p>
-              <a:pPr indent="0" lvl="0" marL="0" rtl="0" algn="l">
+              <a:pPr marL="0" lvl="0" indent="0" algn="l" rtl="0">
                 <a:spcBef>
                   <a:spcPts val="0"/>
                 </a:spcBef>
@@ -5217,9 +5308,6 @@
                 </a:spcAft>
                 <a:buNone/>
               </a:pPr>
-              <a:r>
-                <a:t/>
-              </a:r>
               <a:endParaRPr/>
             </a:p>
           </p:txBody>
@@ -5246,12 +5334,12 @@
             </a:ln>
           </p:spPr>
           <p:txBody>
-            <a:bodyPr anchorCtr="0" anchor="ctr" bIns="121900" lIns="121900" spcFirstLastPara="1" rIns="121900" wrap="square" tIns="121900">
+            <a:bodyPr spcFirstLastPara="1" wrap="square" lIns="121900" tIns="121900" rIns="121900" bIns="121900" anchor="ctr" anchorCtr="0">
               <a:noAutofit/>
             </a:bodyPr>
             <a:lstStyle/>
             <a:p>
-              <a:pPr indent="0" lvl="0" marL="0" rtl="0" algn="l">
+              <a:pPr marL="0" lvl="0" indent="0" algn="l" rtl="0">
                 <a:spcBef>
                   <a:spcPts val="0"/>
                 </a:spcBef>
@@ -5260,9 +5348,6 @@
                 </a:spcAft>
                 <a:buNone/>
               </a:pPr>
-              <a:r>
-                <a:t/>
-              </a:r>
               <a:endParaRPr/>
             </a:p>
           </p:txBody>
@@ -5271,7 +5356,9 @@
       <p:sp>
         <p:nvSpPr>
           <p:cNvPr id="40" name="Google Shape;40;p5"/>
-          <p:cNvSpPr txBox="1"/>
+          <p:cNvSpPr txBox="1">
+            <a:spLocks noGrp="1"/>
+          </p:cNvSpPr>
           <p:nvPr>
             <p:ph type="title"/>
           </p:nvPr>
@@ -5286,7 +5373,7 @@
           </a:prstGeom>
         </p:spPr>
         <p:txBody>
-          <a:bodyPr anchorCtr="0" anchor="t" bIns="121900" lIns="121900" spcFirstLastPara="1" rIns="121900" wrap="square" tIns="121900">
+          <a:bodyPr spcFirstLastPara="1" wrap="square" lIns="121900" tIns="121900" rIns="121900" bIns="121900" anchor="t" anchorCtr="0">
             <a:noAutofit/>
           </a:bodyPr>
           <a:lstStyle>
@@ -5453,15 +5540,19 @@
               </a:defRPr>
             </a:lvl9pPr>
           </a:lstStyle>
-          <a:p/>
+          <a:p>
+            <a:endParaRPr/>
+          </a:p>
         </p:txBody>
       </p:sp>
       <p:sp>
         <p:nvSpPr>
           <p:cNvPr id="41" name="Google Shape;41;p5"/>
-          <p:cNvSpPr txBox="1"/>
+          <p:cNvSpPr txBox="1">
+            <a:spLocks noGrp="1"/>
+          </p:cNvSpPr>
           <p:nvPr>
-            <p:ph idx="1" type="body"/>
+            <p:ph type="body" idx="1"/>
           </p:nvPr>
         </p:nvSpPr>
         <p:spPr>
@@ -5474,11 +5565,11 @@
           </a:prstGeom>
         </p:spPr>
         <p:txBody>
-          <a:bodyPr anchorCtr="0" anchor="t" bIns="121900" lIns="121900" spcFirstLastPara="1" rIns="121900" wrap="square" tIns="121900">
+          <a:bodyPr spcFirstLastPara="1" wrap="square" lIns="121900" tIns="121900" rIns="121900" bIns="121900" anchor="t" anchorCtr="0">
             <a:noAutofit/>
           </a:bodyPr>
           <a:lstStyle>
-            <a:lvl1pPr indent="-336550" lvl="0" marL="457200">
+            <a:lvl1pPr marL="457200" lvl="0" indent="-336550">
               <a:spcBef>
                 <a:spcPts val="0"/>
               </a:spcBef>
@@ -5489,7 +5580,7 @@
               <a:buChar char="●"/>
               <a:defRPr/>
             </a:lvl1pPr>
-            <a:lvl2pPr indent="-323850" lvl="1" marL="914400">
+            <a:lvl2pPr marL="914400" lvl="1" indent="-323850">
               <a:spcBef>
                 <a:spcPts val="2100"/>
               </a:spcBef>
@@ -5500,7 +5591,7 @@
               <a:buChar char="○"/>
               <a:defRPr/>
             </a:lvl2pPr>
-            <a:lvl3pPr indent="-323850" lvl="2" marL="1371600">
+            <a:lvl3pPr marL="1371600" lvl="2" indent="-323850">
               <a:spcBef>
                 <a:spcPts val="2100"/>
               </a:spcBef>
@@ -5511,7 +5602,7 @@
               <a:buChar char="■"/>
               <a:defRPr/>
             </a:lvl3pPr>
-            <a:lvl4pPr indent="-323850" lvl="3" marL="1828800">
+            <a:lvl4pPr marL="1828800" lvl="3" indent="-323850">
               <a:spcBef>
                 <a:spcPts val="2100"/>
               </a:spcBef>
@@ -5522,7 +5613,7 @@
               <a:buChar char="●"/>
               <a:defRPr/>
             </a:lvl4pPr>
-            <a:lvl5pPr indent="-323850" lvl="4" marL="2286000">
+            <a:lvl5pPr marL="2286000" lvl="4" indent="-323850">
               <a:spcBef>
                 <a:spcPts val="2100"/>
               </a:spcBef>
@@ -5533,7 +5624,7 @@
               <a:buChar char="○"/>
               <a:defRPr/>
             </a:lvl5pPr>
-            <a:lvl6pPr indent="-323850" lvl="5" marL="2743200">
+            <a:lvl6pPr marL="2743200" lvl="5" indent="-323850">
               <a:spcBef>
                 <a:spcPts val="2100"/>
               </a:spcBef>
@@ -5544,7 +5635,7 @@
               <a:buChar char="■"/>
               <a:defRPr/>
             </a:lvl6pPr>
-            <a:lvl7pPr indent="-323850" lvl="6" marL="3200400">
+            <a:lvl7pPr marL="3200400" lvl="6" indent="-323850">
               <a:spcBef>
                 <a:spcPts val="2100"/>
               </a:spcBef>
@@ -5555,7 +5646,7 @@
               <a:buChar char="●"/>
               <a:defRPr/>
             </a:lvl7pPr>
-            <a:lvl8pPr indent="-323850" lvl="7" marL="3657600">
+            <a:lvl8pPr marL="3657600" lvl="7" indent="-323850">
               <a:spcBef>
                 <a:spcPts val="2100"/>
               </a:spcBef>
@@ -5566,7 +5657,7 @@
               <a:buChar char="○"/>
               <a:defRPr/>
             </a:lvl8pPr>
-            <a:lvl9pPr indent="-323850" lvl="8" marL="4114800">
+            <a:lvl9pPr marL="4114800" lvl="8" indent="-323850">
               <a:spcBef>
                 <a:spcPts val="2100"/>
               </a:spcBef>
@@ -5578,15 +5669,19 @@
               <a:defRPr/>
             </a:lvl9pPr>
           </a:lstStyle>
-          <a:p/>
+          <a:p>
+            <a:endParaRPr/>
+          </a:p>
         </p:txBody>
       </p:sp>
       <p:sp>
         <p:nvSpPr>
           <p:cNvPr id="42" name="Google Shape;42;p5"/>
-          <p:cNvSpPr txBox="1"/>
+          <p:cNvSpPr txBox="1">
+            <a:spLocks noGrp="1"/>
+          </p:cNvSpPr>
           <p:nvPr>
-            <p:ph idx="2" type="body"/>
+            <p:ph type="body" idx="2"/>
           </p:nvPr>
         </p:nvSpPr>
         <p:spPr>
@@ -5599,11 +5694,11 @@
           </a:prstGeom>
         </p:spPr>
         <p:txBody>
-          <a:bodyPr anchorCtr="0" anchor="t" bIns="121900" lIns="121900" spcFirstLastPara="1" rIns="121900" wrap="square" tIns="121900">
+          <a:bodyPr spcFirstLastPara="1" wrap="square" lIns="121900" tIns="121900" rIns="121900" bIns="121900" anchor="t" anchorCtr="0">
             <a:noAutofit/>
           </a:bodyPr>
           <a:lstStyle>
-            <a:lvl1pPr indent="-336550" lvl="0" marL="457200">
+            <a:lvl1pPr marL="457200" lvl="0" indent="-336550">
               <a:spcBef>
                 <a:spcPts val="0"/>
               </a:spcBef>
@@ -5614,7 +5709,7 @@
               <a:buChar char="●"/>
               <a:defRPr/>
             </a:lvl1pPr>
-            <a:lvl2pPr indent="-323850" lvl="1" marL="914400">
+            <a:lvl2pPr marL="914400" lvl="1" indent="-323850">
               <a:spcBef>
                 <a:spcPts val="2100"/>
               </a:spcBef>
@@ -5625,7 +5720,7 @@
               <a:buChar char="○"/>
               <a:defRPr/>
             </a:lvl2pPr>
-            <a:lvl3pPr indent="-323850" lvl="2" marL="1371600">
+            <a:lvl3pPr marL="1371600" lvl="2" indent="-323850">
               <a:spcBef>
                 <a:spcPts val="2100"/>
               </a:spcBef>
@@ -5636,7 +5731,7 @@
               <a:buChar char="■"/>
               <a:defRPr/>
             </a:lvl3pPr>
-            <a:lvl4pPr indent="-323850" lvl="3" marL="1828800">
+            <a:lvl4pPr marL="1828800" lvl="3" indent="-323850">
               <a:spcBef>
                 <a:spcPts val="2100"/>
               </a:spcBef>
@@ -5647,7 +5742,7 @@
               <a:buChar char="●"/>
               <a:defRPr/>
             </a:lvl4pPr>
-            <a:lvl5pPr indent="-323850" lvl="4" marL="2286000">
+            <a:lvl5pPr marL="2286000" lvl="4" indent="-323850">
               <a:spcBef>
                 <a:spcPts val="2100"/>
               </a:spcBef>
@@ -5658,7 +5753,7 @@
               <a:buChar char="○"/>
               <a:defRPr/>
             </a:lvl5pPr>
-            <a:lvl6pPr indent="-323850" lvl="5" marL="2743200">
+            <a:lvl6pPr marL="2743200" lvl="5" indent="-323850">
               <a:spcBef>
                 <a:spcPts val="2100"/>
               </a:spcBef>
@@ -5669,7 +5764,7 @@
               <a:buChar char="■"/>
               <a:defRPr/>
             </a:lvl6pPr>
-            <a:lvl7pPr indent="-323850" lvl="6" marL="3200400">
+            <a:lvl7pPr marL="3200400" lvl="6" indent="-323850">
               <a:spcBef>
                 <a:spcPts val="2100"/>
               </a:spcBef>
@@ -5680,7 +5775,7 @@
               <a:buChar char="●"/>
               <a:defRPr/>
             </a:lvl7pPr>
-            <a:lvl8pPr indent="-323850" lvl="7" marL="3657600">
+            <a:lvl8pPr marL="3657600" lvl="7" indent="-323850">
               <a:spcBef>
                 <a:spcPts val="2100"/>
               </a:spcBef>
@@ -5691,7 +5786,7 @@
               <a:buChar char="○"/>
               <a:defRPr/>
             </a:lvl8pPr>
-            <a:lvl9pPr indent="-323850" lvl="8" marL="4114800">
+            <a:lvl9pPr marL="4114800" lvl="8" indent="-323850">
               <a:spcBef>
                 <a:spcPts val="2100"/>
               </a:spcBef>
@@ -5703,15 +5798,19 @@
               <a:defRPr/>
             </a:lvl9pPr>
           </a:lstStyle>
-          <a:p/>
+          <a:p>
+            <a:endParaRPr/>
+          </a:p>
         </p:txBody>
       </p:sp>
       <p:sp>
         <p:nvSpPr>
           <p:cNvPr id="43" name="Google Shape;43;p5"/>
-          <p:cNvSpPr txBox="1"/>
+          <p:cNvSpPr txBox="1">
+            <a:spLocks noGrp="1"/>
+          </p:cNvSpPr>
           <p:nvPr>
-            <p:ph idx="12" type="sldNum"/>
+            <p:ph type="sldNum" idx="12"/>
           </p:nvPr>
         </p:nvSpPr>
         <p:spPr>
@@ -5724,7 +5823,7 @@
           </a:prstGeom>
         </p:spPr>
         <p:txBody>
-          <a:bodyPr anchorCtr="0" anchor="ctr" bIns="121900" lIns="121900" spcFirstLastPara="1" rIns="121900" wrap="square" tIns="121900">
+          <a:bodyPr spcFirstLastPara="1" wrap="square" lIns="121900" tIns="121900" rIns="121900" bIns="121900" anchor="ctr" anchorCtr="0">
             <a:noAutofit/>
           </a:bodyPr>
           <a:lstStyle>
@@ -5766,7 +5865,7 @@
             </a:lvl9pPr>
           </a:lstStyle>
           <a:p>
-            <a:pPr indent="0" lvl="0" marL="0" rtl="0" algn="r">
+            <a:pPr marL="0" lvl="0" indent="0" algn="r" rtl="0">
               <a:spcBef>
                 <a:spcPts val="0"/>
               </a:spcBef>
@@ -5792,11 +5891,11 @@
 </file>
 
 <file path=ppt/slideLayouts/slideLayout5.xml><?xml version="1.0" encoding="utf-8"?>
-<p:sldLayout xmlns:a="http://schemas.openxmlformats.org/drawingml/2006/main" xmlns:r="http://schemas.openxmlformats.org/officeDocument/2006/relationships" xmlns:mc="http://schemas.openxmlformats.org/markup-compatibility/2006" xmlns:mv="urn:schemas-microsoft-com:mac:vml" xmlns:p="http://schemas.openxmlformats.org/presentationml/2006/main" xmlns:c="http://schemas.openxmlformats.org/drawingml/2006/chart" xmlns:dgm="http://schemas.openxmlformats.org/drawingml/2006/diagram" xmlns:o="urn:schemas-microsoft-com:office:office" xmlns:v="urn:schemas-microsoft-com:vml" xmlns:pvml="urn:schemas-microsoft-com:office:powerpoint" xmlns:com="http://schemas.openxmlformats.org/drawingml/2006/compatibility" xmlns:p14="http://schemas.microsoft.com/office/powerpoint/2010/main" xmlns:p15="http://schemas.microsoft.com/office/powerpoint/2012/main" matchingName="Title only" type="titleOnly">
+<p:sldLayout xmlns:a="http://schemas.openxmlformats.org/drawingml/2006/main" xmlns:r="http://schemas.openxmlformats.org/officeDocument/2006/relationships" xmlns:p="http://schemas.openxmlformats.org/presentationml/2006/main" matchingName="Title only" type="titleOnly">
   <p:cSld name="TITLE_ONLY">
     <p:spTree>
       <p:nvGrpSpPr>
-        <p:cNvPr id="44" name="Shape 44"/>
+        <p:cNvPr id="1" name="Shape 44"/>
         <p:cNvGrpSpPr/>
         <p:nvPr/>
       </p:nvGrpSpPr>
@@ -5830,12 +5929,12 @@
           </a:ln>
         </p:spPr>
         <p:txBody>
-          <a:bodyPr anchorCtr="0" anchor="ctr" bIns="121900" lIns="121900" spcFirstLastPara="1" rIns="121900" wrap="square" tIns="121900">
+          <a:bodyPr spcFirstLastPara="1" wrap="square" lIns="121900" tIns="121900" rIns="121900" bIns="121900" anchor="ctr" anchorCtr="0">
             <a:noAutofit/>
           </a:bodyPr>
           <a:lstStyle/>
           <a:p>
-            <a:pPr indent="0" lvl="0" marL="0" rtl="0" algn="l">
+            <a:pPr marL="0" lvl="0" indent="0" algn="l" rtl="0">
               <a:spcBef>
                 <a:spcPts val="0"/>
               </a:spcBef>
@@ -5844,9 +5943,6 @@
               </a:spcAft>
               <a:buNone/>
             </a:pPr>
-            <a:r>
-              <a:t/>
-            </a:r>
             <a:endParaRPr/>
           </a:p>
         </p:txBody>
@@ -5887,12 +5983,12 @@
             </a:ln>
           </p:spPr>
           <p:txBody>
-            <a:bodyPr anchorCtr="0" anchor="ctr" bIns="121900" lIns="121900" spcFirstLastPara="1" rIns="121900" wrap="square" tIns="121900">
+            <a:bodyPr spcFirstLastPara="1" wrap="square" lIns="121900" tIns="121900" rIns="121900" bIns="121900" anchor="ctr" anchorCtr="0">
               <a:noAutofit/>
             </a:bodyPr>
             <a:lstStyle/>
             <a:p>
-              <a:pPr indent="0" lvl="0" marL="0" rtl="0" algn="l">
+              <a:pPr marL="0" lvl="0" indent="0" algn="l" rtl="0">
                 <a:spcBef>
                   <a:spcPts val="0"/>
                 </a:spcBef>
@@ -5901,9 +5997,6 @@
                 </a:spcAft>
                 <a:buNone/>
               </a:pPr>
-              <a:r>
-                <a:t/>
-              </a:r>
               <a:endParaRPr/>
             </a:p>
           </p:txBody>
@@ -5930,12 +6023,12 @@
             </a:ln>
           </p:spPr>
           <p:txBody>
-            <a:bodyPr anchorCtr="0" anchor="ctr" bIns="121900" lIns="121900" spcFirstLastPara="1" rIns="121900" wrap="square" tIns="121900">
+            <a:bodyPr spcFirstLastPara="1" wrap="square" lIns="121900" tIns="121900" rIns="121900" bIns="121900" anchor="ctr" anchorCtr="0">
               <a:noAutofit/>
             </a:bodyPr>
             <a:lstStyle/>
             <a:p>
-              <a:pPr indent="0" lvl="0" marL="0" rtl="0" algn="l">
+              <a:pPr marL="0" lvl="0" indent="0" algn="l" rtl="0">
                 <a:spcBef>
                   <a:spcPts val="0"/>
                 </a:spcBef>
@@ -5944,9 +6037,6 @@
                 </a:spcAft>
                 <a:buNone/>
               </a:pPr>
-              <a:r>
-                <a:t/>
-              </a:r>
               <a:endParaRPr/>
             </a:p>
           </p:txBody>
@@ -5955,7 +6045,9 @@
       <p:sp>
         <p:nvSpPr>
           <p:cNvPr id="49" name="Google Shape;49;p6"/>
-          <p:cNvSpPr txBox="1"/>
+          <p:cNvSpPr txBox="1">
+            <a:spLocks noGrp="1"/>
+          </p:cNvSpPr>
           <p:nvPr>
             <p:ph type="title"/>
           </p:nvPr>
@@ -5970,7 +6062,7 @@
           </a:prstGeom>
         </p:spPr>
         <p:txBody>
-          <a:bodyPr anchorCtr="0" anchor="t" bIns="121900" lIns="121900" spcFirstLastPara="1" rIns="121900" wrap="square" tIns="121900">
+          <a:bodyPr spcFirstLastPara="1" wrap="square" lIns="121900" tIns="121900" rIns="121900" bIns="121900" anchor="t" anchorCtr="0">
             <a:noAutofit/>
           </a:bodyPr>
           <a:lstStyle>
@@ -6137,15 +6229,19 @@
               </a:defRPr>
             </a:lvl9pPr>
           </a:lstStyle>
-          <a:p/>
+          <a:p>
+            <a:endParaRPr/>
+          </a:p>
         </p:txBody>
       </p:sp>
       <p:sp>
         <p:nvSpPr>
           <p:cNvPr id="50" name="Google Shape;50;p6"/>
-          <p:cNvSpPr txBox="1"/>
+          <p:cNvSpPr txBox="1">
+            <a:spLocks noGrp="1"/>
+          </p:cNvSpPr>
           <p:nvPr>
-            <p:ph idx="12" type="sldNum"/>
+            <p:ph type="sldNum" idx="12"/>
           </p:nvPr>
         </p:nvSpPr>
         <p:spPr>
@@ -6158,7 +6254,7 @@
           </a:prstGeom>
         </p:spPr>
         <p:txBody>
-          <a:bodyPr anchorCtr="0" anchor="ctr" bIns="121900" lIns="121900" spcFirstLastPara="1" rIns="121900" wrap="square" tIns="121900">
+          <a:bodyPr spcFirstLastPara="1" wrap="square" lIns="121900" tIns="121900" rIns="121900" bIns="121900" anchor="ctr" anchorCtr="0">
             <a:noAutofit/>
           </a:bodyPr>
           <a:lstStyle>
@@ -6200,7 +6296,7 @@
             </a:lvl9pPr>
           </a:lstStyle>
           <a:p>
-            <a:pPr indent="0" lvl="0" marL="0" rtl="0" algn="r">
+            <a:pPr marL="0" lvl="0" indent="0" algn="r" rtl="0">
               <a:spcBef>
                 <a:spcPts val="0"/>
               </a:spcBef>
@@ -6226,11 +6322,11 @@
 </file>
 
 <file path=ppt/slideLayouts/slideLayout6.xml><?xml version="1.0" encoding="utf-8"?>
-<p:sldLayout xmlns:a="http://schemas.openxmlformats.org/drawingml/2006/main" xmlns:r="http://schemas.openxmlformats.org/officeDocument/2006/relationships" xmlns:mc="http://schemas.openxmlformats.org/markup-compatibility/2006" xmlns:mv="urn:schemas-microsoft-com:mac:vml" xmlns:p="http://schemas.openxmlformats.org/presentationml/2006/main" xmlns:c="http://schemas.openxmlformats.org/drawingml/2006/chart" xmlns:dgm="http://schemas.openxmlformats.org/drawingml/2006/diagram" xmlns:o="urn:schemas-microsoft-com:office:office" xmlns:v="urn:schemas-microsoft-com:vml" xmlns:pvml="urn:schemas-microsoft-com:office:powerpoint" xmlns:com="http://schemas.openxmlformats.org/drawingml/2006/compatibility" xmlns:p14="http://schemas.microsoft.com/office/powerpoint/2010/main" xmlns:p15="http://schemas.microsoft.com/office/powerpoint/2012/main" matchingName="One column text">
+<p:sldLayout xmlns:a="http://schemas.openxmlformats.org/drawingml/2006/main" xmlns:r="http://schemas.openxmlformats.org/officeDocument/2006/relationships" xmlns:p="http://schemas.openxmlformats.org/presentationml/2006/main" matchingName="One column text">
   <p:cSld name="ONE_COLUMN_TEXT">
     <p:spTree>
       <p:nvGrpSpPr>
-        <p:cNvPr id="51" name="Shape 51"/>
+        <p:cNvPr id="1" name="Shape 51"/>
         <p:cNvGrpSpPr/>
         <p:nvPr/>
       </p:nvGrpSpPr>
@@ -6264,12 +6360,12 @@
           </a:ln>
         </p:spPr>
         <p:txBody>
-          <a:bodyPr anchorCtr="0" anchor="ctr" bIns="121900" lIns="121900" spcFirstLastPara="1" rIns="121900" wrap="square" tIns="121900">
+          <a:bodyPr spcFirstLastPara="1" wrap="square" lIns="121900" tIns="121900" rIns="121900" bIns="121900" anchor="ctr" anchorCtr="0">
             <a:noAutofit/>
           </a:bodyPr>
           <a:lstStyle/>
           <a:p>
-            <a:pPr indent="0" lvl="0" marL="0" rtl="0" algn="l">
+            <a:pPr marL="0" lvl="0" indent="0" algn="l" rtl="0">
               <a:spcBef>
                 <a:spcPts val="0"/>
               </a:spcBef>
@@ -6278,9 +6374,6 @@
               </a:spcAft>
               <a:buNone/>
             </a:pPr>
-            <a:r>
-              <a:t/>
-            </a:r>
             <a:endParaRPr/>
           </a:p>
         </p:txBody>
@@ -6321,12 +6414,12 @@
             </a:ln>
           </p:spPr>
           <p:txBody>
-            <a:bodyPr anchorCtr="0" anchor="ctr" bIns="121900" lIns="121900" spcFirstLastPara="1" rIns="121900" wrap="square" tIns="121900">
+            <a:bodyPr spcFirstLastPara="1" wrap="square" lIns="121900" tIns="121900" rIns="121900" bIns="121900" anchor="ctr" anchorCtr="0">
               <a:noAutofit/>
             </a:bodyPr>
             <a:lstStyle/>
             <a:p>
-              <a:pPr indent="0" lvl="0" marL="0" rtl="0" algn="l">
+              <a:pPr marL="0" lvl="0" indent="0" algn="l" rtl="0">
                 <a:spcBef>
                   <a:spcPts val="0"/>
                 </a:spcBef>
@@ -6335,9 +6428,6 @@
                 </a:spcAft>
                 <a:buNone/>
               </a:pPr>
-              <a:r>
-                <a:t/>
-              </a:r>
               <a:endParaRPr/>
             </a:p>
           </p:txBody>
@@ -6364,12 +6454,12 @@
             </a:ln>
           </p:spPr>
           <p:txBody>
-            <a:bodyPr anchorCtr="0" anchor="ctr" bIns="121900" lIns="121900" spcFirstLastPara="1" rIns="121900" wrap="square" tIns="121900">
+            <a:bodyPr spcFirstLastPara="1" wrap="square" lIns="121900" tIns="121900" rIns="121900" bIns="121900" anchor="ctr" anchorCtr="0">
               <a:noAutofit/>
             </a:bodyPr>
             <a:lstStyle/>
             <a:p>
-              <a:pPr indent="0" lvl="0" marL="0" rtl="0" algn="l">
+              <a:pPr marL="0" lvl="0" indent="0" algn="l" rtl="0">
                 <a:spcBef>
                   <a:spcPts val="0"/>
                 </a:spcBef>
@@ -6378,9 +6468,6 @@
                 </a:spcAft>
                 <a:buNone/>
               </a:pPr>
-              <a:r>
-                <a:t/>
-              </a:r>
               <a:endParaRPr/>
             </a:p>
           </p:txBody>
@@ -6389,7 +6476,9 @@
       <p:sp>
         <p:nvSpPr>
           <p:cNvPr id="56" name="Google Shape;56;p7"/>
-          <p:cNvSpPr txBox="1"/>
+          <p:cNvSpPr txBox="1">
+            <a:spLocks noGrp="1"/>
+          </p:cNvSpPr>
           <p:nvPr>
             <p:ph type="title"/>
           </p:nvPr>
@@ -6404,7 +6493,7 @@
           </a:prstGeom>
         </p:spPr>
         <p:txBody>
-          <a:bodyPr anchorCtr="0" anchor="t" bIns="121900" lIns="121900" spcFirstLastPara="1" rIns="121900" wrap="square" tIns="121900">
+          <a:bodyPr spcFirstLastPara="1" wrap="square" lIns="121900" tIns="121900" rIns="121900" bIns="121900" anchor="t" anchorCtr="0">
             <a:noAutofit/>
           </a:bodyPr>
           <a:lstStyle>
@@ -6571,15 +6660,19 @@
               </a:defRPr>
             </a:lvl9pPr>
           </a:lstStyle>
-          <a:p/>
+          <a:p>
+            <a:endParaRPr/>
+          </a:p>
         </p:txBody>
       </p:sp>
       <p:sp>
         <p:nvSpPr>
           <p:cNvPr id="57" name="Google Shape;57;p7"/>
-          <p:cNvSpPr txBox="1"/>
+          <p:cNvSpPr txBox="1">
+            <a:spLocks noGrp="1"/>
+          </p:cNvSpPr>
           <p:nvPr>
-            <p:ph idx="1" type="body"/>
+            <p:ph type="body" idx="1"/>
           </p:nvPr>
         </p:nvSpPr>
         <p:spPr>
@@ -6592,11 +6685,11 @@
           </a:prstGeom>
         </p:spPr>
         <p:txBody>
-          <a:bodyPr anchorCtr="0" anchor="t" bIns="121900" lIns="121900" spcFirstLastPara="1" rIns="121900" wrap="square" tIns="121900">
+          <a:bodyPr spcFirstLastPara="1" wrap="square" lIns="121900" tIns="121900" rIns="121900" bIns="121900" anchor="t" anchorCtr="0">
             <a:noAutofit/>
           </a:bodyPr>
           <a:lstStyle>
-            <a:lvl1pPr indent="-336550" lvl="0" marL="457200">
+            <a:lvl1pPr marL="457200" lvl="0" indent="-336550">
               <a:spcBef>
                 <a:spcPts val="0"/>
               </a:spcBef>
@@ -6607,7 +6700,7 @@
               <a:buChar char="●"/>
               <a:defRPr/>
             </a:lvl1pPr>
-            <a:lvl2pPr indent="-323850" lvl="1" marL="914400">
+            <a:lvl2pPr marL="914400" lvl="1" indent="-323850">
               <a:spcBef>
                 <a:spcPts val="2100"/>
               </a:spcBef>
@@ -6618,7 +6711,7 @@
               <a:buChar char="○"/>
               <a:defRPr/>
             </a:lvl2pPr>
-            <a:lvl3pPr indent="-323850" lvl="2" marL="1371600">
+            <a:lvl3pPr marL="1371600" lvl="2" indent="-323850">
               <a:spcBef>
                 <a:spcPts val="2100"/>
               </a:spcBef>
@@ -6629,7 +6722,7 @@
               <a:buChar char="■"/>
               <a:defRPr/>
             </a:lvl3pPr>
-            <a:lvl4pPr indent="-323850" lvl="3" marL="1828800">
+            <a:lvl4pPr marL="1828800" lvl="3" indent="-323850">
               <a:spcBef>
                 <a:spcPts val="2100"/>
               </a:spcBef>
@@ -6640,7 +6733,7 @@
               <a:buChar char="●"/>
               <a:defRPr/>
             </a:lvl4pPr>
-            <a:lvl5pPr indent="-323850" lvl="4" marL="2286000">
+            <a:lvl5pPr marL="2286000" lvl="4" indent="-323850">
               <a:spcBef>
                 <a:spcPts val="2100"/>
               </a:spcBef>
@@ -6651,7 +6744,7 @@
               <a:buChar char="○"/>
               <a:defRPr/>
             </a:lvl5pPr>
-            <a:lvl6pPr indent="-323850" lvl="5" marL="2743200">
+            <a:lvl6pPr marL="2743200" lvl="5" indent="-323850">
               <a:spcBef>
                 <a:spcPts val="2100"/>
               </a:spcBef>
@@ -6662,7 +6755,7 @@
               <a:buChar char="■"/>
               <a:defRPr/>
             </a:lvl6pPr>
-            <a:lvl7pPr indent="-323850" lvl="6" marL="3200400">
+            <a:lvl7pPr marL="3200400" lvl="6" indent="-323850">
               <a:spcBef>
                 <a:spcPts val="2100"/>
               </a:spcBef>
@@ -6673,7 +6766,7 @@
               <a:buChar char="●"/>
               <a:defRPr/>
             </a:lvl7pPr>
-            <a:lvl8pPr indent="-323850" lvl="7" marL="3657600">
+            <a:lvl8pPr marL="3657600" lvl="7" indent="-323850">
               <a:spcBef>
                 <a:spcPts val="2100"/>
               </a:spcBef>
@@ -6684,7 +6777,7 @@
               <a:buChar char="○"/>
               <a:defRPr/>
             </a:lvl8pPr>
-            <a:lvl9pPr indent="-323850" lvl="8" marL="4114800">
+            <a:lvl9pPr marL="4114800" lvl="8" indent="-323850">
               <a:spcBef>
                 <a:spcPts val="2100"/>
               </a:spcBef>
@@ -6696,15 +6789,19 @@
               <a:defRPr/>
             </a:lvl9pPr>
           </a:lstStyle>
-          <a:p/>
+          <a:p>
+            <a:endParaRPr/>
+          </a:p>
         </p:txBody>
       </p:sp>
       <p:sp>
         <p:nvSpPr>
           <p:cNvPr id="58" name="Google Shape;58;p7"/>
-          <p:cNvSpPr txBox="1"/>
+          <p:cNvSpPr txBox="1">
+            <a:spLocks noGrp="1"/>
+          </p:cNvSpPr>
           <p:nvPr>
-            <p:ph idx="12" type="sldNum"/>
+            <p:ph type="sldNum" idx="12"/>
           </p:nvPr>
         </p:nvSpPr>
         <p:spPr>
@@ -6717,7 +6814,7 @@
           </a:prstGeom>
         </p:spPr>
         <p:txBody>
-          <a:bodyPr anchorCtr="0" anchor="ctr" bIns="121900" lIns="121900" spcFirstLastPara="1" rIns="121900" wrap="square" tIns="121900">
+          <a:bodyPr spcFirstLastPara="1" wrap="square" lIns="121900" tIns="121900" rIns="121900" bIns="121900" anchor="ctr" anchorCtr="0">
             <a:noAutofit/>
           </a:bodyPr>
           <a:lstStyle>
@@ -6759,7 +6856,7 @@
             </a:lvl9pPr>
           </a:lstStyle>
           <a:p>
-            <a:pPr indent="0" lvl="0" marL="0" rtl="0" algn="r">
+            <a:pPr marL="0" lvl="0" indent="0" algn="r" rtl="0">
               <a:spcBef>
                 <a:spcPts val="0"/>
               </a:spcBef>
@@ -6785,18 +6882,19 @@
 </file>
 
 <file path=ppt/slideLayouts/slideLayout7.xml><?xml version="1.0" encoding="utf-8"?>
-<p:sldLayout xmlns:a="http://schemas.openxmlformats.org/drawingml/2006/main" xmlns:r="http://schemas.openxmlformats.org/officeDocument/2006/relationships" xmlns:mc="http://schemas.openxmlformats.org/markup-compatibility/2006" xmlns:mv="urn:schemas-microsoft-com:mac:vml" xmlns:p="http://schemas.openxmlformats.org/presentationml/2006/main" xmlns:c="http://schemas.openxmlformats.org/drawingml/2006/chart" xmlns:dgm="http://schemas.openxmlformats.org/drawingml/2006/diagram" xmlns:o="urn:schemas-microsoft-com:office:office" xmlns:v="urn:schemas-microsoft-com:vml" xmlns:pvml="urn:schemas-microsoft-com:office:powerpoint" xmlns:com="http://schemas.openxmlformats.org/drawingml/2006/compatibility" xmlns:p14="http://schemas.microsoft.com/office/powerpoint/2010/main" xmlns:p15="http://schemas.microsoft.com/office/powerpoint/2012/main" matchingName="Main point">
+<p:sldLayout xmlns:a="http://schemas.openxmlformats.org/drawingml/2006/main" xmlns:r="http://schemas.openxmlformats.org/officeDocument/2006/relationships" xmlns:p="http://schemas.openxmlformats.org/presentationml/2006/main" matchingName="Main point">
   <p:cSld name="MAIN_POINT">
     <p:bg>
       <p:bgPr>
         <a:solidFill>
           <a:schemeClr val="accent3"/>
         </a:solidFill>
+        <a:effectLst/>
       </p:bgPr>
     </p:bg>
     <p:spTree>
       <p:nvGrpSpPr>
-        <p:cNvPr id="59" name="Shape 59"/>
+        <p:cNvPr id="1" name="Shape 59"/>
         <p:cNvGrpSpPr/>
         <p:nvPr/>
       </p:nvGrpSpPr>
@@ -6844,12 +6942,12 @@
             </a:ln>
           </p:spPr>
           <p:txBody>
-            <a:bodyPr anchorCtr="0" anchor="ctr" bIns="121900" lIns="121900" spcFirstLastPara="1" rIns="121900" wrap="square" tIns="121900">
+            <a:bodyPr spcFirstLastPara="1" wrap="square" lIns="121900" tIns="121900" rIns="121900" bIns="121900" anchor="ctr" anchorCtr="0">
               <a:noAutofit/>
             </a:bodyPr>
             <a:lstStyle/>
             <a:p>
-              <a:pPr indent="0" lvl="0" marL="0" rtl="0" algn="l">
+              <a:pPr marL="0" lvl="0" indent="0" algn="l" rtl="0">
                 <a:spcBef>
                   <a:spcPts val="0"/>
                 </a:spcBef>
@@ -6858,9 +6956,6 @@
                 </a:spcAft>
                 <a:buNone/>
               </a:pPr>
-              <a:r>
-                <a:t/>
-              </a:r>
               <a:endParaRPr/>
             </a:p>
           </p:txBody>
@@ -6887,12 +6982,12 @@
             </a:ln>
           </p:spPr>
           <p:txBody>
-            <a:bodyPr anchorCtr="0" anchor="ctr" bIns="121900" lIns="121900" spcFirstLastPara="1" rIns="121900" wrap="square" tIns="121900">
+            <a:bodyPr spcFirstLastPara="1" wrap="square" lIns="121900" tIns="121900" rIns="121900" bIns="121900" anchor="ctr" anchorCtr="0">
               <a:noAutofit/>
             </a:bodyPr>
             <a:lstStyle/>
             <a:p>
-              <a:pPr indent="0" lvl="0" marL="0" rtl="0" algn="l">
+              <a:pPr marL="0" lvl="0" indent="0" algn="l" rtl="0">
                 <a:spcBef>
                   <a:spcPts val="0"/>
                 </a:spcBef>
@@ -6901,9 +6996,6 @@
                 </a:spcAft>
                 <a:buNone/>
               </a:pPr>
-              <a:r>
-                <a:t/>
-              </a:r>
               <a:endParaRPr/>
             </a:p>
           </p:txBody>
@@ -6912,7 +7004,9 @@
       <p:sp>
         <p:nvSpPr>
           <p:cNvPr id="63" name="Google Shape;63;p8"/>
-          <p:cNvSpPr txBox="1"/>
+          <p:cNvSpPr txBox="1">
+            <a:spLocks noGrp="1"/>
+          </p:cNvSpPr>
           <p:nvPr>
             <p:ph type="title"/>
           </p:nvPr>
@@ -6927,7 +7021,7 @@
           </a:prstGeom>
         </p:spPr>
         <p:txBody>
-          <a:bodyPr anchorCtr="0" anchor="ctr" bIns="121900" lIns="121900" spcFirstLastPara="1" rIns="121900" wrap="square" tIns="121900">
+          <a:bodyPr spcFirstLastPara="1" wrap="square" lIns="121900" tIns="121900" rIns="121900" bIns="121900" anchor="ctr" anchorCtr="0">
             <a:noAutofit/>
           </a:bodyPr>
           <a:lstStyle>
@@ -7094,15 +7188,19 @@
               </a:defRPr>
             </a:lvl9pPr>
           </a:lstStyle>
-          <a:p/>
+          <a:p>
+            <a:endParaRPr/>
+          </a:p>
         </p:txBody>
       </p:sp>
       <p:sp>
         <p:nvSpPr>
           <p:cNvPr id="64" name="Google Shape;64;p8"/>
-          <p:cNvSpPr txBox="1"/>
+          <p:cNvSpPr txBox="1">
+            <a:spLocks noGrp="1"/>
+          </p:cNvSpPr>
           <p:nvPr>
-            <p:ph idx="12" type="sldNum"/>
+            <p:ph type="sldNum" idx="12"/>
           </p:nvPr>
         </p:nvSpPr>
         <p:spPr>
@@ -7115,7 +7213,7 @@
           </a:prstGeom>
         </p:spPr>
         <p:txBody>
-          <a:bodyPr anchorCtr="0" anchor="ctr" bIns="121900" lIns="121900" spcFirstLastPara="1" rIns="121900" wrap="square" tIns="121900">
+          <a:bodyPr spcFirstLastPara="1" wrap="square" lIns="121900" tIns="121900" rIns="121900" bIns="121900" anchor="ctr" anchorCtr="0">
             <a:noAutofit/>
           </a:bodyPr>
           <a:lstStyle>
@@ -7193,7 +7291,7 @@
             </a:lvl9pPr>
           </a:lstStyle>
           <a:p>
-            <a:pPr indent="0" lvl="0" marL="0" rtl="0" algn="r">
+            <a:pPr marL="0" lvl="0" indent="0" algn="r" rtl="0">
               <a:spcBef>
                 <a:spcPts val="0"/>
               </a:spcBef>
@@ -7219,11 +7317,11 @@
 </file>
 
 <file path=ppt/slideLayouts/slideLayout8.xml><?xml version="1.0" encoding="utf-8"?>
-<p:sldLayout xmlns:a="http://schemas.openxmlformats.org/drawingml/2006/main" xmlns:r="http://schemas.openxmlformats.org/officeDocument/2006/relationships" xmlns:mc="http://schemas.openxmlformats.org/markup-compatibility/2006" xmlns:mv="urn:schemas-microsoft-com:mac:vml" xmlns:p="http://schemas.openxmlformats.org/presentationml/2006/main" xmlns:c="http://schemas.openxmlformats.org/drawingml/2006/chart" xmlns:dgm="http://schemas.openxmlformats.org/drawingml/2006/diagram" xmlns:o="urn:schemas-microsoft-com:office:office" xmlns:v="urn:schemas-microsoft-com:vml" xmlns:pvml="urn:schemas-microsoft-com:office:powerpoint" xmlns:com="http://schemas.openxmlformats.org/drawingml/2006/compatibility" xmlns:p14="http://schemas.microsoft.com/office/powerpoint/2010/main" xmlns:p15="http://schemas.microsoft.com/office/powerpoint/2012/main" matchingName="Section title and description">
+<p:sldLayout xmlns:a="http://schemas.openxmlformats.org/drawingml/2006/main" xmlns:r="http://schemas.openxmlformats.org/officeDocument/2006/relationships" xmlns:p="http://schemas.openxmlformats.org/presentationml/2006/main" matchingName="Section title and description">
   <p:cSld name="SECTION_TITLE_AND_DESCRIPTION">
     <p:spTree>
       <p:nvGrpSpPr>
-        <p:cNvPr id="65" name="Shape 65"/>
+        <p:cNvPr id="1" name="Shape 65"/>
         <p:cNvGrpSpPr/>
         <p:nvPr/>
       </p:nvGrpSpPr>
@@ -7257,12 +7355,12 @@
           </a:ln>
         </p:spPr>
         <p:txBody>
-          <a:bodyPr anchorCtr="0" anchor="ctr" bIns="121900" lIns="121900" spcFirstLastPara="1" rIns="121900" wrap="square" tIns="121900">
+          <a:bodyPr spcFirstLastPara="1" wrap="square" lIns="121900" tIns="121900" rIns="121900" bIns="121900" anchor="ctr" anchorCtr="0">
             <a:noAutofit/>
           </a:bodyPr>
           <a:lstStyle/>
           <a:p>
-            <a:pPr indent="0" lvl="0" marL="0" rtl="0" algn="l">
+            <a:pPr marL="0" lvl="0" indent="0" algn="l" rtl="0">
               <a:spcBef>
                 <a:spcPts val="0"/>
               </a:spcBef>
@@ -7271,9 +7369,6 @@
               </a:spcAft>
               <a:buNone/>
             </a:pPr>
-            <a:r>
-              <a:t/>
-            </a:r>
             <a:endParaRPr/>
           </a:p>
         </p:txBody>
@@ -7314,12 +7409,12 @@
             </a:ln>
           </p:spPr>
           <p:txBody>
-            <a:bodyPr anchorCtr="0" anchor="ctr" bIns="121900" lIns="121900" spcFirstLastPara="1" rIns="121900" wrap="square" tIns="121900">
+            <a:bodyPr spcFirstLastPara="1" wrap="square" lIns="121900" tIns="121900" rIns="121900" bIns="121900" anchor="ctr" anchorCtr="0">
               <a:noAutofit/>
             </a:bodyPr>
             <a:lstStyle/>
             <a:p>
-              <a:pPr indent="0" lvl="0" marL="0" rtl="0" algn="l">
+              <a:pPr marL="0" lvl="0" indent="0" algn="l" rtl="0">
                 <a:spcBef>
                   <a:spcPts val="0"/>
                 </a:spcBef>
@@ -7328,9 +7423,6 @@
                 </a:spcAft>
                 <a:buNone/>
               </a:pPr>
-              <a:r>
-                <a:t/>
-              </a:r>
               <a:endParaRPr/>
             </a:p>
           </p:txBody>
@@ -7357,12 +7449,12 @@
             </a:ln>
           </p:spPr>
           <p:txBody>
-            <a:bodyPr anchorCtr="0" anchor="ctr" bIns="121900" lIns="121900" spcFirstLastPara="1" rIns="121900" wrap="square" tIns="121900">
+            <a:bodyPr spcFirstLastPara="1" wrap="square" lIns="121900" tIns="121900" rIns="121900" bIns="121900" anchor="ctr" anchorCtr="0">
               <a:noAutofit/>
             </a:bodyPr>
             <a:lstStyle/>
             <a:p>
-              <a:pPr indent="0" lvl="0" marL="0" rtl="0" algn="l">
+              <a:pPr marL="0" lvl="0" indent="0" algn="l" rtl="0">
                 <a:spcBef>
                   <a:spcPts val="0"/>
                 </a:spcBef>
@@ -7371,9 +7463,6 @@
                 </a:spcAft>
                 <a:buNone/>
               </a:pPr>
-              <a:r>
-                <a:t/>
-              </a:r>
               <a:endParaRPr/>
             </a:p>
           </p:txBody>
@@ -7382,7 +7471,9 @@
       <p:sp>
         <p:nvSpPr>
           <p:cNvPr id="70" name="Google Shape;70;p9"/>
-          <p:cNvSpPr txBox="1"/>
+          <p:cNvSpPr txBox="1">
+            <a:spLocks noGrp="1"/>
+          </p:cNvSpPr>
           <p:nvPr>
             <p:ph type="title"/>
           </p:nvPr>
@@ -7397,7 +7488,7 @@
           </a:prstGeom>
         </p:spPr>
         <p:txBody>
-          <a:bodyPr anchorCtr="0" anchor="t" bIns="121900" lIns="121900" spcFirstLastPara="1" rIns="121900" wrap="square" tIns="121900">
+          <a:bodyPr spcFirstLastPara="1" wrap="square" lIns="121900" tIns="121900" rIns="121900" bIns="121900" anchor="t" anchorCtr="0">
             <a:noAutofit/>
           </a:bodyPr>
           <a:lstStyle>
@@ -7564,15 +7655,19 @@
               </a:defRPr>
             </a:lvl9pPr>
           </a:lstStyle>
-          <a:p/>
+          <a:p>
+            <a:endParaRPr/>
+          </a:p>
         </p:txBody>
       </p:sp>
       <p:sp>
         <p:nvSpPr>
           <p:cNvPr id="71" name="Google Shape;71;p9"/>
-          <p:cNvSpPr txBox="1"/>
+          <p:cNvSpPr txBox="1">
+            <a:spLocks noGrp="1"/>
+          </p:cNvSpPr>
           <p:nvPr>
-            <p:ph idx="1" type="subTitle"/>
+            <p:ph type="subTitle" idx="1"/>
           </p:nvPr>
         </p:nvSpPr>
         <p:spPr>
@@ -7585,7 +7680,7 @@
           </a:prstGeom>
         </p:spPr>
         <p:txBody>
-          <a:bodyPr anchorCtr="0" anchor="t" bIns="121900" lIns="121900" spcFirstLastPara="1" rIns="121900" wrap="square" tIns="121900">
+          <a:bodyPr spcFirstLastPara="1" wrap="square" lIns="121900" tIns="121900" rIns="121900" bIns="121900" anchor="t" anchorCtr="0">
             <a:noAutofit/>
           </a:bodyPr>
           <a:lstStyle>
@@ -7716,15 +7811,19 @@
               <a:defRPr sz="2100"/>
             </a:lvl9pPr>
           </a:lstStyle>
-          <a:p/>
+          <a:p>
+            <a:endParaRPr/>
+          </a:p>
         </p:txBody>
       </p:sp>
       <p:sp>
         <p:nvSpPr>
           <p:cNvPr id="72" name="Google Shape;72;p9"/>
-          <p:cNvSpPr txBox="1"/>
+          <p:cNvSpPr txBox="1">
+            <a:spLocks noGrp="1"/>
+          </p:cNvSpPr>
           <p:nvPr>
-            <p:ph idx="2" type="body"/>
+            <p:ph type="body" idx="2"/>
           </p:nvPr>
         </p:nvSpPr>
         <p:spPr>
@@ -7737,11 +7836,11 @@
           </a:prstGeom>
         </p:spPr>
         <p:txBody>
-          <a:bodyPr anchorCtr="0" anchor="t" bIns="121900" lIns="121900" spcFirstLastPara="1" rIns="121900" wrap="square" tIns="121900">
+          <a:bodyPr spcFirstLastPara="1" wrap="square" lIns="121900" tIns="121900" rIns="121900" bIns="121900" anchor="t" anchorCtr="0">
             <a:noAutofit/>
           </a:bodyPr>
           <a:lstStyle>
-            <a:lvl1pPr indent="-336550" lvl="0" marL="457200">
+            <a:lvl1pPr marL="457200" lvl="0" indent="-336550">
               <a:spcBef>
                 <a:spcPts val="0"/>
               </a:spcBef>
@@ -7752,7 +7851,7 @@
               <a:buChar char="●"/>
               <a:defRPr/>
             </a:lvl1pPr>
-            <a:lvl2pPr indent="-323850" lvl="1" marL="914400">
+            <a:lvl2pPr marL="914400" lvl="1" indent="-323850">
               <a:spcBef>
                 <a:spcPts val="2100"/>
               </a:spcBef>
@@ -7763,7 +7862,7 @@
               <a:buChar char="○"/>
               <a:defRPr/>
             </a:lvl2pPr>
-            <a:lvl3pPr indent="-323850" lvl="2" marL="1371600">
+            <a:lvl3pPr marL="1371600" lvl="2" indent="-323850">
               <a:spcBef>
                 <a:spcPts val="2100"/>
               </a:spcBef>
@@ -7774,7 +7873,7 @@
               <a:buChar char="■"/>
               <a:defRPr/>
             </a:lvl3pPr>
-            <a:lvl4pPr indent="-323850" lvl="3" marL="1828800">
+            <a:lvl4pPr marL="1828800" lvl="3" indent="-323850">
               <a:spcBef>
                 <a:spcPts val="2100"/>
               </a:spcBef>
@@ -7785,7 +7884,7 @@
               <a:buChar char="●"/>
               <a:defRPr/>
             </a:lvl4pPr>
-            <a:lvl5pPr indent="-323850" lvl="4" marL="2286000">
+            <a:lvl5pPr marL="2286000" lvl="4" indent="-323850">
               <a:spcBef>
                 <a:spcPts val="2100"/>
               </a:spcBef>
@@ -7796,7 +7895,7 @@
               <a:buChar char="○"/>
               <a:defRPr/>
             </a:lvl5pPr>
-            <a:lvl6pPr indent="-323850" lvl="5" marL="2743200">
+            <a:lvl6pPr marL="2743200" lvl="5" indent="-323850">
               <a:spcBef>
                 <a:spcPts val="2100"/>
               </a:spcBef>
@@ -7807,7 +7906,7 @@
               <a:buChar char="■"/>
               <a:defRPr/>
             </a:lvl6pPr>
-            <a:lvl7pPr indent="-323850" lvl="6" marL="3200400">
+            <a:lvl7pPr marL="3200400" lvl="6" indent="-323850">
               <a:spcBef>
                 <a:spcPts val="2100"/>
               </a:spcBef>
@@ -7818,7 +7917,7 @@
               <a:buChar char="●"/>
               <a:defRPr/>
             </a:lvl7pPr>
-            <a:lvl8pPr indent="-323850" lvl="7" marL="3657600">
+            <a:lvl8pPr marL="3657600" lvl="7" indent="-323850">
               <a:spcBef>
                 <a:spcPts val="2100"/>
               </a:spcBef>
@@ -7829,7 +7928,7 @@
               <a:buChar char="○"/>
               <a:defRPr/>
             </a:lvl8pPr>
-            <a:lvl9pPr indent="-323850" lvl="8" marL="4114800">
+            <a:lvl9pPr marL="4114800" lvl="8" indent="-323850">
               <a:spcBef>
                 <a:spcPts val="2100"/>
               </a:spcBef>
@@ -7841,15 +7940,19 @@
               <a:defRPr/>
             </a:lvl9pPr>
           </a:lstStyle>
-          <a:p/>
+          <a:p>
+            <a:endParaRPr/>
+          </a:p>
         </p:txBody>
       </p:sp>
       <p:sp>
         <p:nvSpPr>
           <p:cNvPr id="73" name="Google Shape;73;p9"/>
-          <p:cNvSpPr txBox="1"/>
+          <p:cNvSpPr txBox="1">
+            <a:spLocks noGrp="1"/>
+          </p:cNvSpPr>
           <p:nvPr>
-            <p:ph idx="12" type="sldNum"/>
+            <p:ph type="sldNum" idx="12"/>
           </p:nvPr>
         </p:nvSpPr>
         <p:spPr>
@@ -7862,7 +7965,7 @@
           </a:prstGeom>
         </p:spPr>
         <p:txBody>
-          <a:bodyPr anchorCtr="0" anchor="ctr" bIns="121900" lIns="121900" spcFirstLastPara="1" rIns="121900" wrap="square" tIns="121900">
+          <a:bodyPr spcFirstLastPara="1" wrap="square" lIns="121900" tIns="121900" rIns="121900" bIns="121900" anchor="ctr" anchorCtr="0">
             <a:noAutofit/>
           </a:bodyPr>
           <a:lstStyle>
@@ -7904,7 +8007,7 @@
             </a:lvl9pPr>
           </a:lstStyle>
           <a:p>
-            <a:pPr indent="0" lvl="0" marL="0" rtl="0" algn="r">
+            <a:pPr marL="0" lvl="0" indent="0" algn="r" rtl="0">
               <a:spcBef>
                 <a:spcPts val="0"/>
               </a:spcBef>
@@ -7930,11 +8033,11 @@
 </file>
 
 <file path=ppt/slideLayouts/slideLayout9.xml><?xml version="1.0" encoding="utf-8"?>
-<p:sldLayout xmlns:a="http://schemas.openxmlformats.org/drawingml/2006/main" xmlns:r="http://schemas.openxmlformats.org/officeDocument/2006/relationships" xmlns:mc="http://schemas.openxmlformats.org/markup-compatibility/2006" xmlns:mv="urn:schemas-microsoft-com:mac:vml" xmlns:p="http://schemas.openxmlformats.org/presentationml/2006/main" xmlns:c="http://schemas.openxmlformats.org/drawingml/2006/chart" xmlns:dgm="http://schemas.openxmlformats.org/drawingml/2006/diagram" xmlns:o="urn:schemas-microsoft-com:office:office" xmlns:v="urn:schemas-microsoft-com:vml" xmlns:pvml="urn:schemas-microsoft-com:office:powerpoint" xmlns:com="http://schemas.openxmlformats.org/drawingml/2006/compatibility" xmlns:p14="http://schemas.microsoft.com/office/powerpoint/2010/main" xmlns:p15="http://schemas.microsoft.com/office/powerpoint/2012/main" matchingName="Caption">
+<p:sldLayout xmlns:a="http://schemas.openxmlformats.org/drawingml/2006/main" xmlns:r="http://schemas.openxmlformats.org/officeDocument/2006/relationships" xmlns:p="http://schemas.openxmlformats.org/presentationml/2006/main" matchingName="Caption">
   <p:cSld name="CAPTION_ONLY">
     <p:spTree>
       <p:nvGrpSpPr>
-        <p:cNvPr id="74" name="Shape 74"/>
+        <p:cNvPr id="1" name="Shape 74"/>
         <p:cNvGrpSpPr/>
         <p:nvPr/>
       </p:nvGrpSpPr>
@@ -7949,9 +8052,11 @@
       <p:sp>
         <p:nvSpPr>
           <p:cNvPr id="75" name="Google Shape;75;p10"/>
-          <p:cNvSpPr txBox="1"/>
+          <p:cNvSpPr txBox="1">
+            <a:spLocks noGrp="1"/>
+          </p:cNvSpPr>
           <p:nvPr>
-            <p:ph idx="1" type="body"/>
+            <p:ph type="body" idx="1"/>
           </p:nvPr>
         </p:nvSpPr>
         <p:spPr>
@@ -7964,11 +8069,11 @@
           </a:prstGeom>
         </p:spPr>
         <p:txBody>
-          <a:bodyPr anchorCtr="0" anchor="ctr" bIns="121900" lIns="121900" spcFirstLastPara="1" rIns="121900" wrap="square" tIns="121900">
+          <a:bodyPr spcFirstLastPara="1" wrap="square" lIns="121900" tIns="121900" rIns="121900" bIns="121900" anchor="ctr" anchorCtr="0">
             <a:noAutofit/>
           </a:bodyPr>
           <a:lstStyle>
-            <a:lvl1pPr indent="-228600" lvl="0" marL="457200">
+            <a:lvl1pPr marL="457200" lvl="0" indent="-228600">
               <a:lnSpc>
                 <a:spcPct val="100000"/>
               </a:lnSpc>
@@ -7983,15 +8088,19 @@
               <a:defRPr/>
             </a:lvl1pPr>
           </a:lstStyle>
-          <a:p/>
+          <a:p>
+            <a:endParaRPr/>
+          </a:p>
         </p:txBody>
       </p:sp>
       <p:sp>
         <p:nvSpPr>
           <p:cNvPr id="76" name="Google Shape;76;p10"/>
-          <p:cNvSpPr txBox="1"/>
+          <p:cNvSpPr txBox="1">
+            <a:spLocks noGrp="1"/>
+          </p:cNvSpPr>
           <p:nvPr>
-            <p:ph idx="12" type="sldNum"/>
+            <p:ph type="sldNum" idx="12"/>
           </p:nvPr>
         </p:nvSpPr>
         <p:spPr>
@@ -8004,7 +8113,7 @@
           </a:prstGeom>
         </p:spPr>
         <p:txBody>
-          <a:bodyPr anchorCtr="0" anchor="ctr" bIns="121900" lIns="121900" spcFirstLastPara="1" rIns="121900" wrap="square" tIns="121900">
+          <a:bodyPr spcFirstLastPara="1" wrap="square" lIns="121900" tIns="121900" rIns="121900" bIns="121900" anchor="ctr" anchorCtr="0">
             <a:noAutofit/>
           </a:bodyPr>
           <a:lstStyle>
@@ -8046,7 +8155,7 @@
             </a:lvl9pPr>
           </a:lstStyle>
           <a:p>
-            <a:pPr indent="0" lvl="0" marL="0" rtl="0" algn="r">
+            <a:pPr marL="0" lvl="0" indent="0" algn="r" rtl="0">
               <a:spcBef>
                 <a:spcPts val="0"/>
               </a:spcBef>
@@ -8072,18 +8181,19 @@
 </file>
 
 <file path=ppt/slideMasters/slideMaster1.xml><?xml version="1.0" encoding="utf-8"?>
-<p:sldMaster xmlns:a="http://schemas.openxmlformats.org/drawingml/2006/main" xmlns:r="http://schemas.openxmlformats.org/officeDocument/2006/relationships" xmlns:mc="http://schemas.openxmlformats.org/markup-compatibility/2006" xmlns:mv="urn:schemas-microsoft-com:mac:vml" xmlns:p="http://schemas.openxmlformats.org/presentationml/2006/main" xmlns:c="http://schemas.openxmlformats.org/drawingml/2006/chart" xmlns:dgm="http://schemas.openxmlformats.org/drawingml/2006/diagram" xmlns:o="urn:schemas-microsoft-com:office:office" xmlns:v="urn:schemas-microsoft-com:vml" xmlns:pvml="urn:schemas-microsoft-com:office:powerpoint" xmlns:com="http://schemas.openxmlformats.org/drawingml/2006/compatibility" xmlns:p14="http://schemas.microsoft.com/office/powerpoint/2010/main" xmlns:p15="http://schemas.microsoft.com/office/powerpoint/2012/main">
+<p:sldMaster xmlns:a="http://schemas.openxmlformats.org/drawingml/2006/main" xmlns:r="http://schemas.openxmlformats.org/officeDocument/2006/relationships" xmlns:p="http://schemas.openxmlformats.org/presentationml/2006/main">
   <p:cSld name="streamline">
     <p:bg>
       <p:bgPr>
         <a:solidFill>
           <a:schemeClr val="lt1"/>
         </a:solidFill>
+        <a:effectLst/>
       </p:bgPr>
     </p:bg>
     <p:spTree>
       <p:nvGrpSpPr>
-        <p:cNvPr id="9" name="Shape 9"/>
+        <p:cNvPr id="1" name="Shape 9"/>
         <p:cNvGrpSpPr/>
         <p:nvPr/>
       </p:nvGrpSpPr>
@@ -8098,7 +8208,9 @@
       <p:sp>
         <p:nvSpPr>
           <p:cNvPr id="10" name="Google Shape;10;p1"/>
-          <p:cNvSpPr txBox="1"/>
+          <p:cNvSpPr txBox="1">
+            <a:spLocks noGrp="1"/>
+          </p:cNvSpPr>
           <p:nvPr>
             <p:ph type="title"/>
           </p:nvPr>
@@ -8117,7 +8229,7 @@
           </a:ln>
         </p:spPr>
         <p:txBody>
-          <a:bodyPr anchorCtr="0" anchor="t" bIns="121900" lIns="121900" spcFirstLastPara="1" rIns="121900" wrap="square" tIns="121900">
+          <a:bodyPr spcFirstLastPara="1" wrap="square" lIns="121900" tIns="121900" rIns="121900" bIns="121900" anchor="t" anchorCtr="0">
             <a:noAutofit/>
           </a:bodyPr>
           <a:lstStyle>
@@ -8131,7 +8243,7 @@
               <a:buSzPts val="3700"/>
               <a:buFont typeface="Raleway"/>
               <a:buNone/>
-              <a:defRPr b="1" sz="3700">
+              <a:defRPr sz="3700" b="1">
                 <a:latin typeface="Raleway"/>
                 <a:ea typeface="Raleway"/>
                 <a:cs typeface="Raleway"/>
@@ -8148,7 +8260,7 @@
               <a:buSzPts val="3700"/>
               <a:buFont typeface="Raleway"/>
               <a:buNone/>
-              <a:defRPr b="1" sz="3700">
+              <a:defRPr sz="3700" b="1">
                 <a:latin typeface="Raleway"/>
                 <a:ea typeface="Raleway"/>
                 <a:cs typeface="Raleway"/>
@@ -8165,7 +8277,7 @@
               <a:buSzPts val="3700"/>
               <a:buFont typeface="Raleway"/>
               <a:buNone/>
-              <a:defRPr b="1" sz="3700">
+              <a:defRPr sz="3700" b="1">
                 <a:latin typeface="Raleway"/>
                 <a:ea typeface="Raleway"/>
                 <a:cs typeface="Raleway"/>
@@ -8182,7 +8294,7 @@
               <a:buSzPts val="3700"/>
               <a:buFont typeface="Raleway"/>
               <a:buNone/>
-              <a:defRPr b="1" sz="3700">
+              <a:defRPr sz="3700" b="1">
                 <a:latin typeface="Raleway"/>
                 <a:ea typeface="Raleway"/>
                 <a:cs typeface="Raleway"/>
@@ -8199,7 +8311,7 @@
               <a:buSzPts val="3700"/>
               <a:buFont typeface="Raleway"/>
               <a:buNone/>
-              <a:defRPr b="1" sz="3700">
+              <a:defRPr sz="3700" b="1">
                 <a:latin typeface="Raleway"/>
                 <a:ea typeface="Raleway"/>
                 <a:cs typeface="Raleway"/>
@@ -8216,7 +8328,7 @@
               <a:buSzPts val="3700"/>
               <a:buFont typeface="Raleway"/>
               <a:buNone/>
-              <a:defRPr b="1" sz="3700">
+              <a:defRPr sz="3700" b="1">
                 <a:latin typeface="Raleway"/>
                 <a:ea typeface="Raleway"/>
                 <a:cs typeface="Raleway"/>
@@ -8233,7 +8345,7 @@
               <a:buSzPts val="3700"/>
               <a:buFont typeface="Raleway"/>
               <a:buNone/>
-              <a:defRPr b="1" sz="3700">
+              <a:defRPr sz="3700" b="1">
                 <a:latin typeface="Raleway"/>
                 <a:ea typeface="Raleway"/>
                 <a:cs typeface="Raleway"/>
@@ -8250,7 +8362,7 @@
               <a:buSzPts val="3700"/>
               <a:buFont typeface="Raleway"/>
               <a:buNone/>
-              <a:defRPr b="1" sz="3700">
+              <a:defRPr sz="3700" b="1">
                 <a:latin typeface="Raleway"/>
                 <a:ea typeface="Raleway"/>
                 <a:cs typeface="Raleway"/>
@@ -8267,7 +8379,7 @@
               <a:buSzPts val="3700"/>
               <a:buFont typeface="Raleway"/>
               <a:buNone/>
-              <a:defRPr b="1" sz="3700">
+              <a:defRPr sz="3700" b="1">
                 <a:latin typeface="Raleway"/>
                 <a:ea typeface="Raleway"/>
                 <a:cs typeface="Raleway"/>
@@ -8275,15 +8387,19 @@
               </a:defRPr>
             </a:lvl9pPr>
           </a:lstStyle>
-          <a:p/>
+          <a:p>
+            <a:endParaRPr/>
+          </a:p>
         </p:txBody>
       </p:sp>
       <p:sp>
         <p:nvSpPr>
           <p:cNvPr id="11" name="Google Shape;11;p1"/>
-          <p:cNvSpPr txBox="1"/>
+          <p:cNvSpPr txBox="1">
+            <a:spLocks noGrp="1"/>
+          </p:cNvSpPr>
           <p:nvPr>
-            <p:ph idx="1" type="body"/>
+            <p:ph type="body" idx="1"/>
           </p:nvPr>
         </p:nvSpPr>
         <p:spPr>
@@ -8300,11 +8416,11 @@
           </a:ln>
         </p:spPr>
         <p:txBody>
-          <a:bodyPr anchorCtr="0" anchor="t" bIns="121900" lIns="121900" spcFirstLastPara="1" rIns="121900" wrap="square" tIns="121900">
+          <a:bodyPr spcFirstLastPara="1" wrap="square" lIns="121900" tIns="121900" rIns="121900" bIns="121900" anchor="t" anchorCtr="0">
             <a:noAutofit/>
           </a:bodyPr>
           <a:lstStyle>
-            <a:lvl1pPr indent="-336550" lvl="0" marL="457200">
+            <a:lvl1pPr marL="457200" lvl="0" indent="-336550">
               <a:lnSpc>
                 <a:spcPct val="115000"/>
               </a:lnSpc>
@@ -8330,7 +8446,7 @@
                 <a:sym typeface="Lato"/>
               </a:defRPr>
             </a:lvl1pPr>
-            <a:lvl2pPr indent="-323850" lvl="1" marL="914400">
+            <a:lvl2pPr marL="914400" lvl="1" indent="-323850">
               <a:lnSpc>
                 <a:spcPct val="115000"/>
               </a:lnSpc>
@@ -8356,7 +8472,7 @@
                 <a:sym typeface="Lato"/>
               </a:defRPr>
             </a:lvl2pPr>
-            <a:lvl3pPr indent="-323850" lvl="2" marL="1371600">
+            <a:lvl3pPr marL="1371600" lvl="2" indent="-323850">
               <a:lnSpc>
                 <a:spcPct val="115000"/>
               </a:lnSpc>
@@ -8382,7 +8498,7 @@
                 <a:sym typeface="Lato"/>
               </a:defRPr>
             </a:lvl3pPr>
-            <a:lvl4pPr indent="-323850" lvl="3" marL="1828800">
+            <a:lvl4pPr marL="1828800" lvl="3" indent="-323850">
               <a:lnSpc>
                 <a:spcPct val="115000"/>
               </a:lnSpc>
@@ -8408,7 +8524,7 @@
                 <a:sym typeface="Lato"/>
               </a:defRPr>
             </a:lvl4pPr>
-            <a:lvl5pPr indent="-323850" lvl="4" marL="2286000">
+            <a:lvl5pPr marL="2286000" lvl="4" indent="-323850">
               <a:lnSpc>
                 <a:spcPct val="115000"/>
               </a:lnSpc>
@@ -8434,7 +8550,7 @@
                 <a:sym typeface="Lato"/>
               </a:defRPr>
             </a:lvl5pPr>
-            <a:lvl6pPr indent="-323850" lvl="5" marL="2743200">
+            <a:lvl6pPr marL="2743200" lvl="5" indent="-323850">
               <a:lnSpc>
                 <a:spcPct val="115000"/>
               </a:lnSpc>
@@ -8460,7 +8576,7 @@
                 <a:sym typeface="Lato"/>
               </a:defRPr>
             </a:lvl6pPr>
-            <a:lvl7pPr indent="-323850" lvl="6" marL="3200400">
+            <a:lvl7pPr marL="3200400" lvl="6" indent="-323850">
               <a:lnSpc>
                 <a:spcPct val="115000"/>
               </a:lnSpc>
@@ -8486,7 +8602,7 @@
                 <a:sym typeface="Lato"/>
               </a:defRPr>
             </a:lvl7pPr>
-            <a:lvl8pPr indent="-323850" lvl="7" marL="3657600">
+            <a:lvl8pPr marL="3657600" lvl="7" indent="-323850">
               <a:lnSpc>
                 <a:spcPct val="115000"/>
               </a:lnSpc>
@@ -8512,7 +8628,7 @@
                 <a:sym typeface="Lato"/>
               </a:defRPr>
             </a:lvl8pPr>
-            <a:lvl9pPr indent="-323850" lvl="8" marL="4114800">
+            <a:lvl9pPr marL="4114800" lvl="8" indent="-323850">
               <a:lnSpc>
                 <a:spcPct val="115000"/>
               </a:lnSpc>
@@ -8539,15 +8655,19 @@
               </a:defRPr>
             </a:lvl9pPr>
           </a:lstStyle>
-          <a:p/>
+          <a:p>
+            <a:endParaRPr/>
+          </a:p>
         </p:txBody>
       </p:sp>
       <p:sp>
         <p:nvSpPr>
           <p:cNvPr id="12" name="Google Shape;12;p1"/>
-          <p:cNvSpPr txBox="1"/>
+          <p:cNvSpPr txBox="1">
+            <a:spLocks noGrp="1"/>
+          </p:cNvSpPr>
           <p:nvPr>
-            <p:ph idx="12" type="sldNum"/>
+            <p:ph type="sldNum" idx="12"/>
           </p:nvPr>
         </p:nvSpPr>
         <p:spPr>
@@ -8564,7 +8684,7 @@
           </a:ln>
         </p:spPr>
         <p:txBody>
-          <a:bodyPr anchorCtr="0" anchor="ctr" bIns="121900" lIns="121900" spcFirstLastPara="1" rIns="121900" wrap="square" tIns="121900">
+          <a:bodyPr spcFirstLastPara="1" wrap="square" lIns="121900" tIns="121900" rIns="121900" bIns="121900" anchor="ctr" anchorCtr="0">
             <a:noAutofit/>
           </a:bodyPr>
           <a:lstStyle>
@@ -8678,7 +8798,7 @@
             </a:lvl9pPr>
           </a:lstStyle>
           <a:p>
-            <a:pPr indent="0" lvl="0" marL="0" rtl="0" algn="r">
+            <a:pPr marL="0" lvl="0" indent="0" algn="r" rtl="0">
               <a:spcBef>
                 <a:spcPts val="0"/>
               </a:spcBef>
@@ -8697,7 +8817,7 @@
       </p:sp>
     </p:spTree>
   </p:cSld>
-  <p:clrMap accent1="accent1" accent2="accent2" accent3="accent3" accent4="accent4" accent5="accent5" accent6="accent6" bg1="lt1" bg2="dk2" tx1="dk1" tx2="lt2" folHlink="folHlink" hlink="hlink"/>
+  <p:clrMap bg1="lt1" tx1="dk1" bg2="dk2" tx2="lt2" accent1="accent1" accent2="accent2" accent3="accent3" accent4="accent4" accent5="accent5" accent6="accent6" hlink="hlink" folHlink="folHlink"/>
   <p:sldLayoutIdLst>
     <p:sldLayoutId id="2147483648" r:id="rId1"/>
     <p:sldLayoutId id="2147483649" r:id="rId2"/>
@@ -8712,10 +8832,10 @@
     <p:sldLayoutId id="2147483658" r:id="rId11"/>
     <p:sldLayoutId id="2147483659" r:id="rId12"/>
   </p:sldLayoutIdLst>
-  <p:hf dt="0" ftr="0" hdr="0" sldNum="0"/>
+  <p:hf sldNum="0" hdr="0" ftr="0" dt="0"/>
   <p:txStyles>
     <p:titleStyle>
-      <a:defPPr lvl="0" marR="0" rtl="0" algn="l">
+      <a:defPPr marR="0" lvl="0" algn="l" rtl="0">
         <a:lnSpc>
           <a:spcPct val="100000"/>
         </a:lnSpc>
@@ -8726,7 +8846,7 @@
           <a:spcPts val="0"/>
         </a:spcAft>
       </a:defPPr>
-      <a:lvl1pPr lvl="0" marR="0" rtl="0" algn="l">
+      <a:lvl1pPr marR="0" lvl="0" algn="l" rtl="0">
         <a:lnSpc>
           <a:spcPct val="100000"/>
         </a:lnSpc>
@@ -8740,7 +8860,7 @@
           <a:srgbClr val="000000"/>
         </a:buClr>
         <a:buFont typeface="Arial"/>
-        <a:defRPr b="0" i="0" sz="1400" u="none" cap="none" strike="noStrike">
+        <a:defRPr sz="1400" b="0" i="0" u="none" strike="noStrike" cap="none">
           <a:solidFill>
             <a:srgbClr val="000000"/>
           </a:solidFill>
@@ -8750,7 +8870,7 @@
           <a:sym typeface="Arial"/>
         </a:defRPr>
       </a:lvl1pPr>
-      <a:lvl2pPr lvl="1" marR="0" rtl="0" algn="l">
+      <a:lvl2pPr marR="0" lvl="1" algn="l" rtl="0">
         <a:lnSpc>
           <a:spcPct val="100000"/>
         </a:lnSpc>
@@ -8764,7 +8884,7 @@
           <a:srgbClr val="000000"/>
         </a:buClr>
         <a:buFont typeface="Arial"/>
-        <a:defRPr b="0" i="0" sz="1400" u="none" cap="none" strike="noStrike">
+        <a:defRPr sz="1400" b="0" i="0" u="none" strike="noStrike" cap="none">
           <a:solidFill>
             <a:srgbClr val="000000"/>
           </a:solidFill>
@@ -8774,7 +8894,7 @@
           <a:sym typeface="Arial"/>
         </a:defRPr>
       </a:lvl2pPr>
-      <a:lvl3pPr lvl="2" marR="0" rtl="0" algn="l">
+      <a:lvl3pPr marR="0" lvl="2" algn="l" rtl="0">
         <a:lnSpc>
           <a:spcPct val="100000"/>
         </a:lnSpc>
@@ -8788,7 +8908,7 @@
           <a:srgbClr val="000000"/>
         </a:buClr>
         <a:buFont typeface="Arial"/>
-        <a:defRPr b="0" i="0" sz="1400" u="none" cap="none" strike="noStrike">
+        <a:defRPr sz="1400" b="0" i="0" u="none" strike="noStrike" cap="none">
           <a:solidFill>
             <a:srgbClr val="000000"/>
           </a:solidFill>
@@ -8798,7 +8918,7 @@
           <a:sym typeface="Arial"/>
         </a:defRPr>
       </a:lvl3pPr>
-      <a:lvl4pPr lvl="3" marR="0" rtl="0" algn="l">
+      <a:lvl4pPr marR="0" lvl="3" algn="l" rtl="0">
         <a:lnSpc>
           <a:spcPct val="100000"/>
         </a:lnSpc>
@@ -8812,7 +8932,7 @@
           <a:srgbClr val="000000"/>
         </a:buClr>
         <a:buFont typeface="Arial"/>
-        <a:defRPr b="0" i="0" sz="1400" u="none" cap="none" strike="noStrike">
+        <a:defRPr sz="1400" b="0" i="0" u="none" strike="noStrike" cap="none">
           <a:solidFill>
             <a:srgbClr val="000000"/>
           </a:solidFill>
@@ -8822,7 +8942,7 @@
           <a:sym typeface="Arial"/>
         </a:defRPr>
       </a:lvl4pPr>
-      <a:lvl5pPr lvl="4" marR="0" rtl="0" algn="l">
+      <a:lvl5pPr marR="0" lvl="4" algn="l" rtl="0">
         <a:lnSpc>
           <a:spcPct val="100000"/>
         </a:lnSpc>
@@ -8836,7 +8956,7 @@
           <a:srgbClr val="000000"/>
         </a:buClr>
         <a:buFont typeface="Arial"/>
-        <a:defRPr b="0" i="0" sz="1400" u="none" cap="none" strike="noStrike">
+        <a:defRPr sz="1400" b="0" i="0" u="none" strike="noStrike" cap="none">
           <a:solidFill>
             <a:srgbClr val="000000"/>
           </a:solidFill>
@@ -8846,7 +8966,7 @@
           <a:sym typeface="Arial"/>
         </a:defRPr>
       </a:lvl5pPr>
-      <a:lvl6pPr lvl="5" marR="0" rtl="0" algn="l">
+      <a:lvl6pPr marR="0" lvl="5" algn="l" rtl="0">
         <a:lnSpc>
           <a:spcPct val="100000"/>
         </a:lnSpc>
@@ -8860,7 +8980,7 @@
           <a:srgbClr val="000000"/>
         </a:buClr>
         <a:buFont typeface="Arial"/>
-        <a:defRPr b="0" i="0" sz="1400" u="none" cap="none" strike="noStrike">
+        <a:defRPr sz="1400" b="0" i="0" u="none" strike="noStrike" cap="none">
           <a:solidFill>
             <a:srgbClr val="000000"/>
           </a:solidFill>
@@ -8870,7 +8990,7 @@
           <a:sym typeface="Arial"/>
         </a:defRPr>
       </a:lvl6pPr>
-      <a:lvl7pPr lvl="6" marR="0" rtl="0" algn="l">
+      <a:lvl7pPr marR="0" lvl="6" algn="l" rtl="0">
         <a:lnSpc>
           <a:spcPct val="100000"/>
         </a:lnSpc>
@@ -8884,7 +9004,7 @@
           <a:srgbClr val="000000"/>
         </a:buClr>
         <a:buFont typeface="Arial"/>
-        <a:defRPr b="0" i="0" sz="1400" u="none" cap="none" strike="noStrike">
+        <a:defRPr sz="1400" b="0" i="0" u="none" strike="noStrike" cap="none">
           <a:solidFill>
             <a:srgbClr val="000000"/>
           </a:solidFill>
@@ -8894,7 +9014,7 @@
           <a:sym typeface="Arial"/>
         </a:defRPr>
       </a:lvl7pPr>
-      <a:lvl8pPr lvl="7" marR="0" rtl="0" algn="l">
+      <a:lvl8pPr marR="0" lvl="7" algn="l" rtl="0">
         <a:lnSpc>
           <a:spcPct val="100000"/>
         </a:lnSpc>
@@ -8908,7 +9028,7 @@
           <a:srgbClr val="000000"/>
         </a:buClr>
         <a:buFont typeface="Arial"/>
-        <a:defRPr b="0" i="0" sz="1400" u="none" cap="none" strike="noStrike">
+        <a:defRPr sz="1400" b="0" i="0" u="none" strike="noStrike" cap="none">
           <a:solidFill>
             <a:srgbClr val="000000"/>
           </a:solidFill>
@@ -8918,7 +9038,7 @@
           <a:sym typeface="Arial"/>
         </a:defRPr>
       </a:lvl8pPr>
-      <a:lvl9pPr lvl="8" marR="0" rtl="0" algn="l">
+      <a:lvl9pPr marR="0" lvl="8" algn="l" rtl="0">
         <a:lnSpc>
           <a:spcPct val="100000"/>
         </a:lnSpc>
@@ -8932,7 +9052,7 @@
           <a:srgbClr val="000000"/>
         </a:buClr>
         <a:buFont typeface="Arial"/>
-        <a:defRPr b="0" i="0" sz="1400" u="none" cap="none" strike="noStrike">
+        <a:defRPr sz="1400" b="0" i="0" u="none" strike="noStrike" cap="none">
           <a:solidFill>
             <a:srgbClr val="000000"/>
           </a:solidFill>
@@ -8944,7 +9064,7 @@
       </a:lvl9pPr>
     </p:titleStyle>
     <p:bodyStyle>
-      <a:defPPr lvl="0" marR="0" rtl="0" algn="l">
+      <a:defPPr marR="0" lvl="0" algn="l" rtl="0">
         <a:lnSpc>
           <a:spcPct val="100000"/>
         </a:lnSpc>
@@ -8955,7 +9075,7 @@
           <a:spcPts val="0"/>
         </a:spcAft>
       </a:defPPr>
-      <a:lvl1pPr lvl="0" marR="0" rtl="0" algn="l">
+      <a:lvl1pPr marR="0" lvl="0" algn="l" rtl="0">
         <a:lnSpc>
           <a:spcPct val="100000"/>
         </a:lnSpc>
@@ -8969,7 +9089,7 @@
           <a:srgbClr val="000000"/>
         </a:buClr>
         <a:buFont typeface="Arial"/>
-        <a:defRPr b="0" i="0" sz="1400" u="none" cap="none" strike="noStrike">
+        <a:defRPr sz="1400" b="0" i="0" u="none" strike="noStrike" cap="none">
           <a:solidFill>
             <a:srgbClr val="000000"/>
           </a:solidFill>
@@ -8979,7 +9099,7 @@
           <a:sym typeface="Arial"/>
         </a:defRPr>
       </a:lvl1pPr>
-      <a:lvl2pPr lvl="1" marR="0" rtl="0" algn="l">
+      <a:lvl2pPr marR="0" lvl="1" algn="l" rtl="0">
         <a:lnSpc>
           <a:spcPct val="100000"/>
         </a:lnSpc>
@@ -8993,7 +9113,7 @@
           <a:srgbClr val="000000"/>
         </a:buClr>
         <a:buFont typeface="Arial"/>
-        <a:defRPr b="0" i="0" sz="1400" u="none" cap="none" strike="noStrike">
+        <a:defRPr sz="1400" b="0" i="0" u="none" strike="noStrike" cap="none">
           <a:solidFill>
             <a:srgbClr val="000000"/>
           </a:solidFill>
@@ -9003,7 +9123,7 @@
           <a:sym typeface="Arial"/>
         </a:defRPr>
       </a:lvl2pPr>
-      <a:lvl3pPr lvl="2" marR="0" rtl="0" algn="l">
+      <a:lvl3pPr marR="0" lvl="2" algn="l" rtl="0">
         <a:lnSpc>
           <a:spcPct val="100000"/>
         </a:lnSpc>
@@ -9017,7 +9137,7 @@
           <a:srgbClr val="000000"/>
         </a:buClr>
         <a:buFont typeface="Arial"/>
-        <a:defRPr b="0" i="0" sz="1400" u="none" cap="none" strike="noStrike">
+        <a:defRPr sz="1400" b="0" i="0" u="none" strike="noStrike" cap="none">
           <a:solidFill>
             <a:srgbClr val="000000"/>
           </a:solidFill>
@@ -9027,7 +9147,7 @@
           <a:sym typeface="Arial"/>
         </a:defRPr>
       </a:lvl3pPr>
-      <a:lvl4pPr lvl="3" marR="0" rtl="0" algn="l">
+      <a:lvl4pPr marR="0" lvl="3" algn="l" rtl="0">
         <a:lnSpc>
           <a:spcPct val="100000"/>
         </a:lnSpc>
@@ -9041,7 +9161,7 @@
           <a:srgbClr val="000000"/>
         </a:buClr>
         <a:buFont typeface="Arial"/>
-        <a:defRPr b="0" i="0" sz="1400" u="none" cap="none" strike="noStrike">
+        <a:defRPr sz="1400" b="0" i="0" u="none" strike="noStrike" cap="none">
           <a:solidFill>
             <a:srgbClr val="000000"/>
           </a:solidFill>
@@ -9051,7 +9171,7 @@
           <a:sym typeface="Arial"/>
         </a:defRPr>
       </a:lvl4pPr>
-      <a:lvl5pPr lvl="4" marR="0" rtl="0" algn="l">
+      <a:lvl5pPr marR="0" lvl="4" algn="l" rtl="0">
         <a:lnSpc>
           <a:spcPct val="100000"/>
         </a:lnSpc>
@@ -9065,7 +9185,7 @@
           <a:srgbClr val="000000"/>
         </a:buClr>
         <a:buFont typeface="Arial"/>
-        <a:defRPr b="0" i="0" sz="1400" u="none" cap="none" strike="noStrike">
+        <a:defRPr sz="1400" b="0" i="0" u="none" strike="noStrike" cap="none">
           <a:solidFill>
             <a:srgbClr val="000000"/>
           </a:solidFill>
@@ -9075,7 +9195,7 @@
           <a:sym typeface="Arial"/>
         </a:defRPr>
       </a:lvl5pPr>
-      <a:lvl6pPr lvl="5" marR="0" rtl="0" algn="l">
+      <a:lvl6pPr marR="0" lvl="5" algn="l" rtl="0">
         <a:lnSpc>
           <a:spcPct val="100000"/>
         </a:lnSpc>
@@ -9089,7 +9209,7 @@
           <a:srgbClr val="000000"/>
         </a:buClr>
         <a:buFont typeface="Arial"/>
-        <a:defRPr b="0" i="0" sz="1400" u="none" cap="none" strike="noStrike">
+        <a:defRPr sz="1400" b="0" i="0" u="none" strike="noStrike" cap="none">
           <a:solidFill>
             <a:srgbClr val="000000"/>
           </a:solidFill>
@@ -9099,7 +9219,7 @@
           <a:sym typeface="Arial"/>
         </a:defRPr>
       </a:lvl6pPr>
-      <a:lvl7pPr lvl="6" marR="0" rtl="0" algn="l">
+      <a:lvl7pPr marR="0" lvl="6" algn="l" rtl="0">
         <a:lnSpc>
           <a:spcPct val="100000"/>
         </a:lnSpc>
@@ -9113,7 +9233,7 @@
           <a:srgbClr val="000000"/>
         </a:buClr>
         <a:buFont typeface="Arial"/>
-        <a:defRPr b="0" i="0" sz="1400" u="none" cap="none" strike="noStrike">
+        <a:defRPr sz="1400" b="0" i="0" u="none" strike="noStrike" cap="none">
           <a:solidFill>
             <a:srgbClr val="000000"/>
           </a:solidFill>
@@ -9123,7 +9243,7 @@
           <a:sym typeface="Arial"/>
         </a:defRPr>
       </a:lvl7pPr>
-      <a:lvl8pPr lvl="7" marR="0" rtl="0" algn="l">
+      <a:lvl8pPr marR="0" lvl="7" algn="l" rtl="0">
         <a:lnSpc>
           <a:spcPct val="100000"/>
         </a:lnSpc>
@@ -9137,7 +9257,7 @@
           <a:srgbClr val="000000"/>
         </a:buClr>
         <a:buFont typeface="Arial"/>
-        <a:defRPr b="0" i="0" sz="1400" u="none" cap="none" strike="noStrike">
+        <a:defRPr sz="1400" b="0" i="0" u="none" strike="noStrike" cap="none">
           <a:solidFill>
             <a:srgbClr val="000000"/>
           </a:solidFill>
@@ -9147,7 +9267,7 @@
           <a:sym typeface="Arial"/>
         </a:defRPr>
       </a:lvl8pPr>
-      <a:lvl9pPr lvl="8" marR="0" rtl="0" algn="l">
+      <a:lvl9pPr marR="0" lvl="8" algn="l" rtl="0">
         <a:lnSpc>
           <a:spcPct val="100000"/>
         </a:lnSpc>
@@ -9161,7 +9281,7 @@
           <a:srgbClr val="000000"/>
         </a:buClr>
         <a:buFont typeface="Arial"/>
-        <a:defRPr b="0" i="0" sz="1400" u="none" cap="none" strike="noStrike">
+        <a:defRPr sz="1400" b="0" i="0" u="none" strike="noStrike" cap="none">
           <a:solidFill>
             <a:srgbClr val="000000"/>
           </a:solidFill>
@@ -9173,7 +9293,7 @@
       </a:lvl9pPr>
     </p:bodyStyle>
     <p:otherStyle>
-      <a:defPPr lvl="0" marR="0" rtl="0" algn="l">
+      <a:defPPr marR="0" lvl="0" algn="l" rtl="0">
         <a:lnSpc>
           <a:spcPct val="100000"/>
         </a:lnSpc>
@@ -9184,7 +9304,7 @@
           <a:spcPts val="0"/>
         </a:spcAft>
       </a:defPPr>
-      <a:lvl1pPr lvl="0" marR="0" rtl="0" algn="l">
+      <a:lvl1pPr marR="0" lvl="0" algn="l" rtl="0">
         <a:lnSpc>
           <a:spcPct val="100000"/>
         </a:lnSpc>
@@ -9198,7 +9318,7 @@
           <a:srgbClr val="000000"/>
         </a:buClr>
         <a:buFont typeface="Arial"/>
-        <a:defRPr b="0" i="0" sz="1400" u="none" cap="none" strike="noStrike">
+        <a:defRPr sz="1400" b="0" i="0" u="none" strike="noStrike" cap="none">
           <a:solidFill>
             <a:srgbClr val="000000"/>
           </a:solidFill>
@@ -9208,7 +9328,7 @@
           <a:sym typeface="Arial"/>
         </a:defRPr>
       </a:lvl1pPr>
-      <a:lvl2pPr lvl="1" marR="0" rtl="0" algn="l">
+      <a:lvl2pPr marR="0" lvl="1" algn="l" rtl="0">
         <a:lnSpc>
           <a:spcPct val="100000"/>
         </a:lnSpc>
@@ -9222,7 +9342,7 @@
           <a:srgbClr val="000000"/>
         </a:buClr>
         <a:buFont typeface="Arial"/>
-        <a:defRPr b="0" i="0" sz="1400" u="none" cap="none" strike="noStrike">
+        <a:defRPr sz="1400" b="0" i="0" u="none" strike="noStrike" cap="none">
           <a:solidFill>
             <a:srgbClr val="000000"/>
           </a:solidFill>
@@ -9232,7 +9352,7 @@
           <a:sym typeface="Arial"/>
         </a:defRPr>
       </a:lvl2pPr>
-      <a:lvl3pPr lvl="2" marR="0" rtl="0" algn="l">
+      <a:lvl3pPr marR="0" lvl="2" algn="l" rtl="0">
         <a:lnSpc>
           <a:spcPct val="100000"/>
         </a:lnSpc>
@@ -9246,7 +9366,7 @@
           <a:srgbClr val="000000"/>
         </a:buClr>
         <a:buFont typeface="Arial"/>
-        <a:defRPr b="0" i="0" sz="1400" u="none" cap="none" strike="noStrike">
+        <a:defRPr sz="1400" b="0" i="0" u="none" strike="noStrike" cap="none">
           <a:solidFill>
             <a:srgbClr val="000000"/>
           </a:solidFill>
@@ -9256,7 +9376,7 @@
           <a:sym typeface="Arial"/>
         </a:defRPr>
       </a:lvl3pPr>
-      <a:lvl4pPr lvl="3" marR="0" rtl="0" algn="l">
+      <a:lvl4pPr marR="0" lvl="3" algn="l" rtl="0">
         <a:lnSpc>
           <a:spcPct val="100000"/>
         </a:lnSpc>
@@ -9270,7 +9390,7 @@
           <a:srgbClr val="000000"/>
         </a:buClr>
         <a:buFont typeface="Arial"/>
-        <a:defRPr b="0" i="0" sz="1400" u="none" cap="none" strike="noStrike">
+        <a:defRPr sz="1400" b="0" i="0" u="none" strike="noStrike" cap="none">
           <a:solidFill>
             <a:srgbClr val="000000"/>
           </a:solidFill>
@@ -9280,7 +9400,7 @@
           <a:sym typeface="Arial"/>
         </a:defRPr>
       </a:lvl4pPr>
-      <a:lvl5pPr lvl="4" marR="0" rtl="0" algn="l">
+      <a:lvl5pPr marR="0" lvl="4" algn="l" rtl="0">
         <a:lnSpc>
           <a:spcPct val="100000"/>
         </a:lnSpc>
@@ -9294,7 +9414,7 @@
           <a:srgbClr val="000000"/>
         </a:buClr>
         <a:buFont typeface="Arial"/>
-        <a:defRPr b="0" i="0" sz="1400" u="none" cap="none" strike="noStrike">
+        <a:defRPr sz="1400" b="0" i="0" u="none" strike="noStrike" cap="none">
           <a:solidFill>
             <a:srgbClr val="000000"/>
           </a:solidFill>
@@ -9304,7 +9424,7 @@
           <a:sym typeface="Arial"/>
         </a:defRPr>
       </a:lvl5pPr>
-      <a:lvl6pPr lvl="5" marR="0" rtl="0" algn="l">
+      <a:lvl6pPr marR="0" lvl="5" algn="l" rtl="0">
         <a:lnSpc>
           <a:spcPct val="100000"/>
         </a:lnSpc>
@@ -9318,7 +9438,7 @@
           <a:srgbClr val="000000"/>
         </a:buClr>
         <a:buFont typeface="Arial"/>
-        <a:defRPr b="0" i="0" sz="1400" u="none" cap="none" strike="noStrike">
+        <a:defRPr sz="1400" b="0" i="0" u="none" strike="noStrike" cap="none">
           <a:solidFill>
             <a:srgbClr val="000000"/>
           </a:solidFill>
@@ -9328,7 +9448,7 @@
           <a:sym typeface="Arial"/>
         </a:defRPr>
       </a:lvl6pPr>
-      <a:lvl7pPr lvl="6" marR="0" rtl="0" algn="l">
+      <a:lvl7pPr marR="0" lvl="6" algn="l" rtl="0">
         <a:lnSpc>
           <a:spcPct val="100000"/>
         </a:lnSpc>
@@ -9342,7 +9462,7 @@
           <a:srgbClr val="000000"/>
         </a:buClr>
         <a:buFont typeface="Arial"/>
-        <a:defRPr b="0" i="0" sz="1400" u="none" cap="none" strike="noStrike">
+        <a:defRPr sz="1400" b="0" i="0" u="none" strike="noStrike" cap="none">
           <a:solidFill>
             <a:srgbClr val="000000"/>
           </a:solidFill>
@@ -9352,7 +9472,7 @@
           <a:sym typeface="Arial"/>
         </a:defRPr>
       </a:lvl7pPr>
-      <a:lvl8pPr lvl="7" marR="0" rtl="0" algn="l">
+      <a:lvl8pPr marR="0" lvl="7" algn="l" rtl="0">
         <a:lnSpc>
           <a:spcPct val="100000"/>
         </a:lnSpc>
@@ -9366,7 +9486,7 @@
           <a:srgbClr val="000000"/>
         </a:buClr>
         <a:buFont typeface="Arial"/>
-        <a:defRPr b="0" i="0" sz="1400" u="none" cap="none" strike="noStrike">
+        <a:defRPr sz="1400" b="0" i="0" u="none" strike="noStrike" cap="none">
           <a:solidFill>
             <a:srgbClr val="000000"/>
           </a:solidFill>
@@ -9376,7 +9496,7 @@
           <a:sym typeface="Arial"/>
         </a:defRPr>
       </a:lvl8pPr>
-      <a:lvl9pPr lvl="8" marR="0" rtl="0" algn="l">
+      <a:lvl9pPr marR="0" lvl="8" algn="l" rtl="0">
         <a:lnSpc>
           <a:spcPct val="100000"/>
         </a:lnSpc>
@@ -9390,7 +9510,7 @@
           <a:srgbClr val="000000"/>
         </a:buClr>
         <a:buFont typeface="Arial"/>
-        <a:defRPr b="0" i="0" sz="1400" u="none" cap="none" strike="noStrike">
+        <a:defRPr sz="1400" b="0" i="0" u="none" strike="noStrike" cap="none">
           <a:solidFill>
             <a:srgbClr val="000000"/>
           </a:solidFill>
@@ -9406,11 +9526,11 @@
 </file>
 
 <file path=ppt/slides/slide1.xml><?xml version="1.0" encoding="utf-8"?>
-<p:sld xmlns:a="http://schemas.openxmlformats.org/drawingml/2006/main" xmlns:r="http://schemas.openxmlformats.org/officeDocument/2006/relationships" xmlns:mc="http://schemas.openxmlformats.org/markup-compatibility/2006" xmlns:mv="urn:schemas-microsoft-com:mac:vml" xmlns:p="http://schemas.openxmlformats.org/presentationml/2006/main" xmlns:c="http://schemas.openxmlformats.org/drawingml/2006/chart" xmlns:dgm="http://schemas.openxmlformats.org/drawingml/2006/diagram" xmlns:o="urn:schemas-microsoft-com:office:office" xmlns:v="urn:schemas-microsoft-com:vml" xmlns:pvml="urn:schemas-microsoft-com:office:powerpoint" xmlns:com="http://schemas.openxmlformats.org/drawingml/2006/compatibility" xmlns:p14="http://schemas.microsoft.com/office/powerpoint/2010/main" xmlns:p15="http://schemas.microsoft.com/office/powerpoint/2012/main">
+<p:sld xmlns:a="http://schemas.openxmlformats.org/drawingml/2006/main" xmlns:r="http://schemas.openxmlformats.org/officeDocument/2006/relationships" xmlns:p="http://schemas.openxmlformats.org/presentationml/2006/main">
   <p:cSld>
     <p:spTree>
       <p:nvGrpSpPr>
-        <p:cNvPr id="95" name="Shape 95"/>
+        <p:cNvPr id="1" name="Shape 95"/>
         <p:cNvGrpSpPr/>
         <p:nvPr/>
       </p:nvGrpSpPr>
@@ -9425,7 +9545,9 @@
       <p:sp>
         <p:nvSpPr>
           <p:cNvPr id="96" name="Google Shape;96;p14"/>
-          <p:cNvSpPr txBox="1"/>
+          <p:cNvSpPr txBox="1">
+            <a:spLocks noGrp="1"/>
+          </p:cNvSpPr>
           <p:nvPr>
             <p:ph type="ctrTitle"/>
           </p:nvPr>
@@ -9451,12 +9573,12 @@
           </a:effectLst>
         </p:spPr>
         <p:txBody>
-          <a:bodyPr anchorCtr="0" anchor="b" bIns="45700" lIns="91425" spcFirstLastPara="1" rIns="91425" wrap="square" tIns="45700">
+          <a:bodyPr spcFirstLastPara="1" wrap="square" lIns="91425" tIns="45700" rIns="91425" bIns="45700" anchor="b" anchorCtr="0">
             <a:noAutofit/>
           </a:bodyPr>
           <a:lstStyle/>
           <a:p>
-            <a:pPr indent="0" lvl="0" marL="0" rtl="0" algn="ctr">
+            <a:pPr marL="0" lvl="0" indent="0" algn="ctr" rtl="0">
               <a:spcBef>
                 <a:spcPts val="0"/>
               </a:spcBef>
@@ -9498,12 +9620,12 @@
           </a:ln>
         </p:spPr>
         <p:txBody>
-          <a:bodyPr anchorCtr="0" anchor="t" bIns="91425" lIns="91425" spcFirstLastPara="1" rIns="91425" wrap="square" tIns="91425">
+          <a:bodyPr spcFirstLastPara="1" wrap="square" lIns="91425" tIns="91425" rIns="91425" bIns="91425" anchor="t" anchorCtr="0">
             <a:noAutofit/>
           </a:bodyPr>
           <a:lstStyle/>
           <a:p>
-            <a:pPr indent="0" lvl="0" marL="0" rtl="0" algn="l">
+            <a:pPr marL="0" lvl="0" indent="0" algn="l" rtl="0">
               <a:spcBef>
                 <a:spcPts val="0"/>
               </a:spcBef>
@@ -9537,11 +9659,11 @@
 </file>
 
 <file path=ppt/slides/slide2.xml><?xml version="1.0" encoding="utf-8"?>
-<p:sld xmlns:a="http://schemas.openxmlformats.org/drawingml/2006/main" xmlns:r="http://schemas.openxmlformats.org/officeDocument/2006/relationships" xmlns:mc="http://schemas.openxmlformats.org/markup-compatibility/2006" xmlns:mv="urn:schemas-microsoft-com:mac:vml" xmlns:p="http://schemas.openxmlformats.org/presentationml/2006/main" xmlns:c="http://schemas.openxmlformats.org/drawingml/2006/chart" xmlns:dgm="http://schemas.openxmlformats.org/drawingml/2006/diagram" xmlns:o="urn:schemas-microsoft-com:office:office" xmlns:v="urn:schemas-microsoft-com:vml" xmlns:pvml="urn:schemas-microsoft-com:office:powerpoint" xmlns:com="http://schemas.openxmlformats.org/drawingml/2006/compatibility" xmlns:p14="http://schemas.microsoft.com/office/powerpoint/2010/main" xmlns:p15="http://schemas.microsoft.com/office/powerpoint/2012/main">
+<p:sld xmlns:a="http://schemas.openxmlformats.org/drawingml/2006/main" xmlns:r="http://schemas.openxmlformats.org/officeDocument/2006/relationships" xmlns:p="http://schemas.openxmlformats.org/presentationml/2006/main">
   <p:cSld>
     <p:spTree>
       <p:nvGrpSpPr>
-        <p:cNvPr id="101" name="Shape 101"/>
+        <p:cNvPr id="1" name="Shape 101"/>
         <p:cNvGrpSpPr/>
         <p:nvPr/>
       </p:nvGrpSpPr>
@@ -9556,9 +9678,11 @@
       <p:sp>
         <p:nvSpPr>
           <p:cNvPr id="102" name="Google Shape;102;p15"/>
-          <p:cNvSpPr txBox="1"/>
+          <p:cNvSpPr txBox="1">
+            <a:spLocks noGrp="1"/>
+          </p:cNvSpPr>
           <p:nvPr>
-            <p:ph idx="4294967295" type="title"/>
+            <p:ph type="title" idx="4294967295"/>
           </p:nvPr>
         </p:nvSpPr>
         <p:spPr>
@@ -9582,12 +9706,12 @@
           </a:effectLst>
         </p:spPr>
         <p:txBody>
-          <a:bodyPr anchorCtr="0" anchor="ctr" bIns="45700" lIns="91425" spcFirstLastPara="1" rIns="91425" wrap="square" tIns="45700">
+          <a:bodyPr spcFirstLastPara="1" wrap="square" lIns="91425" tIns="45700" rIns="91425" bIns="45700" anchor="ctr" anchorCtr="0">
             <a:noAutofit/>
           </a:bodyPr>
           <a:lstStyle/>
           <a:p>
-            <a:pPr indent="0" lvl="0" marL="0" rtl="0" algn="l">
+            <a:pPr marL="0" lvl="0" indent="0" algn="l" rtl="0">
               <a:spcBef>
                 <a:spcPts val="0"/>
               </a:spcBef>
@@ -9629,12 +9753,12 @@
           </a:ln>
         </p:spPr>
         <p:txBody>
-          <a:bodyPr anchorCtr="0" anchor="t" bIns="91425" lIns="91425" spcFirstLastPara="1" rIns="91425" wrap="square" tIns="91425">
+          <a:bodyPr spcFirstLastPara="1" wrap="square" lIns="91425" tIns="91425" rIns="91425" bIns="91425" anchor="t" anchorCtr="0">
             <a:noAutofit/>
           </a:bodyPr>
           <a:lstStyle/>
           <a:p>
-            <a:pPr indent="0" lvl="0" marL="36899" rtl="0" algn="l">
+            <a:pPr marL="36899" lvl="0" indent="0" algn="l" rtl="0">
               <a:lnSpc>
                 <a:spcPct val="115000"/>
               </a:lnSpc>
@@ -9669,7 +9793,7 @@
             </a:endParaRPr>
           </a:p>
           <a:p>
-            <a:pPr indent="0" lvl="0" marL="36899" rtl="0" algn="l">
+            <a:pPr marL="36899" lvl="0" indent="0" algn="l" rtl="0">
               <a:lnSpc>
                 <a:spcPct val="115000"/>
               </a:lnSpc>
@@ -9682,7 +9806,7 @@
               <a:buNone/>
             </a:pPr>
             <a:r>
-              <a:rPr b="1" lang="en-US" sz="2400">
+              <a:rPr lang="en-US" sz="2400" b="1">
                 <a:solidFill>
                   <a:schemeClr val="accent1"/>
                 </a:solidFill>
@@ -9693,7 +9817,7 @@
               </a:rPr>
               <a:t>Steps – Data Science (CRISP-DM) Process</a:t>
             </a:r>
-            <a:endParaRPr b="1" sz="2400">
+            <a:endParaRPr sz="2400" b="1">
               <a:solidFill>
                 <a:schemeClr val="accent1"/>
               </a:solidFill>
@@ -9704,7 +9828,7 @@
             </a:endParaRPr>
           </a:p>
           <a:p>
-            <a:pPr indent="-520700" lvl="0" marL="494099" rtl="0" algn="l">
+            <a:pPr marL="494099" lvl="0" indent="-520700" algn="l" rtl="0">
               <a:lnSpc>
                 <a:spcPct val="115000"/>
               </a:lnSpc>
@@ -9744,7 +9868,7 @@
             </a:endParaRPr>
           </a:p>
           <a:p>
-            <a:pPr indent="-520700" lvl="0" marL="494099" rtl="0" algn="l">
+            <a:pPr marL="494099" lvl="0" indent="-520700" algn="l" rtl="0">
               <a:lnSpc>
                 <a:spcPct val="115000"/>
               </a:lnSpc>
@@ -9784,7 +9908,7 @@
             </a:endParaRPr>
           </a:p>
           <a:p>
-            <a:pPr indent="-520700" lvl="0" marL="494099" rtl="0" algn="l">
+            <a:pPr marL="494099" lvl="0" indent="-520700" algn="l" rtl="0">
               <a:lnSpc>
                 <a:spcPct val="115000"/>
               </a:lnSpc>
@@ -9824,7 +9948,7 @@
             </a:endParaRPr>
           </a:p>
           <a:p>
-            <a:pPr indent="-520700" lvl="0" marL="494099" rtl="0" algn="l">
+            <a:pPr marL="494099" lvl="0" indent="-520700" algn="l" rtl="0">
               <a:lnSpc>
                 <a:spcPct val="115000"/>
               </a:lnSpc>
@@ -9864,7 +9988,7 @@
             </a:endParaRPr>
           </a:p>
           <a:p>
-            <a:pPr indent="-520700" lvl="0" marL="494099" rtl="0" algn="l">
+            <a:pPr marL="494099" lvl="0" indent="-520700" algn="l" rtl="0">
               <a:lnSpc>
                 <a:spcPct val="115000"/>
               </a:lnSpc>
@@ -9904,7 +10028,7 @@
             </a:endParaRPr>
           </a:p>
           <a:p>
-            <a:pPr indent="-520700" lvl="0" marL="494099" rtl="0" algn="l">
+            <a:pPr marL="494099" lvl="0" indent="-520700" algn="l" rtl="0">
               <a:lnSpc>
                 <a:spcPct val="115000"/>
               </a:lnSpc>
@@ -9954,11 +10078,11 @@
 </file>
 
 <file path=ppt/slides/slide3.xml><?xml version="1.0" encoding="utf-8"?>
-<p:sld xmlns:a="http://schemas.openxmlformats.org/drawingml/2006/main" xmlns:r="http://schemas.openxmlformats.org/officeDocument/2006/relationships" xmlns:mc="http://schemas.openxmlformats.org/markup-compatibility/2006" xmlns:mv="urn:schemas-microsoft-com:mac:vml" xmlns:p="http://schemas.openxmlformats.org/presentationml/2006/main" xmlns:c="http://schemas.openxmlformats.org/drawingml/2006/chart" xmlns:dgm="http://schemas.openxmlformats.org/drawingml/2006/diagram" xmlns:o="urn:schemas-microsoft-com:office:office" xmlns:v="urn:schemas-microsoft-com:vml" xmlns:pvml="urn:schemas-microsoft-com:office:powerpoint" xmlns:com="http://schemas.openxmlformats.org/drawingml/2006/compatibility" xmlns:p14="http://schemas.microsoft.com/office/powerpoint/2010/main" xmlns:p15="http://schemas.microsoft.com/office/powerpoint/2012/main">
+<p:sld xmlns:a="http://schemas.openxmlformats.org/drawingml/2006/main" xmlns:r="http://schemas.openxmlformats.org/officeDocument/2006/relationships" xmlns:p="http://schemas.openxmlformats.org/presentationml/2006/main">
   <p:cSld>
     <p:spTree>
       <p:nvGrpSpPr>
-        <p:cNvPr id="107" name="Shape 107"/>
+        <p:cNvPr id="1" name="Shape 107"/>
         <p:cNvGrpSpPr/>
         <p:nvPr/>
       </p:nvGrpSpPr>
@@ -9973,9 +10097,11 @@
       <p:sp>
         <p:nvSpPr>
           <p:cNvPr id="108" name="Google Shape;108;p16"/>
-          <p:cNvSpPr txBox="1"/>
+          <p:cNvSpPr txBox="1">
+            <a:spLocks noGrp="1"/>
+          </p:cNvSpPr>
           <p:nvPr>
-            <p:ph idx="4294967295" type="title"/>
+            <p:ph type="title" idx="4294967295"/>
           </p:nvPr>
         </p:nvSpPr>
         <p:spPr>
@@ -9999,12 +10125,12 @@
           </a:effectLst>
         </p:spPr>
         <p:txBody>
-          <a:bodyPr anchorCtr="0" anchor="ctr" bIns="45700" lIns="91425" spcFirstLastPara="1" rIns="91425" wrap="square" tIns="45700">
+          <a:bodyPr spcFirstLastPara="1" wrap="square" lIns="91425" tIns="45700" rIns="91425" bIns="45700" anchor="ctr" anchorCtr="0">
             <a:noAutofit/>
           </a:bodyPr>
           <a:lstStyle/>
           <a:p>
-            <a:pPr indent="0" lvl="0" marL="0" rtl="0" algn="l">
+            <a:pPr marL="0" lvl="0" indent="0" algn="l" rtl="0">
               <a:spcBef>
                 <a:spcPts val="0"/>
               </a:spcBef>
@@ -10029,9 +10155,11 @@
       <p:sp>
         <p:nvSpPr>
           <p:cNvPr id="109" name="Google Shape;109;p16"/>
-          <p:cNvSpPr txBox="1"/>
+          <p:cNvSpPr txBox="1">
+            <a:spLocks noGrp="1"/>
+          </p:cNvSpPr>
           <p:nvPr>
-            <p:ph idx="4294967295" type="body"/>
+            <p:ph type="body" idx="4294967295"/>
           </p:nvPr>
         </p:nvSpPr>
         <p:spPr>
@@ -10055,12 +10183,12 @@
           </a:effectLst>
         </p:spPr>
         <p:txBody>
-          <a:bodyPr anchorCtr="0" anchor="t" bIns="45700" lIns="91425" spcFirstLastPara="1" rIns="91425" wrap="square" tIns="45700">
+          <a:bodyPr spcFirstLastPara="1" wrap="square" lIns="91425" tIns="45700" rIns="91425" bIns="45700" anchor="t" anchorCtr="0">
             <a:noAutofit/>
           </a:bodyPr>
           <a:lstStyle/>
           <a:p>
-            <a:pPr indent="-520700" lvl="0" marL="494099" rtl="0" algn="l">
+            <a:pPr marL="494099" lvl="0" indent="-520700" algn="l" rtl="0">
               <a:spcBef>
                 <a:spcPts val="0"/>
               </a:spcBef>
@@ -10078,7 +10206,7 @@
             <a:endParaRPr sz="2400"/>
           </a:p>
           <a:p>
-            <a:pPr indent="-520700" lvl="0" marL="494099" rtl="0" algn="l">
+            <a:pPr marL="494099" lvl="0" indent="-520700" algn="l" rtl="0">
               <a:spcBef>
                 <a:spcPts val="0"/>
               </a:spcBef>
@@ -10091,20 +10219,12 @@
             </a:pPr>
             <a:r>
               <a:rPr lang="en-US" sz="2400"/>
-              <a:t>Query Data for Data </a:t>
-            </a:r>
-            <a:r>
-              <a:rPr lang="en-US" sz="2400"/>
-              <a:t>Understanding</a:t>
-            </a:r>
-            <a:r>
-              <a:rPr lang="en-US" sz="2400"/>
-              <a:t>/Relevant Information (Class 2) </a:t>
+              <a:t>Query Data for Data Understanding/Relevant Information (Class 2) </a:t>
             </a:r>
             <a:endParaRPr sz="2400"/>
           </a:p>
           <a:p>
-            <a:pPr indent="-520700" lvl="0" marL="494099" rtl="0" algn="l">
+            <a:pPr marL="494099" lvl="0" indent="-520700" algn="l" rtl="0">
               <a:spcBef>
                 <a:spcPts val="1000"/>
               </a:spcBef>
@@ -10117,20 +10237,12 @@
             </a:pPr>
             <a:r>
               <a:rPr lang="en-US" sz="2400"/>
-              <a:t>Import data into MySQL database</a:t>
-            </a:r>
-            <a:r>
-              <a:rPr lang="en-US" sz="2400"/>
-              <a:t>, clean data for analysis</a:t>
-            </a:r>
-            <a:r>
-              <a:rPr lang="en-US" sz="2400"/>
-              <a:t> (Class 3-4)</a:t>
+              <a:t>Import data into MySQL database, clean data for analysis (Class 3-4)</a:t>
             </a:r>
             <a:endParaRPr sz="2400"/>
           </a:p>
           <a:p>
-            <a:pPr indent="-520700" lvl="0" marL="494099" rtl="0" algn="l">
+            <a:pPr marL="494099" lvl="0" indent="-520700" algn="l" rtl="0">
               <a:spcBef>
                 <a:spcPts val="1000"/>
               </a:spcBef>
@@ -10148,7 +10260,7 @@
             <a:endParaRPr sz="2400"/>
           </a:p>
           <a:p>
-            <a:pPr indent="-520700" lvl="0" marL="494099" rtl="0" algn="l">
+            <a:pPr marL="494099" lvl="0" indent="-520700" algn="l" rtl="0">
               <a:spcBef>
                 <a:spcPts val="1000"/>
               </a:spcBef>
@@ -10166,7 +10278,7 @@
             <a:endParaRPr sz="2400"/>
           </a:p>
           <a:p>
-            <a:pPr indent="-520700" lvl="0" marL="494099" rtl="0" algn="l">
+            <a:pPr marL="494099" lvl="0" indent="-520700" algn="l" rtl="0">
               <a:spcBef>
                 <a:spcPts val="1000"/>
               </a:spcBef>
@@ -10184,7 +10296,7 @@
             <a:endParaRPr sz="2400"/>
           </a:p>
           <a:p>
-            <a:pPr indent="-520700" lvl="0" marL="494099" rtl="0" algn="l">
+            <a:pPr marL="494099" lvl="0" indent="-520700" algn="l" rtl="0">
               <a:spcBef>
                 <a:spcPts val="1000"/>
               </a:spcBef>
@@ -10212,11 +10324,11 @@
 </file>
 
 <file path=ppt/slides/slide4.xml><?xml version="1.0" encoding="utf-8"?>
-<p:sld xmlns:a="http://schemas.openxmlformats.org/drawingml/2006/main" xmlns:r="http://schemas.openxmlformats.org/officeDocument/2006/relationships" xmlns:mc="http://schemas.openxmlformats.org/markup-compatibility/2006" xmlns:mv="urn:schemas-microsoft-com:mac:vml" xmlns:p="http://schemas.openxmlformats.org/presentationml/2006/main" xmlns:c="http://schemas.openxmlformats.org/drawingml/2006/chart" xmlns:dgm="http://schemas.openxmlformats.org/drawingml/2006/diagram" xmlns:o="urn:schemas-microsoft-com:office:office" xmlns:v="urn:schemas-microsoft-com:vml" xmlns:pvml="urn:schemas-microsoft-com:office:powerpoint" xmlns:com="http://schemas.openxmlformats.org/drawingml/2006/compatibility" xmlns:p14="http://schemas.microsoft.com/office/powerpoint/2010/main" xmlns:p15="http://schemas.microsoft.com/office/powerpoint/2012/main">
+<p:sld xmlns:a="http://schemas.openxmlformats.org/drawingml/2006/main" xmlns:r="http://schemas.openxmlformats.org/officeDocument/2006/relationships" xmlns:p="http://schemas.openxmlformats.org/presentationml/2006/main">
   <p:cSld>
     <p:spTree>
       <p:nvGrpSpPr>
-        <p:cNvPr id="113" name="Shape 113"/>
+        <p:cNvPr id="1" name="Shape 113"/>
         <p:cNvGrpSpPr/>
         <p:nvPr/>
       </p:nvGrpSpPr>
@@ -10231,9 +10343,11 @@
       <p:sp>
         <p:nvSpPr>
           <p:cNvPr id="114" name="Google Shape;114;p17"/>
-          <p:cNvSpPr txBox="1"/>
+          <p:cNvSpPr txBox="1">
+            <a:spLocks noGrp="1"/>
+          </p:cNvSpPr>
           <p:nvPr>
-            <p:ph idx="4294967295" type="title"/>
+            <p:ph type="title" idx="4294967295"/>
           </p:nvPr>
         </p:nvSpPr>
         <p:spPr>
@@ -10257,12 +10371,12 @@
           </a:effectLst>
         </p:spPr>
         <p:txBody>
-          <a:bodyPr anchorCtr="0" anchor="ctr" bIns="45700" lIns="91425" spcFirstLastPara="1" rIns="91425" wrap="square" tIns="45700">
+          <a:bodyPr spcFirstLastPara="1" wrap="square" lIns="91425" tIns="45700" rIns="91425" bIns="45700" anchor="ctr" anchorCtr="0">
             <a:noAutofit/>
           </a:bodyPr>
           <a:lstStyle/>
           <a:p>
-            <a:pPr indent="0" lvl="0" marL="0" rtl="0" algn="l">
+            <a:pPr marL="0" lvl="0" indent="0" algn="l" rtl="0">
               <a:spcBef>
                 <a:spcPts val="0"/>
               </a:spcBef>
@@ -10287,9 +10401,11 @@
       <p:sp>
         <p:nvSpPr>
           <p:cNvPr id="115" name="Google Shape;115;p17"/>
-          <p:cNvSpPr txBox="1"/>
+          <p:cNvSpPr txBox="1">
+            <a:spLocks noGrp="1"/>
+          </p:cNvSpPr>
           <p:nvPr>
-            <p:ph idx="4294967295" type="body"/>
+            <p:ph type="body" idx="4294967295"/>
           </p:nvPr>
         </p:nvSpPr>
         <p:spPr>
@@ -10313,12 +10429,12 @@
           </a:effectLst>
         </p:spPr>
         <p:txBody>
-          <a:bodyPr anchorCtr="0" anchor="t" bIns="45700" lIns="91425" spcFirstLastPara="1" rIns="91425" wrap="square" tIns="45700">
+          <a:bodyPr spcFirstLastPara="1" wrap="square" lIns="91425" tIns="45700" rIns="91425" bIns="45700" anchor="t" anchorCtr="0">
             <a:noAutofit/>
           </a:bodyPr>
           <a:lstStyle/>
           <a:p>
-            <a:pPr indent="-369500" lvl="0" marL="342900" rtl="0" algn="l">
+            <a:pPr marL="342900" lvl="0" indent="-369500" algn="l" rtl="0">
               <a:spcBef>
                 <a:spcPts val="0"/>
               </a:spcBef>
@@ -10335,7 +10451,7 @@
             <a:endParaRPr sz="2400"/>
           </a:p>
           <a:p>
-            <a:pPr indent="-217100" lvl="0" marL="342900" rtl="0" algn="l">
+            <a:pPr marL="342900" lvl="0" indent="-217100" algn="l" rtl="0">
               <a:spcBef>
                 <a:spcPts val="1000"/>
               </a:spcBef>
@@ -10345,13 +10461,10 @@
               <a:buSzPts val="1400"/>
               <a:buNone/>
             </a:pPr>
-            <a:r>
-              <a:t/>
-            </a:r>
             <a:endParaRPr sz="2400"/>
           </a:p>
           <a:p>
-            <a:pPr indent="-369500" lvl="0" marL="342900" rtl="0" algn="l">
+            <a:pPr marL="342900" lvl="0" indent="-369500" algn="l" rtl="0">
               <a:spcBef>
                 <a:spcPts val="1000"/>
               </a:spcBef>
@@ -10368,7 +10481,7 @@
             <a:endParaRPr sz="2400"/>
           </a:p>
           <a:p>
-            <a:pPr indent="-342389" lvl="1" marL="719999" rtl="0" algn="l">
+            <a:pPr marL="719999" lvl="1" indent="-342389" algn="l" rtl="0">
               <a:spcBef>
                 <a:spcPts val="960"/>
               </a:spcBef>
@@ -10385,7 +10498,7 @@
             <a:endParaRPr sz="2400"/>
           </a:p>
           <a:p>
-            <a:pPr indent="-342389" lvl="1" marL="719999" rtl="0" algn="l">
+            <a:pPr marL="719999" lvl="1" indent="-342389" algn="l" rtl="0">
               <a:spcBef>
                 <a:spcPts val="960"/>
               </a:spcBef>
@@ -10402,7 +10515,7 @@
             <a:endParaRPr sz="2400"/>
           </a:p>
           <a:p>
-            <a:pPr indent="-342389" lvl="1" marL="719999" rtl="0" algn="l">
+            <a:pPr marL="719999" lvl="1" indent="-342389" algn="l" rtl="0">
               <a:spcBef>
                 <a:spcPts val="960"/>
               </a:spcBef>
@@ -10419,7 +10532,7 @@
             <a:endParaRPr sz="2400"/>
           </a:p>
           <a:p>
-            <a:pPr indent="-342389" lvl="1" marL="719999" rtl="0" algn="l">
+            <a:pPr marL="719999" lvl="1" indent="-342389" algn="l" rtl="0">
               <a:spcBef>
                 <a:spcPts val="960"/>
               </a:spcBef>
@@ -10436,7 +10549,7 @@
             <a:endParaRPr sz="2400"/>
           </a:p>
           <a:p>
-            <a:pPr indent="-342389" lvl="1" marL="719999" rtl="0" algn="l">
+            <a:pPr marL="719999" lvl="1" indent="-342389" algn="l" rtl="0">
               <a:spcBef>
                 <a:spcPts val="960"/>
               </a:spcBef>
@@ -10453,7 +10566,7 @@
             <a:endParaRPr sz="2400"/>
           </a:p>
           <a:p>
-            <a:pPr indent="-217100" lvl="0" marL="342900" rtl="0" algn="l">
+            <a:pPr marL="342900" lvl="0" indent="-217100" algn="l" rtl="0">
               <a:spcBef>
                 <a:spcPts val="1000"/>
               </a:spcBef>
@@ -10463,13 +10576,10 @@
               <a:buSzPts val="1400"/>
               <a:buNone/>
             </a:pPr>
-            <a:r>
-              <a:t/>
-            </a:r>
             <a:endParaRPr sz="2400"/>
           </a:p>
           <a:p>
-            <a:pPr indent="-217100" lvl="0" marL="342900" rtl="0" algn="l">
+            <a:pPr marL="342900" lvl="0" indent="-217100" algn="l" rtl="0">
               <a:spcBef>
                 <a:spcPts val="1000"/>
               </a:spcBef>
@@ -10479,9 +10589,6 @@
               <a:buSzPts val="1400"/>
               <a:buNone/>
             </a:pPr>
-            <a:r>
-              <a:t/>
-            </a:r>
             <a:endParaRPr/>
           </a:p>
         </p:txBody>
@@ -10495,11 +10602,11 @@
 </file>
 
 <file path=ppt/slides/slide5.xml><?xml version="1.0" encoding="utf-8"?>
-<p:sld xmlns:a="http://schemas.openxmlformats.org/drawingml/2006/main" xmlns:r="http://schemas.openxmlformats.org/officeDocument/2006/relationships" xmlns:mc="http://schemas.openxmlformats.org/markup-compatibility/2006" xmlns:mv="urn:schemas-microsoft-com:mac:vml" xmlns:p="http://schemas.openxmlformats.org/presentationml/2006/main" xmlns:c="http://schemas.openxmlformats.org/drawingml/2006/chart" xmlns:dgm="http://schemas.openxmlformats.org/drawingml/2006/diagram" xmlns:o="urn:schemas-microsoft-com:office:office" xmlns:v="urn:schemas-microsoft-com:vml" xmlns:pvml="urn:schemas-microsoft-com:office:powerpoint" xmlns:com="http://schemas.openxmlformats.org/drawingml/2006/compatibility" xmlns:p14="http://schemas.microsoft.com/office/powerpoint/2010/main" xmlns:p15="http://schemas.microsoft.com/office/powerpoint/2012/main">
+<p:sld xmlns:a="http://schemas.openxmlformats.org/drawingml/2006/main" xmlns:r="http://schemas.openxmlformats.org/officeDocument/2006/relationships" xmlns:p="http://schemas.openxmlformats.org/presentationml/2006/main">
   <p:cSld>
     <p:spTree>
       <p:nvGrpSpPr>
-        <p:cNvPr id="119" name="Shape 119"/>
+        <p:cNvPr id="1" name="Shape 119"/>
         <p:cNvGrpSpPr/>
         <p:nvPr/>
       </p:nvGrpSpPr>
@@ -10514,9 +10621,11 @@
       <p:sp>
         <p:nvSpPr>
           <p:cNvPr id="120" name="Google Shape;120;p18"/>
-          <p:cNvSpPr txBox="1"/>
+          <p:cNvSpPr txBox="1">
+            <a:spLocks noGrp="1"/>
+          </p:cNvSpPr>
           <p:nvPr>
-            <p:ph idx="4294967295" type="title"/>
+            <p:ph type="title" idx="4294967295"/>
           </p:nvPr>
         </p:nvSpPr>
         <p:spPr>
@@ -10540,12 +10649,12 @@
           </a:effectLst>
         </p:spPr>
         <p:txBody>
-          <a:bodyPr anchorCtr="0" anchor="ctr" bIns="45700" lIns="91425" spcFirstLastPara="1" rIns="91425" wrap="square" tIns="45700">
+          <a:bodyPr spcFirstLastPara="1" wrap="square" lIns="91425" tIns="45700" rIns="91425" bIns="45700" anchor="ctr" anchorCtr="0">
             <a:noAutofit/>
           </a:bodyPr>
           <a:lstStyle/>
           <a:p>
-            <a:pPr indent="0" lvl="0" marL="0" rtl="0" algn="l">
+            <a:pPr marL="0" lvl="0" indent="0" algn="l" rtl="0">
               <a:spcBef>
                 <a:spcPts val="0"/>
               </a:spcBef>
@@ -10587,12 +10696,12 @@
           </a:ln>
         </p:spPr>
         <p:txBody>
-          <a:bodyPr anchorCtr="0" anchor="t" bIns="91425" lIns="91425" spcFirstLastPara="1" rIns="91425" wrap="square" tIns="91425">
+          <a:bodyPr spcFirstLastPara="1" wrap="square" lIns="91425" tIns="91425" rIns="91425" bIns="91425" anchor="t" anchorCtr="0">
             <a:noAutofit/>
           </a:bodyPr>
           <a:lstStyle/>
           <a:p>
-            <a:pPr indent="-344100" lvl="0" marL="342900" rtl="0" algn="l">
+            <a:pPr marL="342900" lvl="0" indent="-344100" algn="l" rtl="0">
               <a:lnSpc>
                 <a:spcPct val="115000"/>
               </a:lnSpc>
@@ -10610,7 +10719,7 @@
               <a:buChar char="●"/>
             </a:pPr>
             <a:r>
-              <a:rPr b="1" lang="en-US" sz="2000">
+              <a:rPr lang="en-US" sz="2000" b="1">
                 <a:solidFill>
                   <a:schemeClr val="accent1"/>
                 </a:solidFill>
@@ -10621,7 +10730,7 @@
               </a:rPr>
               <a:t>Sales</a:t>
             </a:r>
-            <a:endParaRPr b="1" sz="2000">
+            <a:endParaRPr sz="2000" b="1">
               <a:solidFill>
                 <a:schemeClr val="accent1"/>
               </a:solidFill>
@@ -10632,7 +10741,7 @@
             </a:endParaRPr>
           </a:p>
           <a:p>
-            <a:pPr indent="-269999" lvl="1" marL="719999" rtl="0" algn="l">
+            <a:pPr marL="719999" lvl="1" indent="-269999" algn="l" rtl="0">
               <a:lnSpc>
                 <a:spcPct val="115000"/>
               </a:lnSpc>
@@ -10672,7 +10781,7 @@
             </a:endParaRPr>
           </a:p>
           <a:p>
-            <a:pPr indent="-269999" lvl="1" marL="719999" rtl="0" algn="l">
+            <a:pPr marL="719999" lvl="1" indent="-269999" algn="l" rtl="0">
               <a:lnSpc>
                 <a:spcPct val="115000"/>
               </a:lnSpc>
@@ -10712,7 +10821,7 @@
             </a:endParaRPr>
           </a:p>
           <a:p>
-            <a:pPr indent="-269999" lvl="1" marL="719999" rtl="0" algn="l">
+            <a:pPr marL="719999" lvl="1" indent="-269999" algn="l" rtl="0">
               <a:lnSpc>
                 <a:spcPct val="115000"/>
               </a:lnSpc>
@@ -10752,7 +10861,7 @@
             </a:endParaRPr>
           </a:p>
           <a:p>
-            <a:pPr indent="-344100" lvl="0" marL="342900" rtl="0" algn="l">
+            <a:pPr marL="342900" lvl="0" indent="-344100" algn="l" rtl="0">
               <a:lnSpc>
                 <a:spcPct val="115000"/>
               </a:lnSpc>
@@ -10770,7 +10879,7 @@
               <a:buChar char="●"/>
             </a:pPr>
             <a:r>
-              <a:rPr b="1" lang="en-US" sz="2000">
+              <a:rPr lang="en-US" sz="2000" b="1">
                 <a:solidFill>
                   <a:schemeClr val="accent1"/>
                 </a:solidFill>
@@ -10781,7 +10890,7 @@
               </a:rPr>
               <a:t>Operations</a:t>
             </a:r>
-            <a:endParaRPr b="1" sz="2000">
+            <a:endParaRPr sz="2000" b="1">
               <a:solidFill>
                 <a:schemeClr val="accent1"/>
               </a:solidFill>
@@ -10792,7 +10901,7 @@
             </a:endParaRPr>
           </a:p>
           <a:p>
-            <a:pPr indent="-269999" lvl="1" marL="719999" rtl="0" algn="l">
+            <a:pPr marL="719999" lvl="1" indent="-269999" algn="l" rtl="0">
               <a:lnSpc>
                 <a:spcPct val="115000"/>
               </a:lnSpc>
@@ -10832,7 +10941,7 @@
             </a:endParaRPr>
           </a:p>
           <a:p>
-            <a:pPr indent="-269999" lvl="1" marL="719999" rtl="0" algn="l">
+            <a:pPr marL="719999" lvl="1" indent="-269999" algn="l" rtl="0">
               <a:lnSpc>
                 <a:spcPct val="115000"/>
               </a:lnSpc>
@@ -10872,7 +10981,7 @@
             </a:endParaRPr>
           </a:p>
           <a:p>
-            <a:pPr indent="-344100" lvl="0" marL="342900" rtl="0" algn="l">
+            <a:pPr marL="342900" lvl="0" indent="-344100" algn="l" rtl="0">
               <a:lnSpc>
                 <a:spcPct val="115000"/>
               </a:lnSpc>
@@ -10890,7 +10999,7 @@
               <a:buChar char="●"/>
             </a:pPr>
             <a:r>
-              <a:rPr b="1" lang="en-US" sz="2000">
+              <a:rPr lang="en-US" sz="2000" b="1">
                 <a:solidFill>
                   <a:schemeClr val="accent1"/>
                 </a:solidFill>
@@ -10901,7 +11010,7 @@
               </a:rPr>
               <a:t>Financial Risk</a:t>
             </a:r>
-            <a:endParaRPr b="1" sz="2000">
+            <a:endParaRPr sz="2000" b="1">
               <a:solidFill>
                 <a:schemeClr val="accent1"/>
               </a:solidFill>
@@ -10912,7 +11021,7 @@
             </a:endParaRPr>
           </a:p>
           <a:p>
-            <a:pPr indent="-269999" lvl="1" marL="719999" rtl="0" algn="l">
+            <a:pPr marL="719999" lvl="1" indent="-269999" algn="l" rtl="0">
               <a:lnSpc>
                 <a:spcPct val="115000"/>
               </a:lnSpc>
@@ -10952,7 +11061,7 @@
             </a:endParaRPr>
           </a:p>
           <a:p>
-            <a:pPr indent="-269999" lvl="1" marL="719999" rtl="0" algn="l">
+            <a:pPr marL="719999" lvl="1" indent="-269999" algn="l" rtl="0">
               <a:lnSpc>
                 <a:spcPct val="115000"/>
               </a:lnSpc>
@@ -10994,11 +11103,11 @@
 </file>
 
 <file path=ppt/slides/slide6.xml><?xml version="1.0" encoding="utf-8"?>
-<p:sld xmlns:a="http://schemas.openxmlformats.org/drawingml/2006/main" xmlns:r="http://schemas.openxmlformats.org/officeDocument/2006/relationships" xmlns:mc="http://schemas.openxmlformats.org/markup-compatibility/2006" xmlns:mv="urn:schemas-microsoft-com:mac:vml" xmlns:p="http://schemas.openxmlformats.org/presentationml/2006/main" xmlns:c="http://schemas.openxmlformats.org/drawingml/2006/chart" xmlns:dgm="http://schemas.openxmlformats.org/drawingml/2006/diagram" xmlns:o="urn:schemas-microsoft-com:office:office" xmlns:v="urn:schemas-microsoft-com:vml" xmlns:pvml="urn:schemas-microsoft-com:office:powerpoint" xmlns:com="http://schemas.openxmlformats.org/drawingml/2006/compatibility" xmlns:p14="http://schemas.microsoft.com/office/powerpoint/2010/main" xmlns:p15="http://schemas.microsoft.com/office/powerpoint/2012/main">
+<p:sld xmlns:a="http://schemas.openxmlformats.org/drawingml/2006/main" xmlns:r="http://schemas.openxmlformats.org/officeDocument/2006/relationships" xmlns:p="http://schemas.openxmlformats.org/presentationml/2006/main">
   <p:cSld>
     <p:spTree>
       <p:nvGrpSpPr>
-        <p:cNvPr id="125" name="Shape 125"/>
+        <p:cNvPr id="1" name="Shape 125"/>
         <p:cNvGrpSpPr/>
         <p:nvPr/>
       </p:nvGrpSpPr>
@@ -11013,9 +11122,11 @@
       <p:sp>
         <p:nvSpPr>
           <p:cNvPr id="126" name="Google Shape;126;p19"/>
-          <p:cNvSpPr txBox="1"/>
+          <p:cNvSpPr txBox="1">
+            <a:spLocks noGrp="1"/>
+          </p:cNvSpPr>
           <p:nvPr>
-            <p:ph idx="4294967295" type="title"/>
+            <p:ph type="title" idx="4294967295"/>
           </p:nvPr>
         </p:nvSpPr>
         <p:spPr>
@@ -11039,12 +11150,12 @@
           </a:effectLst>
         </p:spPr>
         <p:txBody>
-          <a:bodyPr anchorCtr="0" anchor="ctr" bIns="45700" lIns="91425" spcFirstLastPara="1" rIns="91425" wrap="square" tIns="45700">
+          <a:bodyPr spcFirstLastPara="1" wrap="square" lIns="91425" tIns="45700" rIns="91425" bIns="45700" anchor="ctr" anchorCtr="0">
             <a:noAutofit/>
           </a:bodyPr>
           <a:lstStyle/>
           <a:p>
-            <a:pPr indent="0" lvl="0" marL="0" rtl="0" algn="l">
+            <a:pPr marL="0" lvl="0" indent="0" algn="l" rtl="0">
               <a:spcBef>
                 <a:spcPts val="0"/>
               </a:spcBef>
@@ -11079,13 +11190,25 @@
         <a:graphic>
           <a:graphicData uri="http://schemas.openxmlformats.org/drawingml/2006/table">
             <a:tbl>
-              <a:tblPr bandRow="1" firstRow="1">
+              <a:tblPr firstRow="1" bandRow="1">
                 <a:noFill/>
                 <a:tableStyleId>{04605F1C-1C62-4E54-987C-30B7F2B0ED2C}</a:tableStyleId>
               </a:tblPr>
               <a:tblGrid>
-                <a:gridCol w="3375750"/>
-                <a:gridCol w="6977400"/>
+                <a:gridCol w="3375750">
+                  <a:extLst>
+                    <a:ext uri="{9D8B030D-6E8A-4147-A177-3AD203B41FA5}">
+                      <a16:colId xmlns:a16="http://schemas.microsoft.com/office/drawing/2014/main" val="20000"/>
+                    </a:ext>
+                  </a:extLst>
+                </a:gridCol>
+                <a:gridCol w="6977400">
+                  <a:extLst>
+                    <a:ext uri="{9D8B030D-6E8A-4147-A177-3AD203B41FA5}">
+                      <a16:colId xmlns:a16="http://schemas.microsoft.com/office/drawing/2014/main" val="20001"/>
+                    </a:ext>
+                  </a:extLst>
+                </a:gridCol>
               </a:tblGrid>
               <a:tr h="380425">
                 <a:tc>
@@ -11093,7 +11216,7 @@
                     <a:bodyPr/>
                     <a:lstStyle/>
                     <a:p>
-                      <a:pPr indent="0" lvl="0" marL="0" marR="0" rtl="0" algn="l">
+                      <a:pPr marL="0" marR="0" lvl="0" indent="0" algn="l" rtl="0">
                         <a:spcBef>
                           <a:spcPts val="0"/>
                         </a:spcBef>
@@ -11102,20 +11225,17 @@
                         </a:spcAft>
                         <a:buNone/>
                       </a:pPr>
-                      <a:r>
-                        <a:t/>
-                      </a:r>
                       <a:endParaRPr sz="1800"/>
                     </a:p>
                   </a:txBody>
-                  <a:tcPr marT="45725" marB="45725" marR="91450" marL="91450"/>
+                  <a:tcPr marL="91450" marR="91450" marT="45725" marB="45725"/>
                 </a:tc>
                 <a:tc>
                   <a:txBody>
                     <a:bodyPr/>
                     <a:lstStyle/>
                     <a:p>
-                      <a:pPr indent="0" lvl="0" marL="0" marR="0" rtl="0" algn="l">
+                      <a:pPr marL="0" marR="0" lvl="0" indent="0" algn="l" rtl="0">
                         <a:spcBef>
                           <a:spcPts val="0"/>
                         </a:spcBef>
@@ -11131,8 +11251,13 @@
                       <a:endParaRPr/>
                     </a:p>
                   </a:txBody>
-                  <a:tcPr marT="45725" marB="45725" marR="91450" marL="91450"/>
+                  <a:tcPr marL="91450" marR="91450" marT="45725" marB="45725"/>
                 </a:tc>
+                <a:extLst>
+                  <a:ext uri="{0D108BD9-81ED-4DB2-BD59-A6C34878D82A}">
+                    <a16:rowId xmlns:a16="http://schemas.microsoft.com/office/drawing/2014/main" val="10000"/>
+                  </a:ext>
+                </a:extLst>
               </a:tr>
               <a:tr h="951400">
                 <a:tc>
@@ -11140,7 +11265,7 @@
                     <a:bodyPr/>
                     <a:lstStyle/>
                     <a:p>
-                      <a:pPr indent="0" lvl="0" marL="0" marR="0" rtl="0" algn="l">
+                      <a:pPr marL="0" marR="0" lvl="0" indent="0" algn="l" rtl="0">
                         <a:spcBef>
                           <a:spcPts val="0"/>
                         </a:spcBef>
@@ -11164,14 +11289,14 @@
                       </a:endParaRPr>
                     </a:p>
                   </a:txBody>
-                  <a:tcPr marT="45725" marB="45725" marR="91450" marL="91450"/>
+                  <a:tcPr marL="91450" marR="91450" marT="45725" marB="45725"/>
                 </a:tc>
                 <a:tc>
                   <a:txBody>
                     <a:bodyPr/>
                     <a:lstStyle/>
                     <a:p>
-                      <a:pPr indent="0" lvl="0" marL="0" marR="0" rtl="0" algn="l">
+                      <a:pPr marL="0" marR="0" lvl="0" indent="0" algn="l" rtl="0">
                         <a:spcBef>
                           <a:spcPts val="0"/>
                         </a:spcBef>
@@ -11195,7 +11320,7 @@
                       </a:endParaRPr>
                     </a:p>
                     <a:p>
-                      <a:pPr indent="0" lvl="0" marL="0" marR="0" rtl="0" algn="l">
+                      <a:pPr marL="0" marR="0" lvl="0" indent="0" algn="l" rtl="0">
                         <a:spcBef>
                           <a:spcPts val="0"/>
                         </a:spcBef>
@@ -11219,7 +11344,7 @@
                       </a:endParaRPr>
                     </a:p>
                     <a:p>
-                      <a:pPr indent="0" lvl="0" marL="0" marR="0" rtl="0" algn="l">
+                      <a:pPr marL="0" marR="0" lvl="0" indent="0" algn="l" rtl="0">
                         <a:spcBef>
                           <a:spcPts val="0"/>
                         </a:spcBef>
@@ -11243,8 +11368,13 @@
                       </a:endParaRPr>
                     </a:p>
                   </a:txBody>
-                  <a:tcPr marT="45725" marB="45725" marR="91450" marL="91450"/>
+                  <a:tcPr marL="91450" marR="91450" marT="45725" marB="45725"/>
                 </a:tc>
+                <a:extLst>
+                  <a:ext uri="{0D108BD9-81ED-4DB2-BD59-A6C34878D82A}">
+                    <a16:rowId xmlns:a16="http://schemas.microsoft.com/office/drawing/2014/main" val="10001"/>
+                  </a:ext>
+                </a:extLst>
               </a:tr>
               <a:tr h="683575">
                 <a:tc>
@@ -11252,7 +11382,7 @@
                     <a:bodyPr/>
                     <a:lstStyle/>
                     <a:p>
-                      <a:pPr indent="0" lvl="0" marL="0" marR="0" rtl="0" algn="l">
+                      <a:pPr marL="0" marR="0" lvl="0" indent="0" algn="l" rtl="0">
                         <a:spcBef>
                           <a:spcPts val="0"/>
                         </a:spcBef>
@@ -11276,14 +11406,14 @@
                       </a:endParaRPr>
                     </a:p>
                   </a:txBody>
-                  <a:tcPr marT="45725" marB="45725" marR="91450" marL="91450"/>
+                  <a:tcPr marL="91450" marR="91450" marT="45725" marB="45725"/>
                 </a:tc>
                 <a:tc>
                   <a:txBody>
                     <a:bodyPr/>
                     <a:lstStyle/>
                     <a:p>
-                      <a:pPr indent="0" lvl="0" marL="0" marR="0" rtl="0" algn="l">
+                      <a:pPr marL="0" marR="0" lvl="0" indent="0" algn="l" rtl="0">
                         <a:spcBef>
                           <a:spcPts val="0"/>
                         </a:spcBef>
@@ -11307,7 +11437,7 @@
                       </a:endParaRPr>
                     </a:p>
                     <a:p>
-                      <a:pPr indent="0" lvl="0" marL="0" marR="0" rtl="0" algn="l">
+                      <a:pPr marL="0" marR="0" lvl="0" indent="0" algn="l" rtl="0">
                         <a:spcBef>
                           <a:spcPts val="0"/>
                         </a:spcBef>
@@ -11331,8 +11461,13 @@
                       </a:endParaRPr>
                     </a:p>
                   </a:txBody>
-                  <a:tcPr marT="45725" marB="45725" marR="91450" marL="91450"/>
+                  <a:tcPr marL="91450" marR="91450" marT="45725" marB="45725"/>
                 </a:tc>
+                <a:extLst>
+                  <a:ext uri="{0D108BD9-81ED-4DB2-BD59-A6C34878D82A}">
+                    <a16:rowId xmlns:a16="http://schemas.microsoft.com/office/drawing/2014/main" val="10002"/>
+                  </a:ext>
+                </a:extLst>
               </a:tr>
               <a:tr h="380425">
                 <a:tc>
@@ -11340,7 +11475,7 @@
                     <a:bodyPr/>
                     <a:lstStyle/>
                     <a:p>
-                      <a:pPr indent="0" lvl="0" marL="0" marR="0" rtl="0" algn="l">
+                      <a:pPr marL="0" marR="0" lvl="0" indent="0" algn="l" rtl="0">
                         <a:spcBef>
                           <a:spcPts val="0"/>
                         </a:spcBef>
@@ -11364,14 +11499,14 @@
                       </a:endParaRPr>
                     </a:p>
                   </a:txBody>
-                  <a:tcPr marT="45725" marB="45725" marR="91450" marL="91450"/>
+                  <a:tcPr marL="91450" marR="91450" marT="45725" marB="45725"/>
                 </a:tc>
                 <a:tc>
                   <a:txBody>
                     <a:bodyPr/>
                     <a:lstStyle/>
                     <a:p>
-                      <a:pPr indent="0" lvl="0" marL="0" marR="0" rtl="0" algn="l">
+                      <a:pPr marL="0" marR="0" lvl="0" indent="0" algn="l" rtl="0">
                         <a:spcBef>
                           <a:spcPts val="0"/>
                         </a:spcBef>
@@ -11395,7 +11530,7 @@
                       </a:endParaRPr>
                     </a:p>
                     <a:p>
-                      <a:pPr indent="0" lvl="0" marL="0" marR="0" rtl="0" algn="l">
+                      <a:pPr marL="0" marR="0" lvl="0" indent="0" algn="l" rtl="0">
                         <a:spcBef>
                           <a:spcPts val="0"/>
                         </a:spcBef>
@@ -11419,7 +11554,7 @@
                       </a:endParaRPr>
                     </a:p>
                     <a:p>
-                      <a:pPr indent="0" lvl="0" marL="0" marR="0" rtl="0" algn="l">
+                      <a:pPr marL="0" marR="0" lvl="0" indent="0" algn="l" rtl="0">
                         <a:spcBef>
                           <a:spcPts val="0"/>
                         </a:spcBef>
@@ -11443,8 +11578,13 @@
                       </a:endParaRPr>
                     </a:p>
                   </a:txBody>
-                  <a:tcPr marT="45725" marB="45725" marR="91450" marL="91450"/>
+                  <a:tcPr marL="91450" marR="91450" marT="45725" marB="45725"/>
                 </a:tc>
+                <a:extLst>
+                  <a:ext uri="{0D108BD9-81ED-4DB2-BD59-A6C34878D82A}">
+                    <a16:rowId xmlns:a16="http://schemas.microsoft.com/office/drawing/2014/main" val="10003"/>
+                  </a:ext>
+                </a:extLst>
               </a:tr>
               <a:tr h="380425">
                 <a:tc>
@@ -11452,7 +11592,7 @@
                     <a:bodyPr/>
                     <a:lstStyle/>
                     <a:p>
-                      <a:pPr indent="0" lvl="0" marL="0" marR="0" rtl="0" algn="l">
+                      <a:pPr marL="0" marR="0" lvl="0" indent="0" algn="l" rtl="0">
                         <a:spcBef>
                           <a:spcPts val="0"/>
                         </a:spcBef>
@@ -11476,14 +11616,14 @@
                       </a:endParaRPr>
                     </a:p>
                   </a:txBody>
-                  <a:tcPr marT="45725" marB="45725" marR="91450" marL="91450"/>
+                  <a:tcPr marL="91450" marR="91450" marT="45725" marB="45725"/>
                 </a:tc>
                 <a:tc>
                   <a:txBody>
                     <a:bodyPr/>
                     <a:lstStyle/>
                     <a:p>
-                      <a:pPr indent="0" lvl="0" marL="0" marR="0" rtl="0" algn="l">
+                      <a:pPr marL="0" marR="0" lvl="0" indent="0" algn="l" rtl="0">
                         <a:spcBef>
                           <a:spcPts val="0"/>
                         </a:spcBef>
@@ -11507,7 +11647,7 @@
                       </a:endParaRPr>
                     </a:p>
                     <a:p>
-                      <a:pPr indent="0" lvl="0" marL="0" marR="0" rtl="0" algn="l">
+                      <a:pPr marL="0" marR="0" lvl="0" indent="0" algn="l" rtl="0">
                         <a:spcBef>
                           <a:spcPts val="0"/>
                         </a:spcBef>
@@ -11531,8 +11671,13 @@
                       </a:endParaRPr>
                     </a:p>
                   </a:txBody>
-                  <a:tcPr marT="45725" marB="45725" marR="91450" marL="91450"/>
+                  <a:tcPr marL="91450" marR="91450" marT="45725" marB="45725"/>
                 </a:tc>
+                <a:extLst>
+                  <a:ext uri="{0D108BD9-81ED-4DB2-BD59-A6C34878D82A}">
+                    <a16:rowId xmlns:a16="http://schemas.microsoft.com/office/drawing/2014/main" val="10004"/>
+                  </a:ext>
+                </a:extLst>
               </a:tr>
               <a:tr h="380425">
                 <a:tc>
@@ -11540,7 +11685,7 @@
                     <a:bodyPr/>
                     <a:lstStyle/>
                     <a:p>
-                      <a:pPr indent="0" lvl="0" marL="0" marR="0" rtl="0" algn="l">
+                      <a:pPr marL="0" marR="0" lvl="0" indent="0" algn="l" rtl="0">
                         <a:spcBef>
                           <a:spcPts val="0"/>
                         </a:spcBef>
@@ -11564,14 +11709,14 @@
                       </a:endParaRPr>
                     </a:p>
                   </a:txBody>
-                  <a:tcPr marT="45725" marB="45725" marR="91450" marL="91450"/>
+                  <a:tcPr marL="91450" marR="91450" marT="45725" marB="45725"/>
                 </a:tc>
                 <a:tc>
                   <a:txBody>
                     <a:bodyPr/>
                     <a:lstStyle/>
                     <a:p>
-                      <a:pPr indent="0" lvl="0" marL="0" marR="0" rtl="0" algn="l">
+                      <a:pPr marL="0" marR="0" lvl="0" indent="0" algn="l" rtl="0">
                         <a:spcBef>
                           <a:spcPts val="0"/>
                         </a:spcBef>
@@ -11595,8 +11740,13 @@
                       </a:endParaRPr>
                     </a:p>
                   </a:txBody>
-                  <a:tcPr marT="45725" marB="45725" marR="91450" marL="91450"/>
+                  <a:tcPr marL="91450" marR="91450" marT="45725" marB="45725"/>
                 </a:tc>
+                <a:extLst>
+                  <a:ext uri="{0D108BD9-81ED-4DB2-BD59-A6C34878D82A}">
+                    <a16:rowId xmlns:a16="http://schemas.microsoft.com/office/drawing/2014/main" val="10005"/>
+                  </a:ext>
+                </a:extLst>
               </a:tr>
               <a:tr h="380425">
                 <a:tc>
@@ -11604,7 +11754,7 @@
                     <a:bodyPr/>
                     <a:lstStyle/>
                     <a:p>
-                      <a:pPr indent="0" lvl="0" marL="0" marR="0" rtl="0" algn="l">
+                      <a:pPr marL="0" marR="0" lvl="0" indent="0" algn="l" rtl="0">
                         <a:spcBef>
                           <a:spcPts val="0"/>
                         </a:spcBef>
@@ -11628,14 +11778,14 @@
                       </a:endParaRPr>
                     </a:p>
                   </a:txBody>
-                  <a:tcPr marT="45725" marB="45725" marR="91450" marL="91450"/>
+                  <a:tcPr marL="91450" marR="91450" marT="45725" marB="45725"/>
                 </a:tc>
                 <a:tc>
                   <a:txBody>
                     <a:bodyPr/>
                     <a:lstStyle/>
                     <a:p>
-                      <a:pPr indent="0" lvl="0" marL="0" marR="0" rtl="0" algn="l">
+                      <a:pPr marL="0" marR="0" lvl="0" indent="0" algn="l" rtl="0">
                         <a:spcBef>
                           <a:spcPts val="0"/>
                         </a:spcBef>
@@ -11659,8 +11809,13 @@
                       </a:endParaRPr>
                     </a:p>
                   </a:txBody>
-                  <a:tcPr marT="45725" marB="45725" marR="91450" marL="91450"/>
+                  <a:tcPr marL="91450" marR="91450" marT="45725" marB="45725"/>
                 </a:tc>
+                <a:extLst>
+                  <a:ext uri="{0D108BD9-81ED-4DB2-BD59-A6C34878D82A}">
+                    <a16:rowId xmlns:a16="http://schemas.microsoft.com/office/drawing/2014/main" val="10006"/>
+                  </a:ext>
+                </a:extLst>
               </a:tr>
             </a:tbl>
           </a:graphicData>
@@ -11675,11 +11830,11 @@
 </file>
 
 <file path=ppt/slides/slide7.xml><?xml version="1.0" encoding="utf-8"?>
-<p:sld xmlns:a="http://schemas.openxmlformats.org/drawingml/2006/main" xmlns:r="http://schemas.openxmlformats.org/officeDocument/2006/relationships" xmlns:mc="http://schemas.openxmlformats.org/markup-compatibility/2006" xmlns:mv="urn:schemas-microsoft-com:mac:vml" xmlns:p="http://schemas.openxmlformats.org/presentationml/2006/main" xmlns:c="http://schemas.openxmlformats.org/drawingml/2006/chart" xmlns:dgm="http://schemas.openxmlformats.org/drawingml/2006/diagram" xmlns:o="urn:schemas-microsoft-com:office:office" xmlns:v="urn:schemas-microsoft-com:vml" xmlns:pvml="urn:schemas-microsoft-com:office:powerpoint" xmlns:com="http://schemas.openxmlformats.org/drawingml/2006/compatibility" xmlns:p14="http://schemas.microsoft.com/office/powerpoint/2010/main" xmlns:p15="http://schemas.microsoft.com/office/powerpoint/2012/main">
+<p:sld xmlns:a="http://schemas.openxmlformats.org/drawingml/2006/main" xmlns:r="http://schemas.openxmlformats.org/officeDocument/2006/relationships" xmlns:p="http://schemas.openxmlformats.org/presentationml/2006/main">
   <p:cSld>
     <p:spTree>
       <p:nvGrpSpPr>
-        <p:cNvPr id="131" name="Shape 131"/>
+        <p:cNvPr id="1" name="Shape 131"/>
         <p:cNvGrpSpPr/>
         <p:nvPr/>
       </p:nvGrpSpPr>
@@ -11694,7 +11849,9 @@
       <p:sp>
         <p:nvSpPr>
           <p:cNvPr id="132" name="Google Shape;132;p20"/>
-          <p:cNvSpPr txBox="1"/>
+          <p:cNvSpPr txBox="1">
+            <a:spLocks noGrp="1"/>
+          </p:cNvSpPr>
           <p:nvPr>
             <p:ph type="ctrTitle"/>
           </p:nvPr>
@@ -11720,12 +11877,12 @@
           </a:effectLst>
         </p:spPr>
         <p:txBody>
-          <a:bodyPr anchorCtr="0" anchor="ctr" bIns="45700" lIns="91425" spcFirstLastPara="1" rIns="91425" wrap="square" tIns="45700">
+          <a:bodyPr spcFirstLastPara="1" wrap="square" lIns="91425" tIns="45700" rIns="91425" bIns="45700" anchor="ctr" anchorCtr="0">
             <a:noAutofit/>
           </a:bodyPr>
           <a:lstStyle/>
           <a:p>
-            <a:pPr indent="0" lvl="0" marL="0" rtl="0" algn="l">
+            <a:pPr marL="0" lvl="0" indent="0" algn="l" rtl="0">
               <a:spcBef>
                 <a:spcPts val="0"/>
               </a:spcBef>
@@ -11740,10 +11897,10 @@
               <a:buNone/>
             </a:pPr>
             <a:r>
-              <a:rPr lang="en-US" sz="3600"/>
+              <a:rPr lang="en-US" sz="3600" dirty="0"/>
               <a:t>Class Project - Problem Understanding &amp; Goal</a:t>
             </a:r>
-            <a:endParaRPr sz="3600"/>
+            <a:endParaRPr sz="3600" dirty="0"/>
           </a:p>
         </p:txBody>
       </p:sp>
@@ -11767,12 +11924,12 @@
           </a:ln>
         </p:spPr>
         <p:txBody>
-          <a:bodyPr anchorCtr="0" anchor="t" bIns="91425" lIns="91425" spcFirstLastPara="1" rIns="91425" wrap="square" tIns="91425">
+          <a:bodyPr spcFirstLastPara="1" wrap="square" lIns="91425" tIns="91425" rIns="91425" bIns="91425" anchor="t" anchorCtr="0">
             <a:noAutofit/>
           </a:bodyPr>
           <a:lstStyle/>
           <a:p>
-            <a:pPr indent="0" lvl="0" marL="0" rtl="0" algn="l">
+            <a:pPr marL="0" lvl="0" indent="0" algn="l" rtl="0">
               <a:lnSpc>
                 <a:spcPct val="80000"/>
               </a:lnSpc>
@@ -11785,7 +11942,7 @@
               <a:buNone/>
             </a:pPr>
             <a:r>
-              <a:rPr b="1" lang="en-US" sz="1800" u="sng">
+              <a:rPr lang="en-US" sz="1800" b="1" u="sng" dirty="0">
                 <a:solidFill>
                   <a:schemeClr val="accent1"/>
                 </a:solidFill>
@@ -11797,7 +11954,7 @@
               <a:t>Tonight’s Project Steps</a:t>
             </a:r>
             <a:r>
-              <a:rPr b="1" lang="en-US" sz="1800">
+              <a:rPr lang="en-US" sz="1800" b="1" dirty="0">
                 <a:solidFill>
                   <a:schemeClr val="accent1"/>
                 </a:solidFill>
@@ -11808,7 +11965,7 @@
               </a:rPr>
               <a:t>:  </a:t>
             </a:r>
-            <a:endParaRPr b="1" sz="1800">
+            <a:endParaRPr sz="1800" b="1" dirty="0">
               <a:solidFill>
                 <a:schemeClr val="accent1"/>
               </a:solidFill>
@@ -11819,7 +11976,7 @@
             </a:endParaRPr>
           </a:p>
           <a:p>
-            <a:pPr indent="0" lvl="0" marL="0" rtl="0" algn="l">
+            <a:pPr marL="0" lvl="0" indent="0" algn="l" rtl="0">
               <a:lnSpc>
                 <a:spcPct val="80000"/>
               </a:lnSpc>
@@ -11832,7 +11989,7 @@
               <a:buNone/>
             </a:pPr>
             <a:r>
-              <a:rPr b="1" lang="en-US" sz="1800">
+              <a:rPr lang="en-US" sz="1800" b="1" dirty="0">
                 <a:solidFill>
                   <a:schemeClr val="accent1"/>
                 </a:solidFill>
@@ -11843,7 +12000,7 @@
               </a:rPr>
               <a:t>Step 1) Navigate to “Class Project\consoles” folder</a:t>
             </a:r>
-            <a:endParaRPr b="1" sz="1800">
+            <a:endParaRPr sz="1800" b="1" dirty="0">
               <a:solidFill>
                 <a:schemeClr val="accent1"/>
               </a:solidFill>
@@ -11854,7 +12011,7 @@
             </a:endParaRPr>
           </a:p>
           <a:p>
-            <a:pPr indent="0" lvl="0" marL="0" rtl="0" algn="l">
+            <a:pPr marL="0" lvl="0" indent="0" algn="l" rtl="0">
               <a:lnSpc>
                 <a:spcPct val="80000"/>
               </a:lnSpc>
@@ -11866,10 +12023,7 @@
               </a:spcAft>
               <a:buNone/>
             </a:pPr>
-            <a:r>
-              <a:t/>
-            </a:r>
-            <a:endParaRPr b="1" sz="1800">
+            <a:endParaRPr sz="1800" b="1" dirty="0">
               <a:solidFill>
                 <a:schemeClr val="accent1"/>
               </a:solidFill>
@@ -11880,7 +12034,7 @@
             </a:endParaRPr>
           </a:p>
           <a:p>
-            <a:pPr indent="0" lvl="0" marL="0" rtl="0" algn="l">
+            <a:pPr marL="0" lvl="0" indent="0" algn="l" rtl="0">
               <a:lnSpc>
                 <a:spcPct val="80000"/>
               </a:lnSpc>
@@ -11893,7 +12047,7 @@
               <a:buNone/>
             </a:pPr>
             <a:r>
-              <a:rPr b="1" lang="en-US" sz="1800">
+              <a:rPr lang="en-US" sz="1800" b="1" dirty="0">
                 <a:solidFill>
                   <a:schemeClr val="accent1"/>
                 </a:solidFill>
@@ -11902,9 +12056,33 @@
                 <a:cs typeface="Lato"/>
                 <a:sym typeface="Lato"/>
               </a:rPr>
-              <a:t>Step 2) Open the “console_games_import.sql” file</a:t>
+              <a:t>Step 2) Open the “</a:t>
             </a:r>
-            <a:endParaRPr b="1" sz="1800">
+            <a:r>
+              <a:rPr lang="en-US" sz="1800" b="1" dirty="0" err="1">
+                <a:solidFill>
+                  <a:schemeClr val="accent1"/>
+                </a:solidFill>
+                <a:latin typeface="Lato"/>
+                <a:ea typeface="Lato"/>
+                <a:cs typeface="Lato"/>
+                <a:sym typeface="Lato"/>
+              </a:rPr>
+              <a:t>console_games_import.sql</a:t>
+            </a:r>
+            <a:r>
+              <a:rPr lang="en-US" sz="1800" b="1" dirty="0">
+                <a:solidFill>
+                  <a:schemeClr val="accent1"/>
+                </a:solidFill>
+                <a:latin typeface="Lato"/>
+                <a:ea typeface="Lato"/>
+                <a:cs typeface="Lato"/>
+                <a:sym typeface="Lato"/>
+              </a:rPr>
+              <a:t>” file</a:t>
+            </a:r>
+            <a:endParaRPr sz="1800" b="1" dirty="0">
               <a:solidFill>
                 <a:schemeClr val="accent1"/>
               </a:solidFill>
@@ -11915,7 +12093,7 @@
             </a:endParaRPr>
           </a:p>
           <a:p>
-            <a:pPr indent="0" lvl="0" marL="0" rtl="0" algn="l">
+            <a:pPr marL="0" lvl="0" indent="0" algn="l" rtl="0">
               <a:lnSpc>
                 <a:spcPct val="80000"/>
               </a:lnSpc>
@@ -11927,10 +12105,7 @@
               </a:spcAft>
               <a:buNone/>
             </a:pPr>
-            <a:r>
-              <a:t/>
-            </a:r>
-            <a:endParaRPr b="1" sz="1800">
+            <a:endParaRPr sz="1800" b="1" dirty="0">
               <a:solidFill>
                 <a:schemeClr val="accent1"/>
               </a:solidFill>
@@ -11941,7 +12116,7 @@
             </a:endParaRPr>
           </a:p>
           <a:p>
-            <a:pPr indent="0" lvl="0" marL="0" rtl="0" algn="l">
+            <a:pPr marL="0" lvl="0" indent="0" algn="l" rtl="0">
               <a:lnSpc>
                 <a:spcPct val="80000"/>
               </a:lnSpc>
@@ -11954,7 +12129,7 @@
               <a:buNone/>
             </a:pPr>
             <a:r>
-              <a:rPr b="1" lang="en-US" sz="1800">
+              <a:rPr lang="en-US" sz="1800" b="1" dirty="0">
                 <a:solidFill>
                   <a:schemeClr val="accent1"/>
                 </a:solidFill>
@@ -11965,7 +12140,7 @@
               </a:rPr>
               <a:t>Step 3) Read and execute directions in file</a:t>
             </a:r>
-            <a:endParaRPr b="1" sz="1800">
+            <a:endParaRPr sz="1800" b="1" dirty="0">
               <a:solidFill>
                 <a:schemeClr val="accent1"/>
               </a:solidFill>
@@ -11976,7 +12151,7 @@
             </a:endParaRPr>
           </a:p>
           <a:p>
-            <a:pPr indent="0" lvl="0" marL="0" rtl="0" algn="l">
+            <a:pPr marL="0" lvl="0" indent="0" algn="l" rtl="0">
               <a:lnSpc>
                 <a:spcPct val="80000"/>
               </a:lnSpc>
@@ -11988,10 +12163,7 @@
               </a:spcAft>
               <a:buNone/>
             </a:pPr>
-            <a:r>
-              <a:t/>
-            </a:r>
-            <a:endParaRPr b="1" sz="1800">
+            <a:endParaRPr sz="1800" b="1" dirty="0">
               <a:solidFill>
                 <a:schemeClr val="accent1"/>
               </a:solidFill>
@@ -12002,7 +12174,7 @@
             </a:endParaRPr>
           </a:p>
           <a:p>
-            <a:pPr indent="0" lvl="0" marL="0" marR="0" rtl="0" algn="l">
+            <a:pPr marL="0" marR="0" lvl="0" indent="0" algn="l" rtl="0">
               <a:lnSpc>
                 <a:spcPct val="80000"/>
               </a:lnSpc>
@@ -12014,10 +12186,7 @@
               </a:spcAft>
               <a:buNone/>
             </a:pPr>
-            <a:r>
-              <a:t/>
-            </a:r>
-            <a:endParaRPr/>
+            <a:endParaRPr dirty="0"/>
           </a:p>
         </p:txBody>
       </p:sp>
@@ -12041,12 +12210,12 @@
           </a:ln>
         </p:spPr>
         <p:txBody>
-          <a:bodyPr anchorCtr="0" anchor="t" bIns="91425" lIns="91425" spcFirstLastPara="1" rIns="91425" wrap="square" tIns="91425">
+          <a:bodyPr spcFirstLastPara="1" wrap="square" lIns="91425" tIns="91425" rIns="91425" bIns="91425" anchor="t" anchorCtr="0">
             <a:noAutofit/>
           </a:bodyPr>
           <a:lstStyle/>
           <a:p>
-            <a:pPr indent="0" lvl="0" marL="0" rtl="0" algn="l">
+            <a:pPr marL="0" lvl="0" indent="0" algn="l" rtl="0">
               <a:lnSpc>
                 <a:spcPct val="80000"/>
               </a:lnSpc>
@@ -12059,7 +12228,7 @@
               <a:buNone/>
             </a:pPr>
             <a:r>
-              <a:rPr b="1" lang="en-US" sz="1800" u="sng">
+              <a:rPr lang="en-US" sz="1800" b="1" u="sng" dirty="0">
                 <a:solidFill>
                   <a:schemeClr val="accent1"/>
                 </a:solidFill>
@@ -12071,7 +12240,7 @@
               <a:t>Problem Statement</a:t>
             </a:r>
             <a:r>
-              <a:rPr b="1" lang="en-US" sz="1800">
+              <a:rPr lang="en-US" sz="1800" b="1" dirty="0">
                 <a:solidFill>
                   <a:schemeClr val="accent1"/>
                 </a:solidFill>
@@ -12082,7 +12251,7 @@
               </a:rPr>
               <a:t>  </a:t>
             </a:r>
-            <a:endParaRPr b="1" sz="1800">
+            <a:endParaRPr sz="1800" b="1" dirty="0">
               <a:solidFill>
                 <a:schemeClr val="accent1"/>
               </a:solidFill>
@@ -12093,7 +12262,7 @@
             </a:endParaRPr>
           </a:p>
           <a:p>
-            <a:pPr indent="0" lvl="0" marL="0" rtl="0" algn="l">
+            <a:pPr marL="0" lvl="0" indent="0" algn="l" rtl="0">
               <a:lnSpc>
                 <a:spcPct val="80000"/>
               </a:lnSpc>
@@ -12106,7 +12275,7 @@
               <a:buNone/>
             </a:pPr>
             <a:r>
-              <a:rPr b="1" lang="en-US" sz="1800">
+              <a:rPr lang="en-US" sz="1800" b="1" dirty="0">
                 <a:solidFill>
                   <a:schemeClr val="accent1"/>
                 </a:solidFill>
@@ -12115,9 +12284,33 @@
                 <a:cs typeface="Lato"/>
                 <a:sym typeface="Lato"/>
               </a:rPr>
-              <a:t>The senior leadership team at “NameCo, Inc” would like to create a new smash-hit video game, intended for the hand-held console market.   After much brainstorming, the CEO declares that “People love drama, so let’s create a new “Barbie Adventure Game”!” </a:t>
+              <a:t>The senior leadership team at “</a:t>
             </a:r>
-            <a:endParaRPr b="1" sz="1800">
+            <a:r>
+              <a:rPr lang="en-US" sz="1800" b="1" dirty="0" err="1">
+                <a:solidFill>
+                  <a:schemeClr val="accent1"/>
+                </a:solidFill>
+                <a:latin typeface="Lato"/>
+                <a:ea typeface="Lato"/>
+                <a:cs typeface="Lato"/>
+                <a:sym typeface="Lato"/>
+              </a:rPr>
+              <a:t>NameCo</a:t>
+            </a:r>
+            <a:r>
+              <a:rPr lang="en-US" sz="1800" b="1" dirty="0">
+                <a:solidFill>
+                  <a:schemeClr val="accent1"/>
+                </a:solidFill>
+                <a:latin typeface="Lato"/>
+                <a:ea typeface="Lato"/>
+                <a:cs typeface="Lato"/>
+                <a:sym typeface="Lato"/>
+              </a:rPr>
+              <a:t>, Inc” would like to create a new smash-hit video game, intended for the hand-held console market.   After much brainstorming, the CEO declares that “People love drama, so let’s create a new “Barbie Adventure Game”!” </a:t>
+            </a:r>
+            <a:endParaRPr sz="1800" b="1" dirty="0">
               <a:solidFill>
                 <a:schemeClr val="accent1"/>
               </a:solidFill>
@@ -12128,7 +12321,7 @@
             </a:endParaRPr>
           </a:p>
           <a:p>
-            <a:pPr indent="0" lvl="0" marL="0" rtl="0" algn="l">
+            <a:pPr marL="0" lvl="0" indent="0" algn="l" rtl="0">
               <a:lnSpc>
                 <a:spcPct val="80000"/>
               </a:lnSpc>
@@ -12140,10 +12333,7 @@
               </a:spcAft>
               <a:buNone/>
             </a:pPr>
-            <a:r>
-              <a:t/>
-            </a:r>
-            <a:endParaRPr b="1" sz="1800">
+            <a:endParaRPr sz="1800" b="1" dirty="0">
               <a:solidFill>
                 <a:schemeClr val="accent1"/>
               </a:solidFill>
@@ -12154,7 +12344,7 @@
             </a:endParaRPr>
           </a:p>
           <a:p>
-            <a:pPr indent="0" lvl="0" marL="0" rtl="0" algn="l">
+            <a:pPr marL="0" lvl="0" indent="0" algn="l" rtl="0">
               <a:lnSpc>
                 <a:spcPct val="80000"/>
               </a:lnSpc>
@@ -12167,7 +12357,7 @@
               <a:buNone/>
             </a:pPr>
             <a:r>
-              <a:rPr b="1" lang="en-US" sz="1800">
+              <a:rPr lang="en-US" sz="1800" b="1" dirty="0">
                 <a:solidFill>
                   <a:schemeClr val="accent1"/>
                 </a:solidFill>
@@ -12178,7 +12368,7 @@
               </a:rPr>
               <a:t>After the meeting, there was an uneasy feeling about investing in a “Barbie Adventure Game”.   Did historical sales information support this claim, or is the CEO just going from his “gut feeling”?  As an analyst, the COO has assigned you a project to gather, store historical gaming console data.  Additionally, the COO would like to create an information dashboard that supports/refutes this claim, using market information you’ve been asked to gather.  </a:t>
             </a:r>
-            <a:endParaRPr b="1" sz="1800">
+            <a:endParaRPr sz="1800" b="1" dirty="0">
               <a:solidFill>
                 <a:schemeClr val="accent1"/>
               </a:solidFill>
@@ -12189,7 +12379,7 @@
             </a:endParaRPr>
           </a:p>
           <a:p>
-            <a:pPr indent="0" lvl="0" marL="457200" rtl="0" algn="l">
+            <a:pPr marL="457200" lvl="0" indent="0" algn="l" rtl="0">
               <a:lnSpc>
                 <a:spcPct val="80000"/>
               </a:lnSpc>
@@ -12201,10 +12391,7 @@
               </a:spcAft>
               <a:buNone/>
             </a:pPr>
-            <a:r>
-              <a:t/>
-            </a:r>
-            <a:endParaRPr b="1" sz="1800">
+            <a:endParaRPr sz="1800" b="1" dirty="0">
               <a:solidFill>
                 <a:schemeClr val="accent1"/>
               </a:solidFill>
@@ -12215,7 +12402,7 @@
             </a:endParaRPr>
           </a:p>
           <a:p>
-            <a:pPr indent="0" lvl="0" marL="457200" rtl="0" algn="l">
+            <a:pPr marL="457200" lvl="0" indent="0" algn="l" rtl="0">
               <a:lnSpc>
                 <a:spcPct val="80000"/>
               </a:lnSpc>
@@ -12228,7 +12415,7 @@
               <a:buNone/>
             </a:pPr>
             <a:r>
-              <a:rPr b="1" lang="en-US" sz="1800">
+              <a:rPr lang="en-US" sz="1800" b="1" dirty="0">
                 <a:solidFill>
                   <a:schemeClr val="accent1"/>
                 </a:solidFill>
@@ -12239,7 +12426,7 @@
               </a:rPr>
               <a:t>  </a:t>
             </a:r>
-            <a:endParaRPr b="1" sz="1800">
+            <a:endParaRPr sz="1800" b="1" dirty="0">
               <a:solidFill>
                 <a:schemeClr val="accent1"/>
               </a:solidFill>
@@ -12250,7 +12437,7 @@
             </a:endParaRPr>
           </a:p>
           <a:p>
-            <a:pPr indent="0" lvl="0" marL="0" marR="0" rtl="0" algn="l">
+            <a:pPr marL="0" marR="0" lvl="0" indent="0" algn="l" rtl="0">
               <a:lnSpc>
                 <a:spcPct val="80000"/>
               </a:lnSpc>
@@ -12262,10 +12449,7 @@
               </a:spcAft>
               <a:buNone/>
             </a:pPr>
-            <a:r>
-              <a:t/>
-            </a:r>
-            <a:endParaRPr/>
+            <a:endParaRPr dirty="0"/>
           </a:p>
         </p:txBody>
       </p:sp>
@@ -12278,7 +12462,7 @@
         <p:spPr>
           <a:xfrm>
             <a:off x="1019150" y="4556600"/>
-            <a:ext cx="5205600" cy="700800"/>
+            <a:ext cx="5270332" cy="700800"/>
           </a:xfrm>
           <a:prstGeom prst="rect">
             <a:avLst/>
@@ -12289,12 +12473,12 @@
           </a:ln>
         </p:spPr>
         <p:txBody>
-          <a:bodyPr anchorCtr="0" anchor="t" bIns="91425" lIns="91425" spcFirstLastPara="1" rIns="91425" wrap="square" tIns="91425">
+          <a:bodyPr spcFirstLastPara="1" wrap="square" lIns="91425" tIns="91425" rIns="91425" bIns="91425" anchor="t" anchorCtr="0">
             <a:noAutofit/>
           </a:bodyPr>
           <a:lstStyle/>
           <a:p>
-            <a:pPr indent="0" lvl="0" marL="0" rtl="0" algn="l">
+            <a:pPr marL="0" lvl="0" indent="0" algn="l" rtl="0">
               <a:lnSpc>
                 <a:spcPct val="80000"/>
               </a:lnSpc>
@@ -12307,7 +12491,7 @@
               <a:buNone/>
             </a:pPr>
             <a:r>
-              <a:rPr b="1" lang="en-US" sz="1800" u="sng">
+              <a:rPr lang="en-US" sz="1800" b="1" u="sng" dirty="0">
                 <a:solidFill>
                   <a:schemeClr val="accent1"/>
                 </a:solidFill>
@@ -12319,7 +12503,7 @@
               <a:t>Project Goal(s)</a:t>
             </a:r>
             <a:r>
-              <a:rPr b="1" lang="en-US" sz="1800">
+              <a:rPr lang="en-US" sz="1800" b="1" dirty="0">
                 <a:solidFill>
                   <a:schemeClr val="accent1"/>
                 </a:solidFill>
@@ -12330,7 +12514,7 @@
               </a:rPr>
               <a:t>:  </a:t>
             </a:r>
-            <a:endParaRPr b="1" sz="1800">
+            <a:endParaRPr sz="1800" b="1" dirty="0">
               <a:solidFill>
                 <a:schemeClr val="accent1"/>
               </a:solidFill>
@@ -12341,7 +12525,7 @@
             </a:endParaRPr>
           </a:p>
           <a:p>
-            <a:pPr indent="-342900" lvl="0" marL="457200" rtl="0" algn="l">
+            <a:pPr marL="457200" lvl="0" indent="-342900" algn="l" rtl="0">
               <a:lnSpc>
                 <a:spcPct val="80000"/>
               </a:lnSpc>
@@ -12359,7 +12543,7 @@
               <a:buAutoNum type="arabicParenR"/>
             </a:pPr>
             <a:r>
-              <a:rPr b="1" lang="en-US" sz="1800">
+              <a:rPr lang="en-US" sz="1800" b="1" dirty="0">
                 <a:solidFill>
                   <a:schemeClr val="accent1"/>
                 </a:solidFill>
@@ -12370,7 +12554,7 @@
               </a:rPr>
               <a:t>Create a dynamic information dashboard that provides senior management insight into the video game console market. </a:t>
             </a:r>
-            <a:endParaRPr b="1" sz="1800">
+            <a:endParaRPr sz="1800" b="1" dirty="0">
               <a:solidFill>
                 <a:schemeClr val="accent1"/>
               </a:solidFill>
@@ -12381,7 +12565,7 @@
             </a:endParaRPr>
           </a:p>
           <a:p>
-            <a:pPr indent="0" lvl="0" marL="457200" rtl="0" algn="l">
+            <a:pPr marL="457200" lvl="0" indent="0" algn="l" rtl="0">
               <a:lnSpc>
                 <a:spcPct val="80000"/>
               </a:lnSpc>
@@ -12393,10 +12577,7 @@
               </a:spcAft>
               <a:buNone/>
             </a:pPr>
-            <a:r>
-              <a:t/>
-            </a:r>
-            <a:endParaRPr b="1" sz="1800">
+            <a:endParaRPr sz="1800" b="1" dirty="0">
               <a:solidFill>
                 <a:schemeClr val="accent1"/>
               </a:solidFill>
@@ -12407,7 +12588,7 @@
             </a:endParaRPr>
           </a:p>
           <a:p>
-            <a:pPr indent="-342900" lvl="0" marL="457200" rtl="0" algn="l">
+            <a:pPr marL="457200" lvl="0" indent="-342900" algn="l" rtl="0">
               <a:lnSpc>
                 <a:spcPct val="80000"/>
               </a:lnSpc>
@@ -12425,7 +12606,7 @@
               <a:buAutoNum type="arabicParenR"/>
             </a:pPr>
             <a:r>
-              <a:rPr b="1" lang="en-US" sz="1800">
+              <a:rPr lang="en-US" sz="1800" b="1" dirty="0">
                 <a:solidFill>
                   <a:schemeClr val="accent1"/>
                 </a:solidFill>
@@ -12436,7 +12617,7 @@
               </a:rPr>
               <a:t>Create data structures that allow for the automated storage of future console/game information.   </a:t>
             </a:r>
-            <a:endParaRPr b="1" sz="1800">
+            <a:endParaRPr sz="1800" b="1" dirty="0">
               <a:solidFill>
                 <a:schemeClr val="accent1"/>
               </a:solidFill>
@@ -12447,7 +12628,7 @@
             </a:endParaRPr>
           </a:p>
           <a:p>
-            <a:pPr indent="0" lvl="0" marL="0" marR="0" rtl="0" algn="l">
+            <a:pPr marL="0" marR="0" lvl="0" indent="0" algn="l" rtl="0">
               <a:lnSpc>
                 <a:spcPct val="80000"/>
               </a:lnSpc>
@@ -12459,10 +12640,7 @@
               </a:spcAft>
               <a:buNone/>
             </a:pPr>
-            <a:r>
-              <a:t/>
-            </a:r>
-            <a:endParaRPr/>
+            <a:endParaRPr dirty="0"/>
           </a:p>
         </p:txBody>
       </p:sp>
@@ -12475,7 +12653,288 @@
 </file>
 
 <file path=ppt/theme/theme1.xml><?xml version="1.0" encoding="utf-8"?>
-<a:theme xmlns:a="http://schemas.openxmlformats.org/drawingml/2006/main" xmlns:r="http://schemas.openxmlformats.org/officeDocument/2006/relationships" name="Office Theme">
+<a:theme xmlns:a="http://schemas.openxmlformats.org/drawingml/2006/main" name="Streamline">
+  <a:themeElements>
+    <a:clrScheme name="Streamline">
+      <a:dk1>
+        <a:srgbClr val="1A9988"/>
+      </a:dk1>
+      <a:lt1>
+        <a:srgbClr val="FFFFFF"/>
+      </a:lt1>
+      <a:dk2>
+        <a:srgbClr val="1A1A1A"/>
+      </a:dk2>
+      <a:lt2>
+        <a:srgbClr val="E9EDEE"/>
+      </a:lt2>
+      <a:accent1>
+        <a:srgbClr val="595959"/>
+      </a:accent1>
+      <a:accent2>
+        <a:srgbClr val="6AA4C8"/>
+      </a:accent2>
+      <a:accent3>
+        <a:srgbClr val="EB5600"/>
+      </a:accent3>
+      <a:accent4>
+        <a:srgbClr val="A2FFE8"/>
+      </a:accent4>
+      <a:accent5>
+        <a:srgbClr val="1C3678"/>
+      </a:accent5>
+      <a:accent6>
+        <a:srgbClr val="FFB8A2"/>
+      </a:accent6>
+      <a:hlink>
+        <a:srgbClr val="1C3678"/>
+      </a:hlink>
+      <a:folHlink>
+        <a:srgbClr val="1C3678"/>
+      </a:folHlink>
+    </a:clrScheme>
+    <a:fontScheme name="Office">
+      <a:majorFont>
+        <a:latin typeface="Arial"/>
+        <a:ea typeface=""/>
+        <a:cs typeface=""/>
+        <a:font script="Jpan" typeface="ＭＳ Ｐゴシック"/>
+        <a:font script="Hang" typeface="맑은 고딕"/>
+        <a:font script="Hans" typeface="宋体"/>
+        <a:font script="Hant" typeface="新細明體"/>
+        <a:font script="Arab" typeface="Times New Roman"/>
+        <a:font script="Hebr" typeface="Times New Roman"/>
+        <a:font script="Thai" typeface="Angsana New"/>
+        <a:font script="Ethi" typeface="Nyala"/>
+        <a:font script="Beng" typeface="Vrinda"/>
+        <a:font script="Gujr" typeface="Shruti"/>
+        <a:font script="Khmr" typeface="MoolBoran"/>
+        <a:font script="Knda" typeface="Tunga"/>
+        <a:font script="Guru" typeface="Raavi"/>
+        <a:font script="Cans" typeface="Euphemia"/>
+        <a:font script="Cher" typeface="Plantagenet Cherokee"/>
+        <a:font script="Yiii" typeface="Microsoft Yi Baiti"/>
+        <a:font script="Tibt" typeface="Microsoft Himalaya"/>
+        <a:font script="Thaa" typeface="MV Boli"/>
+        <a:font script="Deva" typeface="Mangal"/>
+        <a:font script="Telu" typeface="Gautami"/>
+        <a:font script="Taml" typeface="Latha"/>
+        <a:font script="Syrc" typeface="Estrangelo Edessa"/>
+        <a:font script="Orya" typeface="Kalinga"/>
+        <a:font script="Mlym" typeface="Kartika"/>
+        <a:font script="Laoo" typeface="DokChampa"/>
+        <a:font script="Sinh" typeface="Iskoola Pota"/>
+        <a:font script="Mong" typeface="Mongolian Baiti"/>
+        <a:font script="Viet" typeface="Times New Roman"/>
+        <a:font script="Uigh" typeface="Microsoft Uighur"/>
+        <a:font script="Geor" typeface="Sylfaen"/>
+      </a:majorFont>
+      <a:minorFont>
+        <a:latin typeface="Arial"/>
+        <a:ea typeface=""/>
+        <a:cs typeface=""/>
+        <a:font script="Jpan" typeface="ＭＳ Ｐゴシック"/>
+        <a:font script="Hang" typeface="맑은 고딕"/>
+        <a:font script="Hans" typeface="宋体"/>
+        <a:font script="Hant" typeface="新細明體"/>
+        <a:font script="Arab" typeface="Arial"/>
+        <a:font script="Hebr" typeface="Arial"/>
+        <a:font script="Thai" typeface="Cordia New"/>
+        <a:font script="Ethi" typeface="Nyala"/>
+        <a:font script="Beng" typeface="Vrinda"/>
+        <a:font script="Gujr" typeface="Shruti"/>
+        <a:font script="Khmr" typeface="DaunPenh"/>
+        <a:font script="Knda" typeface="Tunga"/>
+        <a:font script="Guru" typeface="Raavi"/>
+        <a:font script="Cans" typeface="Euphemia"/>
+        <a:font script="Cher" typeface="Plantagenet Cherokee"/>
+        <a:font script="Yiii" typeface="Microsoft Yi Baiti"/>
+        <a:font script="Tibt" typeface="Microsoft Himalaya"/>
+        <a:font script="Thaa" typeface="MV Boli"/>
+        <a:font script="Deva" typeface="Mangal"/>
+        <a:font script="Telu" typeface="Gautami"/>
+        <a:font script="Taml" typeface="Latha"/>
+        <a:font script="Syrc" typeface="Estrangelo Edessa"/>
+        <a:font script="Orya" typeface="Kalinga"/>
+        <a:font script="Mlym" typeface="Kartika"/>
+        <a:font script="Laoo" typeface="DokChampa"/>
+        <a:font script="Sinh" typeface="Iskoola Pota"/>
+        <a:font script="Mong" typeface="Mongolian Baiti"/>
+        <a:font script="Viet" typeface="Arial"/>
+        <a:font script="Uigh" typeface="Microsoft Uighur"/>
+        <a:font script="Geor" typeface="Sylfaen"/>
+      </a:minorFont>
+    </a:fontScheme>
+    <a:fmtScheme name="Office">
+      <a:fillStyleLst>
+        <a:solidFill>
+          <a:schemeClr val="phClr"/>
+        </a:solidFill>
+        <a:gradFill rotWithShape="1">
+          <a:gsLst>
+            <a:gs pos="0">
+              <a:schemeClr val="phClr">
+                <a:tint val="50000"/>
+                <a:satMod val="300000"/>
+              </a:schemeClr>
+            </a:gs>
+            <a:gs pos="35000">
+              <a:schemeClr val="phClr">
+                <a:tint val="37000"/>
+                <a:satMod val="300000"/>
+              </a:schemeClr>
+            </a:gs>
+            <a:gs pos="100000">
+              <a:schemeClr val="phClr">
+                <a:tint val="15000"/>
+                <a:satMod val="350000"/>
+              </a:schemeClr>
+            </a:gs>
+          </a:gsLst>
+          <a:lin ang="16200000" scaled="1"/>
+        </a:gradFill>
+        <a:gradFill rotWithShape="1">
+          <a:gsLst>
+            <a:gs pos="0">
+              <a:schemeClr val="phClr">
+                <a:tint val="100000"/>
+                <a:shade val="100000"/>
+                <a:satMod val="130000"/>
+              </a:schemeClr>
+            </a:gs>
+            <a:gs pos="100000">
+              <a:schemeClr val="phClr">
+                <a:tint val="50000"/>
+                <a:shade val="100000"/>
+                <a:satMod val="350000"/>
+              </a:schemeClr>
+            </a:gs>
+          </a:gsLst>
+          <a:lin ang="16200000" scaled="0"/>
+        </a:gradFill>
+      </a:fillStyleLst>
+      <a:lnStyleLst>
+        <a:ln w="9525" cap="flat" cmpd="sng" algn="ctr">
+          <a:solidFill>
+            <a:schemeClr val="phClr">
+              <a:shade val="95000"/>
+              <a:satMod val="105000"/>
+            </a:schemeClr>
+          </a:solidFill>
+          <a:prstDash val="solid"/>
+        </a:ln>
+        <a:ln w="25400" cap="flat" cmpd="sng" algn="ctr">
+          <a:solidFill>
+            <a:schemeClr val="phClr"/>
+          </a:solidFill>
+          <a:prstDash val="solid"/>
+        </a:ln>
+        <a:ln w="38100" cap="flat" cmpd="sng" algn="ctr">
+          <a:solidFill>
+            <a:schemeClr val="phClr"/>
+          </a:solidFill>
+          <a:prstDash val="solid"/>
+        </a:ln>
+      </a:lnStyleLst>
+      <a:effectStyleLst>
+        <a:effectStyle>
+          <a:effectLst>
+            <a:outerShdw blurRad="40000" dist="20000" dir="5400000" rotWithShape="0">
+              <a:srgbClr val="000000">
+                <a:alpha val="38000"/>
+              </a:srgbClr>
+            </a:outerShdw>
+          </a:effectLst>
+        </a:effectStyle>
+        <a:effectStyle>
+          <a:effectLst>
+            <a:outerShdw blurRad="40000" dist="23000" dir="5400000" rotWithShape="0">
+              <a:srgbClr val="000000">
+                <a:alpha val="35000"/>
+              </a:srgbClr>
+            </a:outerShdw>
+          </a:effectLst>
+        </a:effectStyle>
+        <a:effectStyle>
+          <a:effectLst>
+            <a:outerShdw blurRad="40000" dist="23000" dir="5400000" rotWithShape="0">
+              <a:srgbClr val="000000">
+                <a:alpha val="35000"/>
+              </a:srgbClr>
+            </a:outerShdw>
+          </a:effectLst>
+          <a:scene3d>
+            <a:camera prst="orthographicFront">
+              <a:rot lat="0" lon="0" rev="0"/>
+            </a:camera>
+            <a:lightRig rig="threePt" dir="t">
+              <a:rot lat="0" lon="0" rev="1200000"/>
+            </a:lightRig>
+          </a:scene3d>
+          <a:sp3d>
+            <a:bevelT w="63500" h="25400"/>
+          </a:sp3d>
+        </a:effectStyle>
+      </a:effectStyleLst>
+      <a:bgFillStyleLst>
+        <a:solidFill>
+          <a:schemeClr val="phClr"/>
+        </a:solidFill>
+        <a:gradFill rotWithShape="1">
+          <a:gsLst>
+            <a:gs pos="0">
+              <a:schemeClr val="phClr">
+                <a:tint val="40000"/>
+                <a:satMod val="350000"/>
+              </a:schemeClr>
+            </a:gs>
+            <a:gs pos="40000">
+              <a:schemeClr val="phClr">
+                <a:tint val="45000"/>
+                <a:shade val="99000"/>
+                <a:satMod val="350000"/>
+              </a:schemeClr>
+            </a:gs>
+            <a:gs pos="100000">
+              <a:schemeClr val="phClr">
+                <a:shade val="20000"/>
+                <a:satMod val="255000"/>
+              </a:schemeClr>
+            </a:gs>
+          </a:gsLst>
+          <a:path path="circle">
+            <a:fillToRect l="50000" t="-80000" r="50000" b="180000"/>
+          </a:path>
+        </a:gradFill>
+        <a:gradFill rotWithShape="1">
+          <a:gsLst>
+            <a:gs pos="0">
+              <a:schemeClr val="phClr">
+                <a:tint val="80000"/>
+                <a:satMod val="300000"/>
+              </a:schemeClr>
+            </a:gs>
+            <a:gs pos="100000">
+              <a:schemeClr val="phClr">
+                <a:shade val="30000"/>
+                <a:satMod val="200000"/>
+              </a:schemeClr>
+            </a:gs>
+          </a:gsLst>
+          <a:path path="circle">
+            <a:fillToRect l="50000" t="50000" r="50000" b="50000"/>
+          </a:path>
+        </a:gradFill>
+      </a:bgFillStyleLst>
+    </a:fmtScheme>
+  </a:themeElements>
+  <a:objectDefaults/>
+  <a:extraClrSchemeLst/>
+</a:theme>
+</file>
+
+<file path=ppt/theme/theme2.xml><?xml version="1.0" encoding="utf-8"?>
+<a:theme xmlns:a="http://schemas.openxmlformats.org/drawingml/2006/main" name="Office Theme">
   <a:themeElements>
     <a:clrScheme name="Office">
       <a:dk1>
@@ -12750,284 +13209,7 @@
       </a:bgFillStyleLst>
     </a:fmtScheme>
   </a:themeElements>
-</a:theme>
-</file>
-
-<file path=ppt/theme/theme2.xml><?xml version="1.0" encoding="utf-8"?>
-<a:theme xmlns:a="http://schemas.openxmlformats.org/drawingml/2006/main" xmlns:r="http://schemas.openxmlformats.org/officeDocument/2006/relationships" name="Streamline">
-  <a:themeElements>
-    <a:clrScheme name="Streamline">
-      <a:dk1>
-        <a:srgbClr val="1A9988"/>
-      </a:dk1>
-      <a:lt1>
-        <a:srgbClr val="FFFFFF"/>
-      </a:lt1>
-      <a:dk2>
-        <a:srgbClr val="1A1A1A"/>
-      </a:dk2>
-      <a:lt2>
-        <a:srgbClr val="E9EDEE"/>
-      </a:lt2>
-      <a:accent1>
-        <a:srgbClr val="595959"/>
-      </a:accent1>
-      <a:accent2>
-        <a:srgbClr val="6AA4C8"/>
-      </a:accent2>
-      <a:accent3>
-        <a:srgbClr val="EB5600"/>
-      </a:accent3>
-      <a:accent4>
-        <a:srgbClr val="A2FFE8"/>
-      </a:accent4>
-      <a:accent5>
-        <a:srgbClr val="1C3678"/>
-      </a:accent5>
-      <a:accent6>
-        <a:srgbClr val="FFB8A2"/>
-      </a:accent6>
-      <a:hlink>
-        <a:srgbClr val="1C3678"/>
-      </a:hlink>
-      <a:folHlink>
-        <a:srgbClr val="1C3678"/>
-      </a:folHlink>
-    </a:clrScheme>
-    <a:fontScheme name="Office">
-      <a:majorFont>
-        <a:latin typeface="Arial"/>
-        <a:ea typeface=""/>
-        <a:cs typeface=""/>
-        <a:font script="Jpan" typeface="ＭＳ Ｐゴシック"/>
-        <a:font script="Hang" typeface="맑은 고딕"/>
-        <a:font script="Hans" typeface="宋体"/>
-        <a:font script="Hant" typeface="新細明體"/>
-        <a:font script="Arab" typeface="Times New Roman"/>
-        <a:font script="Hebr" typeface="Times New Roman"/>
-        <a:font script="Thai" typeface="Angsana New"/>
-        <a:font script="Ethi" typeface="Nyala"/>
-        <a:font script="Beng" typeface="Vrinda"/>
-        <a:font script="Gujr" typeface="Shruti"/>
-        <a:font script="Khmr" typeface="MoolBoran"/>
-        <a:font script="Knda" typeface="Tunga"/>
-        <a:font script="Guru" typeface="Raavi"/>
-        <a:font script="Cans" typeface="Euphemia"/>
-        <a:font script="Cher" typeface="Plantagenet Cherokee"/>
-        <a:font script="Yiii" typeface="Microsoft Yi Baiti"/>
-        <a:font script="Tibt" typeface="Microsoft Himalaya"/>
-        <a:font script="Thaa" typeface="MV Boli"/>
-        <a:font script="Deva" typeface="Mangal"/>
-        <a:font script="Telu" typeface="Gautami"/>
-        <a:font script="Taml" typeface="Latha"/>
-        <a:font script="Syrc" typeface="Estrangelo Edessa"/>
-        <a:font script="Orya" typeface="Kalinga"/>
-        <a:font script="Mlym" typeface="Kartika"/>
-        <a:font script="Laoo" typeface="DokChampa"/>
-        <a:font script="Sinh" typeface="Iskoola Pota"/>
-        <a:font script="Mong" typeface="Mongolian Baiti"/>
-        <a:font script="Viet" typeface="Times New Roman"/>
-        <a:font script="Uigh" typeface="Microsoft Uighur"/>
-        <a:font script="Geor" typeface="Sylfaen"/>
-      </a:majorFont>
-      <a:minorFont>
-        <a:latin typeface="Arial"/>
-        <a:ea typeface=""/>
-        <a:cs typeface=""/>
-        <a:font script="Jpan" typeface="ＭＳ Ｐゴシック"/>
-        <a:font script="Hang" typeface="맑은 고딕"/>
-        <a:font script="Hans" typeface="宋体"/>
-        <a:font script="Hant" typeface="新細明體"/>
-        <a:font script="Arab" typeface="Arial"/>
-        <a:font script="Hebr" typeface="Arial"/>
-        <a:font script="Thai" typeface="Cordia New"/>
-        <a:font script="Ethi" typeface="Nyala"/>
-        <a:font script="Beng" typeface="Vrinda"/>
-        <a:font script="Gujr" typeface="Shruti"/>
-        <a:font script="Khmr" typeface="DaunPenh"/>
-        <a:font script="Knda" typeface="Tunga"/>
-        <a:font script="Guru" typeface="Raavi"/>
-        <a:font script="Cans" typeface="Euphemia"/>
-        <a:font script="Cher" typeface="Plantagenet Cherokee"/>
-        <a:font script="Yiii" typeface="Microsoft Yi Baiti"/>
-        <a:font script="Tibt" typeface="Microsoft Himalaya"/>
-        <a:font script="Thaa" typeface="MV Boli"/>
-        <a:font script="Deva" typeface="Mangal"/>
-        <a:font script="Telu" typeface="Gautami"/>
-        <a:font script="Taml" typeface="Latha"/>
-        <a:font script="Syrc" typeface="Estrangelo Edessa"/>
-        <a:font script="Orya" typeface="Kalinga"/>
-        <a:font script="Mlym" typeface="Kartika"/>
-        <a:font script="Laoo" typeface="DokChampa"/>
-        <a:font script="Sinh" typeface="Iskoola Pota"/>
-        <a:font script="Mong" typeface="Mongolian Baiti"/>
-        <a:font script="Viet" typeface="Arial"/>
-        <a:font script="Uigh" typeface="Microsoft Uighur"/>
-        <a:font script="Geor" typeface="Sylfaen"/>
-      </a:minorFont>
-    </a:fontScheme>
-    <a:fmtScheme name="Office">
-      <a:fillStyleLst>
-        <a:solidFill>
-          <a:schemeClr val="phClr"/>
-        </a:solidFill>
-        <a:gradFill rotWithShape="1">
-          <a:gsLst>
-            <a:gs pos="0">
-              <a:schemeClr val="phClr">
-                <a:tint val="50000"/>
-                <a:satMod val="300000"/>
-              </a:schemeClr>
-            </a:gs>
-            <a:gs pos="35000">
-              <a:schemeClr val="phClr">
-                <a:tint val="37000"/>
-                <a:satMod val="300000"/>
-              </a:schemeClr>
-            </a:gs>
-            <a:gs pos="100000">
-              <a:schemeClr val="phClr">
-                <a:tint val="15000"/>
-                <a:satMod val="350000"/>
-              </a:schemeClr>
-            </a:gs>
-          </a:gsLst>
-          <a:lin ang="16200000" scaled="1"/>
-        </a:gradFill>
-        <a:gradFill rotWithShape="1">
-          <a:gsLst>
-            <a:gs pos="0">
-              <a:schemeClr val="phClr">
-                <a:tint val="100000"/>
-                <a:shade val="100000"/>
-                <a:satMod val="130000"/>
-              </a:schemeClr>
-            </a:gs>
-            <a:gs pos="100000">
-              <a:schemeClr val="phClr">
-                <a:tint val="50000"/>
-                <a:shade val="100000"/>
-                <a:satMod val="350000"/>
-              </a:schemeClr>
-            </a:gs>
-          </a:gsLst>
-          <a:lin ang="16200000" scaled="0"/>
-        </a:gradFill>
-      </a:fillStyleLst>
-      <a:lnStyleLst>
-        <a:ln w="9525" cap="flat" cmpd="sng" algn="ctr">
-          <a:solidFill>
-            <a:schemeClr val="phClr">
-              <a:shade val="95000"/>
-              <a:satMod val="105000"/>
-            </a:schemeClr>
-          </a:solidFill>
-          <a:prstDash val="solid"/>
-        </a:ln>
-        <a:ln w="25400" cap="flat" cmpd="sng" algn="ctr">
-          <a:solidFill>
-            <a:schemeClr val="phClr"/>
-          </a:solidFill>
-          <a:prstDash val="solid"/>
-        </a:ln>
-        <a:ln w="38100" cap="flat" cmpd="sng" algn="ctr">
-          <a:solidFill>
-            <a:schemeClr val="phClr"/>
-          </a:solidFill>
-          <a:prstDash val="solid"/>
-        </a:ln>
-      </a:lnStyleLst>
-      <a:effectStyleLst>
-        <a:effectStyle>
-          <a:effectLst>
-            <a:outerShdw blurRad="40000" dist="20000" dir="5400000" rotWithShape="0">
-              <a:srgbClr val="000000">
-                <a:alpha val="38000"/>
-              </a:srgbClr>
-            </a:outerShdw>
-          </a:effectLst>
-        </a:effectStyle>
-        <a:effectStyle>
-          <a:effectLst>
-            <a:outerShdw blurRad="40000" dist="23000" dir="5400000" rotWithShape="0">
-              <a:srgbClr val="000000">
-                <a:alpha val="35000"/>
-              </a:srgbClr>
-            </a:outerShdw>
-          </a:effectLst>
-        </a:effectStyle>
-        <a:effectStyle>
-          <a:effectLst>
-            <a:outerShdw blurRad="40000" dist="23000" dir="5400000" rotWithShape="0">
-              <a:srgbClr val="000000">
-                <a:alpha val="35000"/>
-              </a:srgbClr>
-            </a:outerShdw>
-          </a:effectLst>
-          <a:scene3d>
-            <a:camera prst="orthographicFront">
-              <a:rot lat="0" lon="0" rev="0"/>
-            </a:camera>
-            <a:lightRig rig="threePt" dir="t">
-              <a:rot lat="0" lon="0" rev="1200000"/>
-            </a:lightRig>
-          </a:scene3d>
-          <a:sp3d>
-            <a:bevelT w="63500" h="25400"/>
-          </a:sp3d>
-        </a:effectStyle>
-      </a:effectStyleLst>
-      <a:bgFillStyleLst>
-        <a:solidFill>
-          <a:schemeClr val="phClr"/>
-        </a:solidFill>
-        <a:gradFill rotWithShape="1">
-          <a:gsLst>
-            <a:gs pos="0">
-              <a:schemeClr val="phClr">
-                <a:tint val="40000"/>
-                <a:satMod val="350000"/>
-              </a:schemeClr>
-            </a:gs>
-            <a:gs pos="40000">
-              <a:schemeClr val="phClr">
-                <a:tint val="45000"/>
-                <a:shade val="99000"/>
-                <a:satMod val="350000"/>
-              </a:schemeClr>
-            </a:gs>
-            <a:gs pos="100000">
-              <a:schemeClr val="phClr">
-                <a:shade val="20000"/>
-                <a:satMod val="255000"/>
-              </a:schemeClr>
-            </a:gs>
-          </a:gsLst>
-          <a:path path="circle">
-            <a:fillToRect l="50000" t="-80000" r="50000" b="180000"/>
-          </a:path>
-        </a:gradFill>
-        <a:gradFill rotWithShape="1">
-          <a:gsLst>
-            <a:gs pos="0">
-              <a:schemeClr val="phClr">
-                <a:tint val="80000"/>
-                <a:satMod val="300000"/>
-              </a:schemeClr>
-            </a:gs>
-            <a:gs pos="100000">
-              <a:schemeClr val="phClr">
-                <a:shade val="30000"/>
-                <a:satMod val="200000"/>
-              </a:schemeClr>
-            </a:gs>
-          </a:gsLst>
-          <a:path path="circle">
-            <a:fillToRect l="50000" t="50000" r="50000" b="50000"/>
-          </a:path>
-        </a:gradFill>
-      </a:bgFillStyleLst>
-    </a:fmtScheme>
-  </a:themeElements>
+  <a:objectDefaults/>
+  <a:extraClrSchemeLst/>
 </a:theme>
 </file>